--- a/Doc/Prezicere pret actiuni.pptx
+++ b/Doc/Prezicere pret actiuni.pptx
@@ -9,6 +9,7 @@
     <p:sldId id="257" r:id="rId3"/>
     <p:sldId id="258" r:id="rId4"/>
     <p:sldId id="259" r:id="rId5"/>
+    <p:sldId id="260" r:id="rId6"/>
   </p:sldIdLst>
   <p:sldSz cx="12192000" cy="6858000"/>
   <p:notesSz cx="6858000" cy="9144000"/>
@@ -107,6 +108,11 @@
       </a:defRPr>
     </a:lvl9pPr>
   </p:defaultTextStyle>
+  <p:extLst>
+    <p:ext uri="{EFAFB233-063F-42B5-8137-9DF3F51BA10A}">
+      <p15:sldGuideLst xmlns:p15="http://schemas.microsoft.com/office/powerpoint/2012/main"/>
+    </p:ext>
+  </p:extLst>
 </p:presentation>
 </file>
 
@@ -259,7 +265,7 @@
           <a:p>
             <a:fld id="{D26A27A1-E3F0-46DF-91D7-3DE2967E6C8E}" type="datetimeFigureOut">
               <a:rPr lang="de-DE" smtClean="0"/>
-              <a:t>24.04.2025</a:t>
+              <a:t>27.04.2025</a:t>
             </a:fld>
             <a:endParaRPr lang="de-DE"/>
           </a:p>
@@ -459,7 +465,7 @@
           <a:p>
             <a:fld id="{D26A27A1-E3F0-46DF-91D7-3DE2967E6C8E}" type="datetimeFigureOut">
               <a:rPr lang="de-DE" smtClean="0"/>
-              <a:t>24.04.2025</a:t>
+              <a:t>27.04.2025</a:t>
             </a:fld>
             <a:endParaRPr lang="de-DE"/>
           </a:p>
@@ -669,7 +675,7 @@
           <a:p>
             <a:fld id="{D26A27A1-E3F0-46DF-91D7-3DE2967E6C8E}" type="datetimeFigureOut">
               <a:rPr lang="de-DE" smtClean="0"/>
-              <a:t>24.04.2025</a:t>
+              <a:t>27.04.2025</a:t>
             </a:fld>
             <a:endParaRPr lang="de-DE"/>
           </a:p>
@@ -869,7 +875,7 @@
           <a:p>
             <a:fld id="{D26A27A1-E3F0-46DF-91D7-3DE2967E6C8E}" type="datetimeFigureOut">
               <a:rPr lang="de-DE" smtClean="0"/>
-              <a:t>24.04.2025</a:t>
+              <a:t>27.04.2025</a:t>
             </a:fld>
             <a:endParaRPr lang="de-DE"/>
           </a:p>
@@ -1145,7 +1151,7 @@
           <a:p>
             <a:fld id="{D26A27A1-E3F0-46DF-91D7-3DE2967E6C8E}" type="datetimeFigureOut">
               <a:rPr lang="de-DE" smtClean="0"/>
-              <a:t>24.04.2025</a:t>
+              <a:t>27.04.2025</a:t>
             </a:fld>
             <a:endParaRPr lang="de-DE"/>
           </a:p>
@@ -1413,7 +1419,7 @@
           <a:p>
             <a:fld id="{D26A27A1-E3F0-46DF-91D7-3DE2967E6C8E}" type="datetimeFigureOut">
               <a:rPr lang="de-DE" smtClean="0"/>
-              <a:t>24.04.2025</a:t>
+              <a:t>27.04.2025</a:t>
             </a:fld>
             <a:endParaRPr lang="de-DE"/>
           </a:p>
@@ -1828,7 +1834,7 @@
           <a:p>
             <a:fld id="{D26A27A1-E3F0-46DF-91D7-3DE2967E6C8E}" type="datetimeFigureOut">
               <a:rPr lang="de-DE" smtClean="0"/>
-              <a:t>24.04.2025</a:t>
+              <a:t>27.04.2025</a:t>
             </a:fld>
             <a:endParaRPr lang="de-DE"/>
           </a:p>
@@ -1970,7 +1976,7 @@
           <a:p>
             <a:fld id="{D26A27A1-E3F0-46DF-91D7-3DE2967E6C8E}" type="datetimeFigureOut">
               <a:rPr lang="de-DE" smtClean="0"/>
-              <a:t>24.04.2025</a:t>
+              <a:t>27.04.2025</a:t>
             </a:fld>
             <a:endParaRPr lang="de-DE"/>
           </a:p>
@@ -2083,7 +2089,7 @@
           <a:p>
             <a:fld id="{D26A27A1-E3F0-46DF-91D7-3DE2967E6C8E}" type="datetimeFigureOut">
               <a:rPr lang="de-DE" smtClean="0"/>
-              <a:t>24.04.2025</a:t>
+              <a:t>27.04.2025</a:t>
             </a:fld>
             <a:endParaRPr lang="de-DE"/>
           </a:p>
@@ -2396,7 +2402,7 @@
           <a:p>
             <a:fld id="{D26A27A1-E3F0-46DF-91D7-3DE2967E6C8E}" type="datetimeFigureOut">
               <a:rPr lang="de-DE" smtClean="0"/>
-              <a:t>24.04.2025</a:t>
+              <a:t>27.04.2025</a:t>
             </a:fld>
             <a:endParaRPr lang="de-DE"/>
           </a:p>
@@ -2685,7 +2691,7 @@
           <a:p>
             <a:fld id="{D26A27A1-E3F0-46DF-91D7-3DE2967E6C8E}" type="datetimeFigureOut">
               <a:rPr lang="de-DE" smtClean="0"/>
-              <a:t>24.04.2025</a:t>
+              <a:t>27.04.2025</a:t>
             </a:fld>
             <a:endParaRPr lang="de-DE"/>
           </a:p>
@@ -2928,7 +2934,7 @@
           <a:p>
             <a:fld id="{D26A27A1-E3F0-46DF-91D7-3DE2967E6C8E}" type="datetimeFigureOut">
               <a:rPr lang="de-DE" smtClean="0"/>
-              <a:t>24.04.2025</a:t>
+              <a:t>27.04.2025</a:t>
             </a:fld>
             <a:endParaRPr lang="de-DE"/>
           </a:p>
@@ -4459,6 +4465,226 @@
     <p:extLst>
       <p:ext uri="{BB962C8B-B14F-4D97-AF65-F5344CB8AC3E}">
         <p14:creationId xmlns:p14="http://schemas.microsoft.com/office/powerpoint/2010/main" val="1331612692"/>
+      </p:ext>
+    </p:extLst>
+  </p:cSld>
+  <p:clrMapOvr>
+    <a:masterClrMapping/>
+  </p:clrMapOvr>
+</p:sld>
+</file>
+
+<file path=ppt/slides/slide5.xml><?xml version="1.0" encoding="utf-8"?>
+<p:sld xmlns:a="http://schemas.openxmlformats.org/drawingml/2006/main" xmlns:r="http://schemas.openxmlformats.org/officeDocument/2006/relationships" xmlns:p="http://schemas.openxmlformats.org/presentationml/2006/main">
+  <p:cSld>
+    <p:spTree>
+      <p:nvGrpSpPr>
+        <p:cNvPr id="1" name=""/>
+        <p:cNvGrpSpPr/>
+        <p:nvPr/>
+      </p:nvGrpSpPr>
+      <p:grpSpPr>
+        <a:xfrm>
+          <a:off x="0" y="0"/>
+          <a:ext cx="0" cy="0"/>
+          <a:chOff x="0" y="0"/>
+          <a:chExt cx="0" cy="0"/>
+        </a:xfrm>
+      </p:grpSpPr>
+      <p:sp>
+        <p:nvSpPr>
+          <p:cNvPr id="2" name="Title 1">
+            <a:extLst>
+              <a:ext uri="{FF2B5EF4-FFF2-40B4-BE49-F238E27FC236}">
+                <a16:creationId xmlns:a16="http://schemas.microsoft.com/office/drawing/2014/main" id="{68CD8C2C-30D3-2A0D-F988-86879D876180}"/>
+              </a:ext>
+            </a:extLst>
+          </p:cNvPr>
+          <p:cNvSpPr>
+            <a:spLocks noGrp="1"/>
+          </p:cNvSpPr>
+          <p:nvPr>
+            <p:ph type="title"/>
+          </p:nvPr>
+        </p:nvSpPr>
+        <p:spPr/>
+        <p:txBody>
+          <a:bodyPr/>
+          <a:lstStyle/>
+          <a:p>
+            <a:r>
+              <a:rPr lang="en-GB" dirty="0" err="1"/>
+              <a:t>Scalarea</a:t>
+            </a:r>
+            <a:r>
+              <a:rPr lang="en-GB" dirty="0"/>
+              <a:t> </a:t>
+            </a:r>
+            <a:r>
+              <a:rPr lang="en-GB" dirty="0" err="1"/>
+              <a:t>datelor</a:t>
+            </a:r>
+            <a:r>
+              <a:rPr lang="en-GB" dirty="0"/>
+              <a:t> de </a:t>
+            </a:r>
+            <a:r>
+              <a:rPr lang="en-GB" dirty="0" err="1"/>
+              <a:t>intrare</a:t>
+            </a:r>
+            <a:r>
+              <a:rPr lang="en-GB" dirty="0"/>
+              <a:t>	</a:t>
+            </a:r>
+            <a:endParaRPr lang="de-DE" dirty="0"/>
+          </a:p>
+        </p:txBody>
+      </p:sp>
+      <p:sp>
+        <p:nvSpPr>
+          <p:cNvPr id="3" name="Content Placeholder 2">
+            <a:extLst>
+              <a:ext uri="{FF2B5EF4-FFF2-40B4-BE49-F238E27FC236}">
+                <a16:creationId xmlns:a16="http://schemas.microsoft.com/office/drawing/2014/main" id="{258FA0F8-497F-E349-B43B-A591F6A942A2}"/>
+              </a:ext>
+            </a:extLst>
+          </p:cNvPr>
+          <p:cNvSpPr>
+            <a:spLocks noGrp="1"/>
+          </p:cNvSpPr>
+          <p:nvPr>
+            <p:ph idx="1"/>
+          </p:nvPr>
+        </p:nvSpPr>
+        <p:spPr/>
+        <p:txBody>
+          <a:bodyPr/>
+          <a:lstStyle/>
+          <a:p>
+            <a:r>
+              <a:rPr lang="en-GB" dirty="0"/>
+              <a:t>LSTM merge cu Valori </a:t>
+            </a:r>
+            <a:r>
+              <a:rPr lang="en-GB" dirty="0" err="1"/>
+              <a:t>intre</a:t>
+            </a:r>
+            <a:r>
+              <a:rPr lang="en-GB" dirty="0"/>
+              <a:t> -1..1. </a:t>
+            </a:r>
+            <a:r>
+              <a:rPr lang="en-GB" dirty="0" err="1"/>
+              <a:t>Vom</a:t>
+            </a:r>
+            <a:r>
+              <a:rPr lang="en-GB" dirty="0"/>
+              <a:t> </a:t>
+            </a:r>
+            <a:r>
+              <a:rPr lang="en-GB" dirty="0" err="1"/>
+              <a:t>folosi</a:t>
+            </a:r>
+            <a:r>
+              <a:rPr lang="en-GB" dirty="0"/>
+              <a:t> o </a:t>
+            </a:r>
+            <a:r>
+              <a:rPr lang="en-GB" dirty="0" err="1"/>
+              <a:t>functie</a:t>
+            </a:r>
+            <a:r>
+              <a:rPr lang="en-GB" dirty="0"/>
+              <a:t> de </a:t>
+            </a:r>
+            <a:r>
+              <a:rPr lang="en-GB" dirty="0" err="1"/>
+              <a:t>scalare</a:t>
+            </a:r>
+            <a:r>
+              <a:rPr lang="en-GB" dirty="0"/>
+              <a:t> a </a:t>
+            </a:r>
+            <a:r>
+              <a:rPr lang="en-GB" dirty="0" err="1"/>
+              <a:t>datelor</a:t>
+            </a:r>
+            <a:endParaRPr lang="en-GB" dirty="0"/>
+          </a:p>
+          <a:p>
+            <a:r>
+              <a:rPr lang="en-GB" dirty="0" err="1"/>
+              <a:t>Pentru</a:t>
+            </a:r>
+            <a:r>
+              <a:rPr lang="en-GB" dirty="0"/>
+              <a:t> </a:t>
+            </a:r>
+            <a:r>
+              <a:rPr lang="en-GB" dirty="0" err="1"/>
+              <a:t>prezicere</a:t>
+            </a:r>
+            <a:r>
+              <a:rPr lang="en-GB" dirty="0"/>
+              <a:t> de </a:t>
+            </a:r>
+            <a:r>
+              <a:rPr lang="en-GB" dirty="0" err="1"/>
+              <a:t>pret</a:t>
+            </a:r>
+            <a:r>
+              <a:rPr lang="en-GB" dirty="0"/>
+              <a:t> de </a:t>
+            </a:r>
+            <a:r>
+              <a:rPr lang="en-GB" dirty="0" err="1"/>
+              <a:t>actiuni</a:t>
+            </a:r>
+            <a:r>
+              <a:rPr lang="en-GB" dirty="0"/>
+              <a:t> </a:t>
+            </a:r>
+            <a:r>
+              <a:rPr lang="en-GB" dirty="0" err="1"/>
+              <a:t>scalarea</a:t>
+            </a:r>
+            <a:r>
+              <a:rPr lang="en-GB" dirty="0"/>
+              <a:t> </a:t>
+            </a:r>
+            <a:r>
+              <a:rPr lang="en-GB" dirty="0" err="1"/>
+              <a:t>datelor</a:t>
+            </a:r>
+            <a:r>
+              <a:rPr lang="en-GB" dirty="0"/>
+              <a:t> </a:t>
+            </a:r>
+            <a:r>
+              <a:rPr lang="en-GB" dirty="0" err="1"/>
+              <a:t>folosim</a:t>
+            </a:r>
+            <a:r>
+              <a:rPr lang="en-GB" dirty="0"/>
+              <a:t> logarithm</a:t>
+            </a:r>
+          </a:p>
+          <a:p>
+            <a:endParaRPr lang="en-GB" dirty="0"/>
+          </a:p>
+          <a:p>
+            <a:r>
+              <a:rPr lang="en-GB"/>
+              <a:t>Batch normalisation</a:t>
+            </a:r>
+            <a:endParaRPr lang="de-DE"/>
+          </a:p>
+        </p:txBody>
+      </p:sp>
+    </p:spTree>
+    <p:extLst>
+      <p:ext uri="{BB962C8B-B14F-4D97-AF65-F5344CB8AC3E}">
+        <p14:creationId xmlns:p14="http://schemas.microsoft.com/office/powerpoint/2010/main" val="2754598453"/>
       </p:ext>
     </p:extLst>
   </p:cSld>

--- a/Doc/Prezicere pret actiuni.pptx
+++ b/Doc/Prezicere pret actiuni.pptx
@@ -10,6 +10,8 @@
     <p:sldId id="258" r:id="rId4"/>
     <p:sldId id="259" r:id="rId5"/>
     <p:sldId id="260" r:id="rId6"/>
+    <p:sldId id="261" r:id="rId7"/>
+    <p:sldId id="262" r:id="rId8"/>
   </p:sldIdLst>
   <p:sldSz cx="12192000" cy="6858000"/>
   <p:notesSz cx="6858000" cy="9144000"/>
@@ -265,7 +267,7 @@
           <a:p>
             <a:fld id="{D26A27A1-E3F0-46DF-91D7-3DE2967E6C8E}" type="datetimeFigureOut">
               <a:rPr lang="de-DE" smtClean="0"/>
-              <a:t>27.04.2025</a:t>
+              <a:t>25.04.2025</a:t>
             </a:fld>
             <a:endParaRPr lang="de-DE"/>
           </a:p>
@@ -465,7 +467,7 @@
           <a:p>
             <a:fld id="{D26A27A1-E3F0-46DF-91D7-3DE2967E6C8E}" type="datetimeFigureOut">
               <a:rPr lang="de-DE" smtClean="0"/>
-              <a:t>27.04.2025</a:t>
+              <a:t>25.04.2025</a:t>
             </a:fld>
             <a:endParaRPr lang="de-DE"/>
           </a:p>
@@ -675,7 +677,7 @@
           <a:p>
             <a:fld id="{D26A27A1-E3F0-46DF-91D7-3DE2967E6C8E}" type="datetimeFigureOut">
               <a:rPr lang="de-DE" smtClean="0"/>
-              <a:t>27.04.2025</a:t>
+              <a:t>25.04.2025</a:t>
             </a:fld>
             <a:endParaRPr lang="de-DE"/>
           </a:p>
@@ -875,7 +877,7 @@
           <a:p>
             <a:fld id="{D26A27A1-E3F0-46DF-91D7-3DE2967E6C8E}" type="datetimeFigureOut">
               <a:rPr lang="de-DE" smtClean="0"/>
-              <a:t>27.04.2025</a:t>
+              <a:t>25.04.2025</a:t>
             </a:fld>
             <a:endParaRPr lang="de-DE"/>
           </a:p>
@@ -1151,7 +1153,7 @@
           <a:p>
             <a:fld id="{D26A27A1-E3F0-46DF-91D7-3DE2967E6C8E}" type="datetimeFigureOut">
               <a:rPr lang="de-DE" smtClean="0"/>
-              <a:t>27.04.2025</a:t>
+              <a:t>25.04.2025</a:t>
             </a:fld>
             <a:endParaRPr lang="de-DE"/>
           </a:p>
@@ -1419,7 +1421,7 @@
           <a:p>
             <a:fld id="{D26A27A1-E3F0-46DF-91D7-3DE2967E6C8E}" type="datetimeFigureOut">
               <a:rPr lang="de-DE" smtClean="0"/>
-              <a:t>27.04.2025</a:t>
+              <a:t>25.04.2025</a:t>
             </a:fld>
             <a:endParaRPr lang="de-DE"/>
           </a:p>
@@ -1834,7 +1836,7 @@
           <a:p>
             <a:fld id="{D26A27A1-E3F0-46DF-91D7-3DE2967E6C8E}" type="datetimeFigureOut">
               <a:rPr lang="de-DE" smtClean="0"/>
-              <a:t>27.04.2025</a:t>
+              <a:t>25.04.2025</a:t>
             </a:fld>
             <a:endParaRPr lang="de-DE"/>
           </a:p>
@@ -1976,7 +1978,7 @@
           <a:p>
             <a:fld id="{D26A27A1-E3F0-46DF-91D7-3DE2967E6C8E}" type="datetimeFigureOut">
               <a:rPr lang="de-DE" smtClean="0"/>
-              <a:t>27.04.2025</a:t>
+              <a:t>25.04.2025</a:t>
             </a:fld>
             <a:endParaRPr lang="de-DE"/>
           </a:p>
@@ -2089,7 +2091,7 @@
           <a:p>
             <a:fld id="{D26A27A1-E3F0-46DF-91D7-3DE2967E6C8E}" type="datetimeFigureOut">
               <a:rPr lang="de-DE" smtClean="0"/>
-              <a:t>27.04.2025</a:t>
+              <a:t>25.04.2025</a:t>
             </a:fld>
             <a:endParaRPr lang="de-DE"/>
           </a:p>
@@ -2402,7 +2404,7 @@
           <a:p>
             <a:fld id="{D26A27A1-E3F0-46DF-91D7-3DE2967E6C8E}" type="datetimeFigureOut">
               <a:rPr lang="de-DE" smtClean="0"/>
-              <a:t>27.04.2025</a:t>
+              <a:t>25.04.2025</a:t>
             </a:fld>
             <a:endParaRPr lang="de-DE"/>
           </a:p>
@@ -2691,7 +2693,7 @@
           <a:p>
             <a:fld id="{D26A27A1-E3F0-46DF-91D7-3DE2967E6C8E}" type="datetimeFigureOut">
               <a:rPr lang="de-DE" smtClean="0"/>
-              <a:t>27.04.2025</a:t>
+              <a:t>25.04.2025</a:t>
             </a:fld>
             <a:endParaRPr lang="de-DE"/>
           </a:p>
@@ -2934,7 +2936,7 @@
           <a:p>
             <a:fld id="{D26A27A1-E3F0-46DF-91D7-3DE2967E6C8E}" type="datetimeFigureOut">
               <a:rPr lang="de-DE" smtClean="0"/>
-              <a:t>27.04.2025</a:t>
+              <a:t>25.04.2025</a:t>
             </a:fld>
             <a:endParaRPr lang="de-DE"/>
           </a:p>
@@ -3374,7 +3376,31 @@
           <a:p>
             <a:r>
               <a:rPr lang="en-GB" dirty="0" err="1"/>
-              <a:t>Prezicere</a:t>
+              <a:t>Retele</a:t>
+            </a:r>
+            <a:r>
+              <a:rPr lang="en-GB" dirty="0"/>
+              <a:t> </a:t>
+            </a:r>
+            <a:r>
+              <a:rPr lang="en-GB" dirty="0" err="1"/>
+              <a:t>neuronale</a:t>
+            </a:r>
+            <a:r>
+              <a:rPr lang="en-GB" dirty="0"/>
+              <a:t> LSTM </a:t>
+            </a:r>
+            <a:r>
+              <a:rPr lang="en-GB" dirty="0" err="1"/>
+              <a:t>pentru</a:t>
+            </a:r>
+            <a:r>
+              <a:rPr lang="en-GB" dirty="0"/>
+              <a:t> </a:t>
+            </a:r>
+            <a:r>
+              <a:rPr lang="en-GB" dirty="0" err="1"/>
+              <a:t>predictie</a:t>
             </a:r>
             <a:r>
               <a:rPr lang="en-GB" dirty="0"/>
@@ -3476,7 +3502,10 @@
           <a:bodyPr/>
           <a:lstStyle/>
           <a:p>
-            <a:endParaRPr lang="de-DE"/>
+            <a:r>
+              <a:rPr lang="de-DE" dirty="0"/>
+              <a:t>CONCEPT</a:t>
+            </a:r>
           </a:p>
         </p:txBody>
       </p:sp>
@@ -3511,7 +3540,7 @@
             </a:r>
             <a:r>
               <a:rPr lang="en-GB" dirty="0"/>
-              <a:t> de a </a:t>
+              <a:t> a </a:t>
             </a:r>
             <a:r>
               <a:rPr lang="en-GB" dirty="0" err="1"/>
@@ -3892,7 +3921,10 @@
           <a:bodyPr/>
           <a:lstStyle/>
           <a:p>
-            <a:endParaRPr lang="de-DE" dirty="0"/>
+            <a:r>
+              <a:rPr lang="de-DE" dirty="0"/>
+              <a:t>STATUS</a:t>
+            </a:r>
           </a:p>
         </p:txBody>
       </p:sp>
@@ -3976,19 +4008,75 @@
           <a:p>
             <a:r>
               <a:rPr lang="en-GB" dirty="0"/>
-              <a:t>Fara </a:t>
-            </a:r>
-            <a:r>
-              <a:rPr lang="en-GB" dirty="0" err="1"/>
-              <a:t>sa</a:t>
-            </a:r>
-            <a:r>
-              <a:rPr lang="en-GB" dirty="0"/>
-              <a:t> ne </a:t>
-            </a:r>
-            <a:r>
-              <a:rPr lang="en-GB" dirty="0" err="1"/>
-              <a:t>folosim</a:t>
+              <a:t>Fara a </a:t>
+            </a:r>
+            <a:r>
+              <a:rPr lang="en-GB" dirty="0" err="1"/>
+              <a:t>folosi</a:t>
+            </a:r>
+            <a:r>
+              <a:rPr lang="en-GB" dirty="0"/>
+              <a:t> </a:t>
+            </a:r>
+            <a:r>
+              <a:rPr lang="en-GB" dirty="0" err="1"/>
+              <a:t>librarii</a:t>
+            </a:r>
+            <a:r>
+              <a:rPr lang="en-GB" dirty="0"/>
+              <a:t> </a:t>
+            </a:r>
+            <a:r>
+              <a:rPr lang="en-GB" dirty="0" err="1"/>
+              <a:t>specifice</a:t>
+            </a:r>
+            <a:r>
+              <a:rPr lang="en-GB" dirty="0"/>
+              <a:t> </a:t>
+            </a:r>
+            <a:r>
+              <a:rPr lang="en-GB" dirty="0" err="1"/>
+              <a:t>retelelor</a:t>
+            </a:r>
+            <a:r>
+              <a:rPr lang="en-GB" dirty="0"/>
+              <a:t> </a:t>
+            </a:r>
+            <a:r>
+              <a:rPr lang="en-GB" dirty="0" err="1"/>
+              <a:t>neuronale</a:t>
+            </a:r>
+            <a:r>
+              <a:rPr lang="en-GB" dirty="0"/>
+              <a:t> am </a:t>
+            </a:r>
+            <a:r>
+              <a:rPr lang="en-GB" dirty="0" err="1"/>
+              <a:t>implementam</a:t>
+            </a:r>
+            <a:r>
+              <a:rPr lang="en-GB" dirty="0"/>
+              <a:t> </a:t>
+            </a:r>
+            <a:r>
+              <a:rPr lang="en-GB" dirty="0" err="1"/>
+              <a:t>reteaua</a:t>
+            </a:r>
+            <a:r>
+              <a:rPr lang="en-GB" dirty="0"/>
+              <a:t> </a:t>
+            </a:r>
+            <a:r>
+              <a:rPr lang="en-GB" dirty="0" err="1"/>
+              <a:t>si</a:t>
+            </a:r>
+            <a:r>
+              <a:rPr lang="en-GB" dirty="0"/>
+              <a:t> </a:t>
+            </a:r>
+            <a:r>
+              <a:rPr lang="en-GB" dirty="0" err="1"/>
+              <a:t>algoritmul</a:t>
             </a:r>
             <a:r>
               <a:rPr lang="en-GB" dirty="0"/>
@@ -3996,115 +4084,233 @@
             </a:r>
             <a:r>
               <a:rPr lang="en-GB" dirty="0" err="1"/>
+              <a:t>antrenament</a:t>
+            </a:r>
+            <a:r>
+              <a:rPr lang="en-GB" dirty="0"/>
+              <a:t> </a:t>
+            </a:r>
+          </a:p>
+          <a:p>
+            <a:endParaRPr lang="en-GB" dirty="0"/>
+          </a:p>
+          <a:p>
+            <a:r>
+              <a:rPr lang="en-GB" dirty="0"/>
+              <a:t>Pasul </a:t>
+            </a:r>
+            <a:r>
+              <a:rPr lang="en-GB" dirty="0" err="1"/>
+              <a:t>urmator</a:t>
+            </a:r>
+            <a:r>
+              <a:rPr lang="en-GB" dirty="0"/>
+              <a:t>: </a:t>
+            </a:r>
+          </a:p>
+          <a:p>
+            <a:pPr lvl="1"/>
+            <a:r>
+              <a:rPr lang="en-GB" dirty="0" err="1"/>
+              <a:t>Crearea</a:t>
+            </a:r>
+            <a:r>
+              <a:rPr lang="en-GB" dirty="0"/>
+              <a:t> </a:t>
+            </a:r>
+            <a:r>
+              <a:rPr lang="en-GB" dirty="0" err="1"/>
+              <a:t>unei</a:t>
+            </a:r>
+            <a:r>
+              <a:rPr lang="en-GB" dirty="0"/>
+              <a:t>  </a:t>
+            </a:r>
+            <a:r>
+              <a:rPr lang="en-GB" dirty="0" err="1"/>
+              <a:t>interfata</a:t>
+            </a:r>
+            <a:r>
+              <a:rPr lang="en-GB" dirty="0"/>
+              <a:t> </a:t>
+            </a:r>
+            <a:r>
+              <a:rPr lang="en-GB" dirty="0" err="1"/>
+              <a:t>grafica</a:t>
+            </a:r>
+            <a:r>
+              <a:rPr lang="en-GB" dirty="0"/>
+              <a:t> </a:t>
+            </a:r>
+            <a:r>
+              <a:rPr lang="en-GB" dirty="0" err="1"/>
+              <a:t>pentru</a:t>
+            </a:r>
+            <a:r>
+              <a:rPr lang="en-GB" dirty="0"/>
+              <a:t> </a:t>
+            </a:r>
+            <a:r>
+              <a:rPr lang="en-GB" dirty="0" err="1"/>
+              <a:t>aplicatie</a:t>
+            </a:r>
+            <a:r>
+              <a:rPr lang="en-GB" dirty="0"/>
+              <a:t> </a:t>
+            </a:r>
+          </a:p>
+          <a:p>
+            <a:pPr lvl="1"/>
+            <a:r>
+              <a:rPr lang="en-GB" dirty="0" err="1"/>
+              <a:t>Crearea</a:t>
+            </a:r>
+            <a:r>
+              <a:rPr lang="en-GB" dirty="0"/>
+              <a:t> </a:t>
+            </a:r>
+            <a:r>
+              <a:rPr lang="en-GB" dirty="0" err="1"/>
+              <a:t>unor</a:t>
+            </a:r>
+            <a:r>
+              <a:rPr lang="en-GB" dirty="0"/>
+              <a:t> </a:t>
+            </a:r>
+            <a:r>
+              <a:rPr lang="en-GB" dirty="0" err="1"/>
+              <a:t>optiuni</a:t>
+            </a:r>
+            <a:r>
+              <a:rPr lang="en-GB" dirty="0"/>
+              <a:t> de a </a:t>
+            </a:r>
+            <a:r>
+              <a:rPr lang="en-GB" dirty="0" err="1"/>
+              <a:t>primi</a:t>
+            </a:r>
+            <a:r>
+              <a:rPr lang="en-GB" dirty="0"/>
+              <a:t> </a:t>
+            </a:r>
+            <a:r>
+              <a:rPr lang="en-GB" dirty="0" err="1"/>
+              <a:t>datele</a:t>
+            </a:r>
+            <a:r>
+              <a:rPr lang="en-GB" dirty="0"/>
+              <a:t> </a:t>
+            </a:r>
+            <a:r>
+              <a:rPr lang="en-GB" dirty="0" err="1"/>
+              <a:t>istorice</a:t>
+            </a:r>
+            <a:r>
+              <a:rPr lang="en-GB" dirty="0"/>
+              <a:t> (</a:t>
+            </a:r>
+            <a:r>
+              <a:rPr lang="en-GB" dirty="0" err="1"/>
+              <a:t>ori</a:t>
+            </a:r>
+            <a:r>
+              <a:rPr lang="en-GB" dirty="0"/>
+              <a:t> </a:t>
+            </a:r>
+            <a:r>
+              <a:rPr lang="en-GB" dirty="0" err="1"/>
+              <a:t>prin</a:t>
+            </a:r>
+            <a:r>
+              <a:rPr lang="en-GB" dirty="0"/>
+              <a:t> </a:t>
+            </a:r>
+            <a:r>
+              <a:rPr lang="en-GB" dirty="0" err="1"/>
               <a:t>librarii</a:t>
             </a:r>
             <a:r>
               <a:rPr lang="en-GB" dirty="0"/>
-              <a:t> specific </a:t>
-            </a:r>
-            <a:r>
-              <a:rPr lang="en-GB" dirty="0" err="1"/>
-              <a:t>retelelor</a:t>
-            </a:r>
-            <a:r>
-              <a:rPr lang="en-GB" dirty="0"/>
-              <a:t> </a:t>
-            </a:r>
-            <a:r>
-              <a:rPr lang="en-GB" dirty="0" err="1"/>
-              <a:t>neuronale</a:t>
-            </a:r>
-            <a:r>
-              <a:rPr lang="en-GB" dirty="0"/>
-              <a:t> am </a:t>
-            </a:r>
-            <a:r>
-              <a:rPr lang="en-GB" dirty="0" err="1"/>
-              <a:t>implementam</a:t>
-            </a:r>
-            <a:r>
-              <a:rPr lang="en-GB" dirty="0"/>
-              <a:t> </a:t>
-            </a:r>
-            <a:r>
-              <a:rPr lang="en-GB" dirty="0" err="1"/>
-              <a:t>reteaua</a:t>
-            </a:r>
-            <a:r>
-              <a:rPr lang="en-GB" dirty="0"/>
-              <a:t> </a:t>
-            </a:r>
-            <a:r>
-              <a:rPr lang="en-GB" dirty="0" err="1"/>
-              <a:t>si</a:t>
-            </a:r>
-            <a:r>
-              <a:rPr lang="en-GB" dirty="0"/>
-              <a:t> </a:t>
-            </a:r>
-            <a:r>
-              <a:rPr lang="en-GB" dirty="0" err="1"/>
-              <a:t>algoritmul</a:t>
-            </a:r>
-            <a:r>
-              <a:rPr lang="en-GB" dirty="0"/>
-              <a:t> de </a:t>
-            </a:r>
-            <a:r>
-              <a:rPr lang="en-GB" dirty="0" err="1"/>
-              <a:t>antrenament</a:t>
-            </a:r>
-            <a:r>
-              <a:rPr lang="en-GB" dirty="0"/>
-              <a:t> </a:t>
-            </a:r>
-          </a:p>
-          <a:p>
-            <a:endParaRPr lang="en-GB" dirty="0"/>
-          </a:p>
-          <a:p>
-            <a:r>
-              <a:rPr lang="en-GB" dirty="0"/>
-              <a:t>Pasul </a:t>
-            </a:r>
-            <a:r>
-              <a:rPr lang="en-GB" dirty="0" err="1"/>
-              <a:t>urmator</a:t>
-            </a:r>
-            <a:r>
-              <a:rPr lang="en-GB" dirty="0"/>
-              <a:t>:</a:t>
+              <a:t> gen </a:t>
+            </a:r>
+            <a:r>
+              <a:rPr lang="en-GB" dirty="0" err="1"/>
+              <a:t>yfinance</a:t>
+            </a:r>
+            <a:r>
+              <a:rPr lang="en-GB" dirty="0"/>
+              <a:t> – python </a:t>
+            </a:r>
+            <a:r>
+              <a:rPr lang="en-GB" dirty="0" err="1"/>
+              <a:t>sau</a:t>
+            </a:r>
+            <a:r>
+              <a:rPr lang="en-GB" dirty="0"/>
+              <a:t> </a:t>
+            </a:r>
+            <a:r>
+              <a:rPr lang="en-GB" dirty="0" err="1"/>
+              <a:t>unui</a:t>
+            </a:r>
+            <a:r>
+              <a:rPr lang="en-GB" dirty="0"/>
+              <a:t> </a:t>
+            </a:r>
+            <a:r>
+              <a:rPr lang="en-GB" dirty="0" err="1"/>
+              <a:t>fisier</a:t>
+            </a:r>
+            <a:r>
+              <a:rPr lang="en-GB" dirty="0"/>
+              <a:t> in format csv, </a:t>
+            </a:r>
+            <a:r>
+              <a:rPr lang="en-GB" dirty="0" err="1"/>
+              <a:t>xls</a:t>
+            </a:r>
+            <a:r>
+              <a:rPr lang="en-GB" dirty="0"/>
+              <a:t>)</a:t>
             </a:r>
           </a:p>
           <a:p>
             <a:pPr lvl="1"/>
             <a:r>
               <a:rPr lang="en-GB" dirty="0" err="1"/>
-              <a:t>Crearea</a:t>
-            </a:r>
-            <a:r>
-              <a:rPr lang="en-GB" dirty="0"/>
-              <a:t> </a:t>
-            </a:r>
-            <a:r>
-              <a:rPr lang="en-GB" dirty="0" err="1"/>
-              <a:t>unei</a:t>
-            </a:r>
-            <a:r>
-              <a:rPr lang="en-GB" dirty="0"/>
-              <a:t>  </a:t>
-            </a:r>
-            <a:r>
-              <a:rPr lang="en-GB" dirty="0" err="1"/>
-              <a:t>interfata</a:t>
-            </a:r>
-            <a:r>
-              <a:rPr lang="en-GB" dirty="0"/>
-              <a:t> </a:t>
-            </a:r>
-            <a:r>
-              <a:rPr lang="en-GB" dirty="0" err="1"/>
-              <a:t>grafica</a:t>
+              <a:t>Optiune</a:t>
+            </a:r>
+            <a:r>
+              <a:rPr lang="en-GB" dirty="0"/>
+              <a:t> de a </a:t>
+            </a:r>
+            <a:r>
+              <a:rPr lang="en-GB" dirty="0" err="1"/>
+              <a:t>avea</a:t>
+            </a:r>
+            <a:r>
+              <a:rPr lang="en-GB" dirty="0"/>
+              <a:t> </a:t>
+            </a:r>
+            <a:r>
+              <a:rPr lang="en-GB" dirty="0" err="1"/>
+              <a:t>mai</a:t>
+            </a:r>
+            <a:r>
+              <a:rPr lang="en-GB" dirty="0"/>
+              <a:t> </a:t>
+            </a:r>
+            <a:r>
+              <a:rPr lang="en-GB" dirty="0" err="1"/>
+              <a:t>multe</a:t>
+            </a:r>
+            <a:r>
+              <a:rPr lang="en-GB" dirty="0"/>
+              <a:t> </a:t>
+            </a:r>
+            <a:r>
+              <a:rPr lang="en-GB" dirty="0" err="1"/>
+              <a:t>intrari</a:t>
             </a:r>
             <a:r>
               <a:rPr lang="en-GB" dirty="0"/>
@@ -4120,180 +4326,6 @@
             </a:r>
             <a:r>
               <a:rPr lang="en-GB" dirty="0" err="1"/>
-              <a:t>aplicatie</a:t>
-            </a:r>
-            <a:r>
-              <a:rPr lang="en-GB" dirty="0"/>
-              <a:t> </a:t>
-            </a:r>
-          </a:p>
-          <a:p>
-            <a:pPr lvl="1"/>
-            <a:r>
-              <a:rPr lang="en-GB" dirty="0" err="1"/>
-              <a:t>Crearea</a:t>
-            </a:r>
-            <a:r>
-              <a:rPr lang="en-GB" dirty="0"/>
-              <a:t> </a:t>
-            </a:r>
-            <a:r>
-              <a:rPr lang="en-GB" dirty="0" err="1"/>
-              <a:t>unor</a:t>
-            </a:r>
-            <a:r>
-              <a:rPr lang="en-GB" dirty="0"/>
-              <a:t> </a:t>
-            </a:r>
-            <a:r>
-              <a:rPr lang="en-GB" dirty="0" err="1"/>
-              <a:t>optiuni</a:t>
-            </a:r>
-            <a:r>
-              <a:rPr lang="en-GB" dirty="0"/>
-              <a:t> de a </a:t>
-            </a:r>
-            <a:r>
-              <a:rPr lang="en-GB" dirty="0" err="1"/>
-              <a:t>primi</a:t>
-            </a:r>
-            <a:r>
-              <a:rPr lang="en-GB" dirty="0"/>
-              <a:t> </a:t>
-            </a:r>
-            <a:r>
-              <a:rPr lang="en-GB" dirty="0" err="1"/>
-              <a:t>datele</a:t>
-            </a:r>
-            <a:r>
-              <a:rPr lang="en-GB" dirty="0"/>
-              <a:t> </a:t>
-            </a:r>
-            <a:r>
-              <a:rPr lang="en-GB" dirty="0" err="1"/>
-              <a:t>istorice</a:t>
-            </a:r>
-            <a:r>
-              <a:rPr lang="en-GB" dirty="0"/>
-              <a:t> (</a:t>
-            </a:r>
-            <a:r>
-              <a:rPr lang="en-GB" dirty="0" err="1"/>
-              <a:t>ori</a:t>
-            </a:r>
-            <a:r>
-              <a:rPr lang="en-GB" dirty="0"/>
-              <a:t> </a:t>
-            </a:r>
-            <a:r>
-              <a:rPr lang="en-GB" dirty="0" err="1"/>
-              <a:t>prin</a:t>
-            </a:r>
-            <a:r>
-              <a:rPr lang="en-GB" dirty="0"/>
-              <a:t> </a:t>
-            </a:r>
-            <a:r>
-              <a:rPr lang="en-GB" dirty="0" err="1"/>
-              <a:t>librarii</a:t>
-            </a:r>
-            <a:r>
-              <a:rPr lang="en-GB" dirty="0"/>
-              <a:t> gen </a:t>
-            </a:r>
-            <a:r>
-              <a:rPr lang="en-GB" dirty="0" err="1"/>
-              <a:t>yfinance</a:t>
-            </a:r>
-            <a:r>
-              <a:rPr lang="en-GB" dirty="0"/>
-              <a:t> – python </a:t>
-            </a:r>
-            <a:r>
-              <a:rPr lang="en-GB" dirty="0" err="1"/>
-              <a:t>sau</a:t>
-            </a:r>
-            <a:r>
-              <a:rPr lang="en-GB" dirty="0"/>
-              <a:t> </a:t>
-            </a:r>
-            <a:r>
-              <a:rPr lang="en-GB" dirty="0" err="1"/>
-              <a:t>unui</a:t>
-            </a:r>
-            <a:r>
-              <a:rPr lang="en-GB" dirty="0"/>
-              <a:t> </a:t>
-            </a:r>
-            <a:r>
-              <a:rPr lang="en-GB" dirty="0" err="1"/>
-              <a:t>fisier</a:t>
-            </a:r>
-            <a:r>
-              <a:rPr lang="en-GB" dirty="0"/>
-              <a:t> in format csv, </a:t>
-            </a:r>
-            <a:r>
-              <a:rPr lang="en-GB" dirty="0" err="1"/>
-              <a:t>xls</a:t>
-            </a:r>
-            <a:r>
-              <a:rPr lang="en-GB" dirty="0"/>
-              <a:t>)</a:t>
-            </a:r>
-          </a:p>
-          <a:p>
-            <a:pPr lvl="1"/>
-            <a:r>
-              <a:rPr lang="en-GB" dirty="0" err="1"/>
-              <a:t>Optiune</a:t>
-            </a:r>
-            <a:r>
-              <a:rPr lang="en-GB" dirty="0"/>
-              <a:t> de a </a:t>
-            </a:r>
-            <a:r>
-              <a:rPr lang="en-GB" dirty="0" err="1"/>
-              <a:t>avea</a:t>
-            </a:r>
-            <a:r>
-              <a:rPr lang="en-GB" dirty="0"/>
-              <a:t> </a:t>
-            </a:r>
-            <a:r>
-              <a:rPr lang="en-GB" dirty="0" err="1"/>
-              <a:t>mai</a:t>
-            </a:r>
-            <a:r>
-              <a:rPr lang="en-GB" dirty="0"/>
-              <a:t> </a:t>
-            </a:r>
-            <a:r>
-              <a:rPr lang="en-GB" dirty="0" err="1"/>
-              <a:t>multe</a:t>
-            </a:r>
-            <a:r>
-              <a:rPr lang="en-GB" dirty="0"/>
-              <a:t> </a:t>
-            </a:r>
-            <a:r>
-              <a:rPr lang="en-GB" dirty="0" err="1"/>
-              <a:t>intrari</a:t>
-            </a:r>
-            <a:r>
-              <a:rPr lang="en-GB" dirty="0"/>
-              <a:t> </a:t>
-            </a:r>
-            <a:r>
-              <a:rPr lang="en-GB" dirty="0" err="1"/>
-              <a:t>pentru</a:t>
-            </a:r>
-            <a:r>
-              <a:rPr lang="en-GB" dirty="0"/>
-              <a:t> </a:t>
-            </a:r>
-            <a:r>
-              <a:rPr lang="en-GB"/>
               <a:t>prezicere</a:t>
             </a:r>
             <a:endParaRPr lang="en-GB" dirty="0"/>
@@ -4354,7 +4386,11 @@
           <a:bodyPr/>
           <a:lstStyle/>
           <a:p>
-            <a:endParaRPr lang="de-DE"/>
+            <a:r>
+              <a:rPr lang="de-DE" dirty="0" err="1"/>
+              <a:t>Imbunatatiri</a:t>
+            </a:r>
+            <a:endParaRPr lang="de-DE" dirty="0"/>
           </a:p>
         </p:txBody>
       </p:sp>
@@ -4496,7 +4532,7 @@
           <p:cNvPr id="2" name="Title 1">
             <a:extLst>
               <a:ext uri="{FF2B5EF4-FFF2-40B4-BE49-F238E27FC236}">
-                <a16:creationId xmlns:a16="http://schemas.microsoft.com/office/drawing/2014/main" id="{68CD8C2C-30D3-2A0D-F988-86879D876180}"/>
+                <a16:creationId xmlns:a16="http://schemas.microsoft.com/office/drawing/2014/main" id="{20B72B55-AAF3-005D-1B78-04F60321E382}"/>
               </a:ext>
             </a:extLst>
           </p:cNvPr>
@@ -4513,16 +4549,51 @@
           <a:lstStyle/>
           <a:p>
             <a:r>
-              <a:rPr lang="en-GB" dirty="0" err="1"/>
-              <a:t>Scalarea</a:t>
-            </a:r>
-            <a:r>
-              <a:rPr lang="en-GB" dirty="0"/>
-              <a:t> </a:t>
-            </a:r>
-            <a:r>
-              <a:rPr lang="en-GB" dirty="0" err="1"/>
-              <a:t>datelor</a:t>
+              <a:rPr lang="en-GB" dirty="0"/>
+              <a:t>LSTM (Long Short-Term Memory)</a:t>
+            </a:r>
+            <a:endParaRPr lang="en-DE" dirty="0"/>
+          </a:p>
+        </p:txBody>
+      </p:sp>
+      <p:sp>
+        <p:nvSpPr>
+          <p:cNvPr id="3" name="Content Placeholder 2">
+            <a:extLst>
+              <a:ext uri="{FF2B5EF4-FFF2-40B4-BE49-F238E27FC236}">
+                <a16:creationId xmlns:a16="http://schemas.microsoft.com/office/drawing/2014/main" id="{2DD686AD-92DF-873E-41BC-90A5011D02EE}"/>
+              </a:ext>
+            </a:extLst>
+          </p:cNvPr>
+          <p:cNvSpPr>
+            <a:spLocks noGrp="1"/>
+          </p:cNvSpPr>
+          <p:nvPr>
+            <p:ph idx="1"/>
+          </p:nvPr>
+        </p:nvSpPr>
+        <p:spPr/>
+        <p:txBody>
+          <a:bodyPr>
+            <a:normAutofit/>
+          </a:bodyPr>
+          <a:lstStyle/>
+          <a:p>
+            <a:r>
+              <a:rPr lang="en-GB" dirty="0"/>
+              <a:t>LSTM (Long short-term memory) </a:t>
+            </a:r>
+            <a:r>
+              <a:rPr lang="en-GB" dirty="0" err="1"/>
+              <a:t>este</a:t>
+            </a:r>
+            <a:r>
+              <a:rPr lang="en-GB" dirty="0"/>
+              <a:t> o </a:t>
+            </a:r>
+            <a:r>
+              <a:rPr lang="en-GB" dirty="0" err="1"/>
+              <a:t>arhitectură</a:t>
             </a:r>
             <a:r>
               <a:rPr lang="en-GB" dirty="0"/>
@@ -4530,68 +4601,223 @@
             </a:r>
             <a:r>
               <a:rPr lang="en-GB" dirty="0" err="1"/>
-              <a:t>intrare</a:t>
-            </a:r>
-            <a:r>
-              <a:rPr lang="en-GB" dirty="0"/>
-              <a:t>	</a:t>
-            </a:r>
-            <a:endParaRPr lang="de-DE" dirty="0"/>
-          </a:p>
-        </p:txBody>
-      </p:sp>
-      <p:sp>
-        <p:nvSpPr>
-          <p:cNvPr id="3" name="Content Placeholder 2">
-            <a:extLst>
-              <a:ext uri="{FF2B5EF4-FFF2-40B4-BE49-F238E27FC236}">
-                <a16:creationId xmlns:a16="http://schemas.microsoft.com/office/drawing/2014/main" id="{258FA0F8-497F-E349-B43B-A591F6A942A2}"/>
-              </a:ext>
-            </a:extLst>
-          </p:cNvPr>
-          <p:cNvSpPr>
-            <a:spLocks noGrp="1"/>
-          </p:cNvSpPr>
-          <p:nvPr>
-            <p:ph idx="1"/>
-          </p:nvPr>
-        </p:nvSpPr>
-        <p:spPr/>
-        <p:txBody>
-          <a:bodyPr/>
-          <a:lstStyle/>
-          <a:p>
-            <a:r>
-              <a:rPr lang="en-GB" dirty="0"/>
-              <a:t>LSTM merge cu Valori </a:t>
-            </a:r>
-            <a:r>
-              <a:rPr lang="en-GB" dirty="0" err="1"/>
-              <a:t>intre</a:t>
-            </a:r>
-            <a:r>
-              <a:rPr lang="en-GB" dirty="0"/>
-              <a:t> -1..1. </a:t>
-            </a:r>
-            <a:r>
-              <a:rPr lang="en-GB" dirty="0" err="1"/>
-              <a:t>Vom</a:t>
-            </a:r>
-            <a:r>
-              <a:rPr lang="en-GB" dirty="0"/>
-              <a:t> </a:t>
-            </a:r>
-            <a:r>
-              <a:rPr lang="en-GB" dirty="0" err="1"/>
-              <a:t>folosi</a:t>
-            </a:r>
-            <a:r>
-              <a:rPr lang="en-GB" dirty="0"/>
-              <a:t> o </a:t>
-            </a:r>
-            <a:r>
-              <a:rPr lang="en-GB" dirty="0" err="1"/>
-              <a:t>functie</a:t>
+              <a:t>rețea</a:t>
+            </a:r>
+            <a:r>
+              <a:rPr lang="en-GB" dirty="0"/>
+              <a:t> </a:t>
+            </a:r>
+            <a:r>
+              <a:rPr lang="en-GB" dirty="0" err="1"/>
+              <a:t>neuronală</a:t>
+            </a:r>
+            <a:r>
+              <a:rPr lang="en-GB" dirty="0"/>
+              <a:t> </a:t>
+            </a:r>
+            <a:r>
+              <a:rPr lang="en-GB" dirty="0" err="1"/>
+              <a:t>recurentă</a:t>
+            </a:r>
+            <a:r>
+              <a:rPr lang="en-GB" dirty="0"/>
+              <a:t>  (RNN) </a:t>
+            </a:r>
+            <a:r>
+              <a:rPr lang="en-GB" dirty="0" err="1"/>
+              <a:t>artificială</a:t>
+            </a:r>
+            <a:r>
+              <a:rPr lang="en-GB" dirty="0"/>
+              <a:t> </a:t>
+            </a:r>
+            <a:r>
+              <a:rPr lang="en-GB" dirty="0" err="1"/>
+              <a:t>folosită</a:t>
+            </a:r>
+            <a:r>
+              <a:rPr lang="en-GB" dirty="0"/>
+              <a:t> </a:t>
+            </a:r>
+            <a:r>
+              <a:rPr lang="en-GB" dirty="0" err="1"/>
+              <a:t>în</a:t>
+            </a:r>
+            <a:r>
+              <a:rPr lang="en-GB" dirty="0"/>
+              <a:t>  </a:t>
+            </a:r>
+            <a:r>
+              <a:rPr lang="en-GB" dirty="0" err="1"/>
+              <a:t>domeniul</a:t>
+            </a:r>
+            <a:r>
+              <a:rPr lang="en-GB" dirty="0"/>
+              <a:t>  </a:t>
+            </a:r>
+            <a:r>
+              <a:rPr lang="en-GB" dirty="0" err="1"/>
+              <a:t>învățării</a:t>
+            </a:r>
+            <a:r>
+              <a:rPr lang="en-GB" dirty="0"/>
+              <a:t>  </a:t>
+            </a:r>
+            <a:r>
+              <a:rPr lang="en-GB" dirty="0" err="1"/>
+              <a:t>profunde</a:t>
+            </a:r>
+            <a:r>
+              <a:rPr lang="en-GB" dirty="0"/>
+              <a:t>.  </a:t>
+            </a:r>
+            <a:r>
+              <a:rPr lang="en-GB" dirty="0" err="1"/>
+              <a:t>Spre</a:t>
+            </a:r>
+            <a:r>
+              <a:rPr lang="en-GB" dirty="0"/>
+              <a:t>  </a:t>
+            </a:r>
+            <a:r>
+              <a:rPr lang="en-GB" dirty="0" err="1"/>
+              <a:t>deosebire</a:t>
+            </a:r>
+            <a:r>
+              <a:rPr lang="en-GB" dirty="0"/>
+              <a:t>  de </a:t>
+            </a:r>
+            <a:r>
+              <a:rPr lang="en-GB" dirty="0" err="1"/>
+              <a:t>rețelele</a:t>
+            </a:r>
+            <a:r>
+              <a:rPr lang="en-GB" dirty="0"/>
+              <a:t>  </a:t>
+            </a:r>
+            <a:r>
+              <a:rPr lang="en-GB" dirty="0" err="1"/>
+              <a:t>neuronale</a:t>
+            </a:r>
+            <a:r>
+              <a:rPr lang="en-GB" dirty="0"/>
+              <a:t>  standard, LSTM  are  </a:t>
+            </a:r>
+            <a:r>
+              <a:rPr lang="en-GB" dirty="0" err="1"/>
+              <a:t>conexiuni</a:t>
+            </a:r>
+            <a:r>
+              <a:rPr lang="en-GB" dirty="0"/>
+              <a:t>  de feedback. Nu </a:t>
+            </a:r>
+            <a:r>
+              <a:rPr lang="en-GB" dirty="0" err="1"/>
+              <a:t>poate</a:t>
+            </a:r>
+            <a:r>
+              <a:rPr lang="en-GB" dirty="0"/>
+              <a:t> </a:t>
+            </a:r>
+            <a:r>
+              <a:rPr lang="en-GB" dirty="0" err="1"/>
+              <a:t>prelucra</a:t>
+            </a:r>
+            <a:r>
+              <a:rPr lang="en-GB" dirty="0"/>
+              <a:t> </a:t>
+            </a:r>
+            <a:r>
+              <a:rPr lang="en-GB" dirty="0" err="1"/>
+              <a:t>doar</a:t>
+            </a:r>
+            <a:r>
+              <a:rPr lang="en-GB" dirty="0"/>
+              <a:t> </a:t>
+            </a:r>
+            <a:r>
+              <a:rPr lang="en-GB" dirty="0" err="1"/>
+              <a:t>puncte</a:t>
+            </a:r>
+            <a:r>
+              <a:rPr lang="en-GB" dirty="0"/>
+              <a:t> de date </a:t>
+            </a:r>
+            <a:r>
+              <a:rPr lang="en-GB" dirty="0" err="1"/>
+              <a:t>unice</a:t>
+            </a:r>
+            <a:r>
+              <a:rPr lang="en-GB" dirty="0"/>
+              <a:t> (cum </a:t>
+            </a:r>
+            <a:r>
+              <a:rPr lang="en-GB" dirty="0" err="1"/>
+              <a:t>ar</a:t>
+            </a:r>
+            <a:r>
+              <a:rPr lang="en-GB" dirty="0"/>
+              <a:t> fi </a:t>
+            </a:r>
+            <a:r>
+              <a:rPr lang="en-GB" dirty="0" err="1"/>
+              <a:t>imagini</a:t>
+            </a:r>
+            <a:r>
+              <a:rPr lang="en-GB" dirty="0"/>
+              <a:t>), ci </a:t>
+            </a:r>
+            <a:r>
+              <a:rPr lang="en-GB" dirty="0" err="1"/>
+              <a:t>și</a:t>
+            </a:r>
+            <a:r>
+              <a:rPr lang="en-GB" dirty="0"/>
+              <a:t> </a:t>
+            </a:r>
+            <a:r>
+              <a:rPr lang="en-GB" dirty="0" err="1"/>
+              <a:t>secvențe</a:t>
+            </a:r>
+            <a:r>
+              <a:rPr lang="en-GB" dirty="0"/>
+              <a:t> </a:t>
+            </a:r>
+            <a:r>
+              <a:rPr lang="en-GB" dirty="0" err="1"/>
+              <a:t>întregi</a:t>
+            </a:r>
+            <a:r>
+              <a:rPr lang="en-GB" dirty="0"/>
+              <a:t> de date (cum </a:t>
+            </a:r>
+            <a:r>
+              <a:rPr lang="en-GB" dirty="0" err="1"/>
+              <a:t>ar</a:t>
+            </a:r>
+            <a:r>
+              <a:rPr lang="en-GB" dirty="0"/>
+              <a:t> fi </a:t>
+            </a:r>
+            <a:r>
+              <a:rPr lang="en-GB" dirty="0" err="1"/>
+              <a:t>vorbire</a:t>
+            </a:r>
+            <a:r>
+              <a:rPr lang="en-GB" dirty="0"/>
+              <a:t> </a:t>
+            </a:r>
+            <a:r>
+              <a:rPr lang="en-GB" dirty="0" err="1"/>
+              <a:t>sau</a:t>
+            </a:r>
+            <a:r>
+              <a:rPr lang="en-GB" dirty="0"/>
+              <a:t> video). O </a:t>
+            </a:r>
+            <a:r>
+              <a:rPr lang="en-GB" dirty="0" err="1"/>
+              <a:t>unitate</a:t>
             </a:r>
             <a:r>
               <a:rPr lang="en-GB" dirty="0"/>
@@ -4599,30 +4825,71 @@
             </a:r>
             <a:r>
               <a:rPr lang="en-GB" dirty="0" err="1"/>
-              <a:t>scalare</a:t>
-            </a:r>
-            <a:r>
-              <a:rPr lang="en-GB" dirty="0"/>
-              <a:t> a </a:t>
-            </a:r>
-            <a:r>
-              <a:rPr lang="en-GB" dirty="0" err="1"/>
-              <a:t>datelor</a:t>
-            </a:r>
-            <a:endParaRPr lang="en-GB" dirty="0"/>
-          </a:p>
-          <a:p>
-            <a:r>
-              <a:rPr lang="en-GB" dirty="0" err="1"/>
-              <a:t>Pentru</a:t>
-            </a:r>
-            <a:r>
-              <a:rPr lang="en-GB" dirty="0"/>
-              <a:t> </a:t>
-            </a:r>
-            <a:r>
-              <a:rPr lang="en-GB" dirty="0" err="1"/>
-              <a:t>prezicere</a:t>
+              <a:t>bază</a:t>
+            </a:r>
+            <a:r>
+              <a:rPr lang="en-GB" dirty="0"/>
+              <a:t> LSTM </a:t>
+            </a:r>
+            <a:r>
+              <a:rPr lang="en-GB" dirty="0" err="1"/>
+              <a:t>este</a:t>
+            </a:r>
+            <a:r>
+              <a:rPr lang="en-GB" dirty="0"/>
+              <a:t>  </a:t>
+            </a:r>
+            <a:r>
+              <a:rPr lang="en-GB" dirty="0" err="1"/>
+              <a:t>compusă</a:t>
+            </a:r>
+            <a:r>
+              <a:rPr lang="en-GB" dirty="0"/>
+              <a:t>  din </a:t>
+            </a:r>
+            <a:r>
+              <a:rPr lang="en-GB" dirty="0" err="1"/>
+              <a:t>patru</a:t>
+            </a:r>
+            <a:r>
+              <a:rPr lang="en-GB" dirty="0"/>
+              <a:t> </a:t>
+            </a:r>
+            <a:r>
+              <a:rPr lang="en-GB" dirty="0" err="1"/>
+              <a:t>porţi</a:t>
+            </a:r>
+            <a:r>
+              <a:rPr lang="en-GB" dirty="0"/>
+              <a:t> (gates): de </a:t>
+            </a:r>
+            <a:r>
+              <a:rPr lang="en-GB" dirty="0" err="1"/>
+              <a:t>uitare</a:t>
+            </a:r>
+            <a:r>
+              <a:rPr lang="en-GB" dirty="0"/>
+              <a:t>(forget), de </a:t>
+            </a:r>
+            <a:r>
+              <a:rPr lang="en-GB" dirty="0" err="1"/>
+              <a:t>amintire</a:t>
+            </a:r>
+            <a:r>
+              <a:rPr lang="en-GB" dirty="0"/>
+              <a:t> (remember), de </a:t>
+            </a:r>
+            <a:r>
+              <a:rPr lang="en-GB" dirty="0" err="1"/>
+              <a:t>învăţare</a:t>
+            </a:r>
+            <a:r>
+              <a:rPr lang="en-GB" dirty="0"/>
+              <a:t> (learn) </a:t>
+            </a:r>
+            <a:r>
+              <a:rPr lang="en-GB" dirty="0" err="1"/>
+              <a:t>şi</a:t>
             </a:r>
             <a:r>
               <a:rPr lang="en-GB" dirty="0"/>
@@ -4630,7 +4897,79 @@
             </a:r>
             <a:r>
               <a:rPr lang="en-GB" dirty="0" err="1"/>
-              <a:t>pret</a:t>
+              <a:t>utilizare</a:t>
+            </a:r>
+            <a:r>
+              <a:rPr lang="en-GB" dirty="0"/>
+              <a:t> (use/output). De  </a:t>
+            </a:r>
+            <a:r>
+              <a:rPr lang="en-GB" dirty="0" err="1"/>
+              <a:t>asemenea</a:t>
+            </a:r>
+            <a:r>
+              <a:rPr lang="en-GB" dirty="0"/>
+              <a:t>, are  </a:t>
+            </a:r>
+            <a:r>
+              <a:rPr lang="en-GB" dirty="0" err="1"/>
+              <a:t>trei</a:t>
+            </a:r>
+            <a:r>
+              <a:rPr lang="en-GB" dirty="0"/>
+              <a:t> </a:t>
+            </a:r>
+            <a:r>
+              <a:rPr lang="en-GB" dirty="0" err="1"/>
+              <a:t>intrări</a:t>
+            </a:r>
+            <a:r>
+              <a:rPr lang="en-GB" dirty="0"/>
+              <a:t>:  </a:t>
+            </a:r>
+            <a:r>
+              <a:rPr lang="en-GB" dirty="0" err="1"/>
+              <a:t>memorie</a:t>
+            </a:r>
+            <a:r>
+              <a:rPr lang="en-GB" dirty="0"/>
+              <a:t>  pe termen lung (LTM = long-term memory), </a:t>
+            </a:r>
+            <a:r>
+              <a:rPr lang="en-GB" dirty="0" err="1"/>
+              <a:t>memorie</a:t>
+            </a:r>
+            <a:r>
+              <a:rPr lang="en-GB" dirty="0"/>
+              <a:t> pe termen </a:t>
+            </a:r>
+            <a:r>
+              <a:rPr lang="en-GB" dirty="0" err="1"/>
+              <a:t>scurt</a:t>
+            </a:r>
+            <a:r>
+              <a:rPr lang="en-GB" dirty="0"/>
+              <a:t>  (STM  =  short-term  memory) </a:t>
+            </a:r>
+            <a:r>
+              <a:rPr lang="en-GB" dirty="0" err="1"/>
+              <a:t>și</a:t>
+            </a:r>
+            <a:r>
+              <a:rPr lang="en-GB" dirty="0"/>
+              <a:t>  E.  (E  </a:t>
+            </a:r>
+            <a:r>
+              <a:rPr lang="en-GB" dirty="0" err="1"/>
+              <a:t>este</a:t>
+            </a:r>
+            <a:r>
+              <a:rPr lang="en-GB" dirty="0"/>
+              <a:t>  un </a:t>
+            </a:r>
+            <a:r>
+              <a:rPr lang="en-GB" dirty="0" err="1"/>
+              <a:t>exemplu</a:t>
             </a:r>
             <a:r>
               <a:rPr lang="en-GB" dirty="0"/>
@@ -4638,53 +4977,854 @@
             </a:r>
             <a:r>
               <a:rPr lang="en-GB" dirty="0" err="1"/>
-              <a:t>actiuni</a:t>
-            </a:r>
-            <a:r>
-              <a:rPr lang="en-GB" dirty="0"/>
-              <a:t> </a:t>
-            </a:r>
-            <a:r>
-              <a:rPr lang="en-GB" dirty="0" err="1"/>
-              <a:t>scalarea</a:t>
-            </a:r>
-            <a:r>
-              <a:rPr lang="en-GB" dirty="0"/>
-              <a:t> </a:t>
-            </a:r>
-            <a:r>
-              <a:rPr lang="en-GB" dirty="0" err="1"/>
-              <a:t>datelor</a:t>
-            </a:r>
-            <a:r>
-              <a:rPr lang="en-GB" dirty="0"/>
-              <a:t> </a:t>
-            </a:r>
-            <a:r>
-              <a:rPr lang="en-GB" dirty="0" err="1"/>
-              <a:t>folosim</a:t>
-            </a:r>
-            <a:r>
-              <a:rPr lang="en-GB" dirty="0"/>
-              <a:t> logarithm</a:t>
-            </a:r>
-          </a:p>
-          <a:p>
-            <a:endParaRPr lang="en-GB" dirty="0"/>
-          </a:p>
-          <a:p>
-            <a:r>
-              <a:rPr lang="en-GB"/>
-              <a:t>Batch normalisation</a:t>
-            </a:r>
-            <a:endParaRPr lang="de-DE"/>
+              <a:t>instruire</a:t>
+            </a:r>
+            <a:r>
+              <a:rPr lang="en-GB" dirty="0"/>
+              <a:t> / date </a:t>
+            </a:r>
+            <a:r>
+              <a:rPr lang="en-GB" dirty="0" err="1"/>
+              <a:t>noi</a:t>
+            </a:r>
+            <a:r>
+              <a:rPr lang="en-GB" dirty="0"/>
+              <a:t>) </a:t>
+            </a:r>
+          </a:p>
+          <a:p>
+            <a:endParaRPr lang="en-DE" dirty="0"/>
           </a:p>
         </p:txBody>
       </p:sp>
     </p:spTree>
     <p:extLst>
       <p:ext uri="{BB962C8B-B14F-4D97-AF65-F5344CB8AC3E}">
-        <p14:creationId xmlns:p14="http://schemas.microsoft.com/office/powerpoint/2010/main" val="2754598453"/>
+        <p14:creationId xmlns:p14="http://schemas.microsoft.com/office/powerpoint/2010/main" val="2061290274"/>
+      </p:ext>
+    </p:extLst>
+  </p:cSld>
+  <p:clrMapOvr>
+    <a:masterClrMapping/>
+  </p:clrMapOvr>
+</p:sld>
+</file>
+
+<file path=ppt/slides/slide6.xml><?xml version="1.0" encoding="utf-8"?>
+<p:sld xmlns:a="http://schemas.openxmlformats.org/drawingml/2006/main" xmlns:r="http://schemas.openxmlformats.org/officeDocument/2006/relationships" xmlns:p="http://schemas.openxmlformats.org/presentationml/2006/main">
+  <p:cSld>
+    <p:spTree>
+      <p:nvGrpSpPr>
+        <p:cNvPr id="1" name=""/>
+        <p:cNvGrpSpPr/>
+        <p:nvPr/>
+      </p:nvGrpSpPr>
+      <p:grpSpPr>
+        <a:xfrm>
+          <a:off x="0" y="0"/>
+          <a:ext cx="0" cy="0"/>
+          <a:chOff x="0" y="0"/>
+          <a:chExt cx="0" cy="0"/>
+        </a:xfrm>
+      </p:grpSpPr>
+      <p:sp>
+        <p:nvSpPr>
+          <p:cNvPr id="2" name="Title 1">
+            <a:extLst>
+              <a:ext uri="{FF2B5EF4-FFF2-40B4-BE49-F238E27FC236}">
+                <a16:creationId xmlns:a16="http://schemas.microsoft.com/office/drawing/2014/main" id="{103A8E5D-A93B-0161-AC42-3B5089228C00}"/>
+              </a:ext>
+            </a:extLst>
+          </p:cNvPr>
+          <p:cNvSpPr>
+            <a:spLocks noGrp="1"/>
+          </p:cNvSpPr>
+          <p:nvPr>
+            <p:ph type="title"/>
+          </p:nvPr>
+        </p:nvSpPr>
+        <p:spPr/>
+        <p:txBody>
+          <a:bodyPr>
+            <a:normAutofit fontScale="90000"/>
+          </a:bodyPr>
+          <a:lstStyle/>
+          <a:p>
+            <a:r>
+              <a:rPr lang="en-GB" b="1" dirty="0" err="1"/>
+              <a:t>Componentele</a:t>
+            </a:r>
+            <a:r>
+              <a:rPr lang="en-GB" b="1" dirty="0"/>
+              <a:t> </a:t>
+            </a:r>
+            <a:r>
+              <a:rPr lang="en-GB" b="1" dirty="0" err="1"/>
+              <a:t>principale</a:t>
+            </a:r>
+            <a:r>
+              <a:rPr lang="en-GB" b="1" dirty="0"/>
+              <a:t> ale </a:t>
+            </a:r>
+            <a:r>
+              <a:rPr lang="en-GB" b="1" dirty="0" err="1"/>
+              <a:t>unei</a:t>
+            </a:r>
+            <a:r>
+              <a:rPr lang="en-GB" b="1" dirty="0"/>
+              <a:t> </a:t>
+            </a:r>
+            <a:r>
+              <a:rPr lang="en-GB" b="1" dirty="0" err="1"/>
+              <a:t>celule</a:t>
+            </a:r>
+            <a:r>
+              <a:rPr lang="en-GB" b="1" dirty="0"/>
+              <a:t> LSTM:</a:t>
+            </a:r>
+            <a:br>
+              <a:rPr lang="en-GB" b="1" dirty="0"/>
+            </a:br>
+            <a:endParaRPr lang="en-DE" dirty="0"/>
+          </a:p>
+        </p:txBody>
+      </p:sp>
+      <p:sp>
+        <p:nvSpPr>
+          <p:cNvPr id="3" name="Content Placeholder 2">
+            <a:extLst>
+              <a:ext uri="{FF2B5EF4-FFF2-40B4-BE49-F238E27FC236}">
+                <a16:creationId xmlns:a16="http://schemas.microsoft.com/office/drawing/2014/main" id="{A8F384FA-B3D5-E856-B7EC-8B6FAAFE3B06}"/>
+              </a:ext>
+            </a:extLst>
+          </p:cNvPr>
+          <p:cNvSpPr>
+            <a:spLocks noGrp="1"/>
+          </p:cNvSpPr>
+          <p:nvPr>
+            <p:ph idx="1"/>
+          </p:nvPr>
+        </p:nvSpPr>
+        <p:spPr/>
+        <p:txBody>
+          <a:bodyPr/>
+          <a:lstStyle/>
+          <a:p>
+            <a:pPr>
+              <a:buFont typeface="+mj-lt"/>
+              <a:buAutoNum type="arabicPeriod"/>
+            </a:pPr>
+            <a:r>
+              <a:rPr lang="en-GB" b="1" dirty="0" err="1"/>
+              <a:t>Celula</a:t>
+            </a:r>
+            <a:r>
+              <a:rPr lang="en-GB" b="1" dirty="0"/>
+              <a:t> de </a:t>
+            </a:r>
+            <a:r>
+              <a:rPr lang="en-GB" b="1" dirty="0" err="1"/>
+              <a:t>memorie</a:t>
+            </a:r>
+            <a:r>
+              <a:rPr lang="en-GB" dirty="0"/>
+              <a:t>: </a:t>
+            </a:r>
+            <a:r>
+              <a:rPr lang="en-GB" dirty="0" err="1"/>
+              <a:t>Păstrează</a:t>
+            </a:r>
+            <a:r>
+              <a:rPr lang="en-GB" dirty="0"/>
+              <a:t> </a:t>
+            </a:r>
+            <a:r>
+              <a:rPr lang="en-GB" dirty="0" err="1"/>
+              <a:t>informațiile</a:t>
+            </a:r>
+            <a:r>
+              <a:rPr lang="en-GB" dirty="0"/>
+              <a:t> </a:t>
+            </a:r>
+            <a:r>
+              <a:rPr lang="en-GB" dirty="0" err="1"/>
+              <a:t>relevante</a:t>
+            </a:r>
+            <a:r>
+              <a:rPr lang="en-GB" dirty="0"/>
+              <a:t> pe termen lung.</a:t>
+            </a:r>
+          </a:p>
+          <a:p>
+            <a:pPr>
+              <a:buFont typeface="+mj-lt"/>
+              <a:buAutoNum type="arabicPeriod"/>
+            </a:pPr>
+            <a:r>
+              <a:rPr lang="en-GB" b="1" dirty="0" err="1"/>
+              <a:t>Porți</a:t>
+            </a:r>
+            <a:r>
+              <a:rPr lang="en-GB" b="1" dirty="0"/>
+              <a:t> (Gates)</a:t>
+            </a:r>
+            <a:r>
+              <a:rPr lang="en-GB" dirty="0"/>
+              <a:t>:</a:t>
+            </a:r>
+          </a:p>
+          <a:p>
+            <a:pPr marL="742950" lvl="1" indent="-285750">
+              <a:buFont typeface="+mj-lt"/>
+              <a:buAutoNum type="arabicPeriod"/>
+            </a:pPr>
+            <a:r>
+              <a:rPr lang="en-GB" b="1" dirty="0" err="1"/>
+              <a:t>Poarta</a:t>
+            </a:r>
+            <a:r>
+              <a:rPr lang="en-GB" b="1" dirty="0"/>
+              <a:t> de </a:t>
+            </a:r>
+            <a:r>
+              <a:rPr lang="en-GB" b="1" dirty="0" err="1"/>
+              <a:t>uitare</a:t>
+            </a:r>
+            <a:r>
+              <a:rPr lang="en-GB" b="1" dirty="0"/>
+              <a:t> (Forget Gate)</a:t>
+            </a:r>
+            <a:r>
+              <a:rPr lang="en-GB" dirty="0"/>
+              <a:t>: Decide </a:t>
+            </a:r>
+            <a:r>
+              <a:rPr lang="en-GB" dirty="0" err="1"/>
+              <a:t>ce</a:t>
+            </a:r>
+            <a:r>
+              <a:rPr lang="en-GB" dirty="0"/>
+              <a:t> </a:t>
+            </a:r>
+            <a:r>
+              <a:rPr lang="en-GB" dirty="0" err="1"/>
+              <a:t>informații</a:t>
+            </a:r>
+            <a:r>
+              <a:rPr lang="en-GB" dirty="0"/>
+              <a:t> </a:t>
+            </a:r>
+            <a:r>
+              <a:rPr lang="en-GB" dirty="0" err="1"/>
+              <a:t>să</a:t>
+            </a:r>
+            <a:r>
+              <a:rPr lang="en-GB" dirty="0"/>
+              <a:t> fie eliminate din </a:t>
+            </a:r>
+            <a:r>
+              <a:rPr lang="en-GB" dirty="0" err="1"/>
+              <a:t>celula</a:t>
+            </a:r>
+            <a:r>
+              <a:rPr lang="en-GB" dirty="0"/>
+              <a:t> de </a:t>
+            </a:r>
+            <a:r>
+              <a:rPr lang="en-GB" dirty="0" err="1"/>
+              <a:t>memorie</a:t>
+            </a:r>
+            <a:r>
+              <a:rPr lang="en-GB" dirty="0"/>
+              <a:t>.</a:t>
+            </a:r>
+          </a:p>
+          <a:p>
+            <a:pPr marL="742950" lvl="1" indent="-285750">
+              <a:buFont typeface="+mj-lt"/>
+              <a:buAutoNum type="arabicPeriod"/>
+            </a:pPr>
+            <a:r>
+              <a:rPr lang="en-GB" b="1" dirty="0" err="1"/>
+              <a:t>Poarta</a:t>
+            </a:r>
+            <a:r>
+              <a:rPr lang="en-GB" b="1" dirty="0"/>
+              <a:t> de </a:t>
+            </a:r>
+            <a:r>
+              <a:rPr lang="en-GB" b="1" dirty="0" err="1"/>
+              <a:t>intrare</a:t>
+            </a:r>
+            <a:r>
+              <a:rPr lang="en-GB" b="1" dirty="0"/>
+              <a:t> (Input/Learn Gate)</a:t>
+            </a:r>
+            <a:r>
+              <a:rPr lang="en-GB" dirty="0"/>
+              <a:t>: </a:t>
+            </a:r>
+            <a:r>
+              <a:rPr lang="en-GB" dirty="0" err="1"/>
+              <a:t>Controlează</a:t>
+            </a:r>
+            <a:r>
+              <a:rPr lang="en-GB" dirty="0"/>
+              <a:t> </a:t>
+            </a:r>
+            <a:r>
+              <a:rPr lang="en-GB" dirty="0" err="1"/>
+              <a:t>ce</a:t>
+            </a:r>
+            <a:r>
+              <a:rPr lang="en-GB" dirty="0"/>
+              <a:t> </a:t>
+            </a:r>
+            <a:r>
+              <a:rPr lang="en-GB" dirty="0" err="1"/>
+              <a:t>informații</a:t>
+            </a:r>
+            <a:r>
+              <a:rPr lang="en-GB" dirty="0"/>
+              <a:t> </a:t>
+            </a:r>
+            <a:r>
+              <a:rPr lang="en-GB" dirty="0" err="1"/>
+              <a:t>noi</a:t>
+            </a:r>
+            <a:r>
+              <a:rPr lang="en-GB" dirty="0"/>
+              <a:t> </a:t>
+            </a:r>
+            <a:r>
+              <a:rPr lang="en-GB" dirty="0" err="1"/>
+              <a:t>să</a:t>
+            </a:r>
+            <a:r>
+              <a:rPr lang="en-GB" dirty="0"/>
+              <a:t> fie </a:t>
+            </a:r>
+            <a:r>
+              <a:rPr lang="en-GB" dirty="0" err="1"/>
+              <a:t>adăugate</a:t>
+            </a:r>
+            <a:r>
+              <a:rPr lang="en-GB" dirty="0"/>
+              <a:t> </a:t>
+            </a:r>
+            <a:r>
+              <a:rPr lang="en-GB" dirty="0" err="1"/>
+              <a:t>în</a:t>
+            </a:r>
+            <a:r>
+              <a:rPr lang="en-GB" dirty="0"/>
+              <a:t> </a:t>
+            </a:r>
+            <a:r>
+              <a:rPr lang="en-GB" dirty="0" err="1"/>
+              <a:t>celula</a:t>
+            </a:r>
+            <a:r>
+              <a:rPr lang="en-GB" dirty="0"/>
+              <a:t> de </a:t>
+            </a:r>
+            <a:r>
+              <a:rPr lang="en-GB" dirty="0" err="1"/>
+              <a:t>memorie</a:t>
+            </a:r>
+            <a:r>
+              <a:rPr lang="en-GB" dirty="0"/>
+              <a:t>.</a:t>
+            </a:r>
+          </a:p>
+          <a:p>
+            <a:pPr marL="742950" lvl="1" indent="-285750">
+              <a:buFont typeface="+mj-lt"/>
+              <a:buAutoNum type="arabicPeriod"/>
+            </a:pPr>
+            <a:r>
+              <a:rPr lang="en-GB" b="1" dirty="0" err="1"/>
+              <a:t>Poarta</a:t>
+            </a:r>
+            <a:r>
+              <a:rPr lang="en-GB" b="1" dirty="0"/>
+              <a:t> de </a:t>
+            </a:r>
+            <a:r>
+              <a:rPr lang="en-GB" b="1" dirty="0" err="1"/>
+              <a:t>ieșire</a:t>
+            </a:r>
+            <a:r>
+              <a:rPr lang="en-GB" b="1" dirty="0"/>
+              <a:t> (Use/Output Gate)</a:t>
+            </a:r>
+            <a:r>
+              <a:rPr lang="en-GB" dirty="0"/>
+              <a:t>: </a:t>
+            </a:r>
+            <a:r>
+              <a:rPr lang="en-GB" dirty="0" err="1"/>
+              <a:t>Determină</a:t>
+            </a:r>
+            <a:r>
+              <a:rPr lang="en-GB" dirty="0"/>
+              <a:t> </a:t>
+            </a:r>
+            <a:r>
+              <a:rPr lang="en-GB" dirty="0" err="1"/>
+              <a:t>ce</a:t>
+            </a:r>
+            <a:r>
+              <a:rPr lang="en-GB" dirty="0"/>
+              <a:t> </a:t>
+            </a:r>
+            <a:r>
+              <a:rPr lang="en-GB" dirty="0" err="1"/>
+              <a:t>informații</a:t>
+            </a:r>
+            <a:r>
+              <a:rPr lang="en-GB" dirty="0"/>
+              <a:t> </a:t>
+            </a:r>
+            <a:r>
+              <a:rPr lang="en-GB" dirty="0" err="1"/>
+              <a:t>să</a:t>
+            </a:r>
+            <a:r>
+              <a:rPr lang="en-GB" dirty="0"/>
+              <a:t> fie </a:t>
+            </a:r>
+            <a:r>
+              <a:rPr lang="en-GB" dirty="0" err="1"/>
+              <a:t>utilizate</a:t>
+            </a:r>
+            <a:r>
+              <a:rPr lang="en-GB" dirty="0"/>
+              <a:t> </a:t>
+            </a:r>
+            <a:r>
+              <a:rPr lang="en-GB" dirty="0" err="1"/>
+              <a:t>pentru</a:t>
+            </a:r>
+            <a:r>
+              <a:rPr lang="en-GB" dirty="0"/>
+              <a:t> </a:t>
+            </a:r>
+            <a:r>
+              <a:rPr lang="en-GB" dirty="0" err="1"/>
+              <a:t>predicția</a:t>
+            </a:r>
+            <a:r>
+              <a:rPr lang="en-GB" dirty="0"/>
+              <a:t> </a:t>
+            </a:r>
+            <a:r>
+              <a:rPr lang="en-GB" dirty="0" err="1"/>
+              <a:t>curentă</a:t>
+            </a:r>
+            <a:r>
+              <a:rPr lang="en-GB" dirty="0"/>
+              <a:t>.</a:t>
+            </a:r>
+          </a:p>
+          <a:p>
+            <a:endParaRPr lang="en-DE" dirty="0"/>
+          </a:p>
+        </p:txBody>
+      </p:sp>
+    </p:spTree>
+    <p:extLst>
+      <p:ext uri="{BB962C8B-B14F-4D97-AF65-F5344CB8AC3E}">
+        <p14:creationId xmlns:p14="http://schemas.microsoft.com/office/powerpoint/2010/main" val="1108154100"/>
+      </p:ext>
+    </p:extLst>
+  </p:cSld>
+  <p:clrMapOvr>
+    <a:masterClrMapping/>
+  </p:clrMapOvr>
+</p:sld>
+</file>
+
+<file path=ppt/slides/slide7.xml><?xml version="1.0" encoding="utf-8"?>
+<p:sld xmlns:a="http://schemas.openxmlformats.org/drawingml/2006/main" xmlns:r="http://schemas.openxmlformats.org/officeDocument/2006/relationships" xmlns:p="http://schemas.openxmlformats.org/presentationml/2006/main">
+  <p:cSld>
+    <p:spTree>
+      <p:nvGrpSpPr>
+        <p:cNvPr id="1" name=""/>
+        <p:cNvGrpSpPr/>
+        <p:nvPr/>
+      </p:nvGrpSpPr>
+      <p:grpSpPr>
+        <a:xfrm>
+          <a:off x="0" y="0"/>
+          <a:ext cx="0" cy="0"/>
+          <a:chOff x="0" y="0"/>
+          <a:chExt cx="0" cy="0"/>
+        </a:xfrm>
+      </p:grpSpPr>
+      <p:sp>
+        <p:nvSpPr>
+          <p:cNvPr id="2" name="Title 1">
+            <a:extLst>
+              <a:ext uri="{FF2B5EF4-FFF2-40B4-BE49-F238E27FC236}">
+                <a16:creationId xmlns:a16="http://schemas.microsoft.com/office/drawing/2014/main" id="{3B45CF12-F39C-88BA-9D99-239ECB5D9316}"/>
+              </a:ext>
+            </a:extLst>
+          </p:cNvPr>
+          <p:cNvSpPr>
+            <a:spLocks noGrp="1"/>
+          </p:cNvSpPr>
+          <p:nvPr>
+            <p:ph type="title"/>
+          </p:nvPr>
+        </p:nvSpPr>
+        <p:spPr/>
+        <p:txBody>
+          <a:bodyPr/>
+          <a:lstStyle/>
+          <a:p>
+            <a:r>
+              <a:rPr lang="en-GB" dirty="0" err="1"/>
+              <a:t>Utilizarea</a:t>
+            </a:r>
+            <a:r>
+              <a:rPr lang="en-GB" dirty="0"/>
+              <a:t> LSTM </a:t>
+            </a:r>
+            <a:r>
+              <a:rPr lang="en-GB" dirty="0" err="1"/>
+              <a:t>în</a:t>
+            </a:r>
+            <a:r>
+              <a:rPr lang="en-GB" dirty="0"/>
+              <a:t> </a:t>
+            </a:r>
+            <a:r>
+              <a:rPr lang="en-GB" dirty="0" err="1"/>
+              <a:t>serii</a:t>
+            </a:r>
+            <a:r>
+              <a:rPr lang="en-GB" dirty="0"/>
+              <a:t> de </a:t>
+            </a:r>
+            <a:r>
+              <a:rPr lang="en-GB" dirty="0" err="1"/>
+              <a:t>timp</a:t>
+            </a:r>
+            <a:r>
+              <a:rPr lang="en-GB" dirty="0"/>
+              <a:t>:</a:t>
+            </a:r>
+            <a:endParaRPr lang="en-DE" dirty="0"/>
+          </a:p>
+        </p:txBody>
+      </p:sp>
+      <p:sp>
+        <p:nvSpPr>
+          <p:cNvPr id="3" name="Content Placeholder 2">
+            <a:extLst>
+              <a:ext uri="{FF2B5EF4-FFF2-40B4-BE49-F238E27FC236}">
+                <a16:creationId xmlns:a16="http://schemas.microsoft.com/office/drawing/2014/main" id="{D001EB7C-2EF8-CBAE-8D1A-2502B6BC069B}"/>
+              </a:ext>
+            </a:extLst>
+          </p:cNvPr>
+          <p:cNvSpPr>
+            <a:spLocks noGrp="1"/>
+          </p:cNvSpPr>
+          <p:nvPr>
+            <p:ph idx="1"/>
+          </p:nvPr>
+        </p:nvSpPr>
+        <p:spPr/>
+        <p:txBody>
+          <a:bodyPr/>
+          <a:lstStyle/>
+          <a:p>
+            <a:pPr>
+              <a:buNone/>
+            </a:pPr>
+            <a:r>
+              <a:rPr lang="en-GB" dirty="0"/>
+              <a:t>LSTM </a:t>
+            </a:r>
+            <a:r>
+              <a:rPr lang="en-GB" dirty="0" err="1"/>
+              <a:t>este</a:t>
+            </a:r>
+            <a:r>
+              <a:rPr lang="en-GB" dirty="0"/>
+              <a:t> ideal </a:t>
+            </a:r>
+            <a:r>
+              <a:rPr lang="en-GB" dirty="0" err="1"/>
+              <a:t>pentru</a:t>
+            </a:r>
+            <a:r>
+              <a:rPr lang="en-GB" dirty="0"/>
+              <a:t> </a:t>
+            </a:r>
+            <a:r>
+              <a:rPr lang="en-GB" dirty="0" err="1"/>
+              <a:t>analiza</a:t>
+            </a:r>
+            <a:r>
+              <a:rPr lang="en-GB" dirty="0"/>
+              <a:t> </a:t>
+            </a:r>
+            <a:r>
+              <a:rPr lang="en-GB" dirty="0" err="1"/>
+              <a:t>și</a:t>
+            </a:r>
+            <a:r>
+              <a:rPr lang="en-GB" dirty="0"/>
+              <a:t> </a:t>
+            </a:r>
+            <a:r>
+              <a:rPr lang="en-GB" dirty="0" err="1"/>
+              <a:t>prognoza</a:t>
+            </a:r>
+            <a:r>
+              <a:rPr lang="en-GB" dirty="0"/>
+              <a:t> </a:t>
+            </a:r>
+            <a:r>
+              <a:rPr lang="en-GB" dirty="0" err="1"/>
+              <a:t>seriilor</a:t>
+            </a:r>
+            <a:r>
+              <a:rPr lang="en-GB" dirty="0"/>
+              <a:t> de </a:t>
+            </a:r>
+            <a:r>
+              <a:rPr lang="en-GB" dirty="0" err="1"/>
+              <a:t>timp</a:t>
+            </a:r>
+            <a:r>
+              <a:rPr lang="en-GB" dirty="0"/>
+              <a:t>, </a:t>
+            </a:r>
+            <a:r>
+              <a:rPr lang="en-GB" dirty="0" err="1"/>
+              <a:t>deoarece</a:t>
+            </a:r>
+            <a:r>
+              <a:rPr lang="en-GB" dirty="0"/>
+              <a:t> </a:t>
+            </a:r>
+            <a:r>
+              <a:rPr lang="en-GB" dirty="0" err="1"/>
+              <a:t>poate</a:t>
+            </a:r>
+            <a:r>
+              <a:rPr lang="en-GB" dirty="0"/>
+              <a:t> </a:t>
+            </a:r>
+            <a:r>
+              <a:rPr lang="en-GB" dirty="0" err="1"/>
+              <a:t>învăța</a:t>
+            </a:r>
+            <a:r>
+              <a:rPr lang="en-GB" dirty="0"/>
+              <a:t> </a:t>
+            </a:r>
+            <a:r>
+              <a:rPr lang="en-GB" dirty="0" err="1"/>
+              <a:t>tipare</a:t>
+            </a:r>
+            <a:r>
+              <a:rPr lang="en-GB" dirty="0"/>
+              <a:t> </a:t>
+            </a:r>
+            <a:r>
+              <a:rPr lang="en-GB" dirty="0" err="1"/>
+              <a:t>complexe</a:t>
+            </a:r>
+            <a:r>
+              <a:rPr lang="en-GB" dirty="0"/>
+              <a:t> </a:t>
+            </a:r>
+            <a:r>
+              <a:rPr lang="en-GB" dirty="0" err="1"/>
+              <a:t>și</a:t>
+            </a:r>
+            <a:r>
+              <a:rPr lang="en-GB" dirty="0"/>
+              <a:t> </a:t>
+            </a:r>
+            <a:r>
+              <a:rPr lang="en-GB" dirty="0" err="1"/>
+              <a:t>dependențe</a:t>
+            </a:r>
+            <a:r>
+              <a:rPr lang="en-GB" dirty="0"/>
+              <a:t> </a:t>
+            </a:r>
+            <a:r>
+              <a:rPr lang="en-GB" dirty="0" err="1"/>
+              <a:t>temporale</a:t>
+            </a:r>
+            <a:r>
+              <a:rPr lang="en-GB" dirty="0"/>
+              <a:t>. </a:t>
+            </a:r>
+            <a:r>
+              <a:rPr lang="en-GB" dirty="0" err="1"/>
+              <a:t>Exemple</a:t>
+            </a:r>
+            <a:r>
+              <a:rPr lang="en-GB" dirty="0"/>
+              <a:t> de </a:t>
+            </a:r>
+            <a:r>
+              <a:rPr lang="en-GB" dirty="0" err="1"/>
+              <a:t>aplicații</a:t>
+            </a:r>
+            <a:r>
+              <a:rPr lang="en-GB" dirty="0"/>
+              <a:t> </a:t>
+            </a:r>
+            <a:r>
+              <a:rPr lang="en-GB" dirty="0" err="1"/>
+              <a:t>includ</a:t>
+            </a:r>
+            <a:r>
+              <a:rPr lang="en-GB" dirty="0"/>
+              <a:t>:</a:t>
+            </a:r>
+          </a:p>
+          <a:p>
+            <a:pPr>
+              <a:buFont typeface="Arial" panose="020B0604020202020204" pitchFamily="34" charset="0"/>
+              <a:buChar char="•"/>
+            </a:pPr>
+            <a:r>
+              <a:rPr lang="en-GB" dirty="0" err="1"/>
+              <a:t>Prognoza</a:t>
+            </a:r>
+            <a:r>
+              <a:rPr lang="en-GB" dirty="0"/>
+              <a:t> </a:t>
+            </a:r>
+            <a:r>
+              <a:rPr lang="en-GB" dirty="0" err="1"/>
+              <a:t>prețurilor</a:t>
+            </a:r>
+            <a:r>
+              <a:rPr lang="en-GB" dirty="0"/>
+              <a:t> </a:t>
+            </a:r>
+            <a:r>
+              <a:rPr lang="en-GB" dirty="0" err="1"/>
+              <a:t>acțiunilor</a:t>
+            </a:r>
+            <a:r>
+              <a:rPr lang="en-GB" dirty="0"/>
+              <a:t>.</a:t>
+            </a:r>
+          </a:p>
+          <a:p>
+            <a:pPr>
+              <a:buFont typeface="Arial" panose="020B0604020202020204" pitchFamily="34" charset="0"/>
+              <a:buChar char="•"/>
+            </a:pPr>
+            <a:r>
+              <a:rPr lang="en-GB" dirty="0" err="1"/>
+              <a:t>Predicția</a:t>
+            </a:r>
+            <a:r>
+              <a:rPr lang="en-GB" dirty="0"/>
+              <a:t> </a:t>
+            </a:r>
+            <a:r>
+              <a:rPr lang="en-GB" dirty="0" err="1"/>
+              <a:t>cererii</a:t>
+            </a:r>
+            <a:r>
+              <a:rPr lang="en-GB" dirty="0"/>
+              <a:t> de </a:t>
+            </a:r>
+            <a:r>
+              <a:rPr lang="en-GB" dirty="0" err="1"/>
+              <a:t>energie</a:t>
+            </a:r>
+            <a:r>
+              <a:rPr lang="en-GB" dirty="0"/>
+              <a:t>.</a:t>
+            </a:r>
+          </a:p>
+          <a:p>
+            <a:pPr>
+              <a:buFont typeface="Arial" panose="020B0604020202020204" pitchFamily="34" charset="0"/>
+              <a:buChar char="•"/>
+            </a:pPr>
+            <a:r>
+              <a:rPr lang="en-GB" dirty="0"/>
+              <a:t>Analiza </a:t>
+            </a:r>
+            <a:r>
+              <a:rPr lang="en-GB" dirty="0" err="1"/>
+              <a:t>datelor</a:t>
+            </a:r>
+            <a:r>
+              <a:rPr lang="en-GB" dirty="0"/>
+              <a:t> </a:t>
+            </a:r>
+            <a:r>
+              <a:rPr lang="en-GB" dirty="0" err="1"/>
+              <a:t>meteorologice</a:t>
+            </a:r>
+            <a:r>
+              <a:rPr lang="en-GB" dirty="0"/>
+              <a:t>.</a:t>
+            </a:r>
+          </a:p>
+          <a:p>
+            <a:pPr>
+              <a:buFont typeface="Arial" panose="020B0604020202020204" pitchFamily="34" charset="0"/>
+              <a:buChar char="•"/>
+            </a:pPr>
+            <a:r>
+              <a:rPr lang="en-GB" dirty="0" err="1"/>
+              <a:t>Recunoașterea</a:t>
+            </a:r>
+            <a:r>
+              <a:rPr lang="en-GB" dirty="0"/>
+              <a:t> </a:t>
+            </a:r>
+            <a:r>
+              <a:rPr lang="en-GB" dirty="0" err="1"/>
+              <a:t>vorbirii</a:t>
+            </a:r>
+            <a:r>
+              <a:rPr lang="en-GB" dirty="0"/>
+              <a:t> </a:t>
+            </a:r>
+            <a:r>
+              <a:rPr lang="en-GB" dirty="0" err="1"/>
+              <a:t>sau</a:t>
+            </a:r>
+            <a:r>
+              <a:rPr lang="en-GB" dirty="0"/>
+              <a:t> a </a:t>
+            </a:r>
+            <a:r>
+              <a:rPr lang="en-GB" dirty="0" err="1"/>
+              <a:t>textului</a:t>
+            </a:r>
+            <a:r>
+              <a:rPr lang="en-GB" dirty="0"/>
+              <a:t>.</a:t>
+            </a:r>
+          </a:p>
+          <a:p>
+            <a:endParaRPr lang="en-DE" dirty="0"/>
+          </a:p>
+        </p:txBody>
+      </p:sp>
+    </p:spTree>
+    <p:extLst>
+      <p:ext uri="{BB962C8B-B14F-4D97-AF65-F5344CB8AC3E}">
+        <p14:creationId xmlns:p14="http://schemas.microsoft.com/office/powerpoint/2010/main" val="2965795359"/>
       </p:ext>
     </p:extLst>
   </p:cSld>

--- a/Doc/Prezicere pret actiuni.pptx
+++ b/Doc/Prezicere pret actiuni.pptx
@@ -8,10 +8,13 @@
     <p:sldId id="256" r:id="rId2"/>
     <p:sldId id="257" r:id="rId3"/>
     <p:sldId id="258" r:id="rId4"/>
-    <p:sldId id="259" r:id="rId5"/>
-    <p:sldId id="260" r:id="rId6"/>
-    <p:sldId id="261" r:id="rId7"/>
+    <p:sldId id="260" r:id="rId5"/>
+    <p:sldId id="261" r:id="rId6"/>
+    <p:sldId id="263" r:id="rId7"/>
     <p:sldId id="262" r:id="rId8"/>
+    <p:sldId id="264" r:id="rId9"/>
+    <p:sldId id="265" r:id="rId10"/>
+    <p:sldId id="266" r:id="rId11"/>
   </p:sldIdLst>
   <p:sldSz cx="12192000" cy="6858000"/>
   <p:notesSz cx="6858000" cy="9144000"/>
@@ -267,7 +270,7 @@
           <a:p>
             <a:fld id="{D26A27A1-E3F0-46DF-91D7-3DE2967E6C8E}" type="datetimeFigureOut">
               <a:rPr lang="de-DE" smtClean="0"/>
-              <a:t>25.04.2025</a:t>
+              <a:t>25.06.2025</a:t>
             </a:fld>
             <a:endParaRPr lang="de-DE"/>
           </a:p>
@@ -467,7 +470,7 @@
           <a:p>
             <a:fld id="{D26A27A1-E3F0-46DF-91D7-3DE2967E6C8E}" type="datetimeFigureOut">
               <a:rPr lang="de-DE" smtClean="0"/>
-              <a:t>25.04.2025</a:t>
+              <a:t>25.06.2025</a:t>
             </a:fld>
             <a:endParaRPr lang="de-DE"/>
           </a:p>
@@ -677,7 +680,7 @@
           <a:p>
             <a:fld id="{D26A27A1-E3F0-46DF-91D7-3DE2967E6C8E}" type="datetimeFigureOut">
               <a:rPr lang="de-DE" smtClean="0"/>
-              <a:t>25.04.2025</a:t>
+              <a:t>25.06.2025</a:t>
             </a:fld>
             <a:endParaRPr lang="de-DE"/>
           </a:p>
@@ -877,7 +880,7 @@
           <a:p>
             <a:fld id="{D26A27A1-E3F0-46DF-91D7-3DE2967E6C8E}" type="datetimeFigureOut">
               <a:rPr lang="de-DE" smtClean="0"/>
-              <a:t>25.04.2025</a:t>
+              <a:t>25.06.2025</a:t>
             </a:fld>
             <a:endParaRPr lang="de-DE"/>
           </a:p>
@@ -1153,7 +1156,7 @@
           <a:p>
             <a:fld id="{D26A27A1-E3F0-46DF-91D7-3DE2967E6C8E}" type="datetimeFigureOut">
               <a:rPr lang="de-DE" smtClean="0"/>
-              <a:t>25.04.2025</a:t>
+              <a:t>25.06.2025</a:t>
             </a:fld>
             <a:endParaRPr lang="de-DE"/>
           </a:p>
@@ -1421,7 +1424,7 @@
           <a:p>
             <a:fld id="{D26A27A1-E3F0-46DF-91D7-3DE2967E6C8E}" type="datetimeFigureOut">
               <a:rPr lang="de-DE" smtClean="0"/>
-              <a:t>25.04.2025</a:t>
+              <a:t>25.06.2025</a:t>
             </a:fld>
             <a:endParaRPr lang="de-DE"/>
           </a:p>
@@ -1836,7 +1839,7 @@
           <a:p>
             <a:fld id="{D26A27A1-E3F0-46DF-91D7-3DE2967E6C8E}" type="datetimeFigureOut">
               <a:rPr lang="de-DE" smtClean="0"/>
-              <a:t>25.04.2025</a:t>
+              <a:t>25.06.2025</a:t>
             </a:fld>
             <a:endParaRPr lang="de-DE"/>
           </a:p>
@@ -1978,7 +1981,7 @@
           <a:p>
             <a:fld id="{D26A27A1-E3F0-46DF-91D7-3DE2967E6C8E}" type="datetimeFigureOut">
               <a:rPr lang="de-DE" smtClean="0"/>
-              <a:t>25.04.2025</a:t>
+              <a:t>25.06.2025</a:t>
             </a:fld>
             <a:endParaRPr lang="de-DE"/>
           </a:p>
@@ -2091,7 +2094,7 @@
           <a:p>
             <a:fld id="{D26A27A1-E3F0-46DF-91D7-3DE2967E6C8E}" type="datetimeFigureOut">
               <a:rPr lang="de-DE" smtClean="0"/>
-              <a:t>25.04.2025</a:t>
+              <a:t>25.06.2025</a:t>
             </a:fld>
             <a:endParaRPr lang="de-DE"/>
           </a:p>
@@ -2404,7 +2407,7 @@
           <a:p>
             <a:fld id="{D26A27A1-E3F0-46DF-91D7-3DE2967E6C8E}" type="datetimeFigureOut">
               <a:rPr lang="de-DE" smtClean="0"/>
-              <a:t>25.04.2025</a:t>
+              <a:t>25.06.2025</a:t>
             </a:fld>
             <a:endParaRPr lang="de-DE"/>
           </a:p>
@@ -2693,7 +2696,7 @@
           <a:p>
             <a:fld id="{D26A27A1-E3F0-46DF-91D7-3DE2967E6C8E}" type="datetimeFigureOut">
               <a:rPr lang="de-DE" smtClean="0"/>
-              <a:t>25.04.2025</a:t>
+              <a:t>25.06.2025</a:t>
             </a:fld>
             <a:endParaRPr lang="de-DE"/>
           </a:p>
@@ -2936,7 +2939,7 @@
           <a:p>
             <a:fld id="{D26A27A1-E3F0-46DF-91D7-3DE2967E6C8E}" type="datetimeFigureOut">
               <a:rPr lang="de-DE" smtClean="0"/>
-              <a:t>25.04.2025</a:t>
+              <a:t>25.06.2025</a:t>
             </a:fld>
             <a:endParaRPr lang="de-DE"/>
           </a:p>
@@ -3375,50 +3378,34 @@
           <a:lstStyle/>
           <a:p>
             <a:r>
-              <a:rPr lang="en-GB" dirty="0" err="1"/>
+              <a:rPr lang="ro-RO" noProof="0" dirty="0" err="1"/>
               <a:t>Retele</a:t>
             </a:r>
             <a:r>
-              <a:rPr lang="en-GB" dirty="0"/>
+              <a:rPr lang="ro-RO" noProof="0" dirty="0"/>
+              <a:t> neuronale LSTM pentru </a:t>
+            </a:r>
+            <a:r>
+              <a:rPr lang="ro-RO" noProof="0" dirty="0" err="1"/>
+              <a:t>predictie</a:t>
+            </a:r>
+            <a:r>
+              <a:rPr lang="ro-RO" noProof="0" dirty="0"/>
               <a:t> </a:t>
             </a:r>
             <a:r>
-              <a:rPr lang="en-GB" dirty="0" err="1"/>
-              <a:t>neuronale</a:t>
-            </a:r>
-            <a:r>
-              <a:rPr lang="en-GB" dirty="0"/>
-              <a:t> LSTM </a:t>
-            </a:r>
-            <a:r>
-              <a:rPr lang="en-GB" dirty="0" err="1"/>
-              <a:t>pentru</a:t>
-            </a:r>
-            <a:r>
-              <a:rPr lang="en-GB" dirty="0"/>
+              <a:rPr lang="ro-RO" noProof="0" dirty="0" err="1"/>
+              <a:t>pret</a:t>
+            </a:r>
+            <a:r>
+              <a:rPr lang="ro-RO" noProof="0" dirty="0"/>
               <a:t> </a:t>
             </a:r>
             <a:r>
-              <a:rPr lang="en-GB" dirty="0" err="1"/>
-              <a:t>predictie</a:t>
-            </a:r>
-            <a:r>
-              <a:rPr lang="en-GB" dirty="0"/>
-              <a:t> </a:t>
-            </a:r>
-            <a:r>
-              <a:rPr lang="en-GB" dirty="0" err="1"/>
-              <a:t>pret</a:t>
-            </a:r>
-            <a:r>
-              <a:rPr lang="en-GB" dirty="0"/>
-              <a:t> </a:t>
-            </a:r>
-            <a:r>
-              <a:rPr lang="en-GB" dirty="0" err="1"/>
+              <a:rPr lang="ro-RO" noProof="0" dirty="0" err="1"/>
               <a:t>actiuni</a:t>
             </a:r>
-            <a:endParaRPr lang="de-DE" dirty="0"/>
+            <a:endParaRPr lang="ro-RO" noProof="0" dirty="0"/>
           </a:p>
         </p:txBody>
       </p:sp>
@@ -3438,16 +3425,239 @@
             <p:ph type="subTitle" idx="1"/>
           </p:nvPr>
         </p:nvSpPr>
-        <p:spPr/>
+        <p:spPr>
+          <a:xfrm>
+            <a:off x="6875362" y="3602038"/>
+            <a:ext cx="3792638" cy="1655762"/>
+          </a:xfrm>
+        </p:spPr>
         <p:txBody>
           <a:bodyPr/>
           <a:lstStyle/>
           <a:p>
             <a:r>
-              <a:rPr lang="en-GB" dirty="0"/>
+              <a:rPr lang="ro-RO" noProof="0" dirty="0"/>
+              <a:t>Absolvent: </a:t>
+            </a:r>
+          </a:p>
+          <a:p>
+            <a:r>
+              <a:rPr lang="ro-RO" noProof="0" dirty="0"/>
               <a:t>Andreea-Corina Chelariu</a:t>
             </a:r>
-            <a:endParaRPr lang="de-DE" dirty="0"/>
+          </a:p>
+        </p:txBody>
+      </p:sp>
+      <p:sp>
+        <p:nvSpPr>
+          <p:cNvPr id="4" name="Subtitle 2">
+            <a:extLst>
+              <a:ext uri="{FF2B5EF4-FFF2-40B4-BE49-F238E27FC236}">
+                <a16:creationId xmlns:a16="http://schemas.microsoft.com/office/drawing/2014/main" id="{A38C44F1-E909-0371-3FF8-DA6C45541FF2}"/>
+              </a:ext>
+            </a:extLst>
+          </p:cNvPr>
+          <p:cNvSpPr txBox="1">
+            <a:spLocks/>
+          </p:cNvSpPr>
+          <p:nvPr/>
+        </p:nvSpPr>
+        <p:spPr>
+          <a:xfrm>
+            <a:off x="1101524" y="3602038"/>
+            <a:ext cx="4512198" cy="1655762"/>
+          </a:xfrm>
+          <a:prstGeom prst="rect">
+            <a:avLst/>
+          </a:prstGeom>
+        </p:spPr>
+        <p:txBody>
+          <a:bodyPr vert="horz" lIns="91440" tIns="45720" rIns="91440" bIns="45720" rtlCol="0">
+            <a:normAutofit/>
+          </a:bodyPr>
+          <a:lstStyle>
+            <a:lvl1pPr marL="0" indent="0" algn="ctr" defTabSz="914400" rtl="0" eaLnBrk="1" latinLnBrk="0" hangingPunct="1">
+              <a:lnSpc>
+                <a:spcPct val="90000"/>
+              </a:lnSpc>
+              <a:spcBef>
+                <a:spcPts val="1000"/>
+              </a:spcBef>
+              <a:buFont typeface="Arial" panose="020B0604020202020204" pitchFamily="34" charset="0"/>
+              <a:buNone/>
+              <a:defRPr sz="2400" kern="1200">
+                <a:solidFill>
+                  <a:schemeClr val="tx1"/>
+                </a:solidFill>
+                <a:latin typeface="+mn-lt"/>
+                <a:ea typeface="+mn-ea"/>
+                <a:cs typeface="+mn-cs"/>
+              </a:defRPr>
+            </a:lvl1pPr>
+            <a:lvl2pPr marL="457200" indent="0" algn="ctr" defTabSz="914400" rtl="0" eaLnBrk="1" latinLnBrk="0" hangingPunct="1">
+              <a:lnSpc>
+                <a:spcPct val="90000"/>
+              </a:lnSpc>
+              <a:spcBef>
+                <a:spcPts val="500"/>
+              </a:spcBef>
+              <a:buFont typeface="Arial" panose="020B0604020202020204" pitchFamily="34" charset="0"/>
+              <a:buNone/>
+              <a:defRPr sz="2000" kern="1200">
+                <a:solidFill>
+                  <a:schemeClr val="tx1"/>
+                </a:solidFill>
+                <a:latin typeface="+mn-lt"/>
+                <a:ea typeface="+mn-ea"/>
+                <a:cs typeface="+mn-cs"/>
+              </a:defRPr>
+            </a:lvl2pPr>
+            <a:lvl3pPr marL="914400" indent="0" algn="ctr" defTabSz="914400" rtl="0" eaLnBrk="1" latinLnBrk="0" hangingPunct="1">
+              <a:lnSpc>
+                <a:spcPct val="90000"/>
+              </a:lnSpc>
+              <a:spcBef>
+                <a:spcPts val="500"/>
+              </a:spcBef>
+              <a:buFont typeface="Arial" panose="020B0604020202020204" pitchFamily="34" charset="0"/>
+              <a:buNone/>
+              <a:defRPr sz="1800" kern="1200">
+                <a:solidFill>
+                  <a:schemeClr val="tx1"/>
+                </a:solidFill>
+                <a:latin typeface="+mn-lt"/>
+                <a:ea typeface="+mn-ea"/>
+                <a:cs typeface="+mn-cs"/>
+              </a:defRPr>
+            </a:lvl3pPr>
+            <a:lvl4pPr marL="1371600" indent="0" algn="ctr" defTabSz="914400" rtl="0" eaLnBrk="1" latinLnBrk="0" hangingPunct="1">
+              <a:lnSpc>
+                <a:spcPct val="90000"/>
+              </a:lnSpc>
+              <a:spcBef>
+                <a:spcPts val="500"/>
+              </a:spcBef>
+              <a:buFont typeface="Arial" panose="020B0604020202020204" pitchFamily="34" charset="0"/>
+              <a:buNone/>
+              <a:defRPr sz="1600" kern="1200">
+                <a:solidFill>
+                  <a:schemeClr val="tx1"/>
+                </a:solidFill>
+                <a:latin typeface="+mn-lt"/>
+                <a:ea typeface="+mn-ea"/>
+                <a:cs typeface="+mn-cs"/>
+              </a:defRPr>
+            </a:lvl4pPr>
+            <a:lvl5pPr marL="1828800" indent="0" algn="ctr" defTabSz="914400" rtl="0" eaLnBrk="1" latinLnBrk="0" hangingPunct="1">
+              <a:lnSpc>
+                <a:spcPct val="90000"/>
+              </a:lnSpc>
+              <a:spcBef>
+                <a:spcPts val="500"/>
+              </a:spcBef>
+              <a:buFont typeface="Arial" panose="020B0604020202020204" pitchFamily="34" charset="0"/>
+              <a:buNone/>
+              <a:defRPr sz="1600" kern="1200">
+                <a:solidFill>
+                  <a:schemeClr val="tx1"/>
+                </a:solidFill>
+                <a:latin typeface="+mn-lt"/>
+                <a:ea typeface="+mn-ea"/>
+                <a:cs typeface="+mn-cs"/>
+              </a:defRPr>
+            </a:lvl5pPr>
+            <a:lvl6pPr marL="2286000" indent="0" algn="ctr" defTabSz="914400" rtl="0" eaLnBrk="1" latinLnBrk="0" hangingPunct="1">
+              <a:lnSpc>
+                <a:spcPct val="90000"/>
+              </a:lnSpc>
+              <a:spcBef>
+                <a:spcPts val="500"/>
+              </a:spcBef>
+              <a:buFont typeface="Arial" panose="020B0604020202020204" pitchFamily="34" charset="0"/>
+              <a:buNone/>
+              <a:defRPr sz="1600" kern="1200">
+                <a:solidFill>
+                  <a:schemeClr val="tx1"/>
+                </a:solidFill>
+                <a:latin typeface="+mn-lt"/>
+                <a:ea typeface="+mn-ea"/>
+                <a:cs typeface="+mn-cs"/>
+              </a:defRPr>
+            </a:lvl6pPr>
+            <a:lvl7pPr marL="2743200" indent="0" algn="ctr" defTabSz="914400" rtl="0" eaLnBrk="1" latinLnBrk="0" hangingPunct="1">
+              <a:lnSpc>
+                <a:spcPct val="90000"/>
+              </a:lnSpc>
+              <a:spcBef>
+                <a:spcPts val="500"/>
+              </a:spcBef>
+              <a:buFont typeface="Arial" panose="020B0604020202020204" pitchFamily="34" charset="0"/>
+              <a:buNone/>
+              <a:defRPr sz="1600" kern="1200">
+                <a:solidFill>
+                  <a:schemeClr val="tx1"/>
+                </a:solidFill>
+                <a:latin typeface="+mn-lt"/>
+                <a:ea typeface="+mn-ea"/>
+                <a:cs typeface="+mn-cs"/>
+              </a:defRPr>
+            </a:lvl7pPr>
+            <a:lvl8pPr marL="3200400" indent="0" algn="ctr" defTabSz="914400" rtl="0" eaLnBrk="1" latinLnBrk="0" hangingPunct="1">
+              <a:lnSpc>
+                <a:spcPct val="90000"/>
+              </a:lnSpc>
+              <a:spcBef>
+                <a:spcPts val="500"/>
+              </a:spcBef>
+              <a:buFont typeface="Arial" panose="020B0604020202020204" pitchFamily="34" charset="0"/>
+              <a:buNone/>
+              <a:defRPr sz="1600" kern="1200">
+                <a:solidFill>
+                  <a:schemeClr val="tx1"/>
+                </a:solidFill>
+                <a:latin typeface="+mn-lt"/>
+                <a:ea typeface="+mn-ea"/>
+                <a:cs typeface="+mn-cs"/>
+              </a:defRPr>
+            </a:lvl8pPr>
+            <a:lvl9pPr marL="3657600" indent="0" algn="ctr" defTabSz="914400" rtl="0" eaLnBrk="1" latinLnBrk="0" hangingPunct="1">
+              <a:lnSpc>
+                <a:spcPct val="90000"/>
+              </a:lnSpc>
+              <a:spcBef>
+                <a:spcPts val="500"/>
+              </a:spcBef>
+              <a:buFont typeface="Arial" panose="020B0604020202020204" pitchFamily="34" charset="0"/>
+              <a:buNone/>
+              <a:defRPr sz="1600" kern="1200">
+                <a:solidFill>
+                  <a:schemeClr val="tx1"/>
+                </a:solidFill>
+                <a:latin typeface="+mn-lt"/>
+                <a:ea typeface="+mn-ea"/>
+                <a:cs typeface="+mn-cs"/>
+              </a:defRPr>
+            </a:lvl9pPr>
+          </a:lstStyle>
+          <a:p>
+            <a:r>
+              <a:rPr lang="ro-RO" noProof="0" dirty="0"/>
+              <a:t>Coordonator </a:t>
+            </a:r>
+            <a:r>
+              <a:rPr lang="ro-RO" noProof="0" dirty="0" err="1"/>
+              <a:t>stiintific</a:t>
+            </a:r>
+            <a:r>
+              <a:rPr lang="ro-RO" noProof="0" dirty="0"/>
+              <a:t>: </a:t>
+            </a:r>
+          </a:p>
+          <a:p>
+            <a:r>
+              <a:rPr lang="ro-RO" noProof="0" dirty="0"/>
+              <a:t>Lector univ. dr. Cosmin Tomozei</a:t>
+            </a:r>
           </a:p>
         </p:txBody>
       </p:sp>
@@ -3455,6 +3665,1356 @@
     <p:extLst>
       <p:ext uri="{BB962C8B-B14F-4D97-AF65-F5344CB8AC3E}">
         <p14:creationId xmlns:p14="http://schemas.microsoft.com/office/powerpoint/2010/main" val="1225758322"/>
+      </p:ext>
+    </p:extLst>
+  </p:cSld>
+  <p:clrMapOvr>
+    <a:masterClrMapping/>
+  </p:clrMapOvr>
+</p:sld>
+</file>
+
+<file path=ppt/slides/slide10.xml><?xml version="1.0" encoding="utf-8"?>
+<p:sld xmlns:a="http://schemas.openxmlformats.org/drawingml/2006/main" xmlns:r="http://schemas.openxmlformats.org/officeDocument/2006/relationships" xmlns:p="http://schemas.openxmlformats.org/presentationml/2006/main">
+  <p:cSld>
+    <p:spTree>
+      <p:nvGrpSpPr>
+        <p:cNvPr id="1" name=""/>
+        <p:cNvGrpSpPr/>
+        <p:nvPr/>
+      </p:nvGrpSpPr>
+      <p:grpSpPr>
+        <a:xfrm>
+          <a:off x="0" y="0"/>
+          <a:ext cx="0" cy="0"/>
+          <a:chOff x="0" y="0"/>
+          <a:chExt cx="0" cy="0"/>
+        </a:xfrm>
+      </p:grpSpPr>
+      <p:sp>
+        <p:nvSpPr>
+          <p:cNvPr id="2" name="Title 1">
+            <a:extLst>
+              <a:ext uri="{FF2B5EF4-FFF2-40B4-BE49-F238E27FC236}">
+                <a16:creationId xmlns:a16="http://schemas.microsoft.com/office/drawing/2014/main" id="{2C8FC8FF-B665-67D6-0ED4-D9C89EE8938F}"/>
+              </a:ext>
+            </a:extLst>
+          </p:cNvPr>
+          <p:cNvSpPr>
+            <a:spLocks noGrp="1"/>
+          </p:cNvSpPr>
+          <p:nvPr>
+            <p:ph type="title"/>
+          </p:nvPr>
+        </p:nvSpPr>
+        <p:spPr/>
+        <p:txBody>
+          <a:bodyPr/>
+          <a:lstStyle/>
+          <a:p>
+            <a:r>
+              <a:rPr lang="de-DE" dirty="0" err="1"/>
+              <a:t>Rezultate</a:t>
+            </a:r>
+            <a:endParaRPr lang="de-DE" dirty="0"/>
+          </a:p>
+        </p:txBody>
+      </p:sp>
+      <p:graphicFrame>
+        <p:nvGraphicFramePr>
+          <p:cNvPr id="4" name="Content Placeholder 3">
+            <a:extLst>
+              <a:ext uri="{FF2B5EF4-FFF2-40B4-BE49-F238E27FC236}">
+                <a16:creationId xmlns:a16="http://schemas.microsoft.com/office/drawing/2014/main" id="{6C610E80-C8A3-BC9B-F8BB-DB704EA2624B}"/>
+              </a:ext>
+            </a:extLst>
+          </p:cNvPr>
+          <p:cNvGraphicFramePr>
+            <a:graphicFrameLocks noGrp="1"/>
+          </p:cNvGraphicFramePr>
+          <p:nvPr>
+            <p:ph idx="1"/>
+            <p:extLst>
+              <p:ext uri="{D42A27DB-BD31-4B8C-83A1-F6EECF244321}">
+                <p14:modId xmlns:p14="http://schemas.microsoft.com/office/powerpoint/2010/main" val="3920004605"/>
+              </p:ext>
+            </p:extLst>
+          </p:nvPr>
+        </p:nvGraphicFramePr>
+        <p:xfrm>
+          <a:off x="838200" y="1825625"/>
+          <a:ext cx="10515600" cy="3327400"/>
+        </p:xfrm>
+        <a:graphic>
+          <a:graphicData uri="http://schemas.openxmlformats.org/drawingml/2006/table">
+            <a:tbl>
+              <a:tblPr firstRow="1" bandRow="1">
+                <a:tableStyleId>{5C22544A-7EE6-4342-B048-85BDC9FD1C3A}</a:tableStyleId>
+              </a:tblPr>
+              <a:tblGrid>
+                <a:gridCol w="2103120">
+                  <a:extLst>
+                    <a:ext uri="{9D8B030D-6E8A-4147-A177-3AD203B41FA5}">
+                      <a16:colId xmlns:a16="http://schemas.microsoft.com/office/drawing/2014/main" val="1067463424"/>
+                    </a:ext>
+                  </a:extLst>
+                </a:gridCol>
+                <a:gridCol w="701040">
+                  <a:extLst>
+                    <a:ext uri="{9D8B030D-6E8A-4147-A177-3AD203B41FA5}">
+                      <a16:colId xmlns:a16="http://schemas.microsoft.com/office/drawing/2014/main" val="3051176165"/>
+                    </a:ext>
+                  </a:extLst>
+                </a:gridCol>
+                <a:gridCol w="701040">
+                  <a:extLst>
+                    <a:ext uri="{9D8B030D-6E8A-4147-A177-3AD203B41FA5}">
+                      <a16:colId xmlns:a16="http://schemas.microsoft.com/office/drawing/2014/main" val="1001962734"/>
+                    </a:ext>
+                  </a:extLst>
+                </a:gridCol>
+                <a:gridCol w="701040">
+                  <a:extLst>
+                    <a:ext uri="{9D8B030D-6E8A-4147-A177-3AD203B41FA5}">
+                      <a16:colId xmlns:a16="http://schemas.microsoft.com/office/drawing/2014/main" val="1839574782"/>
+                    </a:ext>
+                  </a:extLst>
+                </a:gridCol>
+                <a:gridCol w="701040">
+                  <a:extLst>
+                    <a:ext uri="{9D8B030D-6E8A-4147-A177-3AD203B41FA5}">
+                      <a16:colId xmlns:a16="http://schemas.microsoft.com/office/drawing/2014/main" val="3066940040"/>
+                    </a:ext>
+                  </a:extLst>
+                </a:gridCol>
+                <a:gridCol w="701040">
+                  <a:extLst>
+                    <a:ext uri="{9D8B030D-6E8A-4147-A177-3AD203B41FA5}">
+                      <a16:colId xmlns:a16="http://schemas.microsoft.com/office/drawing/2014/main" val="958864537"/>
+                    </a:ext>
+                  </a:extLst>
+                </a:gridCol>
+                <a:gridCol w="701040">
+                  <a:extLst>
+                    <a:ext uri="{9D8B030D-6E8A-4147-A177-3AD203B41FA5}">
+                      <a16:colId xmlns:a16="http://schemas.microsoft.com/office/drawing/2014/main" val="3684416533"/>
+                    </a:ext>
+                  </a:extLst>
+                </a:gridCol>
+                <a:gridCol w="701040">
+                  <a:extLst>
+                    <a:ext uri="{9D8B030D-6E8A-4147-A177-3AD203B41FA5}">
+                      <a16:colId xmlns:a16="http://schemas.microsoft.com/office/drawing/2014/main" val="994361413"/>
+                    </a:ext>
+                  </a:extLst>
+                </a:gridCol>
+                <a:gridCol w="701040">
+                  <a:extLst>
+                    <a:ext uri="{9D8B030D-6E8A-4147-A177-3AD203B41FA5}">
+                      <a16:colId xmlns:a16="http://schemas.microsoft.com/office/drawing/2014/main" val="3834495102"/>
+                    </a:ext>
+                  </a:extLst>
+                </a:gridCol>
+                <a:gridCol w="701040">
+                  <a:extLst>
+                    <a:ext uri="{9D8B030D-6E8A-4147-A177-3AD203B41FA5}">
+                      <a16:colId xmlns:a16="http://schemas.microsoft.com/office/drawing/2014/main" val="575836268"/>
+                    </a:ext>
+                  </a:extLst>
+                </a:gridCol>
+                <a:gridCol w="701040">
+                  <a:extLst>
+                    <a:ext uri="{9D8B030D-6E8A-4147-A177-3AD203B41FA5}">
+                      <a16:colId xmlns:a16="http://schemas.microsoft.com/office/drawing/2014/main" val="486046471"/>
+                    </a:ext>
+                  </a:extLst>
+                </a:gridCol>
+                <a:gridCol w="701040">
+                  <a:extLst>
+                    <a:ext uri="{9D8B030D-6E8A-4147-A177-3AD203B41FA5}">
+                      <a16:colId xmlns:a16="http://schemas.microsoft.com/office/drawing/2014/main" val="2857668328"/>
+                    </a:ext>
+                  </a:extLst>
+                </a:gridCol>
+                <a:gridCol w="701040">
+                  <a:extLst>
+                    <a:ext uri="{9D8B030D-6E8A-4147-A177-3AD203B41FA5}">
+                      <a16:colId xmlns:a16="http://schemas.microsoft.com/office/drawing/2014/main" val="1718398325"/>
+                    </a:ext>
+                  </a:extLst>
+                </a:gridCol>
+              </a:tblGrid>
+              <a:tr h="370840">
+                <a:tc rowSpan="2">
+                  <a:txBody>
+                    <a:bodyPr/>
+                    <a:lstStyle/>
+                    <a:p>
+                      <a:r>
+                        <a:rPr lang="de-DE" dirty="0" err="1"/>
+                        <a:t>Actiune</a:t>
+                      </a:r>
+                      <a:endParaRPr lang="de-DE" dirty="0"/>
+                    </a:p>
+                  </a:txBody>
+                  <a:tcPr/>
+                </a:tc>
+                <a:tc gridSpan="3">
+                  <a:txBody>
+                    <a:bodyPr/>
+                    <a:lstStyle/>
+                    <a:p>
+                      <a:r>
+                        <a:rPr lang="de-DE" dirty="0"/>
+                        <a:t>26.06 </a:t>
+                      </a:r>
+                    </a:p>
+                  </a:txBody>
+                  <a:tcPr/>
+                </a:tc>
+                <a:tc hMerge="1">
+                  <a:txBody>
+                    <a:bodyPr/>
+                    <a:lstStyle/>
+                    <a:p>
+                      <a:endParaRPr lang="de-DE"/>
+                    </a:p>
+                  </a:txBody>
+                  <a:tcPr/>
+                </a:tc>
+                <a:tc hMerge="1">
+                  <a:txBody>
+                    <a:bodyPr/>
+                    <a:lstStyle/>
+                    <a:p>
+                      <a:endParaRPr lang="de-DE"/>
+                    </a:p>
+                  </a:txBody>
+                  <a:tcPr/>
+                </a:tc>
+                <a:tc gridSpan="3">
+                  <a:txBody>
+                    <a:bodyPr/>
+                    <a:lstStyle/>
+                    <a:p>
+                      <a:r>
+                        <a:rPr lang="de-DE" dirty="0"/>
+                        <a:t>27.06</a:t>
+                      </a:r>
+                    </a:p>
+                  </a:txBody>
+                  <a:tcPr/>
+                </a:tc>
+                <a:tc hMerge="1">
+                  <a:txBody>
+                    <a:bodyPr/>
+                    <a:lstStyle/>
+                    <a:p>
+                      <a:endParaRPr lang="de-DE"/>
+                    </a:p>
+                  </a:txBody>
+                  <a:tcPr/>
+                </a:tc>
+                <a:tc hMerge="1">
+                  <a:txBody>
+                    <a:bodyPr/>
+                    <a:lstStyle/>
+                    <a:p>
+                      <a:endParaRPr lang="de-DE"/>
+                    </a:p>
+                  </a:txBody>
+                  <a:tcPr/>
+                </a:tc>
+                <a:tc gridSpan="3">
+                  <a:txBody>
+                    <a:bodyPr/>
+                    <a:lstStyle/>
+                    <a:p>
+                      <a:r>
+                        <a:rPr lang="de-DE" dirty="0"/>
+                        <a:t>28.06</a:t>
+                      </a:r>
+                    </a:p>
+                  </a:txBody>
+                  <a:tcPr/>
+                </a:tc>
+                <a:tc hMerge="1">
+                  <a:txBody>
+                    <a:bodyPr/>
+                    <a:lstStyle/>
+                    <a:p>
+                      <a:endParaRPr lang="de-DE"/>
+                    </a:p>
+                  </a:txBody>
+                  <a:tcPr/>
+                </a:tc>
+                <a:tc hMerge="1">
+                  <a:txBody>
+                    <a:bodyPr/>
+                    <a:lstStyle/>
+                    <a:p>
+                      <a:endParaRPr lang="de-DE"/>
+                    </a:p>
+                  </a:txBody>
+                  <a:tcPr/>
+                </a:tc>
+                <a:tc gridSpan="3">
+                  <a:txBody>
+                    <a:bodyPr/>
+                    <a:lstStyle/>
+                    <a:p>
+                      <a:r>
+                        <a:rPr lang="de-DE" dirty="0"/>
+                        <a:t>29.06</a:t>
+                      </a:r>
+                    </a:p>
+                  </a:txBody>
+                  <a:tcPr/>
+                </a:tc>
+                <a:tc hMerge="1">
+                  <a:txBody>
+                    <a:bodyPr/>
+                    <a:lstStyle/>
+                    <a:p>
+                      <a:endParaRPr lang="de-DE"/>
+                    </a:p>
+                  </a:txBody>
+                  <a:tcPr/>
+                </a:tc>
+                <a:tc hMerge="1">
+                  <a:txBody>
+                    <a:bodyPr/>
+                    <a:lstStyle/>
+                    <a:p>
+                      <a:endParaRPr lang="de-DE"/>
+                    </a:p>
+                  </a:txBody>
+                  <a:tcPr/>
+                </a:tc>
+                <a:extLst>
+                  <a:ext uri="{0D108BD9-81ED-4DB2-BD59-A6C34878D82A}">
+                    <a16:rowId xmlns:a16="http://schemas.microsoft.com/office/drawing/2014/main" val="1654239101"/>
+                  </a:ext>
+                </a:extLst>
+              </a:tr>
+              <a:tr h="370840">
+                <a:tc vMerge="1">
+                  <a:txBody>
+                    <a:bodyPr/>
+                    <a:lstStyle/>
+                    <a:p>
+                      <a:endParaRPr lang="de-DE" dirty="0"/>
+                    </a:p>
+                  </a:txBody>
+                  <a:tcPr/>
+                </a:tc>
+                <a:tc>
+                  <a:txBody>
+                    <a:bodyPr/>
+                    <a:lstStyle/>
+                    <a:p>
+                      <a:pPr marL="0" algn="l" defTabSz="914400" rtl="0" eaLnBrk="1" latinLnBrk="0" hangingPunct="1"/>
+                      <a:r>
+                        <a:rPr lang="de-DE" sz="1000" b="1" kern="1200" dirty="0" err="1">
+                          <a:solidFill>
+                            <a:schemeClr val="lt1"/>
+                          </a:solidFill>
+                          <a:latin typeface="+mn-lt"/>
+                          <a:ea typeface="+mn-ea"/>
+                          <a:cs typeface="+mn-cs"/>
+                        </a:rPr>
+                        <a:t>estimat</a:t>
+                      </a:r>
+                      <a:endParaRPr lang="de-DE" sz="1000" b="1" kern="1200" dirty="0">
+                        <a:solidFill>
+                          <a:schemeClr val="lt1"/>
+                        </a:solidFill>
+                        <a:latin typeface="+mn-lt"/>
+                        <a:ea typeface="+mn-ea"/>
+                        <a:cs typeface="+mn-cs"/>
+                      </a:endParaRPr>
+                    </a:p>
+                    <a:p>
+                      <a:pPr marL="0" algn="l" defTabSz="914400" rtl="0" eaLnBrk="1" latinLnBrk="0" hangingPunct="1"/>
+                      <a:endParaRPr lang="de-DE" sz="1000" b="1" kern="1200" dirty="0">
+                        <a:solidFill>
+                          <a:schemeClr val="lt1"/>
+                        </a:solidFill>
+                        <a:latin typeface="+mn-lt"/>
+                        <a:ea typeface="+mn-ea"/>
+                        <a:cs typeface="+mn-cs"/>
+                      </a:endParaRPr>
+                    </a:p>
+                  </a:txBody>
+                  <a:tcPr>
+                    <a:solidFill>
+                      <a:schemeClr val="accent1"/>
+                    </a:solidFill>
+                  </a:tcPr>
+                </a:tc>
+                <a:tc>
+                  <a:txBody>
+                    <a:bodyPr/>
+                    <a:lstStyle/>
+                    <a:p>
+                      <a:pPr marL="0" algn="l" defTabSz="914400" rtl="0" eaLnBrk="1" latinLnBrk="0" hangingPunct="1"/>
+                      <a:r>
+                        <a:rPr lang="de-DE" sz="1000" b="1" kern="1200" dirty="0" err="1">
+                          <a:solidFill>
+                            <a:schemeClr val="lt1"/>
+                          </a:solidFill>
+                          <a:latin typeface="+mn-lt"/>
+                          <a:ea typeface="+mn-ea"/>
+                          <a:cs typeface="+mn-cs"/>
+                        </a:rPr>
+                        <a:t>precedent</a:t>
+                      </a:r>
+                      <a:endParaRPr lang="de-DE" sz="1000" b="1" kern="1200" dirty="0">
+                        <a:solidFill>
+                          <a:schemeClr val="lt1"/>
+                        </a:solidFill>
+                        <a:latin typeface="+mn-lt"/>
+                        <a:ea typeface="+mn-ea"/>
+                        <a:cs typeface="+mn-cs"/>
+                      </a:endParaRPr>
+                    </a:p>
+                  </a:txBody>
+                  <a:tcPr>
+                    <a:solidFill>
+                      <a:schemeClr val="accent1"/>
+                    </a:solidFill>
+                  </a:tcPr>
+                </a:tc>
+                <a:tc>
+                  <a:txBody>
+                    <a:bodyPr/>
+                    <a:lstStyle/>
+                    <a:p>
+                      <a:pPr marL="0" algn="l" defTabSz="914400" rtl="0" eaLnBrk="1" latinLnBrk="0" hangingPunct="1"/>
+                      <a:r>
+                        <a:rPr lang="de-DE" sz="1000" b="1" kern="1200" dirty="0">
+                          <a:solidFill>
+                            <a:schemeClr val="lt1"/>
+                          </a:solidFill>
+                          <a:latin typeface="+mn-lt"/>
+                          <a:ea typeface="+mn-ea"/>
+                          <a:cs typeface="+mn-cs"/>
+                        </a:rPr>
+                        <a:t>real</a:t>
+                      </a:r>
+                    </a:p>
+                  </a:txBody>
+                  <a:tcPr>
+                    <a:solidFill>
+                      <a:schemeClr val="accent1"/>
+                    </a:solidFill>
+                  </a:tcPr>
+                </a:tc>
+                <a:tc>
+                  <a:txBody>
+                    <a:bodyPr/>
+                    <a:lstStyle/>
+                    <a:p>
+                      <a:pPr marL="0" algn="l" defTabSz="914400" rtl="0" eaLnBrk="1" latinLnBrk="0" hangingPunct="1"/>
+                      <a:r>
+                        <a:rPr lang="de-DE" sz="1000" b="1" kern="1200" dirty="0" err="1">
+                          <a:solidFill>
+                            <a:schemeClr val="lt1"/>
+                          </a:solidFill>
+                          <a:latin typeface="+mn-lt"/>
+                          <a:ea typeface="+mn-ea"/>
+                          <a:cs typeface="+mn-cs"/>
+                        </a:rPr>
+                        <a:t>estimat</a:t>
+                      </a:r>
+                      <a:endParaRPr lang="de-DE" sz="1000" b="1" kern="1200" dirty="0">
+                        <a:solidFill>
+                          <a:schemeClr val="lt1"/>
+                        </a:solidFill>
+                        <a:latin typeface="+mn-lt"/>
+                        <a:ea typeface="+mn-ea"/>
+                        <a:cs typeface="+mn-cs"/>
+                      </a:endParaRPr>
+                    </a:p>
+                    <a:p>
+                      <a:pPr marL="0" algn="l" defTabSz="914400" rtl="0" eaLnBrk="1" latinLnBrk="0" hangingPunct="1"/>
+                      <a:endParaRPr lang="de-DE" sz="1000" b="1" kern="1200" dirty="0">
+                        <a:solidFill>
+                          <a:schemeClr val="lt1"/>
+                        </a:solidFill>
+                        <a:latin typeface="+mn-lt"/>
+                        <a:ea typeface="+mn-ea"/>
+                        <a:cs typeface="+mn-cs"/>
+                      </a:endParaRPr>
+                    </a:p>
+                  </a:txBody>
+                  <a:tcPr>
+                    <a:solidFill>
+                      <a:schemeClr val="accent1"/>
+                    </a:solidFill>
+                  </a:tcPr>
+                </a:tc>
+                <a:tc>
+                  <a:txBody>
+                    <a:bodyPr/>
+                    <a:lstStyle/>
+                    <a:p>
+                      <a:pPr marL="0" algn="l" defTabSz="914400" rtl="0" eaLnBrk="1" latinLnBrk="0" hangingPunct="1"/>
+                      <a:r>
+                        <a:rPr lang="de-DE" sz="1000" b="1" kern="1200" dirty="0" err="1">
+                          <a:solidFill>
+                            <a:schemeClr val="lt1"/>
+                          </a:solidFill>
+                          <a:latin typeface="+mn-lt"/>
+                          <a:ea typeface="+mn-ea"/>
+                          <a:cs typeface="+mn-cs"/>
+                        </a:rPr>
+                        <a:t>precedent</a:t>
+                      </a:r>
+                      <a:endParaRPr lang="de-DE" sz="1000" b="1" kern="1200" dirty="0">
+                        <a:solidFill>
+                          <a:schemeClr val="lt1"/>
+                        </a:solidFill>
+                        <a:latin typeface="+mn-lt"/>
+                        <a:ea typeface="+mn-ea"/>
+                        <a:cs typeface="+mn-cs"/>
+                      </a:endParaRPr>
+                    </a:p>
+                  </a:txBody>
+                  <a:tcPr>
+                    <a:solidFill>
+                      <a:schemeClr val="accent1"/>
+                    </a:solidFill>
+                  </a:tcPr>
+                </a:tc>
+                <a:tc>
+                  <a:txBody>
+                    <a:bodyPr/>
+                    <a:lstStyle/>
+                    <a:p>
+                      <a:pPr marL="0" algn="l" defTabSz="914400" rtl="0" eaLnBrk="1" latinLnBrk="0" hangingPunct="1"/>
+                      <a:r>
+                        <a:rPr lang="de-DE" sz="1000" b="1" kern="1200" dirty="0">
+                          <a:solidFill>
+                            <a:schemeClr val="lt1"/>
+                          </a:solidFill>
+                          <a:latin typeface="+mn-lt"/>
+                          <a:ea typeface="+mn-ea"/>
+                          <a:cs typeface="+mn-cs"/>
+                        </a:rPr>
+                        <a:t>real</a:t>
+                      </a:r>
+                    </a:p>
+                  </a:txBody>
+                  <a:tcPr>
+                    <a:solidFill>
+                      <a:schemeClr val="accent1"/>
+                    </a:solidFill>
+                  </a:tcPr>
+                </a:tc>
+                <a:tc>
+                  <a:txBody>
+                    <a:bodyPr/>
+                    <a:lstStyle/>
+                    <a:p>
+                      <a:pPr marL="0" algn="l" defTabSz="914400" rtl="0" eaLnBrk="1" latinLnBrk="0" hangingPunct="1"/>
+                      <a:r>
+                        <a:rPr lang="de-DE" sz="1000" b="1" kern="1200" dirty="0" err="1">
+                          <a:solidFill>
+                            <a:schemeClr val="lt1"/>
+                          </a:solidFill>
+                          <a:latin typeface="+mn-lt"/>
+                          <a:ea typeface="+mn-ea"/>
+                          <a:cs typeface="+mn-cs"/>
+                        </a:rPr>
+                        <a:t>estimat</a:t>
+                      </a:r>
+                      <a:endParaRPr lang="de-DE" sz="1000" b="1" kern="1200" dirty="0">
+                        <a:solidFill>
+                          <a:schemeClr val="lt1"/>
+                        </a:solidFill>
+                        <a:latin typeface="+mn-lt"/>
+                        <a:ea typeface="+mn-ea"/>
+                        <a:cs typeface="+mn-cs"/>
+                      </a:endParaRPr>
+                    </a:p>
+                    <a:p>
+                      <a:pPr marL="0" algn="l" defTabSz="914400" rtl="0" eaLnBrk="1" latinLnBrk="0" hangingPunct="1"/>
+                      <a:endParaRPr lang="de-DE" sz="1000" b="1" kern="1200" dirty="0">
+                        <a:solidFill>
+                          <a:schemeClr val="lt1"/>
+                        </a:solidFill>
+                        <a:latin typeface="+mn-lt"/>
+                        <a:ea typeface="+mn-ea"/>
+                        <a:cs typeface="+mn-cs"/>
+                      </a:endParaRPr>
+                    </a:p>
+                  </a:txBody>
+                  <a:tcPr>
+                    <a:solidFill>
+                      <a:schemeClr val="accent1"/>
+                    </a:solidFill>
+                  </a:tcPr>
+                </a:tc>
+                <a:tc>
+                  <a:txBody>
+                    <a:bodyPr/>
+                    <a:lstStyle/>
+                    <a:p>
+                      <a:pPr marL="0" algn="l" defTabSz="914400" rtl="0" eaLnBrk="1" latinLnBrk="0" hangingPunct="1"/>
+                      <a:r>
+                        <a:rPr lang="de-DE" sz="1000" b="1" kern="1200" dirty="0" err="1">
+                          <a:solidFill>
+                            <a:schemeClr val="lt1"/>
+                          </a:solidFill>
+                          <a:latin typeface="+mn-lt"/>
+                          <a:ea typeface="+mn-ea"/>
+                          <a:cs typeface="+mn-cs"/>
+                        </a:rPr>
+                        <a:t>precedent</a:t>
+                      </a:r>
+                      <a:endParaRPr lang="de-DE" sz="1000" b="1" kern="1200" dirty="0">
+                        <a:solidFill>
+                          <a:schemeClr val="lt1"/>
+                        </a:solidFill>
+                        <a:latin typeface="+mn-lt"/>
+                        <a:ea typeface="+mn-ea"/>
+                        <a:cs typeface="+mn-cs"/>
+                      </a:endParaRPr>
+                    </a:p>
+                  </a:txBody>
+                  <a:tcPr>
+                    <a:solidFill>
+                      <a:schemeClr val="accent1"/>
+                    </a:solidFill>
+                  </a:tcPr>
+                </a:tc>
+                <a:tc>
+                  <a:txBody>
+                    <a:bodyPr/>
+                    <a:lstStyle/>
+                    <a:p>
+                      <a:pPr marL="0" algn="l" defTabSz="914400" rtl="0" eaLnBrk="1" latinLnBrk="0" hangingPunct="1"/>
+                      <a:r>
+                        <a:rPr lang="de-DE" sz="1000" b="1" kern="1200" dirty="0">
+                          <a:solidFill>
+                            <a:schemeClr val="lt1"/>
+                          </a:solidFill>
+                          <a:latin typeface="+mn-lt"/>
+                          <a:ea typeface="+mn-ea"/>
+                          <a:cs typeface="+mn-cs"/>
+                        </a:rPr>
+                        <a:t>real</a:t>
+                      </a:r>
+                    </a:p>
+                  </a:txBody>
+                  <a:tcPr>
+                    <a:solidFill>
+                      <a:schemeClr val="accent1"/>
+                    </a:solidFill>
+                  </a:tcPr>
+                </a:tc>
+                <a:tc>
+                  <a:txBody>
+                    <a:bodyPr/>
+                    <a:lstStyle/>
+                    <a:p>
+                      <a:pPr marL="0" algn="l" defTabSz="914400" rtl="0" eaLnBrk="1" latinLnBrk="0" hangingPunct="1"/>
+                      <a:r>
+                        <a:rPr lang="de-DE" sz="1000" b="1" kern="1200" dirty="0" err="1">
+                          <a:solidFill>
+                            <a:schemeClr val="lt1"/>
+                          </a:solidFill>
+                          <a:latin typeface="+mn-lt"/>
+                          <a:ea typeface="+mn-ea"/>
+                          <a:cs typeface="+mn-cs"/>
+                        </a:rPr>
+                        <a:t>estimat</a:t>
+                      </a:r>
+                      <a:endParaRPr lang="de-DE" sz="1000" b="1" kern="1200" dirty="0">
+                        <a:solidFill>
+                          <a:schemeClr val="lt1"/>
+                        </a:solidFill>
+                        <a:latin typeface="+mn-lt"/>
+                        <a:ea typeface="+mn-ea"/>
+                        <a:cs typeface="+mn-cs"/>
+                      </a:endParaRPr>
+                    </a:p>
+                    <a:p>
+                      <a:pPr marL="0" algn="l" defTabSz="914400" rtl="0" eaLnBrk="1" latinLnBrk="0" hangingPunct="1"/>
+                      <a:endParaRPr lang="de-DE" sz="1000" b="1" kern="1200" dirty="0">
+                        <a:solidFill>
+                          <a:schemeClr val="lt1"/>
+                        </a:solidFill>
+                        <a:latin typeface="+mn-lt"/>
+                        <a:ea typeface="+mn-ea"/>
+                        <a:cs typeface="+mn-cs"/>
+                      </a:endParaRPr>
+                    </a:p>
+                  </a:txBody>
+                  <a:tcPr>
+                    <a:solidFill>
+                      <a:schemeClr val="accent1"/>
+                    </a:solidFill>
+                  </a:tcPr>
+                </a:tc>
+                <a:tc>
+                  <a:txBody>
+                    <a:bodyPr/>
+                    <a:lstStyle/>
+                    <a:p>
+                      <a:pPr marL="0" algn="l" defTabSz="914400" rtl="0" eaLnBrk="1" latinLnBrk="0" hangingPunct="1"/>
+                      <a:r>
+                        <a:rPr lang="de-DE" sz="1000" b="1" kern="1200" dirty="0" err="1">
+                          <a:solidFill>
+                            <a:schemeClr val="lt1"/>
+                          </a:solidFill>
+                          <a:latin typeface="+mn-lt"/>
+                          <a:ea typeface="+mn-ea"/>
+                          <a:cs typeface="+mn-cs"/>
+                        </a:rPr>
+                        <a:t>precedent</a:t>
+                      </a:r>
+                      <a:endParaRPr lang="de-DE" sz="1000" b="1" kern="1200" dirty="0">
+                        <a:solidFill>
+                          <a:schemeClr val="lt1"/>
+                        </a:solidFill>
+                        <a:latin typeface="+mn-lt"/>
+                        <a:ea typeface="+mn-ea"/>
+                        <a:cs typeface="+mn-cs"/>
+                      </a:endParaRPr>
+                    </a:p>
+                  </a:txBody>
+                  <a:tcPr>
+                    <a:solidFill>
+                      <a:schemeClr val="accent1"/>
+                    </a:solidFill>
+                  </a:tcPr>
+                </a:tc>
+                <a:tc>
+                  <a:txBody>
+                    <a:bodyPr/>
+                    <a:lstStyle/>
+                    <a:p>
+                      <a:pPr marL="0" algn="l" defTabSz="914400" rtl="0" eaLnBrk="1" latinLnBrk="0" hangingPunct="1"/>
+                      <a:r>
+                        <a:rPr lang="de-DE" sz="1000" b="1" kern="1200" dirty="0">
+                          <a:solidFill>
+                            <a:schemeClr val="lt1"/>
+                          </a:solidFill>
+                          <a:latin typeface="+mn-lt"/>
+                          <a:ea typeface="+mn-ea"/>
+                          <a:cs typeface="+mn-cs"/>
+                        </a:rPr>
+                        <a:t>real</a:t>
+                      </a:r>
+                    </a:p>
+                  </a:txBody>
+                  <a:tcPr>
+                    <a:solidFill>
+                      <a:schemeClr val="accent1"/>
+                    </a:solidFill>
+                  </a:tcPr>
+                </a:tc>
+                <a:extLst>
+                  <a:ext uri="{0D108BD9-81ED-4DB2-BD59-A6C34878D82A}">
+                    <a16:rowId xmlns:a16="http://schemas.microsoft.com/office/drawing/2014/main" val="3412803585"/>
+                  </a:ext>
+                </a:extLst>
+              </a:tr>
+              <a:tr h="505460">
+                <a:tc>
+                  <a:txBody>
+                    <a:bodyPr/>
+                    <a:lstStyle/>
+                    <a:p>
+                      <a:r>
+                        <a:rPr lang="de-DE" dirty="0"/>
+                        <a:t>Apple</a:t>
+                      </a:r>
+                    </a:p>
+                  </a:txBody>
+                  <a:tcPr/>
+                </a:tc>
+                <a:tc>
+                  <a:txBody>
+                    <a:bodyPr/>
+                    <a:lstStyle/>
+                    <a:p>
+                      <a:r>
+                        <a:rPr lang="de-DE" dirty="0"/>
+                        <a:t>201,93</a:t>
+                      </a:r>
+                    </a:p>
+                  </a:txBody>
+                  <a:tcPr/>
+                </a:tc>
+                <a:tc>
+                  <a:txBody>
+                    <a:bodyPr/>
+                    <a:lstStyle/>
+                    <a:p>
+                      <a:r>
+                        <a:rPr lang="de-DE" dirty="0"/>
+                        <a:t>201,56</a:t>
+                      </a:r>
+                    </a:p>
+                  </a:txBody>
+                  <a:tcPr/>
+                </a:tc>
+                <a:tc>
+                  <a:txBody>
+                    <a:bodyPr/>
+                    <a:lstStyle/>
+                    <a:p>
+                      <a:endParaRPr lang="de-DE" dirty="0"/>
+                    </a:p>
+                  </a:txBody>
+                  <a:tcPr/>
+                </a:tc>
+                <a:tc>
+                  <a:txBody>
+                    <a:bodyPr/>
+                    <a:lstStyle/>
+                    <a:p>
+                      <a:endParaRPr lang="de-DE" dirty="0"/>
+                    </a:p>
+                  </a:txBody>
+                  <a:tcPr/>
+                </a:tc>
+                <a:tc>
+                  <a:txBody>
+                    <a:bodyPr/>
+                    <a:lstStyle/>
+                    <a:p>
+                      <a:endParaRPr lang="de-DE" dirty="0"/>
+                    </a:p>
+                  </a:txBody>
+                  <a:tcPr/>
+                </a:tc>
+                <a:tc>
+                  <a:txBody>
+                    <a:bodyPr/>
+                    <a:lstStyle/>
+                    <a:p>
+                      <a:endParaRPr lang="de-DE" dirty="0"/>
+                    </a:p>
+                  </a:txBody>
+                  <a:tcPr/>
+                </a:tc>
+                <a:tc>
+                  <a:txBody>
+                    <a:bodyPr/>
+                    <a:lstStyle/>
+                    <a:p>
+                      <a:endParaRPr lang="de-DE" dirty="0"/>
+                    </a:p>
+                  </a:txBody>
+                  <a:tcPr/>
+                </a:tc>
+                <a:tc>
+                  <a:txBody>
+                    <a:bodyPr/>
+                    <a:lstStyle/>
+                    <a:p>
+                      <a:endParaRPr lang="de-DE" dirty="0"/>
+                    </a:p>
+                  </a:txBody>
+                  <a:tcPr/>
+                </a:tc>
+                <a:tc>
+                  <a:txBody>
+                    <a:bodyPr/>
+                    <a:lstStyle/>
+                    <a:p>
+                      <a:endParaRPr lang="de-DE" dirty="0"/>
+                    </a:p>
+                  </a:txBody>
+                  <a:tcPr/>
+                </a:tc>
+                <a:tc>
+                  <a:txBody>
+                    <a:bodyPr/>
+                    <a:lstStyle/>
+                    <a:p>
+                      <a:endParaRPr lang="de-DE" dirty="0"/>
+                    </a:p>
+                  </a:txBody>
+                  <a:tcPr/>
+                </a:tc>
+                <a:tc>
+                  <a:txBody>
+                    <a:bodyPr/>
+                    <a:lstStyle/>
+                    <a:p>
+                      <a:endParaRPr lang="de-DE" dirty="0"/>
+                    </a:p>
+                  </a:txBody>
+                  <a:tcPr/>
+                </a:tc>
+                <a:tc>
+                  <a:txBody>
+                    <a:bodyPr/>
+                    <a:lstStyle/>
+                    <a:p>
+                      <a:endParaRPr lang="de-DE" dirty="0"/>
+                    </a:p>
+                  </a:txBody>
+                  <a:tcPr/>
+                </a:tc>
+                <a:extLst>
+                  <a:ext uri="{0D108BD9-81ED-4DB2-BD59-A6C34878D82A}">
+                    <a16:rowId xmlns:a16="http://schemas.microsoft.com/office/drawing/2014/main" val="3524214380"/>
+                  </a:ext>
+                </a:extLst>
+              </a:tr>
+              <a:tr h="505460">
+                <a:tc>
+                  <a:txBody>
+                    <a:bodyPr/>
+                    <a:lstStyle/>
+                    <a:p>
+                      <a:r>
+                        <a:rPr lang="de-DE" dirty="0"/>
+                        <a:t>Microsoft</a:t>
+                      </a:r>
+                    </a:p>
+                  </a:txBody>
+                  <a:tcPr/>
+                </a:tc>
+                <a:tc>
+                  <a:txBody>
+                    <a:bodyPr/>
+                    <a:lstStyle/>
+                    <a:p>
+                      <a:r>
+                        <a:rPr lang="de-DE" dirty="0"/>
+                        <a:t>493,45</a:t>
+                      </a:r>
+                    </a:p>
+                  </a:txBody>
+                  <a:tcPr/>
+                </a:tc>
+                <a:tc>
+                  <a:txBody>
+                    <a:bodyPr/>
+                    <a:lstStyle/>
+                    <a:p>
+                      <a:r>
+                        <a:rPr lang="de-DE" dirty="0"/>
+                        <a:t>492,27</a:t>
+                      </a:r>
+                    </a:p>
+                  </a:txBody>
+                  <a:tcPr/>
+                </a:tc>
+                <a:tc>
+                  <a:txBody>
+                    <a:bodyPr/>
+                    <a:lstStyle/>
+                    <a:p>
+                      <a:endParaRPr lang="de-DE" dirty="0"/>
+                    </a:p>
+                  </a:txBody>
+                  <a:tcPr/>
+                </a:tc>
+                <a:tc>
+                  <a:txBody>
+                    <a:bodyPr/>
+                    <a:lstStyle/>
+                    <a:p>
+                      <a:endParaRPr lang="de-DE" dirty="0"/>
+                    </a:p>
+                  </a:txBody>
+                  <a:tcPr/>
+                </a:tc>
+                <a:tc>
+                  <a:txBody>
+                    <a:bodyPr/>
+                    <a:lstStyle/>
+                    <a:p>
+                      <a:endParaRPr lang="de-DE"/>
+                    </a:p>
+                  </a:txBody>
+                  <a:tcPr/>
+                </a:tc>
+                <a:tc>
+                  <a:txBody>
+                    <a:bodyPr/>
+                    <a:lstStyle/>
+                    <a:p>
+                      <a:endParaRPr lang="de-DE" dirty="0"/>
+                    </a:p>
+                  </a:txBody>
+                  <a:tcPr/>
+                </a:tc>
+                <a:tc>
+                  <a:txBody>
+                    <a:bodyPr/>
+                    <a:lstStyle/>
+                    <a:p>
+                      <a:endParaRPr lang="de-DE" dirty="0"/>
+                    </a:p>
+                  </a:txBody>
+                  <a:tcPr/>
+                </a:tc>
+                <a:tc>
+                  <a:txBody>
+                    <a:bodyPr/>
+                    <a:lstStyle/>
+                    <a:p>
+                      <a:endParaRPr lang="de-DE" dirty="0"/>
+                    </a:p>
+                  </a:txBody>
+                  <a:tcPr/>
+                </a:tc>
+                <a:tc>
+                  <a:txBody>
+                    <a:bodyPr/>
+                    <a:lstStyle/>
+                    <a:p>
+                      <a:endParaRPr lang="de-DE" dirty="0"/>
+                    </a:p>
+                  </a:txBody>
+                  <a:tcPr/>
+                </a:tc>
+                <a:tc>
+                  <a:txBody>
+                    <a:bodyPr/>
+                    <a:lstStyle/>
+                    <a:p>
+                      <a:endParaRPr lang="de-DE" dirty="0"/>
+                    </a:p>
+                  </a:txBody>
+                  <a:tcPr/>
+                </a:tc>
+                <a:tc>
+                  <a:txBody>
+                    <a:bodyPr/>
+                    <a:lstStyle/>
+                    <a:p>
+                      <a:endParaRPr lang="de-DE" dirty="0"/>
+                    </a:p>
+                  </a:txBody>
+                  <a:tcPr/>
+                </a:tc>
+                <a:tc>
+                  <a:txBody>
+                    <a:bodyPr/>
+                    <a:lstStyle/>
+                    <a:p>
+                      <a:endParaRPr lang="de-DE" dirty="0"/>
+                    </a:p>
+                  </a:txBody>
+                  <a:tcPr/>
+                </a:tc>
+                <a:extLst>
+                  <a:ext uri="{0D108BD9-81ED-4DB2-BD59-A6C34878D82A}">
+                    <a16:rowId xmlns:a16="http://schemas.microsoft.com/office/drawing/2014/main" val="773393325"/>
+                  </a:ext>
+                </a:extLst>
+              </a:tr>
+              <a:tr h="505460">
+                <a:tc>
+                  <a:txBody>
+                    <a:bodyPr/>
+                    <a:lstStyle/>
+                    <a:p>
+                      <a:r>
+                        <a:rPr lang="de-DE" dirty="0"/>
+                        <a:t>Google</a:t>
+                      </a:r>
+                    </a:p>
+                  </a:txBody>
+                  <a:tcPr/>
+                </a:tc>
+                <a:tc>
+                  <a:txBody>
+                    <a:bodyPr/>
+                    <a:lstStyle/>
+                    <a:p>
+                      <a:r>
+                        <a:rPr lang="de-DE" dirty="0"/>
+                        <a:t>171,67</a:t>
+                      </a:r>
+                    </a:p>
+                  </a:txBody>
+                  <a:tcPr/>
+                </a:tc>
+                <a:tc>
+                  <a:txBody>
+                    <a:bodyPr/>
+                    <a:lstStyle/>
+                    <a:p>
+                      <a:r>
+                        <a:rPr lang="de-DE" dirty="0"/>
+                        <a:t>170,68</a:t>
+                      </a:r>
+                    </a:p>
+                  </a:txBody>
+                  <a:tcPr/>
+                </a:tc>
+                <a:tc>
+                  <a:txBody>
+                    <a:bodyPr/>
+                    <a:lstStyle/>
+                    <a:p>
+                      <a:endParaRPr lang="de-DE" dirty="0"/>
+                    </a:p>
+                  </a:txBody>
+                  <a:tcPr/>
+                </a:tc>
+                <a:tc>
+                  <a:txBody>
+                    <a:bodyPr/>
+                    <a:lstStyle/>
+                    <a:p>
+                      <a:endParaRPr lang="de-DE" dirty="0"/>
+                    </a:p>
+                  </a:txBody>
+                  <a:tcPr/>
+                </a:tc>
+                <a:tc>
+                  <a:txBody>
+                    <a:bodyPr/>
+                    <a:lstStyle/>
+                    <a:p>
+                      <a:endParaRPr lang="de-DE"/>
+                    </a:p>
+                  </a:txBody>
+                  <a:tcPr/>
+                </a:tc>
+                <a:tc>
+                  <a:txBody>
+                    <a:bodyPr/>
+                    <a:lstStyle/>
+                    <a:p>
+                      <a:endParaRPr lang="de-DE" dirty="0"/>
+                    </a:p>
+                  </a:txBody>
+                  <a:tcPr/>
+                </a:tc>
+                <a:tc>
+                  <a:txBody>
+                    <a:bodyPr/>
+                    <a:lstStyle/>
+                    <a:p>
+                      <a:endParaRPr lang="de-DE" dirty="0"/>
+                    </a:p>
+                  </a:txBody>
+                  <a:tcPr/>
+                </a:tc>
+                <a:tc>
+                  <a:txBody>
+                    <a:bodyPr/>
+                    <a:lstStyle/>
+                    <a:p>
+                      <a:endParaRPr lang="de-DE" dirty="0"/>
+                    </a:p>
+                  </a:txBody>
+                  <a:tcPr/>
+                </a:tc>
+                <a:tc>
+                  <a:txBody>
+                    <a:bodyPr/>
+                    <a:lstStyle/>
+                    <a:p>
+                      <a:endParaRPr lang="de-DE" dirty="0"/>
+                    </a:p>
+                  </a:txBody>
+                  <a:tcPr/>
+                </a:tc>
+                <a:tc>
+                  <a:txBody>
+                    <a:bodyPr/>
+                    <a:lstStyle/>
+                    <a:p>
+                      <a:endParaRPr lang="de-DE" dirty="0"/>
+                    </a:p>
+                  </a:txBody>
+                  <a:tcPr/>
+                </a:tc>
+                <a:tc>
+                  <a:txBody>
+                    <a:bodyPr/>
+                    <a:lstStyle/>
+                    <a:p>
+                      <a:endParaRPr lang="de-DE" dirty="0"/>
+                    </a:p>
+                  </a:txBody>
+                  <a:tcPr/>
+                </a:tc>
+                <a:tc>
+                  <a:txBody>
+                    <a:bodyPr/>
+                    <a:lstStyle/>
+                    <a:p>
+                      <a:endParaRPr lang="de-DE" dirty="0"/>
+                    </a:p>
+                  </a:txBody>
+                  <a:tcPr/>
+                </a:tc>
+                <a:extLst>
+                  <a:ext uri="{0D108BD9-81ED-4DB2-BD59-A6C34878D82A}">
+                    <a16:rowId xmlns:a16="http://schemas.microsoft.com/office/drawing/2014/main" val="3643820600"/>
+                  </a:ext>
+                </a:extLst>
+              </a:tr>
+              <a:tr h="505460">
+                <a:tc>
+                  <a:txBody>
+                    <a:bodyPr/>
+                    <a:lstStyle/>
+                    <a:p>
+                      <a:r>
+                        <a:rPr lang="de-DE"/>
+                        <a:t>Ferrari</a:t>
+                      </a:r>
+                      <a:endParaRPr lang="de-DE" dirty="0"/>
+                    </a:p>
+                  </a:txBody>
+                  <a:tcPr/>
+                </a:tc>
+                <a:tc>
+                  <a:txBody>
+                    <a:bodyPr/>
+                    <a:lstStyle/>
+                    <a:p>
+                      <a:r>
+                        <a:rPr lang="de-DE" dirty="0"/>
+                        <a:t>475,12</a:t>
+                      </a:r>
+                    </a:p>
+                  </a:txBody>
+                  <a:tcPr/>
+                </a:tc>
+                <a:tc>
+                  <a:txBody>
+                    <a:bodyPr/>
+                    <a:lstStyle/>
+                    <a:p>
+                      <a:r>
+                        <a:rPr lang="de-DE" dirty="0"/>
+                        <a:t>475,12</a:t>
+                      </a:r>
+                    </a:p>
+                  </a:txBody>
+                  <a:tcPr/>
+                </a:tc>
+                <a:tc>
+                  <a:txBody>
+                    <a:bodyPr/>
+                    <a:lstStyle/>
+                    <a:p>
+                      <a:endParaRPr lang="de-DE" dirty="0"/>
+                    </a:p>
+                  </a:txBody>
+                  <a:tcPr/>
+                </a:tc>
+                <a:tc>
+                  <a:txBody>
+                    <a:bodyPr/>
+                    <a:lstStyle/>
+                    <a:p>
+                      <a:endParaRPr lang="de-DE" dirty="0"/>
+                    </a:p>
+                  </a:txBody>
+                  <a:tcPr/>
+                </a:tc>
+                <a:tc>
+                  <a:txBody>
+                    <a:bodyPr/>
+                    <a:lstStyle/>
+                    <a:p>
+                      <a:endParaRPr lang="de-DE"/>
+                    </a:p>
+                  </a:txBody>
+                  <a:tcPr/>
+                </a:tc>
+                <a:tc>
+                  <a:txBody>
+                    <a:bodyPr/>
+                    <a:lstStyle/>
+                    <a:p>
+                      <a:endParaRPr lang="de-DE" dirty="0"/>
+                    </a:p>
+                  </a:txBody>
+                  <a:tcPr/>
+                </a:tc>
+                <a:tc>
+                  <a:txBody>
+                    <a:bodyPr/>
+                    <a:lstStyle/>
+                    <a:p>
+                      <a:endParaRPr lang="de-DE" dirty="0"/>
+                    </a:p>
+                  </a:txBody>
+                  <a:tcPr/>
+                </a:tc>
+                <a:tc>
+                  <a:txBody>
+                    <a:bodyPr/>
+                    <a:lstStyle/>
+                    <a:p>
+                      <a:endParaRPr lang="de-DE" dirty="0"/>
+                    </a:p>
+                  </a:txBody>
+                  <a:tcPr/>
+                </a:tc>
+                <a:tc>
+                  <a:txBody>
+                    <a:bodyPr/>
+                    <a:lstStyle/>
+                    <a:p>
+                      <a:endParaRPr lang="de-DE" dirty="0"/>
+                    </a:p>
+                  </a:txBody>
+                  <a:tcPr/>
+                </a:tc>
+                <a:tc>
+                  <a:txBody>
+                    <a:bodyPr/>
+                    <a:lstStyle/>
+                    <a:p>
+                      <a:endParaRPr lang="de-DE" dirty="0"/>
+                    </a:p>
+                  </a:txBody>
+                  <a:tcPr/>
+                </a:tc>
+                <a:tc>
+                  <a:txBody>
+                    <a:bodyPr/>
+                    <a:lstStyle/>
+                    <a:p>
+                      <a:endParaRPr lang="de-DE" dirty="0"/>
+                    </a:p>
+                  </a:txBody>
+                  <a:tcPr/>
+                </a:tc>
+                <a:tc>
+                  <a:txBody>
+                    <a:bodyPr/>
+                    <a:lstStyle/>
+                    <a:p>
+                      <a:endParaRPr lang="de-DE" dirty="0"/>
+                    </a:p>
+                  </a:txBody>
+                  <a:tcPr/>
+                </a:tc>
+                <a:extLst>
+                  <a:ext uri="{0D108BD9-81ED-4DB2-BD59-A6C34878D82A}">
+                    <a16:rowId xmlns:a16="http://schemas.microsoft.com/office/drawing/2014/main" val="1453551251"/>
+                  </a:ext>
+                </a:extLst>
+              </a:tr>
+            </a:tbl>
+          </a:graphicData>
+        </a:graphic>
+      </p:graphicFrame>
+    </p:spTree>
+    <p:extLst>
+      <p:ext uri="{BB962C8B-B14F-4D97-AF65-F5344CB8AC3E}">
+        <p14:creationId xmlns:p14="http://schemas.microsoft.com/office/powerpoint/2010/main" val="2236978893"/>
       </p:ext>
     </p:extLst>
   </p:cSld>
@@ -3502,10 +5062,7 @@
           <a:bodyPr/>
           <a:lstStyle/>
           <a:p>
-            <a:r>
-              <a:rPr lang="de-DE" dirty="0"/>
-              <a:t>CONCEPT</a:t>
-            </a:r>
+            <a:endParaRPr lang="ro-RO" noProof="0" dirty="0"/>
           </a:p>
         </p:txBody>
       </p:sp>
@@ -3531,342 +5088,86 @@
           <a:lstStyle/>
           <a:p>
             <a:r>
-              <a:rPr lang="en-GB" dirty="0"/>
-              <a:t>Imi </a:t>
-            </a:r>
-            <a:r>
-              <a:rPr lang="en-GB" dirty="0" err="1"/>
-              <a:t>propun</a:t>
-            </a:r>
-            <a:r>
-              <a:rPr lang="en-GB" dirty="0"/>
-              <a:t> a </a:t>
-            </a:r>
-            <a:r>
-              <a:rPr lang="en-GB" dirty="0" err="1"/>
-              <a:t>realiza</a:t>
-            </a:r>
-            <a:r>
-              <a:rPr lang="en-GB" dirty="0"/>
-              <a:t> o </a:t>
-            </a:r>
-            <a:r>
-              <a:rPr lang="en-GB" dirty="0" err="1"/>
+              <a:rPr lang="ro-RO" noProof="0" dirty="0" err="1"/>
+              <a:t>Imi</a:t>
+            </a:r>
+            <a:r>
+              <a:rPr lang="ro-RO" noProof="0" dirty="0"/>
+              <a:t> propun de a realiza o </a:t>
+            </a:r>
+            <a:r>
+              <a:rPr lang="ro-RO" noProof="0" dirty="0" err="1"/>
               <a:t>aplicatie</a:t>
             </a:r>
             <a:r>
-              <a:rPr lang="en-GB" dirty="0"/>
-              <a:t> care </a:t>
-            </a:r>
-            <a:r>
-              <a:rPr lang="en-GB" dirty="0" err="1"/>
-              <a:t>sa</a:t>
-            </a:r>
-            <a:r>
-              <a:rPr lang="en-GB" dirty="0"/>
-              <a:t> </a:t>
-            </a:r>
-            <a:r>
-              <a:rPr lang="en-GB" dirty="0" err="1"/>
-              <a:t>ofere</a:t>
-            </a:r>
-            <a:r>
-              <a:rPr lang="en-GB" dirty="0"/>
-              <a:t> </a:t>
-            </a:r>
-            <a:r>
-              <a:rPr lang="en-GB" dirty="0" err="1"/>
-              <a:t>utilizatorului</a:t>
-            </a:r>
-            <a:r>
-              <a:rPr lang="en-GB" dirty="0"/>
-              <a:t> </a:t>
-            </a:r>
-            <a:r>
-              <a:rPr lang="en-GB" dirty="0" err="1"/>
+              <a:rPr lang="ro-RO" noProof="0" dirty="0"/>
+              <a:t> care sa ofere utilizatorului </a:t>
+            </a:r>
+            <a:r>
+              <a:rPr lang="ro-RO" noProof="0" dirty="0" err="1"/>
               <a:t>optiunea</a:t>
             </a:r>
             <a:r>
-              <a:rPr lang="en-GB" dirty="0"/>
-              <a:t> de a </a:t>
-            </a:r>
-            <a:r>
-              <a:rPr lang="en-GB" dirty="0" err="1"/>
-              <a:t>folosi</a:t>
-            </a:r>
-            <a:r>
-              <a:rPr lang="en-GB" dirty="0"/>
-              <a:t> o </a:t>
-            </a:r>
-            <a:r>
-              <a:rPr lang="en-GB" dirty="0" err="1"/>
+              <a:rPr lang="ro-RO" noProof="0" dirty="0"/>
+              <a:t> de a folosi o </a:t>
+            </a:r>
+            <a:r>
+              <a:rPr lang="ro-RO" noProof="0" dirty="0" err="1"/>
               <a:t>retea</a:t>
             </a:r>
             <a:r>
-              <a:rPr lang="en-GB" dirty="0"/>
-              <a:t> </a:t>
-            </a:r>
-            <a:r>
-              <a:rPr lang="en-GB" dirty="0" err="1"/>
-              <a:t>neuronala</a:t>
-            </a:r>
-            <a:r>
-              <a:rPr lang="en-GB" dirty="0"/>
-              <a:t> </a:t>
-            </a:r>
-            <a:r>
-              <a:rPr lang="en-GB" dirty="0" err="1"/>
-              <a:t>pentru</a:t>
-            </a:r>
-            <a:r>
-              <a:rPr lang="en-GB" dirty="0"/>
-              <a:t> a </a:t>
-            </a:r>
-            <a:r>
-              <a:rPr lang="en-GB" dirty="0" err="1"/>
-              <a:t>prezice</a:t>
-            </a:r>
-            <a:r>
-              <a:rPr lang="en-GB" dirty="0"/>
-              <a:t> </a:t>
-            </a:r>
-            <a:r>
-              <a:rPr lang="en-GB" dirty="0" err="1"/>
+              <a:rPr lang="ro-RO" noProof="0" dirty="0"/>
+              <a:t> neuronala pentru a prezice </a:t>
+            </a:r>
+            <a:r>
+              <a:rPr lang="ro-RO" noProof="0" dirty="0" err="1"/>
               <a:t>pretul</a:t>
             </a:r>
             <a:r>
-              <a:rPr lang="en-GB" dirty="0"/>
-              <a:t> </a:t>
-            </a:r>
-            <a:r>
-              <a:rPr lang="en-GB" dirty="0" err="1"/>
-              <a:t>unei</a:t>
-            </a:r>
-            <a:r>
-              <a:rPr lang="en-GB" dirty="0"/>
-              <a:t> </a:t>
-            </a:r>
-            <a:r>
-              <a:rPr lang="en-GB" dirty="0" err="1"/>
+              <a:rPr lang="ro-RO" noProof="0" dirty="0"/>
+              <a:t> unei </a:t>
+            </a:r>
+            <a:r>
+              <a:rPr lang="ro-RO" noProof="0" dirty="0" err="1"/>
               <a:t>actiuni</a:t>
             </a:r>
             <a:r>
-              <a:rPr lang="en-GB" dirty="0"/>
-              <a:t> </a:t>
-            </a:r>
-            <a:r>
-              <a:rPr lang="en-GB" dirty="0" err="1"/>
-              <a:t>alese</a:t>
-            </a:r>
-            <a:r>
-              <a:rPr lang="en-GB" dirty="0"/>
-              <a:t>. </a:t>
-            </a:r>
-          </a:p>
-          <a:p>
-            <a:r>
-              <a:rPr lang="en-GB" dirty="0" err="1"/>
-              <a:t>Prezicerea</a:t>
-            </a:r>
-            <a:r>
-              <a:rPr lang="en-GB" dirty="0"/>
-              <a:t> se </a:t>
-            </a:r>
-            <a:r>
-              <a:rPr lang="en-GB" dirty="0" err="1"/>
-              <a:t>poate</a:t>
-            </a:r>
-            <a:r>
-              <a:rPr lang="en-GB" dirty="0"/>
-              <a:t> face pe </a:t>
-            </a:r>
-            <a:r>
-              <a:rPr lang="en-GB" dirty="0" err="1"/>
-              <a:t>baza</a:t>
-            </a:r>
-            <a:r>
-              <a:rPr lang="en-GB" dirty="0"/>
-              <a:t> </a:t>
-            </a:r>
-            <a:r>
-              <a:rPr lang="en-GB" dirty="0" err="1"/>
+              <a:rPr lang="ro-RO" noProof="0" dirty="0"/>
+              <a:t> alese. </a:t>
+            </a:r>
+          </a:p>
+          <a:p>
+            <a:r>
+              <a:rPr lang="ro-RO" noProof="0" dirty="0"/>
+              <a:t>Prezicerea se poate face pe baza </a:t>
+            </a:r>
+            <a:r>
+              <a:rPr lang="ro-RO" noProof="0" dirty="0" err="1"/>
               <a:t>pretului</a:t>
             </a:r>
             <a:r>
-              <a:rPr lang="en-GB" dirty="0"/>
-              <a:t> </a:t>
-            </a:r>
-            <a:r>
-              <a:rPr lang="en-GB" dirty="0" err="1"/>
-              <a:t>istoric</a:t>
-            </a:r>
-            <a:r>
-              <a:rPr lang="en-GB" dirty="0"/>
-              <a:t> al </a:t>
-            </a:r>
-            <a:r>
-              <a:rPr lang="en-GB" dirty="0" err="1"/>
-              <a:t>acestei</a:t>
-            </a:r>
-            <a:r>
-              <a:rPr lang="en-GB" dirty="0"/>
-              <a:t> </a:t>
-            </a:r>
-            <a:r>
-              <a:rPr lang="en-GB" dirty="0" err="1"/>
+              <a:rPr lang="ro-RO" noProof="0" dirty="0"/>
+              <a:t> istoric al acestei </a:t>
+            </a:r>
+            <a:r>
+              <a:rPr lang="ro-RO" noProof="0" dirty="0" err="1"/>
               <a:t>actiuni</a:t>
             </a:r>
             <a:r>
-              <a:rPr lang="en-GB" dirty="0"/>
-              <a:t> </a:t>
-            </a:r>
-            <a:r>
-              <a:rPr lang="en-GB" dirty="0" err="1"/>
-              <a:t>pentru</a:t>
-            </a:r>
-            <a:r>
-              <a:rPr lang="en-GB" dirty="0"/>
-              <a:t> </a:t>
-            </a:r>
-            <a:r>
-              <a:rPr lang="en-GB" dirty="0" err="1"/>
+              <a:rPr lang="ro-RO" noProof="0" dirty="0"/>
+              <a:t> pentru </a:t>
+            </a:r>
+            <a:r>
+              <a:rPr lang="ro-RO" noProof="0" dirty="0" err="1"/>
               <a:t>inceput</a:t>
             </a:r>
             <a:r>
-              <a:rPr lang="en-GB" dirty="0"/>
-              <a:t> </a:t>
-            </a:r>
-            <a:r>
-              <a:rPr lang="en-GB" dirty="0" err="1"/>
-              <a:t>dar</a:t>
-            </a:r>
-            <a:r>
-              <a:rPr lang="en-GB" dirty="0"/>
-              <a:t> </a:t>
-            </a:r>
-            <a:r>
-              <a:rPr lang="en-GB" dirty="0" err="1"/>
-              <a:t>poate</a:t>
-            </a:r>
-            <a:r>
-              <a:rPr lang="en-GB" dirty="0"/>
-              <a:t> fi </a:t>
-            </a:r>
-            <a:r>
-              <a:rPr lang="en-GB" dirty="0" err="1"/>
-              <a:t>extins</a:t>
-            </a:r>
-            <a:r>
-              <a:rPr lang="en-GB" dirty="0"/>
-              <a:t> </a:t>
-            </a:r>
-            <a:r>
-              <a:rPr lang="en-GB" dirty="0" err="1"/>
-              <a:t>sa</a:t>
-            </a:r>
-            <a:r>
-              <a:rPr lang="en-GB" dirty="0"/>
-              <a:t> </a:t>
-            </a:r>
-            <a:r>
-              <a:rPr lang="en-GB" dirty="0" err="1"/>
-              <a:t>ia</a:t>
-            </a:r>
-            <a:r>
-              <a:rPr lang="en-GB" dirty="0"/>
-              <a:t> in </a:t>
-            </a:r>
-            <a:r>
-              <a:rPr lang="en-GB" dirty="0" err="1"/>
-              <a:t>considerare</a:t>
-            </a:r>
-            <a:r>
-              <a:rPr lang="en-GB" dirty="0"/>
-              <a:t> </a:t>
-            </a:r>
-            <a:r>
-              <a:rPr lang="en-GB" dirty="0" err="1"/>
-              <a:t>si</a:t>
-            </a:r>
-            <a:r>
-              <a:rPr lang="en-GB" dirty="0"/>
-              <a:t> </a:t>
-            </a:r>
-            <a:r>
-              <a:rPr lang="en-GB" dirty="0" err="1"/>
-              <a:t>alte</a:t>
-            </a:r>
-            <a:r>
-              <a:rPr lang="en-GB" dirty="0"/>
-              <a:t> </a:t>
-            </a:r>
-            <a:r>
-              <a:rPr lang="en-GB" dirty="0" err="1"/>
-              <a:t>preturi</a:t>
-            </a:r>
-            <a:r>
-              <a:rPr lang="en-GB" dirty="0"/>
-              <a:t> </a:t>
-            </a:r>
-            <a:r>
-              <a:rPr lang="en-GB" dirty="0" err="1"/>
-              <a:t>istorice</a:t>
-            </a:r>
-            <a:r>
-              <a:rPr lang="en-GB" dirty="0"/>
-              <a:t> (</a:t>
-            </a:r>
-            <a:r>
-              <a:rPr lang="en-GB" dirty="0" err="1"/>
-              <a:t>concurenta</a:t>
-            </a:r>
-            <a:r>
-              <a:rPr lang="en-GB" dirty="0"/>
-              <a:t>, </a:t>
-            </a:r>
-            <a:r>
-              <a:rPr lang="en-GB" dirty="0" err="1"/>
-              <a:t>materiale</a:t>
-            </a:r>
-            <a:r>
-              <a:rPr lang="en-GB" dirty="0"/>
-              <a:t> prime </a:t>
-            </a:r>
-            <a:r>
-              <a:rPr lang="en-GB" dirty="0" err="1"/>
-              <a:t>folosite</a:t>
-            </a:r>
-            <a:r>
-              <a:rPr lang="en-GB" dirty="0"/>
-              <a:t> – </a:t>
-            </a:r>
-            <a:r>
-              <a:rPr lang="en-GB" dirty="0" err="1"/>
-              <a:t>litiu</a:t>
-            </a:r>
-            <a:r>
-              <a:rPr lang="en-GB" dirty="0"/>
-              <a:t> </a:t>
-            </a:r>
-            <a:r>
-              <a:rPr lang="en-GB" dirty="0" err="1"/>
-              <a:t>pentru</a:t>
-            </a:r>
-            <a:r>
-              <a:rPr lang="en-GB" dirty="0"/>
-              <a:t> </a:t>
-            </a:r>
-            <a:r>
-              <a:rPr lang="en-GB" dirty="0" err="1"/>
-              <a:t>baterii</a:t>
-            </a:r>
-            <a:r>
-              <a:rPr lang="en-GB" dirty="0"/>
-              <a:t> de ex)</a:t>
-            </a:r>
-          </a:p>
-          <a:p>
-            <a:endParaRPr lang="en-GB" dirty="0"/>
+              <a:rPr lang="ro-RO" noProof="0" dirty="0"/>
+              <a:t> dar poate fi extins sa ia in considerare si alte preturi istorice (concurenta, materiale prime folosite – litiu pentru baterii de ex)</a:t>
+            </a:r>
+          </a:p>
+          <a:p>
+            <a:endParaRPr lang="ro-RO" noProof="0" dirty="0"/>
           </a:p>
         </p:txBody>
       </p:sp>
@@ -3921,10 +5222,7 @@
           <a:bodyPr/>
           <a:lstStyle/>
           <a:p>
-            <a:r>
-              <a:rPr lang="de-DE" dirty="0"/>
-              <a:t>STATUS</a:t>
-            </a:r>
+            <a:endParaRPr lang="de-DE" dirty="0"/>
           </a:p>
         </p:txBody>
       </p:sp>
@@ -3947,391 +5245,111 @@
         <p:spPr/>
         <p:txBody>
           <a:bodyPr>
-            <a:normAutofit fontScale="92500" lnSpcReduction="10000"/>
+            <a:normAutofit/>
           </a:bodyPr>
           <a:lstStyle/>
           <a:p>
             <a:r>
-              <a:rPr lang="en-GB" dirty="0" err="1"/>
+              <a:rPr lang="ro-RO" noProof="0" dirty="0" err="1"/>
               <a:t>Reteaua</a:t>
             </a:r>
             <a:r>
-              <a:rPr lang="en-GB" dirty="0"/>
+              <a:rPr lang="ro-RO" noProof="0" dirty="0"/>
+              <a:t> neuronala aleasa e LSTM – </a:t>
+            </a:r>
+            <a:r>
+              <a:rPr lang="ro-RO" noProof="0" dirty="0" err="1"/>
+              <a:t>long</a:t>
+            </a:r>
+            <a:r>
+              <a:rPr lang="ro-RO" noProof="0" dirty="0"/>
               <a:t> </a:t>
             </a:r>
             <a:r>
-              <a:rPr lang="en-GB" dirty="0" err="1"/>
-              <a:t>neuronala</a:t>
-            </a:r>
-            <a:r>
-              <a:rPr lang="en-GB" dirty="0"/>
+              <a:rPr lang="ro-RO" noProof="0" dirty="0" err="1"/>
+              <a:t>short</a:t>
+            </a:r>
+            <a:r>
+              <a:rPr lang="ro-RO" noProof="0" dirty="0"/>
               <a:t> </a:t>
             </a:r>
             <a:r>
-              <a:rPr lang="en-GB" dirty="0" err="1"/>
-              <a:t>aleasa</a:t>
-            </a:r>
-            <a:r>
-              <a:rPr lang="en-GB" dirty="0"/>
-              <a:t> e LSTM – long short time memory </a:t>
-            </a:r>
-          </a:p>
-          <a:p>
-            <a:r>
-              <a:rPr lang="en-GB" dirty="0" err="1"/>
+              <a:rPr lang="ro-RO" noProof="0" dirty="0" err="1"/>
+              <a:t>time</a:t>
+            </a:r>
+            <a:r>
+              <a:rPr lang="ro-RO" noProof="0" dirty="0"/>
+              <a:t> </a:t>
+            </a:r>
+            <a:r>
+              <a:rPr lang="ro-RO" noProof="0" dirty="0" err="1"/>
+              <a:t>memory</a:t>
+            </a:r>
+            <a:r>
+              <a:rPr lang="ro-RO" noProof="0" dirty="0"/>
+              <a:t> </a:t>
+            </a:r>
+          </a:p>
+          <a:p>
+            <a:r>
+              <a:rPr lang="ro-RO" noProof="0" dirty="0" err="1"/>
               <a:t>Aplicatia</a:t>
             </a:r>
             <a:r>
-              <a:rPr lang="en-GB" dirty="0"/>
+              <a:rPr lang="ro-RO" noProof="0" dirty="0"/>
               <a:t> e </a:t>
             </a:r>
             <a:r>
-              <a:rPr lang="en-GB" dirty="0" err="1"/>
+              <a:rPr lang="ro-RO" noProof="0" dirty="0" err="1"/>
               <a:t>facuta</a:t>
             </a:r>
             <a:r>
-              <a:rPr lang="en-GB" dirty="0"/>
-              <a:t> in </a:t>
-            </a:r>
-            <a:r>
-              <a:rPr lang="en-GB" dirty="0" err="1"/>
-              <a:t>c++</a:t>
-            </a:r>
-            <a:r>
-              <a:rPr lang="en-GB" dirty="0"/>
-              <a:t> in Microsoft Visual 2022.</a:t>
-            </a:r>
-          </a:p>
-          <a:p>
-            <a:endParaRPr lang="en-GB" dirty="0"/>
-          </a:p>
-          <a:p>
-            <a:r>
-              <a:rPr lang="en-GB" dirty="0"/>
-              <a:t>Fara a </a:t>
-            </a:r>
-            <a:r>
-              <a:rPr lang="en-GB" dirty="0" err="1"/>
-              <a:t>folosi</a:t>
-            </a:r>
-            <a:r>
-              <a:rPr lang="en-GB" dirty="0"/>
-              <a:t> </a:t>
-            </a:r>
-            <a:r>
-              <a:rPr lang="en-GB" dirty="0" err="1"/>
-              <a:t>librarii</a:t>
-            </a:r>
-            <a:r>
-              <a:rPr lang="en-GB" dirty="0"/>
-              <a:t> </a:t>
-            </a:r>
-            <a:r>
-              <a:rPr lang="en-GB" dirty="0" err="1"/>
-              <a:t>specifice</a:t>
-            </a:r>
-            <a:r>
-              <a:rPr lang="en-GB" dirty="0"/>
-              <a:t> </a:t>
-            </a:r>
-            <a:r>
-              <a:rPr lang="en-GB" dirty="0" err="1"/>
+              <a:rPr lang="ro-RO" noProof="0" dirty="0"/>
+              <a:t> in c++ si partea de </a:t>
+            </a:r>
+            <a:r>
+              <a:rPr lang="ro-RO" noProof="0" dirty="0" err="1"/>
+              <a:t>interfata</a:t>
+            </a:r>
+            <a:r>
+              <a:rPr lang="ro-RO" noProof="0" dirty="0"/>
+              <a:t> utilizator in c#.</a:t>
+            </a:r>
+          </a:p>
+          <a:p>
+            <a:endParaRPr lang="ro-RO" noProof="0" dirty="0"/>
+          </a:p>
+          <a:p>
+            <a:r>
+              <a:rPr lang="ro-RO" noProof="0" dirty="0" err="1"/>
+              <a:t>Fara</a:t>
+            </a:r>
+            <a:r>
+              <a:rPr lang="ro-RO" noProof="0" dirty="0"/>
+              <a:t> sa ne folosim de librarii specific </a:t>
+            </a:r>
+            <a:r>
+              <a:rPr lang="ro-RO" noProof="0" dirty="0" err="1"/>
               <a:t>retelelor</a:t>
             </a:r>
             <a:r>
-              <a:rPr lang="en-GB" dirty="0"/>
-              <a:t> </a:t>
-            </a:r>
-            <a:r>
-              <a:rPr lang="en-GB" dirty="0" err="1"/>
-              <a:t>neuronale</a:t>
-            </a:r>
-            <a:r>
-              <a:rPr lang="en-GB" dirty="0"/>
-              <a:t> am </a:t>
-            </a:r>
-            <a:r>
-              <a:rPr lang="en-GB" dirty="0" err="1"/>
-              <a:t>implementam</a:t>
-            </a:r>
-            <a:r>
-              <a:rPr lang="en-GB" dirty="0"/>
-              <a:t> </a:t>
-            </a:r>
-            <a:r>
-              <a:rPr lang="en-GB" dirty="0" err="1"/>
+              <a:rPr lang="ro-RO" noProof="0" dirty="0"/>
+              <a:t> neuronale am implementam </a:t>
+            </a:r>
+            <a:r>
+              <a:rPr lang="ro-RO" noProof="0" dirty="0" err="1"/>
               <a:t>reteaua</a:t>
             </a:r>
             <a:r>
-              <a:rPr lang="en-GB" dirty="0"/>
-              <a:t> </a:t>
-            </a:r>
-            <a:r>
-              <a:rPr lang="en-GB" dirty="0" err="1"/>
-              <a:t>si</a:t>
-            </a:r>
-            <a:r>
-              <a:rPr lang="en-GB" dirty="0"/>
-              <a:t> </a:t>
-            </a:r>
-            <a:r>
-              <a:rPr lang="en-GB" dirty="0" err="1"/>
-              <a:t>algoritmul</a:t>
-            </a:r>
-            <a:r>
-              <a:rPr lang="en-GB" dirty="0"/>
-              <a:t> de </a:t>
-            </a:r>
-            <a:r>
-              <a:rPr lang="en-GB" dirty="0" err="1"/>
-              <a:t>antrenament</a:t>
-            </a:r>
-            <a:r>
-              <a:rPr lang="en-GB" dirty="0"/>
-              <a:t> </a:t>
-            </a:r>
-          </a:p>
-          <a:p>
-            <a:endParaRPr lang="en-GB" dirty="0"/>
-          </a:p>
-          <a:p>
-            <a:r>
-              <a:rPr lang="en-GB" dirty="0"/>
-              <a:t>Pasul </a:t>
-            </a:r>
-            <a:r>
-              <a:rPr lang="en-GB" dirty="0" err="1"/>
-              <a:t>urmator</a:t>
-            </a:r>
-            <a:r>
-              <a:rPr lang="en-GB" dirty="0"/>
-              <a:t>: </a:t>
-            </a:r>
-          </a:p>
-          <a:p>
-            <a:pPr lvl="1"/>
-            <a:r>
-              <a:rPr lang="en-GB" dirty="0" err="1"/>
-              <a:t>Crearea</a:t>
-            </a:r>
-            <a:r>
-              <a:rPr lang="en-GB" dirty="0"/>
-              <a:t> </a:t>
-            </a:r>
-            <a:r>
-              <a:rPr lang="en-GB" dirty="0" err="1"/>
-              <a:t>unei</a:t>
-            </a:r>
-            <a:r>
-              <a:rPr lang="en-GB" dirty="0"/>
-              <a:t>  </a:t>
-            </a:r>
-            <a:r>
-              <a:rPr lang="en-GB" dirty="0" err="1"/>
-              <a:t>interfata</a:t>
-            </a:r>
-            <a:r>
-              <a:rPr lang="en-GB" dirty="0"/>
-              <a:t> </a:t>
-            </a:r>
-            <a:r>
-              <a:rPr lang="en-GB" dirty="0" err="1"/>
-              <a:t>grafica</a:t>
-            </a:r>
-            <a:r>
-              <a:rPr lang="en-GB" dirty="0"/>
-              <a:t> </a:t>
-            </a:r>
-            <a:r>
-              <a:rPr lang="en-GB" dirty="0" err="1"/>
-              <a:t>pentru</a:t>
-            </a:r>
-            <a:r>
-              <a:rPr lang="en-GB" dirty="0"/>
-              <a:t> </a:t>
-            </a:r>
-            <a:r>
-              <a:rPr lang="en-GB" dirty="0" err="1"/>
-              <a:t>aplicatie</a:t>
-            </a:r>
-            <a:r>
-              <a:rPr lang="en-GB" dirty="0"/>
-              <a:t> </a:t>
-            </a:r>
-          </a:p>
-          <a:p>
-            <a:pPr lvl="1"/>
-            <a:r>
-              <a:rPr lang="en-GB" dirty="0" err="1"/>
-              <a:t>Crearea</a:t>
-            </a:r>
-            <a:r>
-              <a:rPr lang="en-GB" dirty="0"/>
-              <a:t> </a:t>
-            </a:r>
-            <a:r>
-              <a:rPr lang="en-GB" dirty="0" err="1"/>
-              <a:t>unor</a:t>
-            </a:r>
-            <a:r>
-              <a:rPr lang="en-GB" dirty="0"/>
-              <a:t> </a:t>
-            </a:r>
-            <a:r>
-              <a:rPr lang="en-GB" dirty="0" err="1"/>
-              <a:t>optiuni</a:t>
-            </a:r>
-            <a:r>
-              <a:rPr lang="en-GB" dirty="0"/>
-              <a:t> de a </a:t>
-            </a:r>
-            <a:r>
-              <a:rPr lang="en-GB" dirty="0" err="1"/>
-              <a:t>primi</a:t>
-            </a:r>
-            <a:r>
-              <a:rPr lang="en-GB" dirty="0"/>
-              <a:t> </a:t>
-            </a:r>
-            <a:r>
-              <a:rPr lang="en-GB" dirty="0" err="1"/>
-              <a:t>datele</a:t>
-            </a:r>
-            <a:r>
-              <a:rPr lang="en-GB" dirty="0"/>
-              <a:t> </a:t>
-            </a:r>
-            <a:r>
-              <a:rPr lang="en-GB" dirty="0" err="1"/>
-              <a:t>istorice</a:t>
-            </a:r>
-            <a:r>
-              <a:rPr lang="en-GB" dirty="0"/>
-              <a:t> (</a:t>
-            </a:r>
-            <a:r>
-              <a:rPr lang="en-GB" dirty="0" err="1"/>
-              <a:t>ori</a:t>
-            </a:r>
-            <a:r>
-              <a:rPr lang="en-GB" dirty="0"/>
-              <a:t> </a:t>
-            </a:r>
-            <a:r>
-              <a:rPr lang="en-GB" dirty="0" err="1"/>
-              <a:t>prin</a:t>
-            </a:r>
-            <a:r>
-              <a:rPr lang="en-GB" dirty="0"/>
-              <a:t> </a:t>
-            </a:r>
-            <a:r>
-              <a:rPr lang="en-GB" dirty="0" err="1"/>
-              <a:t>librarii</a:t>
-            </a:r>
-            <a:r>
-              <a:rPr lang="en-GB" dirty="0"/>
-              <a:t> gen </a:t>
-            </a:r>
-            <a:r>
-              <a:rPr lang="en-GB" dirty="0" err="1"/>
-              <a:t>yfinance</a:t>
-            </a:r>
-            <a:r>
-              <a:rPr lang="en-GB" dirty="0"/>
-              <a:t> – python </a:t>
-            </a:r>
-            <a:r>
-              <a:rPr lang="en-GB" dirty="0" err="1"/>
-              <a:t>sau</a:t>
-            </a:r>
-            <a:r>
-              <a:rPr lang="en-GB" dirty="0"/>
-              <a:t> </a:t>
-            </a:r>
-            <a:r>
-              <a:rPr lang="en-GB" dirty="0" err="1"/>
-              <a:t>unui</a:t>
-            </a:r>
-            <a:r>
-              <a:rPr lang="en-GB" dirty="0"/>
-              <a:t> </a:t>
-            </a:r>
-            <a:r>
-              <a:rPr lang="en-GB" dirty="0" err="1"/>
-              <a:t>fisier</a:t>
-            </a:r>
-            <a:r>
-              <a:rPr lang="en-GB" dirty="0"/>
-              <a:t> in format csv, </a:t>
-            </a:r>
-            <a:r>
-              <a:rPr lang="en-GB" dirty="0" err="1"/>
-              <a:t>xls</a:t>
-            </a:r>
-            <a:r>
-              <a:rPr lang="en-GB" dirty="0"/>
-              <a:t>)</a:t>
-            </a:r>
-          </a:p>
-          <a:p>
-            <a:pPr lvl="1"/>
-            <a:r>
-              <a:rPr lang="en-GB" dirty="0" err="1"/>
-              <a:t>Optiune</a:t>
-            </a:r>
-            <a:r>
-              <a:rPr lang="en-GB" dirty="0"/>
-              <a:t> de a </a:t>
-            </a:r>
-            <a:r>
-              <a:rPr lang="en-GB" dirty="0" err="1"/>
-              <a:t>avea</a:t>
-            </a:r>
-            <a:r>
-              <a:rPr lang="en-GB" dirty="0"/>
-              <a:t> </a:t>
-            </a:r>
-            <a:r>
-              <a:rPr lang="en-GB" dirty="0" err="1"/>
-              <a:t>mai</a:t>
-            </a:r>
-            <a:r>
-              <a:rPr lang="en-GB" dirty="0"/>
-              <a:t> </a:t>
-            </a:r>
-            <a:r>
-              <a:rPr lang="en-GB" dirty="0" err="1"/>
-              <a:t>multe</a:t>
-            </a:r>
-            <a:r>
-              <a:rPr lang="en-GB" dirty="0"/>
-              <a:t> </a:t>
-            </a:r>
-            <a:r>
-              <a:rPr lang="en-GB" dirty="0" err="1"/>
-              <a:t>intrari</a:t>
-            </a:r>
-            <a:r>
-              <a:rPr lang="en-GB" dirty="0"/>
-              <a:t> </a:t>
-            </a:r>
-            <a:r>
-              <a:rPr lang="en-GB" dirty="0" err="1"/>
-              <a:t>pentru</a:t>
-            </a:r>
-            <a:r>
-              <a:rPr lang="en-GB" dirty="0"/>
-              <a:t> </a:t>
-            </a:r>
-            <a:r>
-              <a:rPr lang="en-GB" dirty="0" err="1"/>
-              <a:t>prezicere</a:t>
-            </a:r>
-            <a:endParaRPr lang="en-GB" dirty="0"/>
-          </a:p>
-          <a:p>
-            <a:endParaRPr lang="de-DE" dirty="0"/>
+              <a:rPr lang="ro-RO" noProof="0" dirty="0"/>
+              <a:t> si algoritmul de antrenament </a:t>
+            </a:r>
+          </a:p>
+          <a:p>
+            <a:endParaRPr lang="ro-RO" noProof="0" dirty="0"/>
+          </a:p>
+          <a:p>
+            <a:endParaRPr lang="ro-RO" noProof="0" dirty="0"/>
           </a:p>
         </p:txBody>
       </p:sp>
@@ -4370,7 +5388,7 @@
           <p:cNvPr id="2" name="Title 1">
             <a:extLst>
               <a:ext uri="{FF2B5EF4-FFF2-40B4-BE49-F238E27FC236}">
-                <a16:creationId xmlns:a16="http://schemas.microsoft.com/office/drawing/2014/main" id="{A167E5F4-6FC6-7D83-B449-A0E27728148C}"/>
+                <a16:creationId xmlns:a16="http://schemas.microsoft.com/office/drawing/2014/main" id="{68CD8C2C-30D3-2A0D-F988-86879D876180}"/>
               </a:ext>
             </a:extLst>
           </p:cNvPr>
@@ -4387,10 +5405,13 @@
           <a:lstStyle/>
           <a:p>
             <a:r>
-              <a:rPr lang="de-DE" dirty="0" err="1"/>
-              <a:t>Imbunatatiri</a:t>
-            </a:r>
-            <a:endParaRPr lang="de-DE" dirty="0"/>
+              <a:rPr lang="ro-RO" noProof="0" dirty="0" err="1"/>
+              <a:t>Pret</a:t>
+            </a:r>
+            <a:r>
+              <a:rPr lang="ro-RO" noProof="0" dirty="0"/>
+              <a:t> istoric</a:t>
+            </a:r>
           </a:p>
         </p:txBody>
       </p:sp>
@@ -4399,7 +5420,7 @@
           <p:cNvPr id="3" name="Content Placeholder 2">
             <a:extLst>
               <a:ext uri="{FF2B5EF4-FFF2-40B4-BE49-F238E27FC236}">
-                <a16:creationId xmlns:a16="http://schemas.microsoft.com/office/drawing/2014/main" id="{05DA826C-8EFC-34E7-522F-B6102E7C97D7}"/>
+                <a16:creationId xmlns:a16="http://schemas.microsoft.com/office/drawing/2014/main" id="{258FA0F8-497F-E349-B43B-A591F6A942A2}"/>
               </a:ext>
             </a:extLst>
           </p:cNvPr>
@@ -4415,92 +5436,142 @@
           <a:bodyPr/>
           <a:lstStyle/>
           <a:p>
-            <a:r>
-              <a:rPr lang="de-DE" dirty="0"/>
-              <a:t>In </a:t>
-            </a:r>
-            <a:r>
-              <a:rPr lang="de-DE" dirty="0" err="1"/>
-              <a:t>functie</a:t>
-            </a:r>
-            <a:r>
-              <a:rPr lang="de-DE" dirty="0"/>
-              <a:t> de </a:t>
-            </a:r>
-            <a:r>
-              <a:rPr lang="de-DE" dirty="0" err="1"/>
-              <a:t>cate</a:t>
-            </a:r>
-            <a:r>
-              <a:rPr lang="de-DE" dirty="0"/>
+            <a:pPr marL="0" indent="0">
+              <a:buNone/>
+            </a:pPr>
+            <a:r>
+              <a:rPr lang="ro-RO" noProof="0" dirty="0" err="1"/>
+              <a:t>Pretul</a:t>
+            </a:r>
+            <a:r>
+              <a:rPr lang="ro-RO" noProof="0" dirty="0"/>
+              <a:t> istoric al </a:t>
+            </a:r>
+            <a:r>
+              <a:rPr lang="ro-RO" noProof="0" dirty="0" err="1"/>
+              <a:t>actiunilor</a:t>
+            </a:r>
+            <a:r>
+              <a:rPr lang="ro-RO" noProof="0" dirty="0"/>
+              <a:t> alese sunt </a:t>
+            </a:r>
+            <a:r>
+              <a:rPr lang="ro-RO" noProof="0" dirty="0" err="1"/>
+              <a:t>obtinute</a:t>
+            </a:r>
+            <a:r>
+              <a:rPr lang="ro-RO" noProof="0" dirty="0"/>
+              <a:t> de la Alpha </a:t>
+            </a:r>
+            <a:r>
+              <a:rPr lang="ro-RO" noProof="0" dirty="0" err="1"/>
+              <a:t>Vantage</a:t>
+            </a:r>
+            <a:r>
+              <a:rPr lang="ro-RO" noProof="0" dirty="0"/>
+              <a:t> folosind o </a:t>
+            </a:r>
+            <a:r>
+              <a:rPr lang="ro-RO" noProof="0" dirty="0" err="1"/>
+              <a:t>librarie</a:t>
+            </a:r>
+            <a:r>
+              <a:rPr lang="ro-RO" noProof="0" dirty="0"/>
               <a:t> </a:t>
             </a:r>
             <a:r>
-              <a:rPr lang="de-DE" dirty="0" err="1"/>
-              <a:t>resurse</a:t>
-            </a:r>
-            <a:r>
-              <a:rPr lang="de-DE" dirty="0"/>
-              <a:t> </a:t>
-            </a:r>
-            <a:r>
-              <a:rPr lang="de-DE" dirty="0" err="1"/>
-              <a:t>consuma</a:t>
-            </a:r>
-            <a:r>
-              <a:rPr lang="de-DE" dirty="0"/>
-              <a:t> se </a:t>
-            </a:r>
-            <a:r>
-              <a:rPr lang="de-DE" dirty="0" err="1"/>
-              <a:t>poate</a:t>
-            </a:r>
-            <a:r>
-              <a:rPr lang="de-DE" dirty="0"/>
-              <a:t> </a:t>
-            </a:r>
-            <a:r>
-              <a:rPr lang="de-DE" dirty="0" err="1"/>
-              <a:t>extinde</a:t>
-            </a:r>
-            <a:r>
-              <a:rPr lang="de-DE" dirty="0"/>
-              <a:t> </a:t>
-            </a:r>
-            <a:r>
-              <a:rPr lang="de-DE" dirty="0" err="1"/>
-              <a:t>cu</a:t>
-            </a:r>
-            <a:r>
-              <a:rPr lang="de-DE" dirty="0"/>
-              <a:t> o </a:t>
-            </a:r>
-            <a:r>
-              <a:rPr lang="de-DE" dirty="0" err="1"/>
-              <a:t>versiune</a:t>
-            </a:r>
-            <a:r>
-              <a:rPr lang="de-DE" dirty="0"/>
-              <a:t> </a:t>
-            </a:r>
-            <a:r>
-              <a:rPr lang="de-DE" dirty="0" err="1"/>
-              <a:t>pentru</a:t>
-            </a:r>
-            <a:r>
-              <a:rPr lang="de-DE" dirty="0"/>
-              <a:t> mobil </a:t>
-            </a:r>
-          </a:p>
-          <a:p>
-            <a:endParaRPr lang="de-DE" dirty="0"/>
+              <a:rPr lang="ro-RO" noProof="0" dirty="0" err="1"/>
+              <a:t>opensource</a:t>
+            </a:r>
+            <a:r>
+              <a:rPr lang="ro-RO" noProof="0" dirty="0"/>
+              <a:t> alphavantage.net ce </a:t>
+            </a:r>
+            <a:r>
+              <a:rPr lang="ro-RO" noProof="0" dirty="0" err="1"/>
+              <a:t>foloseste</a:t>
+            </a:r>
+            <a:r>
+              <a:rPr lang="ro-RO" noProof="0" dirty="0"/>
+              <a:t> API de la ei.</a:t>
+            </a:r>
+          </a:p>
+          <a:p>
+            <a:pPr marL="0" indent="0">
+              <a:buNone/>
+            </a:pPr>
+            <a:r>
+              <a:rPr lang="ro-RO" noProof="0" dirty="0"/>
+              <a:t>Din datele istorice ce le </a:t>
+            </a:r>
+            <a:r>
+              <a:rPr lang="ro-RO" noProof="0" dirty="0" err="1"/>
+              <a:t>obtinem</a:t>
+            </a:r>
+            <a:r>
+              <a:rPr lang="ro-RO" noProof="0" dirty="0"/>
+              <a:t> dorim doar valorile la </a:t>
+            </a:r>
+            <a:r>
+              <a:rPr lang="ro-RO" noProof="0" dirty="0" err="1"/>
+              <a:t>inchidere</a:t>
+            </a:r>
+            <a:r>
+              <a:rPr lang="ro-RO" noProof="0" dirty="0"/>
+              <a:t>.</a:t>
+            </a:r>
+          </a:p>
+          <a:p>
+            <a:pPr marL="0" indent="0">
+              <a:buNone/>
+            </a:pPr>
+            <a:r>
+              <a:rPr lang="ro-RO" noProof="0" dirty="0"/>
+              <a:t>Ce </a:t>
+            </a:r>
+            <a:r>
+              <a:rPr lang="ro-RO" noProof="0" dirty="0" err="1"/>
+              <a:t>obtinem</a:t>
+            </a:r>
+            <a:r>
+              <a:rPr lang="ro-RO" noProof="0" dirty="0"/>
+              <a:t> este un sir de date si valorile la </a:t>
+            </a:r>
+            <a:r>
+              <a:rPr lang="ro-RO" noProof="0" dirty="0" err="1"/>
+              <a:t>inchidere</a:t>
+            </a:r>
+            <a:r>
+              <a:rPr lang="ro-RO" noProof="0" dirty="0"/>
+              <a:t> a </a:t>
+            </a:r>
+            <a:r>
+              <a:rPr lang="ro-RO" noProof="0" dirty="0" err="1"/>
+              <a:t>actiunii</a:t>
+            </a:r>
+            <a:r>
+              <a:rPr lang="ro-RO" noProof="0" dirty="0"/>
+              <a:t> dorite.</a:t>
+            </a:r>
+          </a:p>
+          <a:p>
+            <a:pPr marL="0" indent="0">
+              <a:buNone/>
+            </a:pPr>
+            <a:endParaRPr lang="ro-RO" noProof="0" dirty="0"/>
+          </a:p>
+          <a:p>
+            <a:pPr marL="0" indent="0">
+              <a:buNone/>
+            </a:pPr>
+            <a:endParaRPr lang="ro-RO" noProof="0" dirty="0"/>
           </a:p>
         </p:txBody>
       </p:sp>
     </p:spTree>
     <p:extLst>
       <p:ext uri="{BB962C8B-B14F-4D97-AF65-F5344CB8AC3E}">
-        <p14:creationId xmlns:p14="http://schemas.microsoft.com/office/powerpoint/2010/main" val="1331612692"/>
+        <p14:creationId xmlns:p14="http://schemas.microsoft.com/office/powerpoint/2010/main" val="2754598453"/>
       </p:ext>
     </p:extLst>
   </p:cSld>
@@ -4532,7 +5603,7 @@
           <p:cNvPr id="2" name="Title 1">
             <a:extLst>
               <a:ext uri="{FF2B5EF4-FFF2-40B4-BE49-F238E27FC236}">
-                <a16:creationId xmlns:a16="http://schemas.microsoft.com/office/drawing/2014/main" id="{20B72B55-AAF3-005D-1B78-04F60321E382}"/>
+                <a16:creationId xmlns:a16="http://schemas.microsoft.com/office/drawing/2014/main" id="{F3F2B5E9-D55F-986B-38DF-5F1A47F327CC}"/>
               </a:ext>
             </a:extLst>
           </p:cNvPr>
@@ -4549,458 +5620,1676 @@
           <a:lstStyle/>
           <a:p>
             <a:r>
-              <a:rPr lang="en-GB" dirty="0"/>
-              <a:t>LSTM (Long Short-Term Memory)</a:t>
-            </a:r>
-            <a:endParaRPr lang="en-DE" dirty="0"/>
+              <a:rPr lang="ro-RO" noProof="0" dirty="0"/>
+              <a:t>Prelucrare in date intrare</a:t>
+            </a:r>
           </a:p>
         </p:txBody>
       </p:sp>
       <p:sp>
         <p:nvSpPr>
-          <p:cNvPr id="3" name="Content Placeholder 2">
-            <a:extLst>
-              <a:ext uri="{FF2B5EF4-FFF2-40B4-BE49-F238E27FC236}">
-                <a16:creationId xmlns:a16="http://schemas.microsoft.com/office/drawing/2014/main" id="{2DD686AD-92DF-873E-41BC-90A5011D02EE}"/>
-              </a:ext>
-            </a:extLst>
-          </p:cNvPr>
-          <p:cNvSpPr>
-            <a:spLocks noGrp="1"/>
-          </p:cNvSpPr>
-          <p:nvPr>
-            <p:ph idx="1"/>
-          </p:nvPr>
+          <p:cNvPr id="27" name="TextBox 26">
+            <a:extLst>
+              <a:ext uri="{FF2B5EF4-FFF2-40B4-BE49-F238E27FC236}">
+                <a16:creationId xmlns:a16="http://schemas.microsoft.com/office/drawing/2014/main" id="{18144FE4-C722-34C9-1154-6534C6901422}"/>
+              </a:ext>
+            </a:extLst>
+          </p:cNvPr>
+          <p:cNvSpPr txBox="1"/>
+          <p:nvPr/>
         </p:nvSpPr>
-        <p:spPr/>
+        <p:spPr>
+          <a:xfrm>
+            <a:off x="7769735" y="1279335"/>
+            <a:ext cx="461665" cy="881267"/>
+          </a:xfrm>
+          <a:prstGeom prst="rect">
+            <a:avLst/>
+          </a:prstGeom>
+          <a:noFill/>
+        </p:spPr>
         <p:txBody>
-          <a:bodyPr>
-            <a:normAutofit/>
+          <a:bodyPr vert="vert270" wrap="none" rtlCol="0">
+            <a:spAutoFit/>
           </a:bodyPr>
           <a:lstStyle/>
           <a:p>
             <a:r>
-              <a:rPr lang="en-GB" dirty="0"/>
-              <a:t>LSTM (Long short-term memory) </a:t>
-            </a:r>
-            <a:r>
-              <a:rPr lang="en-GB" dirty="0" err="1"/>
-              <a:t>este</a:t>
-            </a:r>
-            <a:r>
-              <a:rPr lang="en-GB" dirty="0"/>
-              <a:t> o </a:t>
-            </a:r>
-            <a:r>
-              <a:rPr lang="en-GB" dirty="0" err="1"/>
-              <a:t>arhitectură</a:t>
-            </a:r>
-            <a:r>
-              <a:rPr lang="en-GB" dirty="0"/>
-              <a:t> de </a:t>
-            </a:r>
-            <a:r>
-              <a:rPr lang="en-GB" dirty="0" err="1"/>
-              <a:t>rețea</a:t>
-            </a:r>
-            <a:r>
-              <a:rPr lang="en-GB" dirty="0"/>
+              <a:rPr lang="ro-RO" noProof="0" dirty="0"/>
+              <a:t>Datan-1</a:t>
+            </a:r>
+          </a:p>
+        </p:txBody>
+      </p:sp>
+      <p:grpSp>
+        <p:nvGrpSpPr>
+          <p:cNvPr id="29" name="Group 28">
+            <a:extLst>
+              <a:ext uri="{FF2B5EF4-FFF2-40B4-BE49-F238E27FC236}">
+                <a16:creationId xmlns:a16="http://schemas.microsoft.com/office/drawing/2014/main" id="{97378751-B1B7-C1CF-1480-7E951BD70A90}"/>
+              </a:ext>
+            </a:extLst>
+          </p:cNvPr>
+          <p:cNvGrpSpPr/>
+          <p:nvPr/>
+        </p:nvGrpSpPr>
+        <p:grpSpPr>
+          <a:xfrm>
+            <a:off x="2834380" y="1442070"/>
+            <a:ext cx="5786587" cy="1178301"/>
+            <a:chOff x="960611" y="1437577"/>
+            <a:chExt cx="5786587" cy="1178301"/>
+          </a:xfrm>
+        </p:grpSpPr>
+        <p:sp>
+          <p:nvSpPr>
+            <p:cNvPr id="4" name="Rectangle 3">
+              <a:extLst>
+                <a:ext uri="{FF2B5EF4-FFF2-40B4-BE49-F238E27FC236}">
+                  <a16:creationId xmlns:a16="http://schemas.microsoft.com/office/drawing/2014/main" id="{B0B816B0-CAF5-5EE4-BBF3-8FCA31F65B66}"/>
+                </a:ext>
+              </a:extLst>
+            </p:cNvPr>
+            <p:cNvSpPr/>
+            <p:nvPr/>
+          </p:nvSpPr>
+          <p:spPr>
+            <a:xfrm>
+              <a:off x="960699" y="2268638"/>
+              <a:ext cx="381964" cy="347240"/>
+            </a:xfrm>
+            <a:prstGeom prst="rect">
+              <a:avLst/>
+            </a:prstGeom>
+          </p:spPr>
+          <p:style>
+            <a:lnRef idx="2">
+              <a:schemeClr val="accent6"/>
+            </a:lnRef>
+            <a:fillRef idx="1">
+              <a:schemeClr val="lt1"/>
+            </a:fillRef>
+            <a:effectRef idx="0">
+              <a:schemeClr val="accent6"/>
+            </a:effectRef>
+            <a:fontRef idx="minor">
+              <a:schemeClr val="dk1"/>
+            </a:fontRef>
+          </p:style>
+          <p:txBody>
+            <a:bodyPr rtlCol="0" anchor="ctr"/>
+            <a:lstStyle/>
+            <a:p>
+              <a:pPr algn="ctr"/>
+              <a:r>
+                <a:rPr lang="ro-RO" sz="1200" noProof="0" dirty="0"/>
+                <a:t>v1</a:t>
+              </a:r>
+            </a:p>
+          </p:txBody>
+        </p:sp>
+        <p:sp>
+          <p:nvSpPr>
+            <p:cNvPr id="6" name="Rectangle 5">
+              <a:extLst>
+                <a:ext uri="{FF2B5EF4-FFF2-40B4-BE49-F238E27FC236}">
+                  <a16:creationId xmlns:a16="http://schemas.microsoft.com/office/drawing/2014/main" id="{101B2555-4FD4-D0FF-ACC8-6961741EC456}"/>
+                </a:ext>
+              </a:extLst>
+            </p:cNvPr>
+            <p:cNvSpPr/>
+            <p:nvPr/>
+          </p:nvSpPr>
+          <p:spPr>
+            <a:xfrm>
+              <a:off x="1342663" y="2268638"/>
+              <a:ext cx="381964" cy="347240"/>
+            </a:xfrm>
+            <a:prstGeom prst="rect">
+              <a:avLst/>
+            </a:prstGeom>
+          </p:spPr>
+          <p:style>
+            <a:lnRef idx="2">
+              <a:schemeClr val="accent6"/>
+            </a:lnRef>
+            <a:fillRef idx="1">
+              <a:schemeClr val="lt1"/>
+            </a:fillRef>
+            <a:effectRef idx="0">
+              <a:schemeClr val="accent6"/>
+            </a:effectRef>
+            <a:fontRef idx="minor">
+              <a:schemeClr val="dk1"/>
+            </a:fontRef>
+          </p:style>
+          <p:txBody>
+            <a:bodyPr rtlCol="0" anchor="ctr"/>
+            <a:lstStyle/>
+            <a:p>
+              <a:pPr algn="ctr"/>
+              <a:r>
+                <a:rPr lang="ro-RO" sz="1200" noProof="0" dirty="0"/>
+                <a:t>V2</a:t>
+              </a:r>
+            </a:p>
+          </p:txBody>
+        </p:sp>
+        <p:sp>
+          <p:nvSpPr>
+            <p:cNvPr id="7" name="Rectangle 6">
+              <a:extLst>
+                <a:ext uri="{FF2B5EF4-FFF2-40B4-BE49-F238E27FC236}">
+                  <a16:creationId xmlns:a16="http://schemas.microsoft.com/office/drawing/2014/main" id="{0CFEB661-B071-E5D6-EDD7-42056378E126}"/>
+                </a:ext>
+              </a:extLst>
+            </p:cNvPr>
+            <p:cNvSpPr/>
+            <p:nvPr/>
+          </p:nvSpPr>
+          <p:spPr>
+            <a:xfrm>
+              <a:off x="1724627" y="2268638"/>
+              <a:ext cx="381964" cy="347240"/>
+            </a:xfrm>
+            <a:prstGeom prst="rect">
+              <a:avLst/>
+            </a:prstGeom>
+          </p:spPr>
+          <p:style>
+            <a:lnRef idx="2">
+              <a:schemeClr val="accent6"/>
+            </a:lnRef>
+            <a:fillRef idx="1">
+              <a:schemeClr val="lt1"/>
+            </a:fillRef>
+            <a:effectRef idx="0">
+              <a:schemeClr val="accent6"/>
+            </a:effectRef>
+            <a:fontRef idx="minor">
+              <a:schemeClr val="dk1"/>
+            </a:fontRef>
+          </p:style>
+          <p:txBody>
+            <a:bodyPr rtlCol="0" anchor="ctr"/>
+            <a:lstStyle/>
+            <a:p>
+              <a:pPr algn="ctr"/>
+              <a:r>
+                <a:rPr lang="ro-RO" sz="1200" noProof="0" dirty="0"/>
+                <a:t>v3</a:t>
+              </a:r>
+            </a:p>
+          </p:txBody>
+        </p:sp>
+        <p:sp>
+          <p:nvSpPr>
+            <p:cNvPr id="8" name="Rectangle 7">
+              <a:extLst>
+                <a:ext uri="{FF2B5EF4-FFF2-40B4-BE49-F238E27FC236}">
+                  <a16:creationId xmlns:a16="http://schemas.microsoft.com/office/drawing/2014/main" id="{99F14BAF-0AAA-DBF6-D896-15B40F9C5134}"/>
+                </a:ext>
+              </a:extLst>
+            </p:cNvPr>
+            <p:cNvSpPr/>
+            <p:nvPr/>
+          </p:nvSpPr>
+          <p:spPr>
+            <a:xfrm>
+              <a:off x="2106591" y="2268638"/>
+              <a:ext cx="381964" cy="347240"/>
+            </a:xfrm>
+            <a:prstGeom prst="rect">
+              <a:avLst/>
+            </a:prstGeom>
+          </p:spPr>
+          <p:style>
+            <a:lnRef idx="2">
+              <a:schemeClr val="accent6"/>
+            </a:lnRef>
+            <a:fillRef idx="1">
+              <a:schemeClr val="lt1"/>
+            </a:fillRef>
+            <a:effectRef idx="0">
+              <a:schemeClr val="accent6"/>
+            </a:effectRef>
+            <a:fontRef idx="minor">
+              <a:schemeClr val="dk1"/>
+            </a:fontRef>
+          </p:style>
+          <p:txBody>
+            <a:bodyPr rtlCol="0" anchor="ctr"/>
+            <a:lstStyle/>
+            <a:p>
+              <a:pPr algn="ctr"/>
+              <a:r>
+                <a:rPr lang="ro-RO" sz="1200" noProof="0" dirty="0"/>
+                <a:t>v4</a:t>
+              </a:r>
+            </a:p>
+          </p:txBody>
+        </p:sp>
+        <p:sp>
+          <p:nvSpPr>
+            <p:cNvPr id="9" name="Rectangle 8">
+              <a:extLst>
+                <a:ext uri="{FF2B5EF4-FFF2-40B4-BE49-F238E27FC236}">
+                  <a16:creationId xmlns:a16="http://schemas.microsoft.com/office/drawing/2014/main" id="{CF2CDD9A-E523-74EF-8779-82CECD3D71D6}"/>
+                </a:ext>
+              </a:extLst>
+            </p:cNvPr>
+            <p:cNvSpPr/>
+            <p:nvPr/>
+          </p:nvSpPr>
+          <p:spPr>
+            <a:xfrm>
+              <a:off x="2488555" y="2268638"/>
+              <a:ext cx="381964" cy="347240"/>
+            </a:xfrm>
+            <a:prstGeom prst="rect">
+              <a:avLst/>
+            </a:prstGeom>
+          </p:spPr>
+          <p:style>
+            <a:lnRef idx="2">
+              <a:schemeClr val="accent6"/>
+            </a:lnRef>
+            <a:fillRef idx="1">
+              <a:schemeClr val="lt1"/>
+            </a:fillRef>
+            <a:effectRef idx="0">
+              <a:schemeClr val="accent6"/>
+            </a:effectRef>
+            <a:fontRef idx="minor">
+              <a:schemeClr val="dk1"/>
+            </a:fontRef>
+          </p:style>
+          <p:txBody>
+            <a:bodyPr rtlCol="0" anchor="ctr"/>
+            <a:lstStyle/>
+            <a:p>
+              <a:pPr algn="ctr"/>
+              <a:r>
+                <a:rPr lang="ro-RO" sz="1200" noProof="0" dirty="0"/>
+                <a:t>v5</a:t>
+              </a:r>
+            </a:p>
+          </p:txBody>
+        </p:sp>
+        <p:sp>
+          <p:nvSpPr>
+            <p:cNvPr id="10" name="Rectangle 9">
+              <a:extLst>
+                <a:ext uri="{FF2B5EF4-FFF2-40B4-BE49-F238E27FC236}">
+                  <a16:creationId xmlns:a16="http://schemas.microsoft.com/office/drawing/2014/main" id="{7369B9DE-E8FE-394C-127B-D75B261BD5D7}"/>
+                </a:ext>
+              </a:extLst>
+            </p:cNvPr>
+            <p:cNvSpPr/>
+            <p:nvPr/>
+          </p:nvSpPr>
+          <p:spPr>
+            <a:xfrm>
+              <a:off x="2870519" y="2268638"/>
+              <a:ext cx="381964" cy="347240"/>
+            </a:xfrm>
+            <a:prstGeom prst="rect">
+              <a:avLst/>
+            </a:prstGeom>
+          </p:spPr>
+          <p:style>
+            <a:lnRef idx="2">
+              <a:schemeClr val="accent6"/>
+            </a:lnRef>
+            <a:fillRef idx="1">
+              <a:schemeClr val="lt1"/>
+            </a:fillRef>
+            <a:effectRef idx="0">
+              <a:schemeClr val="accent6"/>
+            </a:effectRef>
+            <a:fontRef idx="minor">
+              <a:schemeClr val="dk1"/>
+            </a:fontRef>
+          </p:style>
+          <p:txBody>
+            <a:bodyPr rtlCol="0" anchor="ctr"/>
+            <a:lstStyle/>
+            <a:p>
+              <a:pPr algn="ctr"/>
+              <a:r>
+                <a:rPr lang="ro-RO" sz="1200" noProof="0" dirty="0"/>
+                <a:t>v6</a:t>
+              </a:r>
+            </a:p>
+          </p:txBody>
+        </p:sp>
+        <p:sp>
+          <p:nvSpPr>
+            <p:cNvPr id="11" name="Rectangle 10">
+              <a:extLst>
+                <a:ext uri="{FF2B5EF4-FFF2-40B4-BE49-F238E27FC236}">
+                  <a16:creationId xmlns:a16="http://schemas.microsoft.com/office/drawing/2014/main" id="{DDF36246-9F03-35F4-9803-2BF8272721FF}"/>
+                </a:ext>
+              </a:extLst>
+            </p:cNvPr>
+            <p:cNvSpPr/>
+            <p:nvPr/>
+          </p:nvSpPr>
+          <p:spPr>
+            <a:xfrm>
+              <a:off x="3252483" y="2268638"/>
+              <a:ext cx="381964" cy="347240"/>
+            </a:xfrm>
+            <a:prstGeom prst="rect">
+              <a:avLst/>
+            </a:prstGeom>
+          </p:spPr>
+          <p:style>
+            <a:lnRef idx="2">
+              <a:schemeClr val="accent6"/>
+            </a:lnRef>
+            <a:fillRef idx="1">
+              <a:schemeClr val="lt1"/>
+            </a:fillRef>
+            <a:effectRef idx="0">
+              <a:schemeClr val="accent6"/>
+            </a:effectRef>
+            <a:fontRef idx="minor">
+              <a:schemeClr val="dk1"/>
+            </a:fontRef>
+          </p:style>
+          <p:txBody>
+            <a:bodyPr rtlCol="0" anchor="ctr"/>
+            <a:lstStyle/>
+            <a:p>
+              <a:pPr algn="ctr"/>
+              <a:endParaRPr lang="ro-RO" sz="1200" noProof="0" dirty="0"/>
+            </a:p>
+          </p:txBody>
+        </p:sp>
+        <p:sp>
+          <p:nvSpPr>
+            <p:cNvPr id="12" name="Rectangle 11">
+              <a:extLst>
+                <a:ext uri="{FF2B5EF4-FFF2-40B4-BE49-F238E27FC236}">
+                  <a16:creationId xmlns:a16="http://schemas.microsoft.com/office/drawing/2014/main" id="{5DA4EFFF-69C4-CA23-9405-10A7B9E406C7}"/>
+                </a:ext>
+              </a:extLst>
+            </p:cNvPr>
+            <p:cNvSpPr/>
+            <p:nvPr/>
+          </p:nvSpPr>
+          <p:spPr>
+            <a:xfrm>
+              <a:off x="3634447" y="2268638"/>
+              <a:ext cx="381964" cy="347240"/>
+            </a:xfrm>
+            <a:prstGeom prst="rect">
+              <a:avLst/>
+            </a:prstGeom>
+          </p:spPr>
+          <p:style>
+            <a:lnRef idx="2">
+              <a:schemeClr val="accent6"/>
+            </a:lnRef>
+            <a:fillRef idx="1">
+              <a:schemeClr val="lt1"/>
+            </a:fillRef>
+            <a:effectRef idx="0">
+              <a:schemeClr val="accent6"/>
+            </a:effectRef>
+            <a:fontRef idx="minor">
+              <a:schemeClr val="dk1"/>
+            </a:fontRef>
+          </p:style>
+          <p:txBody>
+            <a:bodyPr rtlCol="0" anchor="ctr"/>
+            <a:lstStyle/>
+            <a:p>
+              <a:pPr algn="ctr"/>
+              <a:endParaRPr lang="ro-RO" sz="1200" noProof="0" dirty="0"/>
+            </a:p>
+          </p:txBody>
+        </p:sp>
+        <p:sp>
+          <p:nvSpPr>
+            <p:cNvPr id="13" name="Rectangle 12">
+              <a:extLst>
+                <a:ext uri="{FF2B5EF4-FFF2-40B4-BE49-F238E27FC236}">
+                  <a16:creationId xmlns:a16="http://schemas.microsoft.com/office/drawing/2014/main" id="{549009C5-DDE0-4176-E03C-6FC6DB80030F}"/>
+                </a:ext>
+              </a:extLst>
+            </p:cNvPr>
+            <p:cNvSpPr/>
+            <p:nvPr/>
+          </p:nvSpPr>
+          <p:spPr>
+            <a:xfrm>
+              <a:off x="4016411" y="2268638"/>
+              <a:ext cx="381964" cy="347240"/>
+            </a:xfrm>
+            <a:prstGeom prst="rect">
+              <a:avLst/>
+            </a:prstGeom>
+          </p:spPr>
+          <p:style>
+            <a:lnRef idx="2">
+              <a:schemeClr val="accent6"/>
+            </a:lnRef>
+            <a:fillRef idx="1">
+              <a:schemeClr val="lt1"/>
+            </a:fillRef>
+            <a:effectRef idx="0">
+              <a:schemeClr val="accent6"/>
+            </a:effectRef>
+            <a:fontRef idx="minor">
+              <a:schemeClr val="dk1"/>
+            </a:fontRef>
+          </p:style>
+          <p:txBody>
+            <a:bodyPr rtlCol="0" anchor="ctr"/>
+            <a:lstStyle/>
+            <a:p>
+              <a:pPr algn="ctr"/>
+              <a:endParaRPr lang="ro-RO" sz="1200" noProof="0" dirty="0"/>
+            </a:p>
+          </p:txBody>
+        </p:sp>
+        <p:sp>
+          <p:nvSpPr>
+            <p:cNvPr id="14" name="Rectangle 13">
+              <a:extLst>
+                <a:ext uri="{FF2B5EF4-FFF2-40B4-BE49-F238E27FC236}">
+                  <a16:creationId xmlns:a16="http://schemas.microsoft.com/office/drawing/2014/main" id="{415952EF-61C1-9B1D-4C7F-6ED501C0179E}"/>
+                </a:ext>
+              </a:extLst>
+            </p:cNvPr>
+            <p:cNvSpPr/>
+            <p:nvPr/>
+          </p:nvSpPr>
+          <p:spPr>
+            <a:xfrm>
+              <a:off x="4398375" y="2268638"/>
+              <a:ext cx="381964" cy="347240"/>
+            </a:xfrm>
+            <a:prstGeom prst="rect">
+              <a:avLst/>
+            </a:prstGeom>
+          </p:spPr>
+          <p:style>
+            <a:lnRef idx="2">
+              <a:schemeClr val="accent6"/>
+            </a:lnRef>
+            <a:fillRef idx="1">
+              <a:schemeClr val="lt1"/>
+            </a:fillRef>
+            <a:effectRef idx="0">
+              <a:schemeClr val="accent6"/>
+            </a:effectRef>
+            <a:fontRef idx="minor">
+              <a:schemeClr val="dk1"/>
+            </a:fontRef>
+          </p:style>
+          <p:txBody>
+            <a:bodyPr rtlCol="0" anchor="ctr"/>
+            <a:lstStyle/>
+            <a:p>
+              <a:pPr algn="ctr"/>
+              <a:endParaRPr lang="ro-RO" sz="1200" noProof="0" dirty="0"/>
+            </a:p>
+          </p:txBody>
+        </p:sp>
+        <p:sp>
+          <p:nvSpPr>
+            <p:cNvPr id="15" name="Rectangle 14">
+              <a:extLst>
+                <a:ext uri="{FF2B5EF4-FFF2-40B4-BE49-F238E27FC236}">
+                  <a16:creationId xmlns:a16="http://schemas.microsoft.com/office/drawing/2014/main" id="{09033E94-EFFA-B7FE-E1E4-D25B5FF9FEBA}"/>
+                </a:ext>
+              </a:extLst>
+            </p:cNvPr>
+            <p:cNvSpPr/>
+            <p:nvPr/>
+          </p:nvSpPr>
+          <p:spPr>
+            <a:xfrm>
+              <a:off x="4780339" y="2268638"/>
+              <a:ext cx="381964" cy="347240"/>
+            </a:xfrm>
+            <a:prstGeom prst="rect">
+              <a:avLst/>
+            </a:prstGeom>
+          </p:spPr>
+          <p:style>
+            <a:lnRef idx="2">
+              <a:schemeClr val="accent6"/>
+            </a:lnRef>
+            <a:fillRef idx="1">
+              <a:schemeClr val="lt1"/>
+            </a:fillRef>
+            <a:effectRef idx="0">
+              <a:schemeClr val="accent6"/>
+            </a:effectRef>
+            <a:fontRef idx="minor">
+              <a:schemeClr val="dk1"/>
+            </a:fontRef>
+          </p:style>
+          <p:txBody>
+            <a:bodyPr rtlCol="0" anchor="ctr"/>
+            <a:lstStyle/>
+            <a:p>
+              <a:pPr algn="ctr"/>
+              <a:endParaRPr lang="ro-RO" sz="1200" noProof="0" dirty="0"/>
+            </a:p>
+          </p:txBody>
+        </p:sp>
+        <p:sp>
+          <p:nvSpPr>
+            <p:cNvPr id="16" name="Rectangle 15">
+              <a:extLst>
+                <a:ext uri="{FF2B5EF4-FFF2-40B4-BE49-F238E27FC236}">
+                  <a16:creationId xmlns:a16="http://schemas.microsoft.com/office/drawing/2014/main" id="{D87E11C0-237A-E83E-E7C2-BFAE223AC338}"/>
+                </a:ext>
+              </a:extLst>
+            </p:cNvPr>
+            <p:cNvSpPr/>
+            <p:nvPr/>
+          </p:nvSpPr>
+          <p:spPr>
+            <a:xfrm>
+              <a:off x="5162303" y="2268638"/>
+              <a:ext cx="381964" cy="347240"/>
+            </a:xfrm>
+            <a:prstGeom prst="rect">
+              <a:avLst/>
+            </a:prstGeom>
+          </p:spPr>
+          <p:style>
+            <a:lnRef idx="2">
+              <a:schemeClr val="accent6"/>
+            </a:lnRef>
+            <a:fillRef idx="1">
+              <a:schemeClr val="lt1"/>
+            </a:fillRef>
+            <a:effectRef idx="0">
+              <a:schemeClr val="accent6"/>
+            </a:effectRef>
+            <a:fontRef idx="minor">
+              <a:schemeClr val="dk1"/>
+            </a:fontRef>
+          </p:style>
+          <p:txBody>
+            <a:bodyPr rtlCol="0" anchor="ctr"/>
+            <a:lstStyle/>
+            <a:p>
+              <a:pPr algn="ctr"/>
+              <a:endParaRPr lang="ro-RO" sz="1200" noProof="0" dirty="0"/>
+            </a:p>
+          </p:txBody>
+        </p:sp>
+        <p:sp>
+          <p:nvSpPr>
+            <p:cNvPr id="17" name="Rectangle 16">
+              <a:extLst>
+                <a:ext uri="{FF2B5EF4-FFF2-40B4-BE49-F238E27FC236}">
+                  <a16:creationId xmlns:a16="http://schemas.microsoft.com/office/drawing/2014/main" id="{A977BFBE-43A5-CA6E-D398-AAB273E78202}"/>
+                </a:ext>
+              </a:extLst>
+            </p:cNvPr>
+            <p:cNvSpPr/>
+            <p:nvPr/>
+          </p:nvSpPr>
+          <p:spPr>
+            <a:xfrm>
+              <a:off x="5544267" y="2268638"/>
+              <a:ext cx="381964" cy="347240"/>
+            </a:xfrm>
+            <a:prstGeom prst="rect">
+              <a:avLst/>
+            </a:prstGeom>
+          </p:spPr>
+          <p:style>
+            <a:lnRef idx="2">
+              <a:schemeClr val="accent6"/>
+            </a:lnRef>
+            <a:fillRef idx="1">
+              <a:schemeClr val="lt1"/>
+            </a:fillRef>
+            <a:effectRef idx="0">
+              <a:schemeClr val="accent6"/>
+            </a:effectRef>
+            <a:fontRef idx="minor">
+              <a:schemeClr val="dk1"/>
+            </a:fontRef>
+          </p:style>
+          <p:txBody>
+            <a:bodyPr rtlCol="0" anchor="ctr"/>
+            <a:lstStyle/>
+            <a:p>
+              <a:pPr algn="ctr"/>
+              <a:endParaRPr lang="ro-RO" sz="1200" noProof="0" dirty="0"/>
+            </a:p>
+          </p:txBody>
+        </p:sp>
+        <p:sp>
+          <p:nvSpPr>
+            <p:cNvPr id="18" name="Rectangle 17">
+              <a:extLst>
+                <a:ext uri="{FF2B5EF4-FFF2-40B4-BE49-F238E27FC236}">
+                  <a16:creationId xmlns:a16="http://schemas.microsoft.com/office/drawing/2014/main" id="{8A0E3E31-D44F-AE32-8532-944038B99A70}"/>
+                </a:ext>
+              </a:extLst>
+            </p:cNvPr>
+            <p:cNvSpPr/>
+            <p:nvPr/>
+          </p:nvSpPr>
+          <p:spPr>
+            <a:xfrm>
+              <a:off x="5926231" y="2268638"/>
+              <a:ext cx="381964" cy="347240"/>
+            </a:xfrm>
+            <a:prstGeom prst="rect">
+              <a:avLst/>
+            </a:prstGeom>
+          </p:spPr>
+          <p:style>
+            <a:lnRef idx="2">
+              <a:schemeClr val="accent6"/>
+            </a:lnRef>
+            <a:fillRef idx="1">
+              <a:schemeClr val="lt1"/>
+            </a:fillRef>
+            <a:effectRef idx="0">
+              <a:schemeClr val="accent6"/>
+            </a:effectRef>
+            <a:fontRef idx="minor">
+              <a:schemeClr val="dk1"/>
+            </a:fontRef>
+          </p:style>
+          <p:txBody>
+            <a:bodyPr rtlCol="0" anchor="ctr"/>
+            <a:lstStyle/>
+            <a:p>
+              <a:pPr algn="ctr"/>
+              <a:r>
+                <a:rPr lang="ro-RO" sz="900" noProof="0" dirty="0"/>
+                <a:t>V</a:t>
+              </a:r>
+              <a:r>
+                <a:rPr lang="ro-RO" sz="700" noProof="0" dirty="0"/>
+                <a:t>n-1</a:t>
+              </a:r>
+            </a:p>
+          </p:txBody>
+        </p:sp>
+        <p:sp>
+          <p:nvSpPr>
+            <p:cNvPr id="19" name="Rectangle 18">
+              <a:extLst>
+                <a:ext uri="{FF2B5EF4-FFF2-40B4-BE49-F238E27FC236}">
+                  <a16:creationId xmlns:a16="http://schemas.microsoft.com/office/drawing/2014/main" id="{62D178D7-3186-B323-7827-5A2C7C1F593C}"/>
+                </a:ext>
+              </a:extLst>
+            </p:cNvPr>
+            <p:cNvSpPr/>
+            <p:nvPr/>
+          </p:nvSpPr>
+          <p:spPr>
+            <a:xfrm>
+              <a:off x="6308195" y="2268638"/>
+              <a:ext cx="381964" cy="347240"/>
+            </a:xfrm>
+            <a:prstGeom prst="rect">
+              <a:avLst/>
+            </a:prstGeom>
+          </p:spPr>
+          <p:style>
+            <a:lnRef idx="2">
+              <a:schemeClr val="accent6"/>
+            </a:lnRef>
+            <a:fillRef idx="1">
+              <a:schemeClr val="lt1"/>
+            </a:fillRef>
+            <a:effectRef idx="0">
+              <a:schemeClr val="accent6"/>
+            </a:effectRef>
+            <a:fontRef idx="minor">
+              <a:schemeClr val="dk1"/>
+            </a:fontRef>
+          </p:style>
+          <p:txBody>
+            <a:bodyPr rtlCol="0" anchor="ctr"/>
+            <a:lstStyle/>
+            <a:p>
+              <a:pPr algn="ctr"/>
+              <a:r>
+                <a:rPr lang="ro-RO" sz="1200" noProof="0" dirty="0" err="1"/>
+                <a:t>vn</a:t>
+              </a:r>
+              <a:endParaRPr lang="ro-RO" sz="1200" noProof="0" dirty="0"/>
+            </a:p>
+          </p:txBody>
+        </p:sp>
+        <p:sp>
+          <p:nvSpPr>
+            <p:cNvPr id="21" name="TextBox 20">
+              <a:extLst>
+                <a:ext uri="{FF2B5EF4-FFF2-40B4-BE49-F238E27FC236}">
+                  <a16:creationId xmlns:a16="http://schemas.microsoft.com/office/drawing/2014/main" id="{C064448F-2A7A-D83F-A4CD-27960B48F4E6}"/>
+                </a:ext>
+              </a:extLst>
+            </p:cNvPr>
+            <p:cNvSpPr txBox="1"/>
+            <p:nvPr/>
+          </p:nvSpPr>
+          <p:spPr>
+            <a:xfrm>
+              <a:off x="960611" y="1437577"/>
+              <a:ext cx="461665" cy="693460"/>
+            </a:xfrm>
+            <a:prstGeom prst="rect">
+              <a:avLst/>
+            </a:prstGeom>
+            <a:noFill/>
+          </p:spPr>
+          <p:txBody>
+            <a:bodyPr vert="vert270" wrap="none" rtlCol="0">
+              <a:spAutoFit/>
+            </a:bodyPr>
+            <a:lstStyle/>
+            <a:p>
+              <a:r>
+                <a:rPr lang="ro-RO" noProof="0" dirty="0"/>
+                <a:t>Data1</a:t>
+              </a:r>
+            </a:p>
+          </p:txBody>
+        </p:sp>
+        <p:sp>
+          <p:nvSpPr>
+            <p:cNvPr id="22" name="TextBox 21">
+              <a:extLst>
+                <a:ext uri="{FF2B5EF4-FFF2-40B4-BE49-F238E27FC236}">
+                  <a16:creationId xmlns:a16="http://schemas.microsoft.com/office/drawing/2014/main" id="{8B5A3F69-D790-DA97-1B25-C02723B0AF92}"/>
+                </a:ext>
+              </a:extLst>
+            </p:cNvPr>
+            <p:cNvSpPr txBox="1"/>
+            <p:nvPr/>
+          </p:nvSpPr>
+          <p:spPr>
+            <a:xfrm>
+              <a:off x="1331713" y="1462649"/>
+              <a:ext cx="461665" cy="693460"/>
+            </a:xfrm>
+            <a:prstGeom prst="rect">
+              <a:avLst/>
+            </a:prstGeom>
+            <a:noFill/>
+          </p:spPr>
+          <p:txBody>
+            <a:bodyPr vert="vert270" wrap="none" rtlCol="0">
+              <a:spAutoFit/>
+            </a:bodyPr>
+            <a:lstStyle/>
+            <a:p>
+              <a:r>
+                <a:rPr lang="ro-RO" noProof="0" dirty="0"/>
+                <a:t>Data2</a:t>
+              </a:r>
+            </a:p>
+          </p:txBody>
+        </p:sp>
+        <p:sp>
+          <p:nvSpPr>
+            <p:cNvPr id="23" name="TextBox 22">
+              <a:extLst>
+                <a:ext uri="{FF2B5EF4-FFF2-40B4-BE49-F238E27FC236}">
+                  <a16:creationId xmlns:a16="http://schemas.microsoft.com/office/drawing/2014/main" id="{AD8144AF-7D96-459F-105A-A09DA33AB5C9}"/>
+                </a:ext>
+              </a:extLst>
+            </p:cNvPr>
+            <p:cNvSpPr txBox="1"/>
+            <p:nvPr/>
+          </p:nvSpPr>
+          <p:spPr>
+            <a:xfrm>
+              <a:off x="1673647" y="1453569"/>
+              <a:ext cx="461665" cy="693460"/>
+            </a:xfrm>
+            <a:prstGeom prst="rect">
+              <a:avLst/>
+            </a:prstGeom>
+            <a:noFill/>
+          </p:spPr>
+          <p:txBody>
+            <a:bodyPr vert="vert270" wrap="none" rtlCol="0">
+              <a:spAutoFit/>
+            </a:bodyPr>
+            <a:lstStyle/>
+            <a:p>
+              <a:r>
+                <a:rPr lang="ro-RO" noProof="0" dirty="0"/>
+                <a:t>Data3</a:t>
+              </a:r>
+            </a:p>
+          </p:txBody>
+        </p:sp>
+        <p:sp>
+          <p:nvSpPr>
+            <p:cNvPr id="24" name="TextBox 23">
+              <a:extLst>
+                <a:ext uri="{FF2B5EF4-FFF2-40B4-BE49-F238E27FC236}">
+                  <a16:creationId xmlns:a16="http://schemas.microsoft.com/office/drawing/2014/main" id="{46CEBF0C-C5A8-925C-A10F-32EEF0DBE2E0}"/>
+                </a:ext>
+              </a:extLst>
+            </p:cNvPr>
+            <p:cNvSpPr txBox="1"/>
+            <p:nvPr/>
+          </p:nvSpPr>
+          <p:spPr>
+            <a:xfrm>
+              <a:off x="2059573" y="1447707"/>
+              <a:ext cx="461665" cy="693460"/>
+            </a:xfrm>
+            <a:prstGeom prst="rect">
+              <a:avLst/>
+            </a:prstGeom>
+            <a:noFill/>
+          </p:spPr>
+          <p:txBody>
+            <a:bodyPr vert="vert270" wrap="none" rtlCol="0">
+              <a:spAutoFit/>
+            </a:bodyPr>
+            <a:lstStyle/>
+            <a:p>
+              <a:r>
+                <a:rPr lang="ro-RO" noProof="0" dirty="0"/>
+                <a:t>Data4</a:t>
+              </a:r>
+            </a:p>
+          </p:txBody>
+        </p:sp>
+        <p:sp>
+          <p:nvSpPr>
+            <p:cNvPr id="25" name="TextBox 24">
+              <a:extLst>
+                <a:ext uri="{FF2B5EF4-FFF2-40B4-BE49-F238E27FC236}">
+                  <a16:creationId xmlns:a16="http://schemas.microsoft.com/office/drawing/2014/main" id="{C38C00BE-66BD-5916-19C4-4F35A133F2AF}"/>
+                </a:ext>
+              </a:extLst>
+            </p:cNvPr>
+            <p:cNvSpPr txBox="1"/>
+            <p:nvPr/>
+          </p:nvSpPr>
+          <p:spPr>
+            <a:xfrm>
+              <a:off x="2445499" y="1447707"/>
+              <a:ext cx="461665" cy="693460"/>
+            </a:xfrm>
+            <a:prstGeom prst="rect">
+              <a:avLst/>
+            </a:prstGeom>
+            <a:noFill/>
+          </p:spPr>
+          <p:txBody>
+            <a:bodyPr vert="vert270" wrap="none" rtlCol="0">
+              <a:spAutoFit/>
+            </a:bodyPr>
+            <a:lstStyle/>
+            <a:p>
+              <a:r>
+                <a:rPr lang="ro-RO" noProof="0" dirty="0"/>
+                <a:t>Data5</a:t>
+              </a:r>
+            </a:p>
+          </p:txBody>
+        </p:sp>
+        <p:sp>
+          <p:nvSpPr>
+            <p:cNvPr id="26" name="TextBox 25">
+              <a:extLst>
+                <a:ext uri="{FF2B5EF4-FFF2-40B4-BE49-F238E27FC236}">
+                  <a16:creationId xmlns:a16="http://schemas.microsoft.com/office/drawing/2014/main" id="{CD3CA196-D7DC-D32E-16D4-8102704B56B2}"/>
+                </a:ext>
+              </a:extLst>
+            </p:cNvPr>
+            <p:cNvSpPr txBox="1"/>
+            <p:nvPr/>
+          </p:nvSpPr>
+          <p:spPr>
+            <a:xfrm>
+              <a:off x="2842758" y="1437577"/>
+              <a:ext cx="461665" cy="693460"/>
+            </a:xfrm>
+            <a:prstGeom prst="rect">
+              <a:avLst/>
+            </a:prstGeom>
+            <a:noFill/>
+          </p:spPr>
+          <p:txBody>
+            <a:bodyPr vert="vert270" wrap="none" rtlCol="0">
+              <a:spAutoFit/>
+            </a:bodyPr>
+            <a:lstStyle/>
+            <a:p>
+              <a:r>
+                <a:rPr lang="ro-RO" noProof="0" dirty="0"/>
+                <a:t>Data6</a:t>
+              </a:r>
+            </a:p>
+          </p:txBody>
+        </p:sp>
+        <p:sp>
+          <p:nvSpPr>
+            <p:cNvPr id="28" name="TextBox 27">
+              <a:extLst>
+                <a:ext uri="{FF2B5EF4-FFF2-40B4-BE49-F238E27FC236}">
+                  <a16:creationId xmlns:a16="http://schemas.microsoft.com/office/drawing/2014/main" id="{F3DEE673-0A19-4C01-58C2-A18538B4D0C0}"/>
+                </a:ext>
+              </a:extLst>
+            </p:cNvPr>
+            <p:cNvSpPr txBox="1"/>
+            <p:nvPr/>
+          </p:nvSpPr>
+          <p:spPr>
+            <a:xfrm>
+              <a:off x="6285533" y="1459443"/>
+              <a:ext cx="461665" cy="696666"/>
+            </a:xfrm>
+            <a:prstGeom prst="rect">
+              <a:avLst/>
+            </a:prstGeom>
+            <a:noFill/>
+          </p:spPr>
+          <p:txBody>
+            <a:bodyPr vert="vert270" wrap="none" rtlCol="0">
+              <a:spAutoFit/>
+            </a:bodyPr>
+            <a:lstStyle/>
+            <a:p>
+              <a:r>
+                <a:rPr lang="ro-RO" noProof="0" dirty="0" err="1"/>
+                <a:t>Datan</a:t>
+              </a:r>
+              <a:endParaRPr lang="ro-RO" noProof="0" dirty="0"/>
+            </a:p>
+          </p:txBody>
+        </p:sp>
+      </p:grpSp>
+      <p:sp>
+        <p:nvSpPr>
+          <p:cNvPr id="52" name="Rectangle 51">
+            <a:extLst>
+              <a:ext uri="{FF2B5EF4-FFF2-40B4-BE49-F238E27FC236}">
+                <a16:creationId xmlns:a16="http://schemas.microsoft.com/office/drawing/2014/main" id="{B03C9333-3F9E-1574-28B0-66D1C6372C41}"/>
+              </a:ext>
+            </a:extLst>
+          </p:cNvPr>
+          <p:cNvSpPr/>
+          <p:nvPr/>
+        </p:nvSpPr>
+        <p:spPr>
+          <a:xfrm>
+            <a:off x="2475653" y="2145660"/>
+            <a:ext cx="6944810" cy="632103"/>
+          </a:xfrm>
+          <a:prstGeom prst="rect">
+            <a:avLst/>
+          </a:prstGeom>
+          <a:noFill/>
+          <a:ln>
+            <a:solidFill>
+              <a:srgbClr val="FF0000"/>
+            </a:solidFill>
+          </a:ln>
+        </p:spPr>
+        <p:style>
+          <a:lnRef idx="2">
+            <a:schemeClr val="accent1">
+              <a:shade val="15000"/>
+            </a:schemeClr>
+          </a:lnRef>
+          <a:fillRef idx="1">
+            <a:schemeClr val="accent1"/>
+          </a:fillRef>
+          <a:effectRef idx="0">
+            <a:schemeClr val="accent1"/>
+          </a:effectRef>
+          <a:fontRef idx="minor">
+            <a:schemeClr val="lt1"/>
+          </a:fontRef>
+        </p:style>
+        <p:txBody>
+          <a:bodyPr rtlCol="0" anchor="ctr"/>
+          <a:lstStyle/>
+          <a:p>
+            <a:pPr algn="ctr"/>
+            <a:endParaRPr lang="ro-RO" noProof="0" dirty="0"/>
+          </a:p>
+        </p:txBody>
+      </p:sp>
+      <p:sp>
+        <p:nvSpPr>
+          <p:cNvPr id="53" name="Arrow: Down 52">
+            <a:extLst>
+              <a:ext uri="{FF2B5EF4-FFF2-40B4-BE49-F238E27FC236}">
+                <a16:creationId xmlns:a16="http://schemas.microsoft.com/office/drawing/2014/main" id="{FD8FC471-C180-9BFA-0F30-CC3E23FABF49}"/>
+              </a:ext>
+            </a:extLst>
+          </p:cNvPr>
+          <p:cNvSpPr/>
+          <p:nvPr/>
+        </p:nvSpPr>
+        <p:spPr>
+          <a:xfrm>
+            <a:off x="5508216" y="2905234"/>
+            <a:ext cx="879680" cy="1210848"/>
+          </a:xfrm>
+          <a:prstGeom prst="downArrow">
+            <a:avLst/>
+          </a:prstGeom>
+        </p:spPr>
+        <p:style>
+          <a:lnRef idx="2">
+            <a:schemeClr val="accent1">
+              <a:shade val="15000"/>
+            </a:schemeClr>
+          </a:lnRef>
+          <a:fillRef idx="1">
+            <a:schemeClr val="accent1"/>
+          </a:fillRef>
+          <a:effectRef idx="0">
+            <a:schemeClr val="accent1"/>
+          </a:effectRef>
+          <a:fontRef idx="minor">
+            <a:schemeClr val="lt1"/>
+          </a:fontRef>
+        </p:style>
+        <p:txBody>
+          <a:bodyPr rtlCol="0" anchor="ctr"/>
+          <a:lstStyle/>
+          <a:p>
+            <a:pPr algn="ctr"/>
+            <a:endParaRPr lang="ro-RO" noProof="0" dirty="0"/>
+          </a:p>
+        </p:txBody>
+      </p:sp>
+      <p:sp>
+        <p:nvSpPr>
+          <p:cNvPr id="54" name="TextBox 53">
+            <a:extLst>
+              <a:ext uri="{FF2B5EF4-FFF2-40B4-BE49-F238E27FC236}">
+                <a16:creationId xmlns:a16="http://schemas.microsoft.com/office/drawing/2014/main" id="{0C2F760C-21E6-7D3C-A756-1D8EC48581A2}"/>
+              </a:ext>
+            </a:extLst>
+          </p:cNvPr>
+          <p:cNvSpPr txBox="1"/>
+          <p:nvPr/>
+        </p:nvSpPr>
+        <p:spPr>
+          <a:xfrm>
+            <a:off x="8620967" y="3259413"/>
+            <a:ext cx="2192141" cy="923330"/>
+          </a:xfrm>
+          <a:prstGeom prst="rect">
+            <a:avLst/>
+          </a:prstGeom>
+          <a:noFill/>
+        </p:spPr>
+        <p:txBody>
+          <a:bodyPr wrap="square" rtlCol="0">
+            <a:spAutoFit/>
+          </a:bodyPr>
+          <a:lstStyle/>
+          <a:p>
+            <a:r>
+              <a:rPr lang="ro-RO" noProof="0" dirty="0"/>
+              <a:t>Doar valorile ordonate le vom introduce in </a:t>
+            </a:r>
+            <a:r>
+              <a:rPr lang="ro-RO" noProof="0" dirty="0" err="1"/>
+              <a:t>retea</a:t>
+            </a:r>
+            <a:r>
+              <a:rPr lang="ro-RO" noProof="0" dirty="0"/>
+              <a:t>.</a:t>
+            </a:r>
+          </a:p>
+        </p:txBody>
+      </p:sp>
+      <p:sp>
+        <p:nvSpPr>
+          <p:cNvPr id="55" name="TextBox 54">
+            <a:extLst>
+              <a:ext uri="{FF2B5EF4-FFF2-40B4-BE49-F238E27FC236}">
+                <a16:creationId xmlns:a16="http://schemas.microsoft.com/office/drawing/2014/main" id="{B5799861-4BBE-737D-6CA6-868F5945040C}"/>
+              </a:ext>
+            </a:extLst>
+          </p:cNvPr>
+          <p:cNvSpPr txBox="1"/>
+          <p:nvPr/>
+        </p:nvSpPr>
+        <p:spPr>
+          <a:xfrm>
+            <a:off x="486137" y="1805651"/>
+            <a:ext cx="1352219" cy="1200329"/>
+          </a:xfrm>
+          <a:prstGeom prst="rect">
+            <a:avLst/>
+          </a:prstGeom>
+          <a:noFill/>
+        </p:spPr>
+        <p:txBody>
+          <a:bodyPr wrap="square" rtlCol="0">
+            <a:spAutoFit/>
+          </a:bodyPr>
+          <a:lstStyle/>
+          <a:p>
+            <a:r>
+              <a:rPr lang="ro-RO" noProof="0" dirty="0"/>
+              <a:t>Datele </a:t>
+            </a:r>
+            <a:r>
+              <a:rPr lang="ro-RO" noProof="0" dirty="0" err="1"/>
+              <a:t>obtinute</a:t>
+            </a:r>
+            <a:r>
+              <a:rPr lang="ro-RO" noProof="0" dirty="0"/>
+              <a:t> din </a:t>
+            </a:r>
+            <a:r>
+              <a:rPr lang="ro-RO" noProof="0" dirty="0" err="1"/>
+              <a:t>Apha</a:t>
+            </a:r>
+            <a:r>
+              <a:rPr lang="ro-RO" noProof="0" dirty="0"/>
               <a:t> </a:t>
             </a:r>
             <a:r>
-              <a:rPr lang="en-GB" dirty="0" err="1"/>
-              <a:t>neuronală</a:t>
-            </a:r>
-            <a:r>
-              <a:rPr lang="en-GB" dirty="0"/>
+              <a:rPr lang="ro-RO" noProof="0" dirty="0" err="1"/>
+              <a:t>Vantage</a:t>
+            </a:r>
+            <a:endParaRPr lang="ro-RO" noProof="0" dirty="0"/>
+          </a:p>
+        </p:txBody>
+      </p:sp>
+      <p:sp>
+        <p:nvSpPr>
+          <p:cNvPr id="56" name="TextBox 55">
+            <a:extLst>
+              <a:ext uri="{FF2B5EF4-FFF2-40B4-BE49-F238E27FC236}">
+                <a16:creationId xmlns:a16="http://schemas.microsoft.com/office/drawing/2014/main" id="{0495E301-4B5E-1E53-E264-94F1A7557D0A}"/>
+              </a:ext>
+            </a:extLst>
+          </p:cNvPr>
+          <p:cNvSpPr txBox="1"/>
+          <p:nvPr/>
+        </p:nvSpPr>
+        <p:spPr>
+          <a:xfrm>
+            <a:off x="3789378" y="4221948"/>
+            <a:ext cx="5962379" cy="2703304"/>
+          </a:xfrm>
+          <a:prstGeom prst="rect">
+            <a:avLst/>
+          </a:prstGeom>
+          <a:noFill/>
+        </p:spPr>
+        <p:txBody>
+          <a:bodyPr wrap="square" rtlCol="0">
+            <a:spAutoFit/>
+          </a:bodyPr>
+          <a:lstStyle/>
+          <a:p>
+            <a:pPr>
+              <a:lnSpc>
+                <a:spcPts val="1425"/>
+              </a:lnSpc>
+              <a:buNone/>
+            </a:pPr>
+            <a:r>
+              <a:rPr lang="ro-RO" b="0" noProof="0" dirty="0">
+                <a:solidFill>
+                  <a:srgbClr val="000000"/>
+                </a:solidFill>
+                <a:effectLst/>
+                <a:latin typeface="Consolas" panose="020B0609020204030204" pitchFamily="49" charset="0"/>
+              </a:rPr>
+              <a:t>{</a:t>
+            </a:r>
+          </a:p>
+          <a:p>
+            <a:pPr>
+              <a:lnSpc>
+                <a:spcPts val="1425"/>
+              </a:lnSpc>
+              <a:buNone/>
+            </a:pPr>
+            <a:r>
+              <a:rPr lang="ro-RO" b="0" noProof="0" dirty="0">
+                <a:solidFill>
+                  <a:srgbClr val="000000"/>
+                </a:solidFill>
+                <a:effectLst/>
+                <a:latin typeface="Consolas" panose="020B0609020204030204" pitchFamily="49" charset="0"/>
+              </a:rPr>
+              <a:t>  </a:t>
+            </a:r>
+            <a:r>
+              <a:rPr lang="ro-RO" b="0" noProof="0" dirty="0">
+                <a:solidFill>
+                  <a:srgbClr val="0451A5"/>
+                </a:solidFill>
+                <a:effectLst/>
+                <a:latin typeface="Consolas" panose="020B0609020204030204" pitchFamily="49" charset="0"/>
+              </a:rPr>
+              <a:t>"</a:t>
+            </a:r>
+            <a:r>
+              <a:rPr lang="ro-RO" b="0" noProof="0" dirty="0" err="1">
+                <a:solidFill>
+                  <a:srgbClr val="0451A5"/>
+                </a:solidFill>
+                <a:effectLst/>
+                <a:latin typeface="Consolas" panose="020B0609020204030204" pitchFamily="49" charset="0"/>
+              </a:rPr>
+              <a:t>features</a:t>
+            </a:r>
+            <a:r>
+              <a:rPr lang="ro-RO" b="0" noProof="0" dirty="0">
+                <a:solidFill>
+                  <a:srgbClr val="0451A5"/>
+                </a:solidFill>
+                <a:effectLst/>
+                <a:latin typeface="Consolas" panose="020B0609020204030204" pitchFamily="49" charset="0"/>
+              </a:rPr>
+              <a:t>"</a:t>
+            </a:r>
+            <a:r>
+              <a:rPr lang="ro-RO" b="0" noProof="0" dirty="0">
+                <a:solidFill>
+                  <a:srgbClr val="000000"/>
+                </a:solidFill>
+                <a:effectLst/>
+                <a:latin typeface="Consolas" panose="020B0609020204030204" pitchFamily="49" charset="0"/>
+              </a:rPr>
+              <a:t>: {</a:t>
+            </a:r>
+          </a:p>
+          <a:p>
+            <a:pPr>
+              <a:lnSpc>
+                <a:spcPts val="1425"/>
+              </a:lnSpc>
+              <a:buNone/>
+            </a:pPr>
+            <a:r>
+              <a:rPr lang="ro-RO" b="0" noProof="0" dirty="0">
+                <a:solidFill>
+                  <a:srgbClr val="000000"/>
+                </a:solidFill>
+                <a:effectLst/>
+                <a:latin typeface="Consolas" panose="020B0609020204030204" pitchFamily="49" charset="0"/>
+              </a:rPr>
+              <a:t>    </a:t>
+            </a:r>
+            <a:r>
+              <a:rPr lang="ro-RO" b="0" noProof="0" dirty="0">
+                <a:solidFill>
+                  <a:srgbClr val="0451A5"/>
+                </a:solidFill>
+                <a:effectLst/>
+                <a:latin typeface="Consolas" panose="020B0609020204030204" pitchFamily="49" charset="0"/>
+              </a:rPr>
+              <a:t>"feature1"</a:t>
+            </a:r>
+            <a:r>
+              <a:rPr lang="ro-RO" b="0" noProof="0" dirty="0">
+                <a:solidFill>
+                  <a:srgbClr val="000000"/>
+                </a:solidFill>
+                <a:effectLst/>
+                <a:latin typeface="Consolas" panose="020B0609020204030204" pitchFamily="49" charset="0"/>
+              </a:rPr>
+              <a:t>: [</a:t>
+            </a:r>
+          </a:p>
+          <a:p>
+            <a:pPr>
+              <a:lnSpc>
+                <a:spcPts val="1425"/>
+              </a:lnSpc>
+              <a:buNone/>
+            </a:pPr>
+            <a:r>
+              <a:rPr lang="ro-RO" b="0" noProof="0" dirty="0">
+                <a:solidFill>
+                  <a:srgbClr val="000000"/>
+                </a:solidFill>
+                <a:effectLst/>
+                <a:latin typeface="Consolas" panose="020B0609020204030204" pitchFamily="49" charset="0"/>
+              </a:rPr>
+              <a:t>      </a:t>
+            </a:r>
+            <a:r>
+              <a:rPr lang="ro-RO" b="0" noProof="0" dirty="0">
+                <a:solidFill>
+                  <a:srgbClr val="098658"/>
+                </a:solidFill>
+                <a:effectLst/>
+                <a:latin typeface="Consolas" panose="020B0609020204030204" pitchFamily="49" charset="0"/>
+              </a:rPr>
+              <a:t>v1</a:t>
+            </a:r>
+            <a:r>
+              <a:rPr lang="ro-RO" b="0" noProof="0" dirty="0">
+                <a:solidFill>
+                  <a:srgbClr val="000000"/>
+                </a:solidFill>
+                <a:effectLst/>
+                <a:latin typeface="Consolas" panose="020B0609020204030204" pitchFamily="49" charset="0"/>
+              </a:rPr>
+              <a:t>,</a:t>
+            </a:r>
+          </a:p>
+          <a:p>
+            <a:pPr>
+              <a:lnSpc>
+                <a:spcPts val="1425"/>
+              </a:lnSpc>
+              <a:buNone/>
+            </a:pPr>
+            <a:r>
+              <a:rPr lang="ro-RO" b="0" noProof="0" dirty="0">
+                <a:solidFill>
+                  <a:srgbClr val="000000"/>
+                </a:solidFill>
+                <a:effectLst/>
+                <a:latin typeface="Consolas" panose="020B0609020204030204" pitchFamily="49" charset="0"/>
+              </a:rPr>
+              <a:t>      </a:t>
+            </a:r>
+            <a:r>
+              <a:rPr lang="ro-RO" noProof="0" dirty="0">
+                <a:solidFill>
+                  <a:srgbClr val="098658"/>
+                </a:solidFill>
+                <a:latin typeface="Consolas" panose="020B0609020204030204" pitchFamily="49" charset="0"/>
+              </a:rPr>
+              <a:t>v2</a:t>
+            </a:r>
+            <a:r>
+              <a:rPr lang="ro-RO" noProof="0" dirty="0">
+                <a:solidFill>
+                  <a:srgbClr val="000000"/>
+                </a:solidFill>
+                <a:latin typeface="Consolas" panose="020B0609020204030204" pitchFamily="49" charset="0"/>
+              </a:rPr>
+              <a:t>,</a:t>
+            </a:r>
+            <a:endParaRPr lang="ro-RO" noProof="0" dirty="0">
+              <a:solidFill>
+                <a:srgbClr val="098658"/>
+              </a:solidFill>
+              <a:latin typeface="Consolas" panose="020B0609020204030204" pitchFamily="49" charset="0"/>
+            </a:endParaRPr>
+          </a:p>
+          <a:p>
+            <a:pPr>
+              <a:lnSpc>
+                <a:spcPts val="1425"/>
+              </a:lnSpc>
+              <a:buNone/>
+            </a:pPr>
+            <a:r>
+              <a:rPr lang="ro-RO" noProof="0" dirty="0">
+                <a:solidFill>
+                  <a:srgbClr val="098658"/>
+                </a:solidFill>
+                <a:latin typeface="Consolas" panose="020B0609020204030204" pitchFamily="49" charset="0"/>
+              </a:rPr>
+              <a:t>      v3</a:t>
+            </a:r>
+            <a:r>
+              <a:rPr lang="ro-RO" noProof="0" dirty="0">
+                <a:solidFill>
+                  <a:srgbClr val="000000"/>
+                </a:solidFill>
+                <a:latin typeface="Consolas" panose="020B0609020204030204" pitchFamily="49" charset="0"/>
+              </a:rPr>
+              <a:t>,</a:t>
+            </a:r>
+            <a:endParaRPr lang="ro-RO" noProof="0" dirty="0">
+              <a:solidFill>
+                <a:srgbClr val="098658"/>
+              </a:solidFill>
+              <a:latin typeface="Consolas" panose="020B0609020204030204" pitchFamily="49" charset="0"/>
+            </a:endParaRPr>
+          </a:p>
+          <a:p>
+            <a:pPr>
+              <a:lnSpc>
+                <a:spcPts val="1425"/>
+              </a:lnSpc>
+              <a:buNone/>
+            </a:pPr>
+            <a:r>
+              <a:rPr lang="ro-RO" noProof="0" dirty="0">
+                <a:solidFill>
+                  <a:srgbClr val="098658"/>
+                </a:solidFill>
+                <a:latin typeface="Consolas" panose="020B0609020204030204" pitchFamily="49" charset="0"/>
+              </a:rPr>
+              <a:t>      v4</a:t>
+            </a:r>
+            <a:r>
+              <a:rPr lang="ro-RO" noProof="0" dirty="0">
+                <a:solidFill>
+                  <a:srgbClr val="000000"/>
+                </a:solidFill>
+                <a:latin typeface="Consolas" panose="020B0609020204030204" pitchFamily="49" charset="0"/>
+              </a:rPr>
+              <a:t>,</a:t>
+            </a:r>
+            <a:endParaRPr lang="ro-RO" noProof="0" dirty="0">
+              <a:solidFill>
+                <a:srgbClr val="098658"/>
+              </a:solidFill>
+              <a:latin typeface="Consolas" panose="020B0609020204030204" pitchFamily="49" charset="0"/>
+            </a:endParaRPr>
+          </a:p>
+          <a:p>
+            <a:pPr>
+              <a:lnSpc>
+                <a:spcPts val="1425"/>
+              </a:lnSpc>
+              <a:buNone/>
+            </a:pPr>
+            <a:r>
+              <a:rPr lang="ro-RO" noProof="0" dirty="0">
+                <a:solidFill>
+                  <a:srgbClr val="098658"/>
+                </a:solidFill>
+                <a:latin typeface="Consolas" panose="020B0609020204030204" pitchFamily="49" charset="0"/>
+              </a:rPr>
+              <a:t>      …</a:t>
+            </a:r>
+          </a:p>
+          <a:p>
+            <a:pPr>
+              <a:lnSpc>
+                <a:spcPts val="1425"/>
+              </a:lnSpc>
+              <a:buNone/>
+            </a:pPr>
+            <a:r>
+              <a:rPr lang="ro-RO" noProof="0" dirty="0">
+                <a:solidFill>
+                  <a:srgbClr val="098658"/>
+                </a:solidFill>
+                <a:latin typeface="Consolas" panose="020B0609020204030204" pitchFamily="49" charset="0"/>
+              </a:rPr>
+              <a:t>      vn-1</a:t>
+            </a:r>
+            <a:r>
+              <a:rPr lang="ro-RO" noProof="0" dirty="0">
+                <a:solidFill>
+                  <a:srgbClr val="000000"/>
+                </a:solidFill>
+                <a:latin typeface="Consolas" panose="020B0609020204030204" pitchFamily="49" charset="0"/>
+              </a:rPr>
+              <a:t>,</a:t>
+            </a:r>
+            <a:endParaRPr lang="ro-RO" noProof="0" dirty="0">
+              <a:solidFill>
+                <a:srgbClr val="098658"/>
+              </a:solidFill>
+              <a:latin typeface="Consolas" panose="020B0609020204030204" pitchFamily="49" charset="0"/>
+            </a:endParaRPr>
+          </a:p>
+          <a:p>
+            <a:pPr>
+              <a:lnSpc>
+                <a:spcPts val="1425"/>
+              </a:lnSpc>
+              <a:buNone/>
+            </a:pPr>
+            <a:r>
+              <a:rPr lang="ro-RO" noProof="0" dirty="0">
+                <a:solidFill>
+                  <a:srgbClr val="098658"/>
+                </a:solidFill>
+                <a:latin typeface="Consolas" panose="020B0609020204030204" pitchFamily="49" charset="0"/>
+              </a:rPr>
+              <a:t>      </a:t>
+            </a:r>
+            <a:r>
+              <a:rPr lang="ro-RO" noProof="0" dirty="0" err="1">
+                <a:solidFill>
+                  <a:srgbClr val="098658"/>
+                </a:solidFill>
+                <a:latin typeface="Consolas" panose="020B0609020204030204" pitchFamily="49" charset="0"/>
+              </a:rPr>
+              <a:t>vn</a:t>
+            </a:r>
+            <a:endParaRPr lang="ro-RO" noProof="0" dirty="0">
+              <a:solidFill>
+                <a:srgbClr val="098658"/>
+              </a:solidFill>
+              <a:latin typeface="Consolas" panose="020B0609020204030204" pitchFamily="49" charset="0"/>
+            </a:endParaRPr>
+          </a:p>
+          <a:p>
+            <a:pPr>
+              <a:lnSpc>
+                <a:spcPts val="1425"/>
+              </a:lnSpc>
+              <a:buNone/>
+            </a:pPr>
+            <a:r>
+              <a:rPr lang="ro-RO" b="0" noProof="0" dirty="0">
+                <a:solidFill>
+                  <a:srgbClr val="000000"/>
+                </a:solidFill>
+                <a:effectLst/>
+                <a:latin typeface="Consolas" panose="020B0609020204030204" pitchFamily="49" charset="0"/>
+              </a:rPr>
+              <a:t>    ]</a:t>
+            </a:r>
+          </a:p>
+          <a:p>
+            <a:pPr>
+              <a:lnSpc>
+                <a:spcPts val="1425"/>
+              </a:lnSpc>
+              <a:buNone/>
+            </a:pPr>
+            <a:r>
+              <a:rPr lang="ro-RO" b="0" noProof="0" dirty="0">
+                <a:solidFill>
+                  <a:srgbClr val="000000"/>
+                </a:solidFill>
+                <a:effectLst/>
+                <a:latin typeface="Consolas" panose="020B0609020204030204" pitchFamily="49" charset="0"/>
+              </a:rPr>
+              <a:t>  }</a:t>
+            </a:r>
+          </a:p>
+          <a:p>
+            <a:pPr>
+              <a:lnSpc>
+                <a:spcPts val="1425"/>
+              </a:lnSpc>
+              <a:buNone/>
+            </a:pPr>
+            <a:r>
+              <a:rPr lang="ro-RO" b="0" noProof="0" dirty="0">
+                <a:solidFill>
+                  <a:srgbClr val="000000"/>
+                </a:solidFill>
+                <a:effectLst/>
+                <a:latin typeface="Consolas" panose="020B0609020204030204" pitchFamily="49" charset="0"/>
+              </a:rPr>
+              <a:t>}</a:t>
+            </a:r>
+          </a:p>
+          <a:p>
+            <a:endParaRPr lang="ro-RO" noProof="0" dirty="0"/>
+          </a:p>
+        </p:txBody>
+      </p:sp>
+      <p:sp>
+        <p:nvSpPr>
+          <p:cNvPr id="57" name="TextBox 56">
+            <a:extLst>
+              <a:ext uri="{FF2B5EF4-FFF2-40B4-BE49-F238E27FC236}">
+                <a16:creationId xmlns:a16="http://schemas.microsoft.com/office/drawing/2014/main" id="{D2311E2F-F9C3-4EBB-DD7B-0298746FD389}"/>
+              </a:ext>
+            </a:extLst>
+          </p:cNvPr>
+          <p:cNvSpPr txBox="1"/>
+          <p:nvPr/>
+        </p:nvSpPr>
+        <p:spPr>
+          <a:xfrm>
+            <a:off x="571617" y="4753148"/>
+            <a:ext cx="2453833" cy="923330"/>
+          </a:xfrm>
+          <a:prstGeom prst="rect">
+            <a:avLst/>
+          </a:prstGeom>
+          <a:noFill/>
+        </p:spPr>
+        <p:txBody>
+          <a:bodyPr wrap="square" rtlCol="0">
+            <a:spAutoFit/>
+          </a:bodyPr>
+          <a:lstStyle/>
+          <a:p>
+            <a:r>
+              <a:rPr lang="ro-RO" noProof="0" dirty="0" err="1"/>
+              <a:t>Fisierul</a:t>
+            </a:r>
+            <a:r>
+              <a:rPr lang="ro-RO" noProof="0" dirty="0"/>
               <a:t> </a:t>
             </a:r>
             <a:r>
-              <a:rPr lang="en-GB" dirty="0" err="1"/>
-              <a:t>recurentă</a:t>
-            </a:r>
-            <a:r>
-              <a:rPr lang="en-GB" dirty="0"/>
-              <a:t>  (RNN) </a:t>
-            </a:r>
-            <a:r>
-              <a:rPr lang="en-GB" dirty="0" err="1"/>
-              <a:t>artificială</a:t>
-            </a:r>
-            <a:r>
-              <a:rPr lang="en-GB" dirty="0"/>
-              <a:t> </a:t>
-            </a:r>
-            <a:r>
-              <a:rPr lang="en-GB" dirty="0" err="1"/>
-              <a:t>folosită</a:t>
-            </a:r>
-            <a:r>
-              <a:rPr lang="en-GB" dirty="0"/>
-              <a:t> </a:t>
-            </a:r>
-            <a:r>
-              <a:rPr lang="en-GB" dirty="0" err="1"/>
-              <a:t>în</a:t>
-            </a:r>
-            <a:r>
-              <a:rPr lang="en-GB" dirty="0"/>
-              <a:t>  </a:t>
-            </a:r>
-            <a:r>
-              <a:rPr lang="en-GB" dirty="0" err="1"/>
-              <a:t>domeniul</a:t>
-            </a:r>
-            <a:r>
-              <a:rPr lang="en-GB" dirty="0"/>
-              <a:t>  </a:t>
-            </a:r>
-            <a:r>
-              <a:rPr lang="en-GB" dirty="0" err="1"/>
-              <a:t>învățării</a:t>
-            </a:r>
-            <a:r>
-              <a:rPr lang="en-GB" dirty="0"/>
-              <a:t>  </a:t>
-            </a:r>
-            <a:r>
-              <a:rPr lang="en-GB" dirty="0" err="1"/>
-              <a:t>profunde</a:t>
-            </a:r>
-            <a:r>
-              <a:rPr lang="en-GB" dirty="0"/>
-              <a:t>.  </a:t>
-            </a:r>
-            <a:r>
-              <a:rPr lang="en-GB" dirty="0" err="1"/>
-              <a:t>Spre</a:t>
-            </a:r>
-            <a:r>
-              <a:rPr lang="en-GB" dirty="0"/>
-              <a:t>  </a:t>
-            </a:r>
-            <a:r>
-              <a:rPr lang="en-GB" dirty="0" err="1"/>
-              <a:t>deosebire</a:t>
-            </a:r>
-            <a:r>
-              <a:rPr lang="en-GB" dirty="0"/>
-              <a:t>  de </a:t>
-            </a:r>
-            <a:r>
-              <a:rPr lang="en-GB" dirty="0" err="1"/>
-              <a:t>rețelele</a:t>
-            </a:r>
-            <a:r>
-              <a:rPr lang="en-GB" dirty="0"/>
-              <a:t>  </a:t>
-            </a:r>
-            <a:r>
-              <a:rPr lang="en-GB" dirty="0" err="1"/>
-              <a:t>neuronale</a:t>
-            </a:r>
-            <a:r>
-              <a:rPr lang="en-GB" dirty="0"/>
-              <a:t>  standard, LSTM  are  </a:t>
-            </a:r>
-            <a:r>
-              <a:rPr lang="en-GB" dirty="0" err="1"/>
-              <a:t>conexiuni</a:t>
-            </a:r>
-            <a:r>
-              <a:rPr lang="en-GB" dirty="0"/>
-              <a:t>  de feedback. Nu </a:t>
-            </a:r>
-            <a:r>
-              <a:rPr lang="en-GB" dirty="0" err="1"/>
-              <a:t>poate</a:t>
-            </a:r>
-            <a:r>
-              <a:rPr lang="en-GB" dirty="0"/>
-              <a:t> </a:t>
-            </a:r>
-            <a:r>
-              <a:rPr lang="en-GB" dirty="0" err="1"/>
-              <a:t>prelucra</a:t>
-            </a:r>
-            <a:r>
-              <a:rPr lang="en-GB" dirty="0"/>
-              <a:t> </a:t>
-            </a:r>
-            <a:r>
-              <a:rPr lang="en-GB" dirty="0" err="1"/>
-              <a:t>doar</a:t>
-            </a:r>
-            <a:r>
-              <a:rPr lang="en-GB" dirty="0"/>
-              <a:t> </a:t>
-            </a:r>
-            <a:r>
-              <a:rPr lang="en-GB" dirty="0" err="1"/>
-              <a:t>puncte</a:t>
-            </a:r>
-            <a:r>
-              <a:rPr lang="en-GB" dirty="0"/>
-              <a:t> de date </a:t>
-            </a:r>
-            <a:r>
-              <a:rPr lang="en-GB" dirty="0" err="1"/>
-              <a:t>unice</a:t>
-            </a:r>
-            <a:r>
-              <a:rPr lang="en-GB" dirty="0"/>
-              <a:t> (cum </a:t>
-            </a:r>
-            <a:r>
-              <a:rPr lang="en-GB" dirty="0" err="1"/>
-              <a:t>ar</a:t>
-            </a:r>
-            <a:r>
-              <a:rPr lang="en-GB" dirty="0"/>
-              <a:t> fi </a:t>
-            </a:r>
-            <a:r>
-              <a:rPr lang="en-GB" dirty="0" err="1"/>
-              <a:t>imagini</a:t>
-            </a:r>
-            <a:r>
-              <a:rPr lang="en-GB" dirty="0"/>
-              <a:t>), ci </a:t>
-            </a:r>
-            <a:r>
-              <a:rPr lang="en-GB" dirty="0" err="1"/>
-              <a:t>și</a:t>
-            </a:r>
-            <a:r>
-              <a:rPr lang="en-GB" dirty="0"/>
-              <a:t> </a:t>
-            </a:r>
-            <a:r>
-              <a:rPr lang="en-GB" dirty="0" err="1"/>
-              <a:t>secvențe</a:t>
-            </a:r>
-            <a:r>
-              <a:rPr lang="en-GB" dirty="0"/>
-              <a:t> </a:t>
-            </a:r>
-            <a:r>
-              <a:rPr lang="en-GB" dirty="0" err="1"/>
-              <a:t>întregi</a:t>
-            </a:r>
-            <a:r>
-              <a:rPr lang="en-GB" dirty="0"/>
-              <a:t> de date (cum </a:t>
-            </a:r>
-            <a:r>
-              <a:rPr lang="en-GB" dirty="0" err="1"/>
-              <a:t>ar</a:t>
-            </a:r>
-            <a:r>
-              <a:rPr lang="en-GB" dirty="0"/>
-              <a:t> fi </a:t>
-            </a:r>
-            <a:r>
-              <a:rPr lang="en-GB" dirty="0" err="1"/>
-              <a:t>vorbire</a:t>
-            </a:r>
-            <a:r>
-              <a:rPr lang="en-GB" dirty="0"/>
-              <a:t> </a:t>
-            </a:r>
-            <a:r>
-              <a:rPr lang="en-GB" dirty="0" err="1"/>
-              <a:t>sau</a:t>
-            </a:r>
-            <a:r>
-              <a:rPr lang="en-GB" dirty="0"/>
-              <a:t> video). O </a:t>
-            </a:r>
-            <a:r>
-              <a:rPr lang="en-GB" dirty="0" err="1"/>
-              <a:t>unitate</a:t>
-            </a:r>
-            <a:r>
-              <a:rPr lang="en-GB" dirty="0"/>
-              <a:t> de </a:t>
-            </a:r>
-            <a:r>
-              <a:rPr lang="en-GB" dirty="0" err="1"/>
-              <a:t>bază</a:t>
-            </a:r>
-            <a:r>
-              <a:rPr lang="en-GB" dirty="0"/>
-              <a:t> LSTM </a:t>
-            </a:r>
-            <a:r>
-              <a:rPr lang="en-GB" dirty="0" err="1"/>
-              <a:t>este</a:t>
-            </a:r>
-            <a:r>
-              <a:rPr lang="en-GB" dirty="0"/>
-              <a:t>  </a:t>
-            </a:r>
-            <a:r>
-              <a:rPr lang="en-GB" dirty="0" err="1"/>
-              <a:t>compusă</a:t>
-            </a:r>
-            <a:r>
-              <a:rPr lang="en-GB" dirty="0"/>
-              <a:t>  din </a:t>
-            </a:r>
-            <a:r>
-              <a:rPr lang="en-GB" dirty="0" err="1"/>
-              <a:t>patru</a:t>
-            </a:r>
-            <a:r>
-              <a:rPr lang="en-GB" dirty="0"/>
-              <a:t> </a:t>
-            </a:r>
-            <a:r>
-              <a:rPr lang="en-GB" dirty="0" err="1"/>
-              <a:t>porţi</a:t>
-            </a:r>
-            <a:r>
-              <a:rPr lang="en-GB" dirty="0"/>
-              <a:t> (gates): de </a:t>
-            </a:r>
-            <a:r>
-              <a:rPr lang="en-GB" dirty="0" err="1"/>
-              <a:t>uitare</a:t>
-            </a:r>
-            <a:r>
-              <a:rPr lang="en-GB" dirty="0"/>
-              <a:t>(forget), de </a:t>
-            </a:r>
-            <a:r>
-              <a:rPr lang="en-GB" dirty="0" err="1"/>
-              <a:t>amintire</a:t>
-            </a:r>
-            <a:r>
-              <a:rPr lang="en-GB" dirty="0"/>
-              <a:t> (remember), de </a:t>
-            </a:r>
-            <a:r>
-              <a:rPr lang="en-GB" dirty="0" err="1"/>
-              <a:t>învăţare</a:t>
-            </a:r>
-            <a:r>
-              <a:rPr lang="en-GB" dirty="0"/>
-              <a:t> (learn) </a:t>
-            </a:r>
-            <a:r>
-              <a:rPr lang="en-GB" dirty="0" err="1"/>
-              <a:t>şi</a:t>
-            </a:r>
-            <a:r>
-              <a:rPr lang="en-GB" dirty="0"/>
-              <a:t> de </a:t>
-            </a:r>
-            <a:r>
-              <a:rPr lang="en-GB" dirty="0" err="1"/>
-              <a:t>utilizare</a:t>
-            </a:r>
-            <a:r>
-              <a:rPr lang="en-GB" dirty="0"/>
-              <a:t> (use/output). De  </a:t>
-            </a:r>
-            <a:r>
-              <a:rPr lang="en-GB" dirty="0" err="1"/>
-              <a:t>asemenea</a:t>
-            </a:r>
-            <a:r>
-              <a:rPr lang="en-GB" dirty="0"/>
-              <a:t>, are  </a:t>
-            </a:r>
-            <a:r>
-              <a:rPr lang="en-GB" dirty="0" err="1"/>
-              <a:t>trei</a:t>
-            </a:r>
-            <a:r>
-              <a:rPr lang="en-GB" dirty="0"/>
-              <a:t> </a:t>
-            </a:r>
-            <a:r>
-              <a:rPr lang="en-GB" dirty="0" err="1"/>
-              <a:t>intrări</a:t>
-            </a:r>
-            <a:r>
-              <a:rPr lang="en-GB" dirty="0"/>
-              <a:t>:  </a:t>
-            </a:r>
-            <a:r>
-              <a:rPr lang="en-GB" dirty="0" err="1"/>
-              <a:t>memorie</a:t>
-            </a:r>
-            <a:r>
-              <a:rPr lang="en-GB" dirty="0"/>
-              <a:t>  pe termen lung (LTM = long-term memory), </a:t>
-            </a:r>
-            <a:r>
-              <a:rPr lang="en-GB" dirty="0" err="1"/>
-              <a:t>memorie</a:t>
-            </a:r>
-            <a:r>
-              <a:rPr lang="en-GB" dirty="0"/>
-              <a:t> pe termen </a:t>
-            </a:r>
-            <a:r>
-              <a:rPr lang="en-GB" dirty="0" err="1"/>
-              <a:t>scurt</a:t>
-            </a:r>
-            <a:r>
-              <a:rPr lang="en-GB" dirty="0"/>
-              <a:t>  (STM  =  short-term  memory) </a:t>
-            </a:r>
-            <a:r>
-              <a:rPr lang="en-GB" dirty="0" err="1"/>
-              <a:t>și</a:t>
-            </a:r>
-            <a:r>
-              <a:rPr lang="en-GB" dirty="0"/>
-              <a:t>  E.  (E  </a:t>
-            </a:r>
-            <a:r>
-              <a:rPr lang="en-GB" dirty="0" err="1"/>
-              <a:t>este</a:t>
-            </a:r>
-            <a:r>
-              <a:rPr lang="en-GB" dirty="0"/>
-              <a:t>  un </a:t>
-            </a:r>
-            <a:r>
-              <a:rPr lang="en-GB" dirty="0" err="1"/>
-              <a:t>exemplu</a:t>
-            </a:r>
-            <a:r>
-              <a:rPr lang="en-GB" dirty="0"/>
-              <a:t> de </a:t>
-            </a:r>
-            <a:r>
-              <a:rPr lang="en-GB" dirty="0" err="1"/>
-              <a:t>instruire</a:t>
-            </a:r>
-            <a:r>
-              <a:rPr lang="en-GB" dirty="0"/>
-              <a:t> / date </a:t>
-            </a:r>
-            <a:r>
-              <a:rPr lang="en-GB" dirty="0" err="1"/>
-              <a:t>noi</a:t>
-            </a:r>
-            <a:r>
-              <a:rPr lang="en-GB" dirty="0"/>
-              <a:t>) </a:t>
-            </a:r>
-          </a:p>
-          <a:p>
-            <a:endParaRPr lang="en-DE" dirty="0"/>
+              <a:rPr lang="ro-RO" noProof="0" dirty="0" err="1"/>
+              <a:t>json</a:t>
+            </a:r>
+            <a:r>
+              <a:rPr lang="ro-RO" noProof="0" dirty="0"/>
+              <a:t> cu date de intrare sau antrenament.</a:t>
+            </a:r>
           </a:p>
         </p:txBody>
       </p:sp>
     </p:spTree>
     <p:extLst>
       <p:ext uri="{BB962C8B-B14F-4D97-AF65-F5344CB8AC3E}">
-        <p14:creationId xmlns:p14="http://schemas.microsoft.com/office/powerpoint/2010/main" val="2061290274"/>
+        <p14:creationId xmlns:p14="http://schemas.microsoft.com/office/powerpoint/2010/main" val="3190178094"/>
       </p:ext>
     </p:extLst>
   </p:cSld>
@@ -5032,7 +7321,7 @@
           <p:cNvPr id="2" name="Title 1">
             <a:extLst>
               <a:ext uri="{FF2B5EF4-FFF2-40B4-BE49-F238E27FC236}">
-                <a16:creationId xmlns:a16="http://schemas.microsoft.com/office/drawing/2014/main" id="{103A8E5D-A93B-0161-AC42-3B5089228C00}"/>
+                <a16:creationId xmlns:a16="http://schemas.microsoft.com/office/drawing/2014/main" id="{148913BC-7957-7420-3F7D-D19E89F495F5}"/>
               </a:ext>
             </a:extLst>
           </p:cNvPr>
@@ -5045,47 +7334,22 @@
         </p:nvSpPr>
         <p:spPr/>
         <p:txBody>
-          <a:bodyPr>
-            <a:normAutofit fontScale="90000"/>
-          </a:bodyPr>
+          <a:bodyPr/>
           <a:lstStyle/>
           <a:p>
             <a:r>
-              <a:rPr lang="en-GB" b="1" dirty="0" err="1"/>
-              <a:t>Componentele</a:t>
-            </a:r>
-            <a:r>
-              <a:rPr lang="en-GB" b="1" dirty="0"/>
-              <a:t> </a:t>
-            </a:r>
-            <a:r>
-              <a:rPr lang="en-GB" b="1" dirty="0" err="1"/>
-              <a:t>principale</a:t>
-            </a:r>
-            <a:r>
-              <a:rPr lang="en-GB" b="1" dirty="0"/>
-              <a:t> ale </a:t>
-            </a:r>
-            <a:r>
-              <a:rPr lang="en-GB" b="1" dirty="0" err="1"/>
-              <a:t>unei</a:t>
-            </a:r>
-            <a:r>
-              <a:rPr lang="en-GB" b="1" dirty="0"/>
-              <a:t> </a:t>
-            </a:r>
-            <a:r>
-              <a:rPr lang="en-GB" b="1" dirty="0" err="1"/>
-              <a:t>celule</a:t>
-            </a:r>
-            <a:r>
-              <a:rPr lang="en-GB" b="1" dirty="0"/>
-              <a:t> LSTM:</a:t>
-            </a:r>
-            <a:br>
-              <a:rPr lang="en-GB" b="1" dirty="0"/>
-            </a:br>
-            <a:endParaRPr lang="en-DE" dirty="0"/>
+              <a:rPr lang="de-DE" dirty="0" err="1"/>
+              <a:t>Prelucrare</a:t>
+            </a:r>
+            <a:r>
+              <a:rPr lang="de-DE" dirty="0"/>
+              <a:t> date </a:t>
+            </a:r>
+            <a:r>
+              <a:rPr lang="de-DE" dirty="0" err="1"/>
+              <a:t>intrare</a:t>
+            </a:r>
+            <a:endParaRPr lang="de-DE" dirty="0"/>
           </a:p>
         </p:txBody>
       </p:sp>
@@ -5094,7 +7358,7 @@
           <p:cNvPr id="3" name="Content Placeholder 2">
             <a:extLst>
               <a:ext uri="{FF2B5EF4-FFF2-40B4-BE49-F238E27FC236}">
-                <a16:creationId xmlns:a16="http://schemas.microsoft.com/office/drawing/2014/main" id="{A8F384FA-B3D5-E856-B7EC-8B6FAAFE3B06}"/>
+                <a16:creationId xmlns:a16="http://schemas.microsoft.com/office/drawing/2014/main" id="{E84EDEDF-A9DB-9644-F8E7-82A315888B97}"/>
               </a:ext>
             </a:extLst>
           </p:cNvPr>
@@ -5105,337 +7369,103 @@
             <p:ph idx="1"/>
           </p:nvPr>
         </p:nvSpPr>
-        <p:spPr/>
+        <p:spPr>
+          <a:xfrm>
+            <a:off x="838200" y="1825625"/>
+            <a:ext cx="10515600" cy="1603375"/>
+          </a:xfrm>
+        </p:spPr>
         <p:txBody>
-          <a:bodyPr/>
+          <a:bodyPr>
+            <a:normAutofit lnSpcReduction="10000"/>
+          </a:bodyPr>
           <a:lstStyle/>
           <a:p>
-            <a:pPr>
-              <a:buFont typeface="+mj-lt"/>
-              <a:buAutoNum type="arabicPeriod"/>
+            <a:r>
+              <a:rPr lang="ro-RO" noProof="0" dirty="0" err="1"/>
+              <a:t>Dupa</a:t>
+            </a:r>
+            <a:r>
+              <a:rPr lang="ro-RO" noProof="0" dirty="0"/>
+              <a:t> ce datele sunt citite din </a:t>
+            </a:r>
+            <a:r>
+              <a:rPr lang="ro-RO" noProof="0" dirty="0" err="1"/>
+              <a:t>fisierul</a:t>
+            </a:r>
+            <a:r>
+              <a:rPr lang="ro-RO" noProof="0" dirty="0"/>
+              <a:t> JSON de intrare ele vor fi normalizate sau aduse </a:t>
+            </a:r>
+            <a:r>
+              <a:rPr lang="ro-RO" noProof="0" dirty="0" err="1"/>
+              <a:t>intr</a:t>
+            </a:r>
+            <a:r>
+              <a:rPr lang="ro-RO" noProof="0" dirty="0"/>
+              <a:t>-un interval intre 0 si 1. </a:t>
+            </a:r>
+          </a:p>
+          <a:p>
+            <a:r>
+              <a:rPr lang="ro-RO" noProof="0" dirty="0" err="1"/>
+              <a:t>Normaluzarea</a:t>
+            </a:r>
+            <a:r>
+              <a:rPr lang="ro-RO" noProof="0" dirty="0"/>
+              <a:t> folosita e randamentul logaritmic, </a:t>
+            </a:r>
+            <a:r>
+              <a:rPr lang="ro-RO" noProof="0" dirty="0" err="1"/>
+              <a:t>adica</a:t>
+            </a:r>
+            <a:r>
+              <a:rPr lang="ro-RO" noProof="0" dirty="0"/>
+              <a:t> un logaritm dintre raportul a doua valori consecutive.</a:t>
+            </a:r>
+          </a:p>
+          <a:p>
+            <a:pPr marL="0" indent="0">
+              <a:buNone/>
             </a:pPr>
-            <a:r>
-              <a:rPr lang="en-GB" b="1" dirty="0" err="1"/>
-              <a:t>Celula</a:t>
-            </a:r>
-            <a:r>
-              <a:rPr lang="en-GB" b="1" dirty="0"/>
-              <a:t> de </a:t>
-            </a:r>
-            <a:r>
-              <a:rPr lang="en-GB" b="1" dirty="0" err="1"/>
-              <a:t>memorie</a:t>
-            </a:r>
-            <a:r>
-              <a:rPr lang="en-GB" dirty="0"/>
-              <a:t>: </a:t>
-            </a:r>
-            <a:r>
-              <a:rPr lang="en-GB" dirty="0" err="1"/>
-              <a:t>Păstrează</a:t>
-            </a:r>
-            <a:r>
-              <a:rPr lang="en-GB" dirty="0"/>
-              <a:t> </a:t>
-            </a:r>
-            <a:r>
-              <a:rPr lang="en-GB" dirty="0" err="1"/>
-              <a:t>informațiile</a:t>
-            </a:r>
-            <a:r>
-              <a:rPr lang="en-GB" dirty="0"/>
-              <a:t> </a:t>
-            </a:r>
-            <a:r>
-              <a:rPr lang="en-GB" dirty="0" err="1"/>
-              <a:t>relevante</a:t>
-            </a:r>
-            <a:r>
-              <a:rPr lang="en-GB" dirty="0"/>
-              <a:t> pe termen lung.</a:t>
-            </a:r>
-          </a:p>
-          <a:p>
-            <a:pPr>
-              <a:buFont typeface="+mj-lt"/>
-              <a:buAutoNum type="arabicPeriod"/>
-            </a:pPr>
-            <a:r>
-              <a:rPr lang="en-GB" b="1" dirty="0" err="1"/>
-              <a:t>Porți</a:t>
-            </a:r>
-            <a:r>
-              <a:rPr lang="en-GB" b="1" dirty="0"/>
-              <a:t> (Gates)</a:t>
-            </a:r>
-            <a:r>
-              <a:rPr lang="en-GB" dirty="0"/>
-              <a:t>:</a:t>
-            </a:r>
-          </a:p>
-          <a:p>
-            <a:pPr marL="742950" lvl="1" indent="-285750">
-              <a:buFont typeface="+mj-lt"/>
-              <a:buAutoNum type="arabicPeriod"/>
-            </a:pPr>
-            <a:r>
-              <a:rPr lang="en-GB" b="1" dirty="0" err="1"/>
-              <a:t>Poarta</a:t>
-            </a:r>
-            <a:r>
-              <a:rPr lang="en-GB" b="1" dirty="0"/>
-              <a:t> de </a:t>
-            </a:r>
-            <a:r>
-              <a:rPr lang="en-GB" b="1" dirty="0" err="1"/>
-              <a:t>uitare</a:t>
-            </a:r>
-            <a:r>
-              <a:rPr lang="en-GB" b="1" dirty="0"/>
-              <a:t> (Forget Gate)</a:t>
-            </a:r>
-            <a:r>
-              <a:rPr lang="en-GB" dirty="0"/>
-              <a:t>: Decide </a:t>
-            </a:r>
-            <a:r>
-              <a:rPr lang="en-GB" dirty="0" err="1"/>
-              <a:t>ce</a:t>
-            </a:r>
-            <a:r>
-              <a:rPr lang="en-GB" dirty="0"/>
-              <a:t> </a:t>
-            </a:r>
-            <a:r>
-              <a:rPr lang="en-GB" dirty="0" err="1"/>
-              <a:t>informații</a:t>
-            </a:r>
-            <a:r>
-              <a:rPr lang="en-GB" dirty="0"/>
-              <a:t> </a:t>
-            </a:r>
-            <a:r>
-              <a:rPr lang="en-GB" dirty="0" err="1"/>
-              <a:t>să</a:t>
-            </a:r>
-            <a:r>
-              <a:rPr lang="en-GB" dirty="0"/>
-              <a:t> fie eliminate din </a:t>
-            </a:r>
-            <a:r>
-              <a:rPr lang="en-GB" dirty="0" err="1"/>
-              <a:t>celula</a:t>
-            </a:r>
-            <a:r>
-              <a:rPr lang="en-GB" dirty="0"/>
-              <a:t> de </a:t>
-            </a:r>
-            <a:r>
-              <a:rPr lang="en-GB" dirty="0" err="1"/>
-              <a:t>memorie</a:t>
-            </a:r>
-            <a:r>
-              <a:rPr lang="en-GB" dirty="0"/>
-              <a:t>.</a:t>
-            </a:r>
-          </a:p>
-          <a:p>
-            <a:pPr marL="742950" lvl="1" indent="-285750">
-              <a:buFont typeface="+mj-lt"/>
-              <a:buAutoNum type="arabicPeriod"/>
-            </a:pPr>
-            <a:r>
-              <a:rPr lang="en-GB" b="1" dirty="0" err="1"/>
-              <a:t>Poarta</a:t>
-            </a:r>
-            <a:r>
-              <a:rPr lang="en-GB" b="1" dirty="0"/>
-              <a:t> de </a:t>
-            </a:r>
-            <a:r>
-              <a:rPr lang="en-GB" b="1" dirty="0" err="1"/>
-              <a:t>intrare</a:t>
-            </a:r>
-            <a:r>
-              <a:rPr lang="en-GB" b="1" dirty="0"/>
-              <a:t> (Input/Learn Gate)</a:t>
-            </a:r>
-            <a:r>
-              <a:rPr lang="en-GB" dirty="0"/>
-              <a:t>: </a:t>
-            </a:r>
-            <a:r>
-              <a:rPr lang="en-GB" dirty="0" err="1"/>
-              <a:t>Controlează</a:t>
-            </a:r>
-            <a:r>
-              <a:rPr lang="en-GB" dirty="0"/>
-              <a:t> </a:t>
-            </a:r>
-            <a:r>
-              <a:rPr lang="en-GB" dirty="0" err="1"/>
-              <a:t>ce</a:t>
-            </a:r>
-            <a:r>
-              <a:rPr lang="en-GB" dirty="0"/>
-              <a:t> </a:t>
-            </a:r>
-            <a:r>
-              <a:rPr lang="en-GB" dirty="0" err="1"/>
-              <a:t>informații</a:t>
-            </a:r>
-            <a:r>
-              <a:rPr lang="en-GB" dirty="0"/>
-              <a:t> </a:t>
-            </a:r>
-            <a:r>
-              <a:rPr lang="en-GB" dirty="0" err="1"/>
-              <a:t>noi</a:t>
-            </a:r>
-            <a:r>
-              <a:rPr lang="en-GB" dirty="0"/>
-              <a:t> </a:t>
-            </a:r>
-            <a:r>
-              <a:rPr lang="en-GB" dirty="0" err="1"/>
-              <a:t>să</a:t>
-            </a:r>
-            <a:r>
-              <a:rPr lang="en-GB" dirty="0"/>
-              <a:t> fie </a:t>
-            </a:r>
-            <a:r>
-              <a:rPr lang="en-GB" dirty="0" err="1"/>
-              <a:t>adăugate</a:t>
-            </a:r>
-            <a:r>
-              <a:rPr lang="en-GB" dirty="0"/>
-              <a:t> </a:t>
-            </a:r>
-            <a:r>
-              <a:rPr lang="en-GB" dirty="0" err="1"/>
-              <a:t>în</a:t>
-            </a:r>
-            <a:r>
-              <a:rPr lang="en-GB" dirty="0"/>
-              <a:t> </a:t>
-            </a:r>
-            <a:r>
-              <a:rPr lang="en-GB" dirty="0" err="1"/>
-              <a:t>celula</a:t>
-            </a:r>
-            <a:r>
-              <a:rPr lang="en-GB" dirty="0"/>
-              <a:t> de </a:t>
-            </a:r>
-            <a:r>
-              <a:rPr lang="en-GB" dirty="0" err="1"/>
-              <a:t>memorie</a:t>
-            </a:r>
-            <a:r>
-              <a:rPr lang="en-GB" dirty="0"/>
-              <a:t>.</a:t>
-            </a:r>
-          </a:p>
-          <a:p>
-            <a:pPr marL="742950" lvl="1" indent="-285750">
-              <a:buFont typeface="+mj-lt"/>
-              <a:buAutoNum type="arabicPeriod"/>
-            </a:pPr>
-            <a:r>
-              <a:rPr lang="en-GB" b="1" dirty="0" err="1"/>
-              <a:t>Poarta</a:t>
-            </a:r>
-            <a:r>
-              <a:rPr lang="en-GB" b="1" dirty="0"/>
-              <a:t> de </a:t>
-            </a:r>
-            <a:r>
-              <a:rPr lang="en-GB" b="1" dirty="0" err="1"/>
-              <a:t>ieșire</a:t>
-            </a:r>
-            <a:r>
-              <a:rPr lang="en-GB" b="1" dirty="0"/>
-              <a:t> (Use/Output Gate)</a:t>
-            </a:r>
-            <a:r>
-              <a:rPr lang="en-GB" dirty="0"/>
-              <a:t>: </a:t>
-            </a:r>
-            <a:r>
-              <a:rPr lang="en-GB" dirty="0" err="1"/>
-              <a:t>Determină</a:t>
-            </a:r>
-            <a:r>
-              <a:rPr lang="en-GB" dirty="0"/>
-              <a:t> </a:t>
-            </a:r>
-            <a:r>
-              <a:rPr lang="en-GB" dirty="0" err="1"/>
-              <a:t>ce</a:t>
-            </a:r>
-            <a:r>
-              <a:rPr lang="en-GB" dirty="0"/>
-              <a:t> </a:t>
-            </a:r>
-            <a:r>
-              <a:rPr lang="en-GB" dirty="0" err="1"/>
-              <a:t>informații</a:t>
-            </a:r>
-            <a:r>
-              <a:rPr lang="en-GB" dirty="0"/>
-              <a:t> </a:t>
-            </a:r>
-            <a:r>
-              <a:rPr lang="en-GB" dirty="0" err="1"/>
-              <a:t>să</a:t>
-            </a:r>
-            <a:r>
-              <a:rPr lang="en-GB" dirty="0"/>
-              <a:t> fie </a:t>
-            </a:r>
-            <a:r>
-              <a:rPr lang="en-GB" dirty="0" err="1"/>
-              <a:t>utilizate</a:t>
-            </a:r>
-            <a:r>
-              <a:rPr lang="en-GB" dirty="0"/>
-              <a:t> </a:t>
-            </a:r>
-            <a:r>
-              <a:rPr lang="en-GB" dirty="0" err="1"/>
-              <a:t>pentru</a:t>
-            </a:r>
-            <a:r>
-              <a:rPr lang="en-GB" dirty="0"/>
-              <a:t> </a:t>
-            </a:r>
-            <a:r>
-              <a:rPr lang="en-GB" dirty="0" err="1"/>
-              <a:t>predicția</a:t>
-            </a:r>
-            <a:r>
-              <a:rPr lang="en-GB" dirty="0"/>
-              <a:t> </a:t>
-            </a:r>
-            <a:r>
-              <a:rPr lang="en-GB" dirty="0" err="1"/>
-              <a:t>curentă</a:t>
-            </a:r>
-            <a:r>
-              <a:rPr lang="en-GB" dirty="0"/>
-              <a:t>.</a:t>
-            </a:r>
-          </a:p>
-          <a:p>
-            <a:endParaRPr lang="en-DE" dirty="0"/>
+            <a:endParaRPr lang="ro-RO" noProof="0" dirty="0"/>
           </a:p>
         </p:txBody>
       </p:sp>
+      <p:pic>
+        <p:nvPicPr>
+          <p:cNvPr id="5" name="Picture 4">
+            <a:extLst>
+              <a:ext uri="{FF2B5EF4-FFF2-40B4-BE49-F238E27FC236}">
+                <a16:creationId xmlns:a16="http://schemas.microsoft.com/office/drawing/2014/main" id="{C68F3231-9496-1648-7A99-E4B1FD40639E}"/>
+              </a:ext>
+            </a:extLst>
+          </p:cNvPr>
+          <p:cNvPicPr>
+            <a:picLocks noChangeAspect="1"/>
+          </p:cNvPicPr>
+          <p:nvPr/>
+        </p:nvPicPr>
+        <p:blipFill>
+          <a:blip r:embed="rId2"/>
+          <a:stretch>
+            <a:fillRect/>
+          </a:stretch>
+        </p:blipFill>
+        <p:spPr>
+          <a:xfrm>
+            <a:off x="4451845" y="3563937"/>
+            <a:ext cx="2686425" cy="1095528"/>
+          </a:xfrm>
+          <a:prstGeom prst="rect">
+            <a:avLst/>
+          </a:prstGeom>
+        </p:spPr>
+      </p:pic>
     </p:spTree>
     <p:extLst>
       <p:ext uri="{BB962C8B-B14F-4D97-AF65-F5344CB8AC3E}">
-        <p14:creationId xmlns:p14="http://schemas.microsoft.com/office/powerpoint/2010/main" val="1108154100"/>
+        <p14:creationId xmlns:p14="http://schemas.microsoft.com/office/powerpoint/2010/main" val="2001532961"/>
       </p:ext>
     </p:extLst>
   </p:cSld>
@@ -5467,7 +7497,7 @@
           <p:cNvPr id="2" name="Title 1">
             <a:extLst>
               <a:ext uri="{FF2B5EF4-FFF2-40B4-BE49-F238E27FC236}">
-                <a16:creationId xmlns:a16="http://schemas.microsoft.com/office/drawing/2014/main" id="{3B45CF12-F39C-88BA-9D99-239ECB5D9316}"/>
+                <a16:creationId xmlns:a16="http://schemas.microsoft.com/office/drawing/2014/main" id="{2CFB34B1-68ED-A632-33BA-9C1139206187}"/>
               </a:ext>
             </a:extLst>
           </p:cNvPr>
@@ -5484,38 +7514,2799 @@
           <a:lstStyle/>
           <a:p>
             <a:r>
-              <a:rPr lang="en-GB" dirty="0" err="1"/>
-              <a:t>Utilizarea</a:t>
-            </a:r>
-            <a:r>
-              <a:rPr lang="en-GB" dirty="0"/>
-              <a:t> LSTM </a:t>
-            </a:r>
-            <a:r>
-              <a:rPr lang="en-GB" dirty="0" err="1"/>
-              <a:t>în</a:t>
-            </a:r>
-            <a:r>
-              <a:rPr lang="en-GB" dirty="0"/>
+              <a:rPr lang="ro-RO" noProof="0" dirty="0"/>
+              <a:t>Prelucrare date intrare</a:t>
+            </a:r>
+          </a:p>
+        </p:txBody>
+      </p:sp>
+      <p:grpSp>
+        <p:nvGrpSpPr>
+          <p:cNvPr id="33" name="Group 32">
+            <a:extLst>
+              <a:ext uri="{FF2B5EF4-FFF2-40B4-BE49-F238E27FC236}">
+                <a16:creationId xmlns:a16="http://schemas.microsoft.com/office/drawing/2014/main" id="{FC91B56B-86A0-DAF0-DDCD-CFAA676253CB}"/>
+              </a:ext>
+            </a:extLst>
+          </p:cNvPr>
+          <p:cNvGrpSpPr/>
+          <p:nvPr/>
+        </p:nvGrpSpPr>
+        <p:grpSpPr>
+          <a:xfrm>
+            <a:off x="3672302" y="3355336"/>
+            <a:ext cx="5729460" cy="347240"/>
+            <a:chOff x="2672423" y="2238407"/>
+            <a:chExt cx="5729460" cy="347240"/>
+          </a:xfrm>
+        </p:grpSpPr>
+        <p:sp>
+          <p:nvSpPr>
+            <p:cNvPr id="8" name="Rectangle 7">
+              <a:extLst>
+                <a:ext uri="{FF2B5EF4-FFF2-40B4-BE49-F238E27FC236}">
+                  <a16:creationId xmlns:a16="http://schemas.microsoft.com/office/drawing/2014/main" id="{CCB76882-13F6-AAC5-E1FA-8FA92C7977AA}"/>
+                </a:ext>
+              </a:extLst>
+            </p:cNvPr>
+            <p:cNvSpPr/>
+            <p:nvPr/>
+          </p:nvSpPr>
+          <p:spPr>
+            <a:xfrm>
+              <a:off x="2672423" y="2238407"/>
+              <a:ext cx="381964" cy="347240"/>
+            </a:xfrm>
+            <a:prstGeom prst="rect">
+              <a:avLst/>
+            </a:prstGeom>
+          </p:spPr>
+          <p:style>
+            <a:lnRef idx="2">
+              <a:schemeClr val="accent6"/>
+            </a:lnRef>
+            <a:fillRef idx="1">
+              <a:schemeClr val="lt1"/>
+            </a:fillRef>
+            <a:effectRef idx="0">
+              <a:schemeClr val="accent6"/>
+            </a:effectRef>
+            <a:fontRef idx="minor">
+              <a:schemeClr val="dk1"/>
+            </a:fontRef>
+          </p:style>
+          <p:txBody>
+            <a:bodyPr rtlCol="0" anchor="ctr"/>
+            <a:lstStyle/>
+            <a:p>
+              <a:pPr algn="ctr"/>
+              <a:r>
+                <a:rPr lang="ro-RO" sz="1200" noProof="0" dirty="0"/>
+                <a:t>v1</a:t>
+              </a:r>
+            </a:p>
+          </p:txBody>
+        </p:sp>
+        <p:sp>
+          <p:nvSpPr>
+            <p:cNvPr id="9" name="Rectangle 8">
+              <a:extLst>
+                <a:ext uri="{FF2B5EF4-FFF2-40B4-BE49-F238E27FC236}">
+                  <a16:creationId xmlns:a16="http://schemas.microsoft.com/office/drawing/2014/main" id="{E56EC9E4-3B6B-FEBE-2195-71AA0495F9D0}"/>
+                </a:ext>
+              </a:extLst>
+            </p:cNvPr>
+            <p:cNvSpPr/>
+            <p:nvPr/>
+          </p:nvSpPr>
+          <p:spPr>
+            <a:xfrm>
+              <a:off x="3054387" y="2238407"/>
+              <a:ext cx="381964" cy="347240"/>
+            </a:xfrm>
+            <a:prstGeom prst="rect">
+              <a:avLst/>
+            </a:prstGeom>
+          </p:spPr>
+          <p:style>
+            <a:lnRef idx="2">
+              <a:schemeClr val="accent6"/>
+            </a:lnRef>
+            <a:fillRef idx="1">
+              <a:schemeClr val="lt1"/>
+            </a:fillRef>
+            <a:effectRef idx="0">
+              <a:schemeClr val="accent6"/>
+            </a:effectRef>
+            <a:fontRef idx="minor">
+              <a:schemeClr val="dk1"/>
+            </a:fontRef>
+          </p:style>
+          <p:txBody>
+            <a:bodyPr rtlCol="0" anchor="ctr"/>
+            <a:lstStyle/>
+            <a:p>
+              <a:pPr algn="ctr"/>
+              <a:r>
+                <a:rPr lang="ro-RO" sz="1200" noProof="0" dirty="0"/>
+                <a:t>V2</a:t>
+              </a:r>
+            </a:p>
+          </p:txBody>
+        </p:sp>
+        <p:sp>
+          <p:nvSpPr>
+            <p:cNvPr id="10" name="Rectangle 9">
+              <a:extLst>
+                <a:ext uri="{FF2B5EF4-FFF2-40B4-BE49-F238E27FC236}">
+                  <a16:creationId xmlns:a16="http://schemas.microsoft.com/office/drawing/2014/main" id="{0DD4FA2A-C5C4-04A8-FDCD-B4C22FD30F1F}"/>
+                </a:ext>
+              </a:extLst>
+            </p:cNvPr>
+            <p:cNvSpPr/>
+            <p:nvPr/>
+          </p:nvSpPr>
+          <p:spPr>
+            <a:xfrm>
+              <a:off x="3436351" y="2238407"/>
+              <a:ext cx="381964" cy="347240"/>
+            </a:xfrm>
+            <a:prstGeom prst="rect">
+              <a:avLst/>
+            </a:prstGeom>
+          </p:spPr>
+          <p:style>
+            <a:lnRef idx="2">
+              <a:schemeClr val="accent6"/>
+            </a:lnRef>
+            <a:fillRef idx="1">
+              <a:schemeClr val="lt1"/>
+            </a:fillRef>
+            <a:effectRef idx="0">
+              <a:schemeClr val="accent6"/>
+            </a:effectRef>
+            <a:fontRef idx="minor">
+              <a:schemeClr val="dk1"/>
+            </a:fontRef>
+          </p:style>
+          <p:txBody>
+            <a:bodyPr rtlCol="0" anchor="ctr"/>
+            <a:lstStyle/>
+            <a:p>
+              <a:pPr algn="ctr"/>
+              <a:r>
+                <a:rPr lang="ro-RO" sz="1200" noProof="0" dirty="0"/>
+                <a:t>v3</a:t>
+              </a:r>
+            </a:p>
+          </p:txBody>
+        </p:sp>
+        <p:sp>
+          <p:nvSpPr>
+            <p:cNvPr id="11" name="Rectangle 10">
+              <a:extLst>
+                <a:ext uri="{FF2B5EF4-FFF2-40B4-BE49-F238E27FC236}">
+                  <a16:creationId xmlns:a16="http://schemas.microsoft.com/office/drawing/2014/main" id="{C5700FDD-A034-7C2F-3A84-0231A68935B5}"/>
+                </a:ext>
+              </a:extLst>
+            </p:cNvPr>
+            <p:cNvSpPr/>
+            <p:nvPr/>
+          </p:nvSpPr>
+          <p:spPr>
+            <a:xfrm>
+              <a:off x="3818315" y="2238407"/>
+              <a:ext cx="381964" cy="347240"/>
+            </a:xfrm>
+            <a:prstGeom prst="rect">
+              <a:avLst/>
+            </a:prstGeom>
+          </p:spPr>
+          <p:style>
+            <a:lnRef idx="2">
+              <a:schemeClr val="accent6"/>
+            </a:lnRef>
+            <a:fillRef idx="1">
+              <a:schemeClr val="lt1"/>
+            </a:fillRef>
+            <a:effectRef idx="0">
+              <a:schemeClr val="accent6"/>
+            </a:effectRef>
+            <a:fontRef idx="minor">
+              <a:schemeClr val="dk1"/>
+            </a:fontRef>
+          </p:style>
+          <p:txBody>
+            <a:bodyPr rtlCol="0" anchor="ctr"/>
+            <a:lstStyle/>
+            <a:p>
+              <a:pPr algn="ctr"/>
+              <a:r>
+                <a:rPr lang="ro-RO" sz="1200" noProof="0" dirty="0"/>
+                <a:t>v4</a:t>
+              </a:r>
+            </a:p>
+          </p:txBody>
+        </p:sp>
+        <p:sp>
+          <p:nvSpPr>
+            <p:cNvPr id="12" name="Rectangle 11">
+              <a:extLst>
+                <a:ext uri="{FF2B5EF4-FFF2-40B4-BE49-F238E27FC236}">
+                  <a16:creationId xmlns:a16="http://schemas.microsoft.com/office/drawing/2014/main" id="{B34F0745-CB27-BA74-B872-B73C445686F3}"/>
+                </a:ext>
+              </a:extLst>
+            </p:cNvPr>
+            <p:cNvSpPr/>
+            <p:nvPr/>
+          </p:nvSpPr>
+          <p:spPr>
+            <a:xfrm>
+              <a:off x="4200279" y="2238407"/>
+              <a:ext cx="381964" cy="347240"/>
+            </a:xfrm>
+            <a:prstGeom prst="rect">
+              <a:avLst/>
+            </a:prstGeom>
+          </p:spPr>
+          <p:style>
+            <a:lnRef idx="2">
+              <a:schemeClr val="accent6"/>
+            </a:lnRef>
+            <a:fillRef idx="1">
+              <a:schemeClr val="lt1"/>
+            </a:fillRef>
+            <a:effectRef idx="0">
+              <a:schemeClr val="accent6"/>
+            </a:effectRef>
+            <a:fontRef idx="minor">
+              <a:schemeClr val="dk1"/>
+            </a:fontRef>
+          </p:style>
+          <p:txBody>
+            <a:bodyPr rtlCol="0" anchor="ctr"/>
+            <a:lstStyle/>
+            <a:p>
+              <a:pPr algn="ctr"/>
+              <a:r>
+                <a:rPr lang="ro-RO" sz="1200" noProof="0" dirty="0"/>
+                <a:t>v5</a:t>
+              </a:r>
+            </a:p>
+          </p:txBody>
+        </p:sp>
+        <p:sp>
+          <p:nvSpPr>
+            <p:cNvPr id="13" name="Rectangle 12">
+              <a:extLst>
+                <a:ext uri="{FF2B5EF4-FFF2-40B4-BE49-F238E27FC236}">
+                  <a16:creationId xmlns:a16="http://schemas.microsoft.com/office/drawing/2014/main" id="{34A3EAB1-C7ED-F574-9F6E-3F1456FFEB23}"/>
+                </a:ext>
+              </a:extLst>
+            </p:cNvPr>
+            <p:cNvSpPr/>
+            <p:nvPr/>
+          </p:nvSpPr>
+          <p:spPr>
+            <a:xfrm>
+              <a:off x="4582243" y="2238407"/>
+              <a:ext cx="381964" cy="347240"/>
+            </a:xfrm>
+            <a:prstGeom prst="rect">
+              <a:avLst/>
+            </a:prstGeom>
+          </p:spPr>
+          <p:style>
+            <a:lnRef idx="2">
+              <a:schemeClr val="accent6"/>
+            </a:lnRef>
+            <a:fillRef idx="1">
+              <a:schemeClr val="lt1"/>
+            </a:fillRef>
+            <a:effectRef idx="0">
+              <a:schemeClr val="accent6"/>
+            </a:effectRef>
+            <a:fontRef idx="minor">
+              <a:schemeClr val="dk1"/>
+            </a:fontRef>
+          </p:style>
+          <p:txBody>
+            <a:bodyPr rtlCol="0" anchor="ctr"/>
+            <a:lstStyle/>
+            <a:p>
+              <a:pPr algn="ctr"/>
+              <a:r>
+                <a:rPr lang="ro-RO" sz="1200" noProof="0" dirty="0"/>
+                <a:t>v6</a:t>
+              </a:r>
+            </a:p>
+          </p:txBody>
+        </p:sp>
+        <p:sp>
+          <p:nvSpPr>
+            <p:cNvPr id="14" name="Rectangle 13">
+              <a:extLst>
+                <a:ext uri="{FF2B5EF4-FFF2-40B4-BE49-F238E27FC236}">
+                  <a16:creationId xmlns:a16="http://schemas.microsoft.com/office/drawing/2014/main" id="{0A4332E7-D345-9BE4-3703-52E5B3281E6E}"/>
+                </a:ext>
+              </a:extLst>
+            </p:cNvPr>
+            <p:cNvSpPr/>
+            <p:nvPr/>
+          </p:nvSpPr>
+          <p:spPr>
+            <a:xfrm>
+              <a:off x="4964207" y="2238407"/>
+              <a:ext cx="381964" cy="347240"/>
+            </a:xfrm>
+            <a:prstGeom prst="rect">
+              <a:avLst/>
+            </a:prstGeom>
+          </p:spPr>
+          <p:style>
+            <a:lnRef idx="2">
+              <a:schemeClr val="accent6"/>
+            </a:lnRef>
+            <a:fillRef idx="1">
+              <a:schemeClr val="lt1"/>
+            </a:fillRef>
+            <a:effectRef idx="0">
+              <a:schemeClr val="accent6"/>
+            </a:effectRef>
+            <a:fontRef idx="minor">
+              <a:schemeClr val="dk1"/>
+            </a:fontRef>
+          </p:style>
+          <p:txBody>
+            <a:bodyPr rtlCol="0" anchor="ctr"/>
+            <a:lstStyle/>
+            <a:p>
+              <a:pPr algn="ctr"/>
+              <a:endParaRPr lang="ro-RO" sz="1200" noProof="0" dirty="0"/>
+            </a:p>
+          </p:txBody>
+        </p:sp>
+        <p:sp>
+          <p:nvSpPr>
+            <p:cNvPr id="15" name="Rectangle 14">
+              <a:extLst>
+                <a:ext uri="{FF2B5EF4-FFF2-40B4-BE49-F238E27FC236}">
+                  <a16:creationId xmlns:a16="http://schemas.microsoft.com/office/drawing/2014/main" id="{DD3E07D1-E49D-D504-B37E-B41A658E8252}"/>
+                </a:ext>
+              </a:extLst>
+            </p:cNvPr>
+            <p:cNvSpPr/>
+            <p:nvPr/>
+          </p:nvSpPr>
+          <p:spPr>
+            <a:xfrm>
+              <a:off x="5346171" y="2238407"/>
+              <a:ext cx="381964" cy="347240"/>
+            </a:xfrm>
+            <a:prstGeom prst="rect">
+              <a:avLst/>
+            </a:prstGeom>
+          </p:spPr>
+          <p:style>
+            <a:lnRef idx="2">
+              <a:schemeClr val="accent6"/>
+            </a:lnRef>
+            <a:fillRef idx="1">
+              <a:schemeClr val="lt1"/>
+            </a:fillRef>
+            <a:effectRef idx="0">
+              <a:schemeClr val="accent6"/>
+            </a:effectRef>
+            <a:fontRef idx="minor">
+              <a:schemeClr val="dk1"/>
+            </a:fontRef>
+          </p:style>
+          <p:txBody>
+            <a:bodyPr rtlCol="0" anchor="ctr"/>
+            <a:lstStyle/>
+            <a:p>
+              <a:pPr algn="ctr"/>
+              <a:endParaRPr lang="ro-RO" sz="1200" noProof="0" dirty="0"/>
+            </a:p>
+          </p:txBody>
+        </p:sp>
+        <p:sp>
+          <p:nvSpPr>
+            <p:cNvPr id="16" name="Rectangle 15">
+              <a:extLst>
+                <a:ext uri="{FF2B5EF4-FFF2-40B4-BE49-F238E27FC236}">
+                  <a16:creationId xmlns:a16="http://schemas.microsoft.com/office/drawing/2014/main" id="{A4BE78FE-8DD2-1CF6-62A3-F63EF29F96F9}"/>
+                </a:ext>
+              </a:extLst>
+            </p:cNvPr>
+            <p:cNvSpPr/>
+            <p:nvPr/>
+          </p:nvSpPr>
+          <p:spPr>
+            <a:xfrm>
+              <a:off x="5728135" y="2238407"/>
+              <a:ext cx="381964" cy="347240"/>
+            </a:xfrm>
+            <a:prstGeom prst="rect">
+              <a:avLst/>
+            </a:prstGeom>
+          </p:spPr>
+          <p:style>
+            <a:lnRef idx="2">
+              <a:schemeClr val="accent6"/>
+            </a:lnRef>
+            <a:fillRef idx="1">
+              <a:schemeClr val="lt1"/>
+            </a:fillRef>
+            <a:effectRef idx="0">
+              <a:schemeClr val="accent6"/>
+            </a:effectRef>
+            <a:fontRef idx="minor">
+              <a:schemeClr val="dk1"/>
+            </a:fontRef>
+          </p:style>
+          <p:txBody>
+            <a:bodyPr rtlCol="0" anchor="ctr"/>
+            <a:lstStyle/>
+            <a:p>
+              <a:pPr algn="ctr"/>
+              <a:endParaRPr lang="ro-RO" sz="1200" noProof="0" dirty="0"/>
+            </a:p>
+          </p:txBody>
+        </p:sp>
+        <p:sp>
+          <p:nvSpPr>
+            <p:cNvPr id="17" name="Rectangle 16">
+              <a:extLst>
+                <a:ext uri="{FF2B5EF4-FFF2-40B4-BE49-F238E27FC236}">
+                  <a16:creationId xmlns:a16="http://schemas.microsoft.com/office/drawing/2014/main" id="{66F19852-0420-71D6-F2C0-DDB44A676311}"/>
+                </a:ext>
+              </a:extLst>
+            </p:cNvPr>
+            <p:cNvSpPr/>
+            <p:nvPr/>
+          </p:nvSpPr>
+          <p:spPr>
+            <a:xfrm>
+              <a:off x="6110099" y="2238407"/>
+              <a:ext cx="381964" cy="347240"/>
+            </a:xfrm>
+            <a:prstGeom prst="rect">
+              <a:avLst/>
+            </a:prstGeom>
+          </p:spPr>
+          <p:style>
+            <a:lnRef idx="2">
+              <a:schemeClr val="accent6"/>
+            </a:lnRef>
+            <a:fillRef idx="1">
+              <a:schemeClr val="lt1"/>
+            </a:fillRef>
+            <a:effectRef idx="0">
+              <a:schemeClr val="accent6"/>
+            </a:effectRef>
+            <a:fontRef idx="minor">
+              <a:schemeClr val="dk1"/>
+            </a:fontRef>
+          </p:style>
+          <p:txBody>
+            <a:bodyPr rtlCol="0" anchor="ctr"/>
+            <a:lstStyle/>
+            <a:p>
+              <a:pPr algn="ctr"/>
+              <a:endParaRPr lang="ro-RO" sz="1200" noProof="0" dirty="0"/>
+            </a:p>
+          </p:txBody>
+        </p:sp>
+        <p:sp>
+          <p:nvSpPr>
+            <p:cNvPr id="18" name="Rectangle 17">
+              <a:extLst>
+                <a:ext uri="{FF2B5EF4-FFF2-40B4-BE49-F238E27FC236}">
+                  <a16:creationId xmlns:a16="http://schemas.microsoft.com/office/drawing/2014/main" id="{C9491198-281A-1E87-70A5-208F5FB5D54F}"/>
+                </a:ext>
+              </a:extLst>
+            </p:cNvPr>
+            <p:cNvSpPr/>
+            <p:nvPr/>
+          </p:nvSpPr>
+          <p:spPr>
+            <a:xfrm>
+              <a:off x="6492063" y="2238407"/>
+              <a:ext cx="381964" cy="347240"/>
+            </a:xfrm>
+            <a:prstGeom prst="rect">
+              <a:avLst/>
+            </a:prstGeom>
+          </p:spPr>
+          <p:style>
+            <a:lnRef idx="2">
+              <a:schemeClr val="accent6"/>
+            </a:lnRef>
+            <a:fillRef idx="1">
+              <a:schemeClr val="lt1"/>
+            </a:fillRef>
+            <a:effectRef idx="0">
+              <a:schemeClr val="accent6"/>
+            </a:effectRef>
+            <a:fontRef idx="minor">
+              <a:schemeClr val="dk1"/>
+            </a:fontRef>
+          </p:style>
+          <p:txBody>
+            <a:bodyPr rtlCol="0" anchor="ctr"/>
+            <a:lstStyle/>
+            <a:p>
+              <a:pPr algn="ctr"/>
+              <a:endParaRPr lang="ro-RO" sz="1200" noProof="0" dirty="0"/>
+            </a:p>
+          </p:txBody>
+        </p:sp>
+        <p:sp>
+          <p:nvSpPr>
+            <p:cNvPr id="19" name="Rectangle 18">
+              <a:extLst>
+                <a:ext uri="{FF2B5EF4-FFF2-40B4-BE49-F238E27FC236}">
+                  <a16:creationId xmlns:a16="http://schemas.microsoft.com/office/drawing/2014/main" id="{0EDA2BC0-9E28-3DB2-15DF-15B29F050394}"/>
+                </a:ext>
+              </a:extLst>
+            </p:cNvPr>
+            <p:cNvSpPr/>
+            <p:nvPr/>
+          </p:nvSpPr>
+          <p:spPr>
+            <a:xfrm>
+              <a:off x="6874027" y="2238407"/>
+              <a:ext cx="381964" cy="347240"/>
+            </a:xfrm>
+            <a:prstGeom prst="rect">
+              <a:avLst/>
+            </a:prstGeom>
+          </p:spPr>
+          <p:style>
+            <a:lnRef idx="2">
+              <a:schemeClr val="accent6"/>
+            </a:lnRef>
+            <a:fillRef idx="1">
+              <a:schemeClr val="lt1"/>
+            </a:fillRef>
+            <a:effectRef idx="0">
+              <a:schemeClr val="accent6"/>
+            </a:effectRef>
+            <a:fontRef idx="minor">
+              <a:schemeClr val="dk1"/>
+            </a:fontRef>
+          </p:style>
+          <p:txBody>
+            <a:bodyPr rtlCol="0" anchor="ctr"/>
+            <a:lstStyle/>
+            <a:p>
+              <a:pPr algn="ctr"/>
+              <a:endParaRPr lang="ro-RO" sz="1200" noProof="0" dirty="0"/>
+            </a:p>
+          </p:txBody>
+        </p:sp>
+        <p:sp>
+          <p:nvSpPr>
+            <p:cNvPr id="20" name="Rectangle 19">
+              <a:extLst>
+                <a:ext uri="{FF2B5EF4-FFF2-40B4-BE49-F238E27FC236}">
+                  <a16:creationId xmlns:a16="http://schemas.microsoft.com/office/drawing/2014/main" id="{62229602-D21F-2776-F430-2843625A6305}"/>
+                </a:ext>
+              </a:extLst>
+            </p:cNvPr>
+            <p:cNvSpPr/>
+            <p:nvPr/>
+          </p:nvSpPr>
+          <p:spPr>
+            <a:xfrm>
+              <a:off x="7255991" y="2238407"/>
+              <a:ext cx="381964" cy="347240"/>
+            </a:xfrm>
+            <a:prstGeom prst="rect">
+              <a:avLst/>
+            </a:prstGeom>
+          </p:spPr>
+          <p:style>
+            <a:lnRef idx="2">
+              <a:schemeClr val="accent6"/>
+            </a:lnRef>
+            <a:fillRef idx="1">
+              <a:schemeClr val="lt1"/>
+            </a:fillRef>
+            <a:effectRef idx="0">
+              <a:schemeClr val="accent6"/>
+            </a:effectRef>
+            <a:fontRef idx="minor">
+              <a:schemeClr val="dk1"/>
+            </a:fontRef>
+          </p:style>
+          <p:txBody>
+            <a:bodyPr rtlCol="0" anchor="ctr"/>
+            <a:lstStyle/>
+            <a:p>
+              <a:pPr algn="ctr"/>
+              <a:endParaRPr lang="ro-RO" sz="1200" noProof="0" dirty="0"/>
+            </a:p>
+          </p:txBody>
+        </p:sp>
+        <p:sp>
+          <p:nvSpPr>
+            <p:cNvPr id="21" name="Rectangle 20">
+              <a:extLst>
+                <a:ext uri="{FF2B5EF4-FFF2-40B4-BE49-F238E27FC236}">
+                  <a16:creationId xmlns:a16="http://schemas.microsoft.com/office/drawing/2014/main" id="{F31232FD-7624-B08B-9225-F685D1E3AE69}"/>
+                </a:ext>
+              </a:extLst>
+            </p:cNvPr>
+            <p:cNvSpPr/>
+            <p:nvPr/>
+          </p:nvSpPr>
+          <p:spPr>
+            <a:xfrm>
+              <a:off x="7637955" y="2238407"/>
+              <a:ext cx="381964" cy="347240"/>
+            </a:xfrm>
+            <a:prstGeom prst="rect">
+              <a:avLst/>
+            </a:prstGeom>
+          </p:spPr>
+          <p:style>
+            <a:lnRef idx="2">
+              <a:schemeClr val="accent6"/>
+            </a:lnRef>
+            <a:fillRef idx="1">
+              <a:schemeClr val="lt1"/>
+            </a:fillRef>
+            <a:effectRef idx="0">
+              <a:schemeClr val="accent6"/>
+            </a:effectRef>
+            <a:fontRef idx="minor">
+              <a:schemeClr val="dk1"/>
+            </a:fontRef>
+          </p:style>
+          <p:txBody>
+            <a:bodyPr rtlCol="0" anchor="ctr"/>
+            <a:lstStyle/>
+            <a:p>
+              <a:pPr algn="ctr"/>
+              <a:r>
+                <a:rPr lang="ro-RO" sz="900" noProof="0" dirty="0"/>
+                <a:t>V</a:t>
+              </a:r>
+              <a:r>
+                <a:rPr lang="ro-RO" sz="700" noProof="0" dirty="0"/>
+                <a:t>n-1</a:t>
+              </a:r>
+            </a:p>
+          </p:txBody>
+        </p:sp>
+        <p:sp>
+          <p:nvSpPr>
+            <p:cNvPr id="22" name="Rectangle 21">
+              <a:extLst>
+                <a:ext uri="{FF2B5EF4-FFF2-40B4-BE49-F238E27FC236}">
+                  <a16:creationId xmlns:a16="http://schemas.microsoft.com/office/drawing/2014/main" id="{54253EC4-A555-C8C4-AAC6-1A815FAF1B5F}"/>
+                </a:ext>
+              </a:extLst>
+            </p:cNvPr>
+            <p:cNvSpPr/>
+            <p:nvPr/>
+          </p:nvSpPr>
+          <p:spPr>
+            <a:xfrm>
+              <a:off x="8019919" y="2238407"/>
+              <a:ext cx="381964" cy="347240"/>
+            </a:xfrm>
+            <a:prstGeom prst="rect">
+              <a:avLst/>
+            </a:prstGeom>
+          </p:spPr>
+          <p:style>
+            <a:lnRef idx="2">
+              <a:schemeClr val="accent6"/>
+            </a:lnRef>
+            <a:fillRef idx="1">
+              <a:schemeClr val="lt1"/>
+            </a:fillRef>
+            <a:effectRef idx="0">
+              <a:schemeClr val="accent6"/>
+            </a:effectRef>
+            <a:fontRef idx="minor">
+              <a:schemeClr val="dk1"/>
+            </a:fontRef>
+          </p:style>
+          <p:txBody>
+            <a:bodyPr rtlCol="0" anchor="ctr"/>
+            <a:lstStyle/>
+            <a:p>
+              <a:pPr algn="ctr"/>
+              <a:r>
+                <a:rPr lang="ro-RO" sz="1200" noProof="0" dirty="0" err="1"/>
+                <a:t>vn</a:t>
+              </a:r>
+              <a:endParaRPr lang="ro-RO" sz="1200" noProof="0" dirty="0"/>
+            </a:p>
+          </p:txBody>
+        </p:sp>
+      </p:grpSp>
+      <p:sp>
+        <p:nvSpPr>
+          <p:cNvPr id="31" name="Left Brace 30">
+            <a:extLst>
+              <a:ext uri="{FF2B5EF4-FFF2-40B4-BE49-F238E27FC236}">
+                <a16:creationId xmlns:a16="http://schemas.microsoft.com/office/drawing/2014/main" id="{C610DCBC-AD84-BEEA-B871-86283F6E8900}"/>
+              </a:ext>
+            </a:extLst>
+          </p:cNvPr>
+          <p:cNvSpPr/>
+          <p:nvPr/>
+        </p:nvSpPr>
+        <p:spPr>
+          <a:xfrm rot="16200000">
+            <a:off x="4071628" y="3540201"/>
+            <a:ext cx="347241" cy="1145892"/>
+          </a:xfrm>
+          <a:prstGeom prst="leftBrace">
+            <a:avLst/>
+          </a:prstGeom>
+        </p:spPr>
+        <p:style>
+          <a:lnRef idx="2">
+            <a:schemeClr val="accent1"/>
+          </a:lnRef>
+          <a:fillRef idx="0">
+            <a:schemeClr val="accent1"/>
+          </a:fillRef>
+          <a:effectRef idx="1">
+            <a:schemeClr val="accent1"/>
+          </a:effectRef>
+          <a:fontRef idx="minor">
+            <a:schemeClr val="tx1"/>
+          </a:fontRef>
+        </p:style>
+        <p:txBody>
+          <a:bodyPr rtlCol="0" anchor="ctr"/>
+          <a:lstStyle/>
+          <a:p>
+            <a:pPr algn="ctr"/>
+            <a:endParaRPr lang="ro-RO" noProof="0" dirty="0"/>
+          </a:p>
+        </p:txBody>
+      </p:sp>
+      <p:sp>
+        <p:nvSpPr>
+          <p:cNvPr id="32" name="TextBox 31">
+            <a:extLst>
+              <a:ext uri="{FF2B5EF4-FFF2-40B4-BE49-F238E27FC236}">
+                <a16:creationId xmlns:a16="http://schemas.microsoft.com/office/drawing/2014/main" id="{4920F918-7588-6AE5-E515-5B6538B3C722}"/>
+              </a:ext>
+            </a:extLst>
+          </p:cNvPr>
+          <p:cNvSpPr txBox="1"/>
+          <p:nvPr/>
+        </p:nvSpPr>
+        <p:spPr>
+          <a:xfrm>
+            <a:off x="838200" y="1284178"/>
+            <a:ext cx="10554171" cy="1815882"/>
+          </a:xfrm>
+          <a:prstGeom prst="rect">
+            <a:avLst/>
+          </a:prstGeom>
+          <a:noFill/>
+        </p:spPr>
+        <p:txBody>
+          <a:bodyPr wrap="none" rtlCol="0">
+            <a:spAutoFit/>
+          </a:bodyPr>
+          <a:lstStyle/>
+          <a:p>
+            <a:r>
+              <a:rPr lang="ro-RO" sz="2800" noProof="0" dirty="0"/>
+              <a:t>Sa presupunem ca se </a:t>
+            </a:r>
+            <a:r>
+              <a:rPr lang="ro-RO" sz="2800" noProof="0" dirty="0" err="1"/>
+              <a:t>doreste</a:t>
+            </a:r>
+            <a:r>
+              <a:rPr lang="ro-RO" sz="2800" noProof="0" dirty="0"/>
+              <a:t> estimarea folosind ultimele 3 valori </a:t>
+            </a:r>
+          </a:p>
+          <a:p>
+            <a:r>
+              <a:rPr lang="ro-RO" sz="2800" noProof="0" dirty="0"/>
+              <a:t>la </a:t>
+            </a:r>
+            <a:r>
+              <a:rPr lang="ro-RO" sz="2800" noProof="0" dirty="0" err="1"/>
+              <a:t>inchidere</a:t>
+            </a:r>
+            <a:r>
+              <a:rPr lang="ro-RO" sz="2800" noProof="0" dirty="0"/>
+              <a:t>.</a:t>
+            </a:r>
+            <a:r>
+              <a:rPr lang="de-DE" sz="2800" noProof="0" dirty="0"/>
               <a:t> </a:t>
             </a:r>
-            <a:r>
-              <a:rPr lang="en-GB" dirty="0" err="1"/>
-              <a:t>serii</a:t>
-            </a:r>
-            <a:r>
-              <a:rPr lang="en-GB" dirty="0"/>
+          </a:p>
+          <a:p>
+            <a:r>
+              <a:rPr lang="de-DE" sz="2800" dirty="0"/>
+              <a:t>Din 70% </a:t>
+            </a:r>
+            <a:r>
+              <a:rPr lang="de-DE" sz="2800" dirty="0" err="1"/>
+              <a:t>din</a:t>
+            </a:r>
+            <a:r>
+              <a:rPr lang="de-DE" sz="2800" dirty="0"/>
+              <a:t> </a:t>
+            </a:r>
+            <a:r>
+              <a:rPr lang="de-DE" sz="2800" dirty="0" err="1"/>
+              <a:t>valori</a:t>
+            </a:r>
+            <a:r>
+              <a:rPr lang="de-DE" sz="2800" dirty="0"/>
+              <a:t> </a:t>
+            </a:r>
+            <a:r>
+              <a:rPr lang="de-DE" sz="2800" dirty="0" err="1"/>
+              <a:t>construim</a:t>
+            </a:r>
+            <a:r>
+              <a:rPr lang="de-DE" sz="2800" dirty="0"/>
+              <a:t> </a:t>
+            </a:r>
+            <a:r>
+              <a:rPr lang="de-DE" sz="2800" dirty="0" err="1"/>
+              <a:t>vectori</a:t>
+            </a:r>
+            <a:r>
+              <a:rPr lang="de-DE" sz="2800" dirty="0"/>
               <a:t> de </a:t>
             </a:r>
             <a:r>
-              <a:rPr lang="en-GB" dirty="0" err="1"/>
-              <a:t>timp</a:t>
-            </a:r>
-            <a:r>
-              <a:rPr lang="en-GB" dirty="0"/>
-              <a:t>:</a:t>
-            </a:r>
-            <a:endParaRPr lang="en-DE" dirty="0"/>
+              <a:rPr lang="de-DE" sz="2800" dirty="0" err="1"/>
+              <a:t>intrare</a:t>
+            </a:r>
+            <a:r>
+              <a:rPr lang="de-DE" sz="2800" dirty="0"/>
+              <a:t> </a:t>
+            </a:r>
+            <a:r>
+              <a:rPr lang="de-DE" sz="2800" dirty="0" err="1"/>
+              <a:t>pentru</a:t>
+            </a:r>
+            <a:r>
+              <a:rPr lang="de-DE" sz="2800" dirty="0"/>
+              <a:t> </a:t>
+            </a:r>
+            <a:r>
+              <a:rPr lang="de-DE" sz="2800" dirty="0" err="1"/>
+              <a:t>antrenament</a:t>
+            </a:r>
+            <a:r>
+              <a:rPr lang="de-DE" sz="2800" dirty="0"/>
+              <a:t>,</a:t>
+            </a:r>
+          </a:p>
+          <a:p>
+            <a:r>
+              <a:rPr lang="de-DE" sz="2800" dirty="0"/>
+              <a:t> si </a:t>
+            </a:r>
+            <a:r>
+              <a:rPr lang="de-DE" sz="2800" dirty="0" err="1"/>
+              <a:t>din</a:t>
+            </a:r>
+            <a:r>
+              <a:rPr lang="de-DE" sz="2800" dirty="0"/>
+              <a:t> 30% </a:t>
+            </a:r>
+            <a:r>
+              <a:rPr lang="de-DE" sz="2800" dirty="0" err="1"/>
+              <a:t>vectori</a:t>
+            </a:r>
+            <a:r>
+              <a:rPr lang="de-DE" sz="2800" dirty="0"/>
+              <a:t> </a:t>
+            </a:r>
+            <a:r>
+              <a:rPr lang="de-DE" sz="2800" dirty="0" err="1"/>
+              <a:t>pentru</a:t>
+            </a:r>
+            <a:r>
+              <a:rPr lang="de-DE" sz="2800" dirty="0"/>
+              <a:t> </a:t>
+            </a:r>
+            <a:r>
+              <a:rPr lang="de-DE" sz="2800" dirty="0" err="1"/>
+              <a:t>testare</a:t>
+            </a:r>
+            <a:endParaRPr lang="ro-RO" sz="2800" noProof="0" dirty="0"/>
+          </a:p>
+        </p:txBody>
+      </p:sp>
+      <p:sp>
+        <p:nvSpPr>
+          <p:cNvPr id="34" name="TextBox 33">
+            <a:extLst>
+              <a:ext uri="{FF2B5EF4-FFF2-40B4-BE49-F238E27FC236}">
+                <a16:creationId xmlns:a16="http://schemas.microsoft.com/office/drawing/2014/main" id="{F9D6F272-967A-BD90-C153-7FA284F3851C}"/>
+              </a:ext>
+            </a:extLst>
+          </p:cNvPr>
+          <p:cNvSpPr txBox="1"/>
+          <p:nvPr/>
+        </p:nvSpPr>
+        <p:spPr>
+          <a:xfrm>
+            <a:off x="1482229" y="3240911"/>
+            <a:ext cx="1527187" cy="923330"/>
+          </a:xfrm>
+          <a:prstGeom prst="rect">
+            <a:avLst/>
+          </a:prstGeom>
+          <a:noFill/>
+        </p:spPr>
+        <p:txBody>
+          <a:bodyPr wrap="square" rtlCol="0">
+            <a:spAutoFit/>
+          </a:bodyPr>
+          <a:lstStyle/>
+          <a:p>
+            <a:r>
+              <a:rPr lang="ro-RO" noProof="0" dirty="0"/>
+              <a:t>Primul vector de antrenament</a:t>
+            </a:r>
+          </a:p>
+        </p:txBody>
+      </p:sp>
+      <p:sp>
+        <p:nvSpPr>
+          <p:cNvPr id="35" name="TextBox 34">
+            <a:extLst>
+              <a:ext uri="{FF2B5EF4-FFF2-40B4-BE49-F238E27FC236}">
+                <a16:creationId xmlns:a16="http://schemas.microsoft.com/office/drawing/2014/main" id="{03657270-65B2-FB09-585D-1AE8D3B9B734}"/>
+              </a:ext>
+            </a:extLst>
+          </p:cNvPr>
+          <p:cNvSpPr txBox="1"/>
+          <p:nvPr/>
+        </p:nvSpPr>
+        <p:spPr>
+          <a:xfrm>
+            <a:off x="3525051" y="4339052"/>
+            <a:ext cx="1440394" cy="369332"/>
+          </a:xfrm>
+          <a:prstGeom prst="rect">
+            <a:avLst/>
+          </a:prstGeom>
+          <a:noFill/>
+        </p:spPr>
+        <p:txBody>
+          <a:bodyPr wrap="none" rtlCol="0">
+            <a:spAutoFit/>
+          </a:bodyPr>
+          <a:lstStyle/>
+          <a:p>
+            <a:r>
+              <a:rPr lang="ro-RO" noProof="0" dirty="0"/>
+              <a:t>Valori intrare</a:t>
+            </a:r>
+          </a:p>
+        </p:txBody>
+      </p:sp>
+      <p:sp>
+        <p:nvSpPr>
+          <p:cNvPr id="36" name="TextBox 35">
+            <a:extLst>
+              <a:ext uri="{FF2B5EF4-FFF2-40B4-BE49-F238E27FC236}">
+                <a16:creationId xmlns:a16="http://schemas.microsoft.com/office/drawing/2014/main" id="{6A9AD2ED-F93E-F61F-2FEE-FF5E7B274490}"/>
+              </a:ext>
+            </a:extLst>
+          </p:cNvPr>
+          <p:cNvSpPr txBox="1"/>
+          <p:nvPr/>
+        </p:nvSpPr>
+        <p:spPr>
+          <a:xfrm>
+            <a:off x="5197498" y="4339052"/>
+            <a:ext cx="1521057" cy="369332"/>
+          </a:xfrm>
+          <a:prstGeom prst="rect">
+            <a:avLst/>
+          </a:prstGeom>
+          <a:noFill/>
+        </p:spPr>
+        <p:txBody>
+          <a:bodyPr wrap="none" rtlCol="0">
+            <a:spAutoFit/>
+          </a:bodyPr>
+          <a:lstStyle/>
+          <a:p>
+            <a:r>
+              <a:rPr lang="ro-RO" noProof="0" dirty="0"/>
+              <a:t>Valoare ieșire</a:t>
+            </a:r>
+          </a:p>
+        </p:txBody>
+      </p:sp>
+      <p:cxnSp>
+        <p:nvCxnSpPr>
+          <p:cNvPr id="38" name="Straight Arrow Connector 37">
+            <a:extLst>
+              <a:ext uri="{FF2B5EF4-FFF2-40B4-BE49-F238E27FC236}">
+                <a16:creationId xmlns:a16="http://schemas.microsoft.com/office/drawing/2014/main" id="{0CA5F5CD-9424-9545-2B30-A9108A55595C}"/>
+              </a:ext>
+            </a:extLst>
+          </p:cNvPr>
+          <p:cNvCxnSpPr>
+            <a:endCxn id="11" idx="2"/>
+          </p:cNvCxnSpPr>
+          <p:nvPr/>
+        </p:nvCxnSpPr>
+        <p:spPr>
+          <a:xfrm flipH="1" flipV="1">
+            <a:off x="5009176" y="3702576"/>
+            <a:ext cx="572946" cy="584192"/>
+          </a:xfrm>
+          <a:prstGeom prst="straightConnector1">
+            <a:avLst/>
+          </a:prstGeom>
+          <a:ln>
+            <a:tailEnd type="triangle"/>
+          </a:ln>
+        </p:spPr>
+        <p:style>
+          <a:lnRef idx="2">
+            <a:schemeClr val="accent1"/>
+          </a:lnRef>
+          <a:fillRef idx="0">
+            <a:schemeClr val="accent1"/>
+          </a:fillRef>
+          <a:effectRef idx="1">
+            <a:schemeClr val="accent1"/>
+          </a:effectRef>
+          <a:fontRef idx="minor">
+            <a:schemeClr val="tx1"/>
+          </a:fontRef>
+        </p:style>
+      </p:cxnSp>
+      <p:grpSp>
+        <p:nvGrpSpPr>
+          <p:cNvPr id="39" name="Group 38">
+            <a:extLst>
+              <a:ext uri="{FF2B5EF4-FFF2-40B4-BE49-F238E27FC236}">
+                <a16:creationId xmlns:a16="http://schemas.microsoft.com/office/drawing/2014/main" id="{75E47F02-A077-EB53-F76E-257E96466DB0}"/>
+              </a:ext>
+            </a:extLst>
+          </p:cNvPr>
+          <p:cNvGrpSpPr/>
+          <p:nvPr/>
+        </p:nvGrpSpPr>
+        <p:grpSpPr>
+          <a:xfrm>
+            <a:off x="3716033" y="5370486"/>
+            <a:ext cx="5729460" cy="347240"/>
+            <a:chOff x="2672423" y="2238407"/>
+            <a:chExt cx="5729460" cy="347240"/>
+          </a:xfrm>
+        </p:grpSpPr>
+        <p:sp>
+          <p:nvSpPr>
+            <p:cNvPr id="40" name="Rectangle 39">
+              <a:extLst>
+                <a:ext uri="{FF2B5EF4-FFF2-40B4-BE49-F238E27FC236}">
+                  <a16:creationId xmlns:a16="http://schemas.microsoft.com/office/drawing/2014/main" id="{79799C37-C973-0EFE-8855-43E10204A596}"/>
+                </a:ext>
+              </a:extLst>
+            </p:cNvPr>
+            <p:cNvSpPr/>
+            <p:nvPr/>
+          </p:nvSpPr>
+          <p:spPr>
+            <a:xfrm>
+              <a:off x="2672423" y="2238407"/>
+              <a:ext cx="381964" cy="347240"/>
+            </a:xfrm>
+            <a:prstGeom prst="rect">
+              <a:avLst/>
+            </a:prstGeom>
+          </p:spPr>
+          <p:style>
+            <a:lnRef idx="2">
+              <a:schemeClr val="accent6"/>
+            </a:lnRef>
+            <a:fillRef idx="1">
+              <a:schemeClr val="lt1"/>
+            </a:fillRef>
+            <a:effectRef idx="0">
+              <a:schemeClr val="accent6"/>
+            </a:effectRef>
+            <a:fontRef idx="minor">
+              <a:schemeClr val="dk1"/>
+            </a:fontRef>
+          </p:style>
+          <p:txBody>
+            <a:bodyPr rtlCol="0" anchor="ctr"/>
+            <a:lstStyle/>
+            <a:p>
+              <a:pPr algn="ctr"/>
+              <a:r>
+                <a:rPr lang="ro-RO" sz="1200" noProof="0" dirty="0"/>
+                <a:t>v1</a:t>
+              </a:r>
+            </a:p>
+          </p:txBody>
+        </p:sp>
+        <p:sp>
+          <p:nvSpPr>
+            <p:cNvPr id="41" name="Rectangle 40">
+              <a:extLst>
+                <a:ext uri="{FF2B5EF4-FFF2-40B4-BE49-F238E27FC236}">
+                  <a16:creationId xmlns:a16="http://schemas.microsoft.com/office/drawing/2014/main" id="{45990DFE-8A2C-B3DB-8171-AB55F0BD8A74}"/>
+                </a:ext>
+              </a:extLst>
+            </p:cNvPr>
+            <p:cNvSpPr/>
+            <p:nvPr/>
+          </p:nvSpPr>
+          <p:spPr>
+            <a:xfrm>
+              <a:off x="3054387" y="2238407"/>
+              <a:ext cx="381964" cy="347240"/>
+            </a:xfrm>
+            <a:prstGeom prst="rect">
+              <a:avLst/>
+            </a:prstGeom>
+          </p:spPr>
+          <p:style>
+            <a:lnRef idx="2">
+              <a:schemeClr val="accent6"/>
+            </a:lnRef>
+            <a:fillRef idx="1">
+              <a:schemeClr val="lt1"/>
+            </a:fillRef>
+            <a:effectRef idx="0">
+              <a:schemeClr val="accent6"/>
+            </a:effectRef>
+            <a:fontRef idx="minor">
+              <a:schemeClr val="dk1"/>
+            </a:fontRef>
+          </p:style>
+          <p:txBody>
+            <a:bodyPr rtlCol="0" anchor="ctr"/>
+            <a:lstStyle/>
+            <a:p>
+              <a:pPr algn="ctr"/>
+              <a:r>
+                <a:rPr lang="ro-RO" sz="1200" noProof="0" dirty="0"/>
+                <a:t>V2</a:t>
+              </a:r>
+            </a:p>
+          </p:txBody>
+        </p:sp>
+        <p:sp>
+          <p:nvSpPr>
+            <p:cNvPr id="42" name="Rectangle 41">
+              <a:extLst>
+                <a:ext uri="{FF2B5EF4-FFF2-40B4-BE49-F238E27FC236}">
+                  <a16:creationId xmlns:a16="http://schemas.microsoft.com/office/drawing/2014/main" id="{E11F18BC-6235-E2FE-6840-155B279C967D}"/>
+                </a:ext>
+              </a:extLst>
+            </p:cNvPr>
+            <p:cNvSpPr/>
+            <p:nvPr/>
+          </p:nvSpPr>
+          <p:spPr>
+            <a:xfrm>
+              <a:off x="3436351" y="2238407"/>
+              <a:ext cx="381964" cy="347240"/>
+            </a:xfrm>
+            <a:prstGeom prst="rect">
+              <a:avLst/>
+            </a:prstGeom>
+          </p:spPr>
+          <p:style>
+            <a:lnRef idx="2">
+              <a:schemeClr val="accent6"/>
+            </a:lnRef>
+            <a:fillRef idx="1">
+              <a:schemeClr val="lt1"/>
+            </a:fillRef>
+            <a:effectRef idx="0">
+              <a:schemeClr val="accent6"/>
+            </a:effectRef>
+            <a:fontRef idx="minor">
+              <a:schemeClr val="dk1"/>
+            </a:fontRef>
+          </p:style>
+          <p:txBody>
+            <a:bodyPr rtlCol="0" anchor="ctr"/>
+            <a:lstStyle/>
+            <a:p>
+              <a:pPr algn="ctr"/>
+              <a:r>
+                <a:rPr lang="ro-RO" sz="1200" noProof="0" dirty="0"/>
+                <a:t>v3</a:t>
+              </a:r>
+            </a:p>
+          </p:txBody>
+        </p:sp>
+        <p:sp>
+          <p:nvSpPr>
+            <p:cNvPr id="43" name="Rectangle 42">
+              <a:extLst>
+                <a:ext uri="{FF2B5EF4-FFF2-40B4-BE49-F238E27FC236}">
+                  <a16:creationId xmlns:a16="http://schemas.microsoft.com/office/drawing/2014/main" id="{2DDB2A0D-C218-18BF-EFF1-ED89F5C69C21}"/>
+                </a:ext>
+              </a:extLst>
+            </p:cNvPr>
+            <p:cNvSpPr/>
+            <p:nvPr/>
+          </p:nvSpPr>
+          <p:spPr>
+            <a:xfrm>
+              <a:off x="3818315" y="2238407"/>
+              <a:ext cx="381964" cy="347240"/>
+            </a:xfrm>
+            <a:prstGeom prst="rect">
+              <a:avLst/>
+            </a:prstGeom>
+          </p:spPr>
+          <p:style>
+            <a:lnRef idx="2">
+              <a:schemeClr val="accent6"/>
+            </a:lnRef>
+            <a:fillRef idx="1">
+              <a:schemeClr val="lt1"/>
+            </a:fillRef>
+            <a:effectRef idx="0">
+              <a:schemeClr val="accent6"/>
+            </a:effectRef>
+            <a:fontRef idx="minor">
+              <a:schemeClr val="dk1"/>
+            </a:fontRef>
+          </p:style>
+          <p:txBody>
+            <a:bodyPr rtlCol="0" anchor="ctr"/>
+            <a:lstStyle/>
+            <a:p>
+              <a:pPr algn="ctr"/>
+              <a:r>
+                <a:rPr lang="ro-RO" sz="1200" noProof="0" dirty="0"/>
+                <a:t>v4</a:t>
+              </a:r>
+            </a:p>
+          </p:txBody>
+        </p:sp>
+        <p:sp>
+          <p:nvSpPr>
+            <p:cNvPr id="44" name="Rectangle 43">
+              <a:extLst>
+                <a:ext uri="{FF2B5EF4-FFF2-40B4-BE49-F238E27FC236}">
+                  <a16:creationId xmlns:a16="http://schemas.microsoft.com/office/drawing/2014/main" id="{3F9D7D04-1DF9-0C7A-C2F6-CC59F2D7686B}"/>
+                </a:ext>
+              </a:extLst>
+            </p:cNvPr>
+            <p:cNvSpPr/>
+            <p:nvPr/>
+          </p:nvSpPr>
+          <p:spPr>
+            <a:xfrm>
+              <a:off x="4200279" y="2238407"/>
+              <a:ext cx="381964" cy="347240"/>
+            </a:xfrm>
+            <a:prstGeom prst="rect">
+              <a:avLst/>
+            </a:prstGeom>
+          </p:spPr>
+          <p:style>
+            <a:lnRef idx="2">
+              <a:schemeClr val="accent6"/>
+            </a:lnRef>
+            <a:fillRef idx="1">
+              <a:schemeClr val="lt1"/>
+            </a:fillRef>
+            <a:effectRef idx="0">
+              <a:schemeClr val="accent6"/>
+            </a:effectRef>
+            <a:fontRef idx="minor">
+              <a:schemeClr val="dk1"/>
+            </a:fontRef>
+          </p:style>
+          <p:txBody>
+            <a:bodyPr rtlCol="0" anchor="ctr"/>
+            <a:lstStyle/>
+            <a:p>
+              <a:pPr algn="ctr"/>
+              <a:r>
+                <a:rPr lang="ro-RO" sz="1200" noProof="0" dirty="0"/>
+                <a:t>v5</a:t>
+              </a:r>
+            </a:p>
+          </p:txBody>
+        </p:sp>
+        <p:sp>
+          <p:nvSpPr>
+            <p:cNvPr id="45" name="Rectangle 44">
+              <a:extLst>
+                <a:ext uri="{FF2B5EF4-FFF2-40B4-BE49-F238E27FC236}">
+                  <a16:creationId xmlns:a16="http://schemas.microsoft.com/office/drawing/2014/main" id="{6C3F6919-47BC-DAD9-AC46-BC606A0B2DB8}"/>
+                </a:ext>
+              </a:extLst>
+            </p:cNvPr>
+            <p:cNvSpPr/>
+            <p:nvPr/>
+          </p:nvSpPr>
+          <p:spPr>
+            <a:xfrm>
+              <a:off x="4582243" y="2238407"/>
+              <a:ext cx="381964" cy="347240"/>
+            </a:xfrm>
+            <a:prstGeom prst="rect">
+              <a:avLst/>
+            </a:prstGeom>
+          </p:spPr>
+          <p:style>
+            <a:lnRef idx="2">
+              <a:schemeClr val="accent6"/>
+            </a:lnRef>
+            <a:fillRef idx="1">
+              <a:schemeClr val="lt1"/>
+            </a:fillRef>
+            <a:effectRef idx="0">
+              <a:schemeClr val="accent6"/>
+            </a:effectRef>
+            <a:fontRef idx="minor">
+              <a:schemeClr val="dk1"/>
+            </a:fontRef>
+          </p:style>
+          <p:txBody>
+            <a:bodyPr rtlCol="0" anchor="ctr"/>
+            <a:lstStyle/>
+            <a:p>
+              <a:pPr algn="ctr"/>
+              <a:r>
+                <a:rPr lang="ro-RO" sz="1200" noProof="0" dirty="0"/>
+                <a:t>v6</a:t>
+              </a:r>
+            </a:p>
+          </p:txBody>
+        </p:sp>
+        <p:sp>
+          <p:nvSpPr>
+            <p:cNvPr id="46" name="Rectangle 45">
+              <a:extLst>
+                <a:ext uri="{FF2B5EF4-FFF2-40B4-BE49-F238E27FC236}">
+                  <a16:creationId xmlns:a16="http://schemas.microsoft.com/office/drawing/2014/main" id="{4C697C4C-DFC8-BC92-A19D-D80DD874B7BD}"/>
+                </a:ext>
+              </a:extLst>
+            </p:cNvPr>
+            <p:cNvSpPr/>
+            <p:nvPr/>
+          </p:nvSpPr>
+          <p:spPr>
+            <a:xfrm>
+              <a:off x="4964207" y="2238407"/>
+              <a:ext cx="381964" cy="347240"/>
+            </a:xfrm>
+            <a:prstGeom prst="rect">
+              <a:avLst/>
+            </a:prstGeom>
+          </p:spPr>
+          <p:style>
+            <a:lnRef idx="2">
+              <a:schemeClr val="accent6"/>
+            </a:lnRef>
+            <a:fillRef idx="1">
+              <a:schemeClr val="lt1"/>
+            </a:fillRef>
+            <a:effectRef idx="0">
+              <a:schemeClr val="accent6"/>
+            </a:effectRef>
+            <a:fontRef idx="minor">
+              <a:schemeClr val="dk1"/>
+            </a:fontRef>
+          </p:style>
+          <p:txBody>
+            <a:bodyPr rtlCol="0" anchor="ctr"/>
+            <a:lstStyle/>
+            <a:p>
+              <a:pPr algn="ctr"/>
+              <a:endParaRPr lang="ro-RO" sz="1200" noProof="0" dirty="0"/>
+            </a:p>
+          </p:txBody>
+        </p:sp>
+        <p:sp>
+          <p:nvSpPr>
+            <p:cNvPr id="47" name="Rectangle 46">
+              <a:extLst>
+                <a:ext uri="{FF2B5EF4-FFF2-40B4-BE49-F238E27FC236}">
+                  <a16:creationId xmlns:a16="http://schemas.microsoft.com/office/drawing/2014/main" id="{B099C2AC-4F49-0D62-4329-9BCCFEC4A799}"/>
+                </a:ext>
+              </a:extLst>
+            </p:cNvPr>
+            <p:cNvSpPr/>
+            <p:nvPr/>
+          </p:nvSpPr>
+          <p:spPr>
+            <a:xfrm>
+              <a:off x="5346171" y="2238407"/>
+              <a:ext cx="381964" cy="347240"/>
+            </a:xfrm>
+            <a:prstGeom prst="rect">
+              <a:avLst/>
+            </a:prstGeom>
+          </p:spPr>
+          <p:style>
+            <a:lnRef idx="2">
+              <a:schemeClr val="accent6"/>
+            </a:lnRef>
+            <a:fillRef idx="1">
+              <a:schemeClr val="lt1"/>
+            </a:fillRef>
+            <a:effectRef idx="0">
+              <a:schemeClr val="accent6"/>
+            </a:effectRef>
+            <a:fontRef idx="minor">
+              <a:schemeClr val="dk1"/>
+            </a:fontRef>
+          </p:style>
+          <p:txBody>
+            <a:bodyPr rtlCol="0" anchor="ctr"/>
+            <a:lstStyle/>
+            <a:p>
+              <a:pPr algn="ctr"/>
+              <a:endParaRPr lang="ro-RO" sz="1200" noProof="0" dirty="0"/>
+            </a:p>
+          </p:txBody>
+        </p:sp>
+        <p:sp>
+          <p:nvSpPr>
+            <p:cNvPr id="48" name="Rectangle 47">
+              <a:extLst>
+                <a:ext uri="{FF2B5EF4-FFF2-40B4-BE49-F238E27FC236}">
+                  <a16:creationId xmlns:a16="http://schemas.microsoft.com/office/drawing/2014/main" id="{2E0C1DB9-57E2-D820-B63C-30FCC4B40012}"/>
+                </a:ext>
+              </a:extLst>
+            </p:cNvPr>
+            <p:cNvSpPr/>
+            <p:nvPr/>
+          </p:nvSpPr>
+          <p:spPr>
+            <a:xfrm>
+              <a:off x="5728135" y="2238407"/>
+              <a:ext cx="381964" cy="347240"/>
+            </a:xfrm>
+            <a:prstGeom prst="rect">
+              <a:avLst/>
+            </a:prstGeom>
+          </p:spPr>
+          <p:style>
+            <a:lnRef idx="2">
+              <a:schemeClr val="accent6"/>
+            </a:lnRef>
+            <a:fillRef idx="1">
+              <a:schemeClr val="lt1"/>
+            </a:fillRef>
+            <a:effectRef idx="0">
+              <a:schemeClr val="accent6"/>
+            </a:effectRef>
+            <a:fontRef idx="minor">
+              <a:schemeClr val="dk1"/>
+            </a:fontRef>
+          </p:style>
+          <p:txBody>
+            <a:bodyPr rtlCol="0" anchor="ctr"/>
+            <a:lstStyle/>
+            <a:p>
+              <a:pPr algn="ctr"/>
+              <a:endParaRPr lang="ro-RO" sz="1200" noProof="0" dirty="0"/>
+            </a:p>
+          </p:txBody>
+        </p:sp>
+        <p:sp>
+          <p:nvSpPr>
+            <p:cNvPr id="49" name="Rectangle 48">
+              <a:extLst>
+                <a:ext uri="{FF2B5EF4-FFF2-40B4-BE49-F238E27FC236}">
+                  <a16:creationId xmlns:a16="http://schemas.microsoft.com/office/drawing/2014/main" id="{7C0332D4-200B-3A63-8F91-120E3872B668}"/>
+                </a:ext>
+              </a:extLst>
+            </p:cNvPr>
+            <p:cNvSpPr/>
+            <p:nvPr/>
+          </p:nvSpPr>
+          <p:spPr>
+            <a:xfrm>
+              <a:off x="6110099" y="2238407"/>
+              <a:ext cx="381964" cy="347240"/>
+            </a:xfrm>
+            <a:prstGeom prst="rect">
+              <a:avLst/>
+            </a:prstGeom>
+          </p:spPr>
+          <p:style>
+            <a:lnRef idx="2">
+              <a:schemeClr val="accent6"/>
+            </a:lnRef>
+            <a:fillRef idx="1">
+              <a:schemeClr val="lt1"/>
+            </a:fillRef>
+            <a:effectRef idx="0">
+              <a:schemeClr val="accent6"/>
+            </a:effectRef>
+            <a:fontRef idx="minor">
+              <a:schemeClr val="dk1"/>
+            </a:fontRef>
+          </p:style>
+          <p:txBody>
+            <a:bodyPr rtlCol="0" anchor="ctr"/>
+            <a:lstStyle/>
+            <a:p>
+              <a:pPr algn="ctr"/>
+              <a:endParaRPr lang="ro-RO" sz="1200" noProof="0" dirty="0"/>
+            </a:p>
+          </p:txBody>
+        </p:sp>
+        <p:sp>
+          <p:nvSpPr>
+            <p:cNvPr id="50" name="Rectangle 49">
+              <a:extLst>
+                <a:ext uri="{FF2B5EF4-FFF2-40B4-BE49-F238E27FC236}">
+                  <a16:creationId xmlns:a16="http://schemas.microsoft.com/office/drawing/2014/main" id="{33615783-9E50-7B40-780B-2410A8317725}"/>
+                </a:ext>
+              </a:extLst>
+            </p:cNvPr>
+            <p:cNvSpPr/>
+            <p:nvPr/>
+          </p:nvSpPr>
+          <p:spPr>
+            <a:xfrm>
+              <a:off x="6492063" y="2238407"/>
+              <a:ext cx="381964" cy="347240"/>
+            </a:xfrm>
+            <a:prstGeom prst="rect">
+              <a:avLst/>
+            </a:prstGeom>
+          </p:spPr>
+          <p:style>
+            <a:lnRef idx="2">
+              <a:schemeClr val="accent6"/>
+            </a:lnRef>
+            <a:fillRef idx="1">
+              <a:schemeClr val="lt1"/>
+            </a:fillRef>
+            <a:effectRef idx="0">
+              <a:schemeClr val="accent6"/>
+            </a:effectRef>
+            <a:fontRef idx="minor">
+              <a:schemeClr val="dk1"/>
+            </a:fontRef>
+          </p:style>
+          <p:txBody>
+            <a:bodyPr rtlCol="0" anchor="ctr"/>
+            <a:lstStyle/>
+            <a:p>
+              <a:pPr algn="ctr"/>
+              <a:endParaRPr lang="ro-RO" sz="1200" noProof="0" dirty="0"/>
+            </a:p>
+          </p:txBody>
+        </p:sp>
+        <p:sp>
+          <p:nvSpPr>
+            <p:cNvPr id="51" name="Rectangle 50">
+              <a:extLst>
+                <a:ext uri="{FF2B5EF4-FFF2-40B4-BE49-F238E27FC236}">
+                  <a16:creationId xmlns:a16="http://schemas.microsoft.com/office/drawing/2014/main" id="{19AE226D-3BFC-84D4-CEF1-7EBFBB5C4396}"/>
+                </a:ext>
+              </a:extLst>
+            </p:cNvPr>
+            <p:cNvSpPr/>
+            <p:nvPr/>
+          </p:nvSpPr>
+          <p:spPr>
+            <a:xfrm>
+              <a:off x="6874027" y="2238407"/>
+              <a:ext cx="381964" cy="347240"/>
+            </a:xfrm>
+            <a:prstGeom prst="rect">
+              <a:avLst/>
+            </a:prstGeom>
+          </p:spPr>
+          <p:style>
+            <a:lnRef idx="2">
+              <a:schemeClr val="accent6"/>
+            </a:lnRef>
+            <a:fillRef idx="1">
+              <a:schemeClr val="lt1"/>
+            </a:fillRef>
+            <a:effectRef idx="0">
+              <a:schemeClr val="accent6"/>
+            </a:effectRef>
+            <a:fontRef idx="minor">
+              <a:schemeClr val="dk1"/>
+            </a:fontRef>
+          </p:style>
+          <p:txBody>
+            <a:bodyPr rtlCol="0" anchor="ctr"/>
+            <a:lstStyle/>
+            <a:p>
+              <a:pPr algn="ctr"/>
+              <a:endParaRPr lang="ro-RO" sz="1200" noProof="0" dirty="0"/>
+            </a:p>
+          </p:txBody>
+        </p:sp>
+        <p:sp>
+          <p:nvSpPr>
+            <p:cNvPr id="52" name="Rectangle 51">
+              <a:extLst>
+                <a:ext uri="{FF2B5EF4-FFF2-40B4-BE49-F238E27FC236}">
+                  <a16:creationId xmlns:a16="http://schemas.microsoft.com/office/drawing/2014/main" id="{B1E6FDA6-552D-D04A-7997-F83FC3E1AF5A}"/>
+                </a:ext>
+              </a:extLst>
+            </p:cNvPr>
+            <p:cNvSpPr/>
+            <p:nvPr/>
+          </p:nvSpPr>
+          <p:spPr>
+            <a:xfrm>
+              <a:off x="7255991" y="2238407"/>
+              <a:ext cx="381964" cy="347240"/>
+            </a:xfrm>
+            <a:prstGeom prst="rect">
+              <a:avLst/>
+            </a:prstGeom>
+          </p:spPr>
+          <p:style>
+            <a:lnRef idx="2">
+              <a:schemeClr val="accent6"/>
+            </a:lnRef>
+            <a:fillRef idx="1">
+              <a:schemeClr val="lt1"/>
+            </a:fillRef>
+            <a:effectRef idx="0">
+              <a:schemeClr val="accent6"/>
+            </a:effectRef>
+            <a:fontRef idx="minor">
+              <a:schemeClr val="dk1"/>
+            </a:fontRef>
+          </p:style>
+          <p:txBody>
+            <a:bodyPr rtlCol="0" anchor="ctr"/>
+            <a:lstStyle/>
+            <a:p>
+              <a:pPr algn="ctr"/>
+              <a:endParaRPr lang="ro-RO" sz="1200" noProof="0" dirty="0"/>
+            </a:p>
+          </p:txBody>
+        </p:sp>
+        <p:sp>
+          <p:nvSpPr>
+            <p:cNvPr id="53" name="Rectangle 52">
+              <a:extLst>
+                <a:ext uri="{FF2B5EF4-FFF2-40B4-BE49-F238E27FC236}">
+                  <a16:creationId xmlns:a16="http://schemas.microsoft.com/office/drawing/2014/main" id="{DD1EF2EA-37C1-C1AA-6DCF-6426F8DC7FFA}"/>
+                </a:ext>
+              </a:extLst>
+            </p:cNvPr>
+            <p:cNvSpPr/>
+            <p:nvPr/>
+          </p:nvSpPr>
+          <p:spPr>
+            <a:xfrm>
+              <a:off x="7637955" y="2238407"/>
+              <a:ext cx="381964" cy="347240"/>
+            </a:xfrm>
+            <a:prstGeom prst="rect">
+              <a:avLst/>
+            </a:prstGeom>
+          </p:spPr>
+          <p:style>
+            <a:lnRef idx="2">
+              <a:schemeClr val="accent6"/>
+            </a:lnRef>
+            <a:fillRef idx="1">
+              <a:schemeClr val="lt1"/>
+            </a:fillRef>
+            <a:effectRef idx="0">
+              <a:schemeClr val="accent6"/>
+            </a:effectRef>
+            <a:fontRef idx="minor">
+              <a:schemeClr val="dk1"/>
+            </a:fontRef>
+          </p:style>
+          <p:txBody>
+            <a:bodyPr rtlCol="0" anchor="ctr"/>
+            <a:lstStyle/>
+            <a:p>
+              <a:pPr algn="ctr"/>
+              <a:r>
+                <a:rPr lang="ro-RO" sz="900" noProof="0" dirty="0"/>
+                <a:t>V</a:t>
+              </a:r>
+              <a:r>
+                <a:rPr lang="ro-RO" sz="700" noProof="0" dirty="0"/>
+                <a:t>n-1</a:t>
+              </a:r>
+            </a:p>
+          </p:txBody>
+        </p:sp>
+        <p:sp>
+          <p:nvSpPr>
+            <p:cNvPr id="54" name="Rectangle 53">
+              <a:extLst>
+                <a:ext uri="{FF2B5EF4-FFF2-40B4-BE49-F238E27FC236}">
+                  <a16:creationId xmlns:a16="http://schemas.microsoft.com/office/drawing/2014/main" id="{00EA8188-C17F-4C6F-3FB2-E3EFBF51776D}"/>
+                </a:ext>
+              </a:extLst>
+            </p:cNvPr>
+            <p:cNvSpPr/>
+            <p:nvPr/>
+          </p:nvSpPr>
+          <p:spPr>
+            <a:xfrm>
+              <a:off x="8019919" y="2238407"/>
+              <a:ext cx="381964" cy="347240"/>
+            </a:xfrm>
+            <a:prstGeom prst="rect">
+              <a:avLst/>
+            </a:prstGeom>
+          </p:spPr>
+          <p:style>
+            <a:lnRef idx="2">
+              <a:schemeClr val="accent6"/>
+            </a:lnRef>
+            <a:fillRef idx="1">
+              <a:schemeClr val="lt1"/>
+            </a:fillRef>
+            <a:effectRef idx="0">
+              <a:schemeClr val="accent6"/>
+            </a:effectRef>
+            <a:fontRef idx="minor">
+              <a:schemeClr val="dk1"/>
+            </a:fontRef>
+          </p:style>
+          <p:txBody>
+            <a:bodyPr rtlCol="0" anchor="ctr"/>
+            <a:lstStyle/>
+            <a:p>
+              <a:pPr algn="ctr"/>
+              <a:r>
+                <a:rPr lang="ro-RO" sz="1200" noProof="0" dirty="0" err="1"/>
+                <a:t>vn</a:t>
+              </a:r>
+              <a:endParaRPr lang="ro-RO" sz="1200" noProof="0" dirty="0"/>
+            </a:p>
+          </p:txBody>
+        </p:sp>
+      </p:grpSp>
+      <p:sp>
+        <p:nvSpPr>
+          <p:cNvPr id="56" name="TextBox 55">
+            <a:extLst>
+              <a:ext uri="{FF2B5EF4-FFF2-40B4-BE49-F238E27FC236}">
+                <a16:creationId xmlns:a16="http://schemas.microsoft.com/office/drawing/2014/main" id="{6EB88763-7D30-FCB1-5B31-0237CB56F0E1}"/>
+              </a:ext>
+            </a:extLst>
+          </p:cNvPr>
+          <p:cNvSpPr txBox="1"/>
+          <p:nvPr/>
+        </p:nvSpPr>
+        <p:spPr>
+          <a:xfrm>
+            <a:off x="1525960" y="5256061"/>
+            <a:ext cx="1527187" cy="923330"/>
+          </a:xfrm>
+          <a:prstGeom prst="rect">
+            <a:avLst/>
+          </a:prstGeom>
+          <a:noFill/>
+        </p:spPr>
+        <p:txBody>
+          <a:bodyPr wrap="square" rtlCol="0">
+            <a:spAutoFit/>
+          </a:bodyPr>
+          <a:lstStyle/>
+          <a:p>
+            <a:r>
+              <a:rPr lang="de-DE" noProof="0" dirty="0"/>
+              <a:t>Al </a:t>
+            </a:r>
+            <a:r>
+              <a:rPr lang="de-DE" noProof="0" dirty="0" err="1"/>
+              <a:t>doilea</a:t>
+            </a:r>
+            <a:r>
+              <a:rPr lang="de-DE" noProof="0" dirty="0"/>
+              <a:t> </a:t>
+            </a:r>
+            <a:r>
+              <a:rPr lang="de-DE" noProof="0" dirty="0" err="1"/>
+              <a:t>vector</a:t>
+            </a:r>
+            <a:r>
+              <a:rPr lang="de-DE" noProof="0" dirty="0"/>
+              <a:t> </a:t>
+            </a:r>
+            <a:r>
+              <a:rPr lang="ro-RO" noProof="0" dirty="0"/>
+              <a:t>de antrenament</a:t>
+            </a:r>
+          </a:p>
+        </p:txBody>
+      </p:sp>
+      <p:grpSp>
+        <p:nvGrpSpPr>
+          <p:cNvPr id="60" name="Group 59">
+            <a:extLst>
+              <a:ext uri="{FF2B5EF4-FFF2-40B4-BE49-F238E27FC236}">
+                <a16:creationId xmlns:a16="http://schemas.microsoft.com/office/drawing/2014/main" id="{E2557140-3321-CB40-EC51-3D9FF20CC10B}"/>
+              </a:ext>
+            </a:extLst>
+          </p:cNvPr>
+          <p:cNvGrpSpPr/>
+          <p:nvPr/>
+        </p:nvGrpSpPr>
+        <p:grpSpPr>
+          <a:xfrm>
+            <a:off x="4342169" y="5717726"/>
+            <a:ext cx="3193504" cy="799556"/>
+            <a:chOff x="2700681" y="5465575"/>
+            <a:chExt cx="3193504" cy="799556"/>
+          </a:xfrm>
+        </p:grpSpPr>
+        <p:sp>
+          <p:nvSpPr>
+            <p:cNvPr id="55" name="Left Brace 54">
+              <a:extLst>
+                <a:ext uri="{FF2B5EF4-FFF2-40B4-BE49-F238E27FC236}">
+                  <a16:creationId xmlns:a16="http://schemas.microsoft.com/office/drawing/2014/main" id="{86FC22F1-71BA-2FB0-5648-44509D7BCB73}"/>
+                </a:ext>
+              </a:extLst>
+            </p:cNvPr>
+            <p:cNvSpPr/>
+            <p:nvPr/>
+          </p:nvSpPr>
+          <p:spPr>
+            <a:xfrm rot="16200000">
+              <a:off x="3247258" y="5096948"/>
+              <a:ext cx="347241" cy="1145892"/>
+            </a:xfrm>
+            <a:prstGeom prst="leftBrace">
+              <a:avLst/>
+            </a:prstGeom>
+          </p:spPr>
+          <p:style>
+            <a:lnRef idx="2">
+              <a:schemeClr val="accent1"/>
+            </a:lnRef>
+            <a:fillRef idx="0">
+              <a:schemeClr val="accent1"/>
+            </a:fillRef>
+            <a:effectRef idx="1">
+              <a:schemeClr val="accent1"/>
+            </a:effectRef>
+            <a:fontRef idx="minor">
+              <a:schemeClr val="tx1"/>
+            </a:fontRef>
+          </p:style>
+          <p:txBody>
+            <a:bodyPr rtlCol="0" anchor="ctr"/>
+            <a:lstStyle/>
+            <a:p>
+              <a:pPr algn="ctr"/>
+              <a:endParaRPr lang="ro-RO" noProof="0" dirty="0"/>
+            </a:p>
+          </p:txBody>
+        </p:sp>
+        <p:sp>
+          <p:nvSpPr>
+            <p:cNvPr id="57" name="TextBox 56">
+              <a:extLst>
+                <a:ext uri="{FF2B5EF4-FFF2-40B4-BE49-F238E27FC236}">
+                  <a16:creationId xmlns:a16="http://schemas.microsoft.com/office/drawing/2014/main" id="{E269C446-7454-24F5-7056-464FAB989A14}"/>
+                </a:ext>
+              </a:extLst>
+            </p:cNvPr>
+            <p:cNvSpPr txBox="1"/>
+            <p:nvPr/>
+          </p:nvSpPr>
+          <p:spPr>
+            <a:xfrm>
+              <a:off x="2700681" y="5895799"/>
+              <a:ext cx="1440394" cy="369332"/>
+            </a:xfrm>
+            <a:prstGeom prst="rect">
+              <a:avLst/>
+            </a:prstGeom>
+            <a:noFill/>
+          </p:spPr>
+          <p:txBody>
+            <a:bodyPr wrap="none" rtlCol="0">
+              <a:spAutoFit/>
+            </a:bodyPr>
+            <a:lstStyle/>
+            <a:p>
+              <a:r>
+                <a:rPr lang="ro-RO" noProof="0" dirty="0"/>
+                <a:t>Valori intrare</a:t>
+              </a:r>
+            </a:p>
+          </p:txBody>
+        </p:sp>
+        <p:sp>
+          <p:nvSpPr>
+            <p:cNvPr id="58" name="TextBox 57">
+              <a:extLst>
+                <a:ext uri="{FF2B5EF4-FFF2-40B4-BE49-F238E27FC236}">
+                  <a16:creationId xmlns:a16="http://schemas.microsoft.com/office/drawing/2014/main" id="{23A4DBAB-F6BE-7C3E-127B-EF25855CBE65}"/>
+                </a:ext>
+              </a:extLst>
+            </p:cNvPr>
+            <p:cNvSpPr txBox="1"/>
+            <p:nvPr/>
+          </p:nvSpPr>
+          <p:spPr>
+            <a:xfrm>
+              <a:off x="4373128" y="5895799"/>
+              <a:ext cx="1521057" cy="369332"/>
+            </a:xfrm>
+            <a:prstGeom prst="rect">
+              <a:avLst/>
+            </a:prstGeom>
+            <a:noFill/>
+          </p:spPr>
+          <p:txBody>
+            <a:bodyPr wrap="none" rtlCol="0">
+              <a:spAutoFit/>
+            </a:bodyPr>
+            <a:lstStyle/>
+            <a:p>
+              <a:r>
+                <a:rPr lang="ro-RO" noProof="0" dirty="0"/>
+                <a:t>Valoare ieșire</a:t>
+              </a:r>
+            </a:p>
+          </p:txBody>
+        </p:sp>
+        <p:cxnSp>
+          <p:nvCxnSpPr>
+            <p:cNvPr id="59" name="Straight Arrow Connector 58">
+              <a:extLst>
+                <a:ext uri="{FF2B5EF4-FFF2-40B4-BE49-F238E27FC236}">
+                  <a16:creationId xmlns:a16="http://schemas.microsoft.com/office/drawing/2014/main" id="{DE99C3AA-3C62-9AA9-47A2-BD7CF7CBF459}"/>
+                </a:ext>
+              </a:extLst>
+            </p:cNvPr>
+            <p:cNvCxnSpPr>
+              <a:cxnSpLocks/>
+              <a:stCxn id="58" idx="0"/>
+              <a:endCxn id="45" idx="2"/>
+            </p:cNvCxnSpPr>
+            <p:nvPr/>
+          </p:nvCxnSpPr>
+          <p:spPr>
+            <a:xfrm flipH="1" flipV="1">
+              <a:off x="4175347" y="5465575"/>
+              <a:ext cx="958310" cy="430224"/>
+            </a:xfrm>
+            <a:prstGeom prst="straightConnector1">
+              <a:avLst/>
+            </a:prstGeom>
+            <a:ln>
+              <a:tailEnd type="triangle"/>
+            </a:ln>
+          </p:spPr>
+          <p:style>
+            <a:lnRef idx="2">
+              <a:schemeClr val="accent1"/>
+            </a:lnRef>
+            <a:fillRef idx="0">
+              <a:schemeClr val="accent1"/>
+            </a:fillRef>
+            <a:effectRef idx="1">
+              <a:schemeClr val="accent1"/>
+            </a:effectRef>
+            <a:fontRef idx="minor">
+              <a:schemeClr val="tx1"/>
+            </a:fontRef>
+          </p:style>
+        </p:cxnSp>
+      </p:grpSp>
+      <p:cxnSp>
+        <p:nvCxnSpPr>
+          <p:cNvPr id="62" name="Straight Connector 61">
+            <a:extLst>
+              <a:ext uri="{FF2B5EF4-FFF2-40B4-BE49-F238E27FC236}">
+                <a16:creationId xmlns:a16="http://schemas.microsoft.com/office/drawing/2014/main" id="{A3569AEF-C88A-5F98-27E3-491FD508E946}"/>
+              </a:ext>
+            </a:extLst>
+          </p:cNvPr>
+          <p:cNvCxnSpPr/>
+          <p:nvPr/>
+        </p:nvCxnSpPr>
+        <p:spPr>
+          <a:xfrm>
+            <a:off x="7483489" y="2741746"/>
+            <a:ext cx="0" cy="1597306"/>
+          </a:xfrm>
+          <a:prstGeom prst="line">
+            <a:avLst/>
+          </a:prstGeom>
+          <a:ln w="19050" cap="flat" cmpd="sng" algn="ctr">
+            <a:solidFill>
+              <a:schemeClr val="accent1"/>
+            </a:solidFill>
+            <a:prstDash val="dash"/>
+            <a:round/>
+            <a:headEnd type="none" w="med" len="med"/>
+            <a:tailEnd type="none" w="med" len="med"/>
+          </a:ln>
+        </p:spPr>
+        <p:style>
+          <a:lnRef idx="0">
+            <a:scrgbClr r="0" g="0" b="0"/>
+          </a:lnRef>
+          <a:fillRef idx="0">
+            <a:scrgbClr r="0" g="0" b="0"/>
+          </a:fillRef>
+          <a:effectRef idx="0">
+            <a:scrgbClr r="0" g="0" b="0"/>
+          </a:effectRef>
+          <a:fontRef idx="minor">
+            <a:schemeClr val="tx1"/>
+          </a:fontRef>
+        </p:style>
+      </p:cxnSp>
+      <p:cxnSp>
+        <p:nvCxnSpPr>
+          <p:cNvPr id="64" name="Straight Arrow Connector 63">
+            <a:extLst>
+              <a:ext uri="{FF2B5EF4-FFF2-40B4-BE49-F238E27FC236}">
+                <a16:creationId xmlns:a16="http://schemas.microsoft.com/office/drawing/2014/main" id="{23A6A63A-43D4-7822-CA87-D55F2D11E7B9}"/>
+              </a:ext>
+            </a:extLst>
+          </p:cNvPr>
+          <p:cNvCxnSpPr>
+            <a:cxnSpLocks/>
+          </p:cNvCxnSpPr>
+          <p:nvPr/>
+        </p:nvCxnSpPr>
+        <p:spPr>
+          <a:xfrm>
+            <a:off x="7491942" y="3100060"/>
+            <a:ext cx="1909820" cy="0"/>
+          </a:xfrm>
+          <a:prstGeom prst="straightConnector1">
+            <a:avLst/>
+          </a:prstGeom>
+          <a:ln>
+            <a:headEnd type="triangle"/>
+            <a:tailEnd type="triangle"/>
+          </a:ln>
+        </p:spPr>
+        <p:style>
+          <a:lnRef idx="2">
+            <a:schemeClr val="accent1"/>
+          </a:lnRef>
+          <a:fillRef idx="0">
+            <a:schemeClr val="accent1"/>
+          </a:fillRef>
+          <a:effectRef idx="1">
+            <a:schemeClr val="accent1"/>
+          </a:effectRef>
+          <a:fontRef idx="minor">
+            <a:schemeClr val="tx1"/>
+          </a:fontRef>
+        </p:style>
+      </p:cxnSp>
+      <p:sp>
+        <p:nvSpPr>
+          <p:cNvPr id="69" name="TextBox 68">
+            <a:extLst>
+              <a:ext uri="{FF2B5EF4-FFF2-40B4-BE49-F238E27FC236}">
+                <a16:creationId xmlns:a16="http://schemas.microsoft.com/office/drawing/2014/main" id="{E9211E78-F3DE-CFE5-5C83-BE61F797CBFB}"/>
+              </a:ext>
+            </a:extLst>
+          </p:cNvPr>
+          <p:cNvSpPr txBox="1"/>
+          <p:nvPr/>
+        </p:nvSpPr>
+        <p:spPr>
+          <a:xfrm>
+            <a:off x="8167651" y="2801154"/>
+            <a:ext cx="622286" cy="369332"/>
+          </a:xfrm>
+          <a:prstGeom prst="rect">
+            <a:avLst/>
+          </a:prstGeom>
+          <a:noFill/>
+        </p:spPr>
+        <p:txBody>
+          <a:bodyPr wrap="none" rtlCol="0">
+            <a:spAutoFit/>
+          </a:bodyPr>
+          <a:lstStyle/>
+          <a:p>
+            <a:r>
+              <a:rPr lang="de-DE" dirty="0"/>
+              <a:t>30%</a:t>
+            </a:r>
+          </a:p>
+        </p:txBody>
+      </p:sp>
+    </p:spTree>
+    <p:extLst>
+      <p:ext uri="{BB962C8B-B14F-4D97-AF65-F5344CB8AC3E}">
+        <p14:creationId xmlns:p14="http://schemas.microsoft.com/office/powerpoint/2010/main" val="3470904241"/>
+      </p:ext>
+    </p:extLst>
+  </p:cSld>
+  <p:clrMapOvr>
+    <a:masterClrMapping/>
+  </p:clrMapOvr>
+</p:sld>
+</file>
+
+<file path=ppt/slides/slide8.xml><?xml version="1.0" encoding="utf-8"?>
+<p:sld xmlns:a="http://schemas.openxmlformats.org/drawingml/2006/main" xmlns:r="http://schemas.openxmlformats.org/officeDocument/2006/relationships" xmlns:p="http://schemas.openxmlformats.org/presentationml/2006/main">
+  <p:cSld>
+    <p:spTree>
+      <p:nvGrpSpPr>
+        <p:cNvPr id="1" name=""/>
+        <p:cNvGrpSpPr/>
+        <p:nvPr/>
+      </p:nvGrpSpPr>
+      <p:grpSpPr>
+        <a:xfrm>
+          <a:off x="0" y="0"/>
+          <a:ext cx="0" cy="0"/>
+          <a:chOff x="0" y="0"/>
+          <a:chExt cx="0" cy="0"/>
+        </a:xfrm>
+      </p:grpSpPr>
+      <p:sp>
+        <p:nvSpPr>
+          <p:cNvPr id="2" name="Title 1">
+            <a:extLst>
+              <a:ext uri="{FF2B5EF4-FFF2-40B4-BE49-F238E27FC236}">
+                <a16:creationId xmlns:a16="http://schemas.microsoft.com/office/drawing/2014/main" id="{117A1306-0167-718F-0605-9E126506B4B8}"/>
+              </a:ext>
+            </a:extLst>
+          </p:cNvPr>
+          <p:cNvSpPr>
+            <a:spLocks noGrp="1"/>
+          </p:cNvSpPr>
+          <p:nvPr>
+            <p:ph type="title"/>
+          </p:nvPr>
+        </p:nvSpPr>
+        <p:spPr/>
+        <p:txBody>
+          <a:bodyPr/>
+          <a:lstStyle/>
+          <a:p>
+            <a:r>
+              <a:rPr lang="de-DE" dirty="0" err="1"/>
+              <a:t>Estimare</a:t>
+            </a:r>
+            <a:endParaRPr lang="de-DE" dirty="0"/>
+          </a:p>
+        </p:txBody>
+      </p:sp>
+      <p:pic>
+        <p:nvPicPr>
+          <p:cNvPr id="5" name="Content Placeholder 4">
+            <a:extLst>
+              <a:ext uri="{FF2B5EF4-FFF2-40B4-BE49-F238E27FC236}">
+                <a16:creationId xmlns:a16="http://schemas.microsoft.com/office/drawing/2014/main" id="{FBE1BD1B-DB46-B04D-222F-F5C3F713BC2B}"/>
+              </a:ext>
+            </a:extLst>
+          </p:cNvPr>
+          <p:cNvPicPr>
+            <a:picLocks noGrp="1" noChangeAspect="1"/>
+          </p:cNvPicPr>
+          <p:nvPr>
+            <p:ph idx="1"/>
+          </p:nvPr>
+        </p:nvPicPr>
+        <p:blipFill>
+          <a:blip r:embed="rId2"/>
+          <a:stretch>
+            <a:fillRect/>
+          </a:stretch>
+        </p:blipFill>
+        <p:spPr>
+          <a:xfrm>
+            <a:off x="4646039" y="1547832"/>
+            <a:ext cx="6889796" cy="3128340"/>
+          </a:xfrm>
+        </p:spPr>
+      </p:pic>
+      <p:sp>
+        <p:nvSpPr>
+          <p:cNvPr id="9" name="Rectangle 8">
+            <a:extLst>
+              <a:ext uri="{FF2B5EF4-FFF2-40B4-BE49-F238E27FC236}">
+                <a16:creationId xmlns:a16="http://schemas.microsoft.com/office/drawing/2014/main" id="{3D3B9A26-2D85-F857-CA92-25A95D4A8E0A}"/>
+              </a:ext>
+            </a:extLst>
+          </p:cNvPr>
+          <p:cNvSpPr/>
+          <p:nvPr/>
+        </p:nvSpPr>
+        <p:spPr>
+          <a:xfrm>
+            <a:off x="5793130" y="5741043"/>
+            <a:ext cx="381964" cy="347240"/>
+          </a:xfrm>
+          <a:prstGeom prst="rect">
+            <a:avLst/>
+          </a:prstGeom>
+        </p:spPr>
+        <p:style>
+          <a:lnRef idx="2">
+            <a:schemeClr val="accent6"/>
+          </a:lnRef>
+          <a:fillRef idx="1">
+            <a:schemeClr val="lt1"/>
+          </a:fillRef>
+          <a:effectRef idx="0">
+            <a:schemeClr val="accent6"/>
+          </a:effectRef>
+          <a:fontRef idx="minor">
+            <a:schemeClr val="dk1"/>
+          </a:fontRef>
+        </p:style>
+        <p:txBody>
+          <a:bodyPr rtlCol="0" anchor="ctr"/>
+          <a:lstStyle/>
+          <a:p>
+            <a:pPr algn="ctr"/>
+            <a:r>
+              <a:rPr lang="ro-RO" sz="1200" noProof="0" dirty="0"/>
+              <a:t>v1</a:t>
+            </a:r>
+          </a:p>
+        </p:txBody>
+      </p:sp>
+      <p:sp>
+        <p:nvSpPr>
+          <p:cNvPr id="10" name="Rectangle 9">
+            <a:extLst>
+              <a:ext uri="{FF2B5EF4-FFF2-40B4-BE49-F238E27FC236}">
+                <a16:creationId xmlns:a16="http://schemas.microsoft.com/office/drawing/2014/main" id="{96F32C89-2079-7570-6F51-FF4E496CE373}"/>
+              </a:ext>
+            </a:extLst>
+          </p:cNvPr>
+          <p:cNvSpPr/>
+          <p:nvPr/>
+        </p:nvSpPr>
+        <p:spPr>
+          <a:xfrm>
+            <a:off x="6175094" y="5741043"/>
+            <a:ext cx="381964" cy="347240"/>
+          </a:xfrm>
+          <a:prstGeom prst="rect">
+            <a:avLst/>
+          </a:prstGeom>
+        </p:spPr>
+        <p:style>
+          <a:lnRef idx="2">
+            <a:schemeClr val="accent6"/>
+          </a:lnRef>
+          <a:fillRef idx="1">
+            <a:schemeClr val="lt1"/>
+          </a:fillRef>
+          <a:effectRef idx="0">
+            <a:schemeClr val="accent6"/>
+          </a:effectRef>
+          <a:fontRef idx="minor">
+            <a:schemeClr val="dk1"/>
+          </a:fontRef>
+        </p:style>
+        <p:txBody>
+          <a:bodyPr rtlCol="0" anchor="ctr"/>
+          <a:lstStyle/>
+          <a:p>
+            <a:pPr algn="ctr"/>
+            <a:r>
+              <a:rPr lang="ro-RO" sz="1200" noProof="0" dirty="0"/>
+              <a:t>V2</a:t>
+            </a:r>
+          </a:p>
+        </p:txBody>
+      </p:sp>
+      <p:sp>
+        <p:nvSpPr>
+          <p:cNvPr id="11" name="Rectangle 10">
+            <a:extLst>
+              <a:ext uri="{FF2B5EF4-FFF2-40B4-BE49-F238E27FC236}">
+                <a16:creationId xmlns:a16="http://schemas.microsoft.com/office/drawing/2014/main" id="{8F4EE00A-E300-37A3-3AAC-147301F3A450}"/>
+              </a:ext>
+            </a:extLst>
+          </p:cNvPr>
+          <p:cNvSpPr/>
+          <p:nvPr/>
+        </p:nvSpPr>
+        <p:spPr>
+          <a:xfrm>
+            <a:off x="6557058" y="5741043"/>
+            <a:ext cx="381964" cy="347240"/>
+          </a:xfrm>
+          <a:prstGeom prst="rect">
+            <a:avLst/>
+          </a:prstGeom>
+        </p:spPr>
+        <p:style>
+          <a:lnRef idx="2">
+            <a:schemeClr val="accent6"/>
+          </a:lnRef>
+          <a:fillRef idx="1">
+            <a:schemeClr val="lt1"/>
+          </a:fillRef>
+          <a:effectRef idx="0">
+            <a:schemeClr val="accent6"/>
+          </a:effectRef>
+          <a:fontRef idx="minor">
+            <a:schemeClr val="dk1"/>
+          </a:fontRef>
+        </p:style>
+        <p:txBody>
+          <a:bodyPr rtlCol="0" anchor="ctr"/>
+          <a:lstStyle/>
+          <a:p>
+            <a:pPr algn="ctr"/>
+            <a:r>
+              <a:rPr lang="ro-RO" sz="1200" noProof="0" dirty="0"/>
+              <a:t>v3</a:t>
+            </a:r>
+          </a:p>
+        </p:txBody>
+      </p:sp>
+      <p:sp>
+        <p:nvSpPr>
+          <p:cNvPr id="24" name="Arrow: Up 23">
+            <a:extLst>
+              <a:ext uri="{FF2B5EF4-FFF2-40B4-BE49-F238E27FC236}">
+                <a16:creationId xmlns:a16="http://schemas.microsoft.com/office/drawing/2014/main" id="{28F59AE7-B2F8-9A56-E29D-376AFB6269EA}"/>
+              </a:ext>
+            </a:extLst>
+          </p:cNvPr>
+          <p:cNvSpPr/>
+          <p:nvPr/>
+        </p:nvSpPr>
+        <p:spPr>
+          <a:xfrm>
+            <a:off x="6175094" y="4699886"/>
+            <a:ext cx="381964" cy="844952"/>
+          </a:xfrm>
+          <a:prstGeom prst="upArrow">
+            <a:avLst/>
+          </a:prstGeom>
+        </p:spPr>
+        <p:style>
+          <a:lnRef idx="2">
+            <a:schemeClr val="accent1">
+              <a:shade val="15000"/>
+            </a:schemeClr>
+          </a:lnRef>
+          <a:fillRef idx="1">
+            <a:schemeClr val="accent1"/>
+          </a:fillRef>
+          <a:effectRef idx="0">
+            <a:schemeClr val="accent1"/>
+          </a:effectRef>
+          <a:fontRef idx="minor">
+            <a:schemeClr val="lt1"/>
+          </a:fontRef>
+        </p:style>
+        <p:txBody>
+          <a:bodyPr rtlCol="0" anchor="ctr"/>
+          <a:lstStyle/>
+          <a:p>
+            <a:pPr algn="ctr"/>
+            <a:endParaRPr lang="de-DE"/>
+          </a:p>
+        </p:txBody>
+      </p:sp>
+      <p:sp>
+        <p:nvSpPr>
+          <p:cNvPr id="25" name="TextBox 24">
+            <a:extLst>
+              <a:ext uri="{FF2B5EF4-FFF2-40B4-BE49-F238E27FC236}">
+                <a16:creationId xmlns:a16="http://schemas.microsoft.com/office/drawing/2014/main" id="{8BB8E8FB-63B5-3F80-2CD6-14C678E6C93B}"/>
+              </a:ext>
+            </a:extLst>
+          </p:cNvPr>
+          <p:cNvSpPr txBox="1"/>
+          <p:nvPr/>
+        </p:nvSpPr>
+        <p:spPr>
+          <a:xfrm>
+            <a:off x="3046546" y="5741043"/>
+            <a:ext cx="1821204" cy="369332"/>
+          </a:xfrm>
+          <a:prstGeom prst="rect">
+            <a:avLst/>
+          </a:prstGeom>
+          <a:noFill/>
+        </p:spPr>
+        <p:txBody>
+          <a:bodyPr wrap="none" rtlCol="0">
+            <a:spAutoFit/>
+          </a:bodyPr>
+          <a:lstStyle/>
+          <a:p>
+            <a:r>
+              <a:rPr lang="de-DE" dirty="0"/>
+              <a:t>Vector de </a:t>
+            </a:r>
+            <a:r>
+              <a:rPr lang="de-DE" dirty="0" err="1"/>
+              <a:t>intrare</a:t>
+            </a:r>
+            <a:endParaRPr lang="de-DE" dirty="0"/>
+          </a:p>
+        </p:txBody>
+      </p:sp>
+      <p:sp>
+        <p:nvSpPr>
+          <p:cNvPr id="26" name="TextBox 25">
+            <a:extLst>
+              <a:ext uri="{FF2B5EF4-FFF2-40B4-BE49-F238E27FC236}">
+                <a16:creationId xmlns:a16="http://schemas.microsoft.com/office/drawing/2014/main" id="{BE6CC052-2D49-3B04-1BA2-62BD48955386}"/>
+              </a:ext>
+            </a:extLst>
+          </p:cNvPr>
+          <p:cNvSpPr txBox="1"/>
+          <p:nvPr/>
+        </p:nvSpPr>
+        <p:spPr>
+          <a:xfrm>
+            <a:off x="2824223" y="2615878"/>
+            <a:ext cx="1474314" cy="369332"/>
+          </a:xfrm>
+          <a:prstGeom prst="rect">
+            <a:avLst/>
+          </a:prstGeom>
+          <a:noFill/>
+        </p:spPr>
+        <p:txBody>
+          <a:bodyPr wrap="none" rtlCol="0">
+            <a:spAutoFit/>
+          </a:bodyPr>
+          <a:lstStyle/>
+          <a:p>
+            <a:r>
+              <a:rPr lang="de-DE" dirty="0" err="1"/>
+              <a:t>Reteua</a:t>
+            </a:r>
+            <a:r>
+              <a:rPr lang="de-DE" dirty="0"/>
+              <a:t> LSTM</a:t>
+            </a:r>
+          </a:p>
+        </p:txBody>
+      </p:sp>
+      <p:sp>
+        <p:nvSpPr>
+          <p:cNvPr id="27" name="TextBox 26">
+            <a:extLst>
+              <a:ext uri="{FF2B5EF4-FFF2-40B4-BE49-F238E27FC236}">
+                <a16:creationId xmlns:a16="http://schemas.microsoft.com/office/drawing/2014/main" id="{A6C00E80-04C1-66F1-83EF-6B2FE745CBBE}"/>
+              </a:ext>
+            </a:extLst>
+          </p:cNvPr>
+          <p:cNvSpPr txBox="1"/>
+          <p:nvPr/>
+        </p:nvSpPr>
+        <p:spPr>
+          <a:xfrm>
+            <a:off x="4692509" y="4306840"/>
+            <a:ext cx="1643399" cy="369332"/>
+          </a:xfrm>
+          <a:prstGeom prst="rect">
+            <a:avLst/>
+          </a:prstGeom>
+          <a:noFill/>
+        </p:spPr>
+        <p:txBody>
+          <a:bodyPr wrap="none" rtlCol="0">
+            <a:spAutoFit/>
+          </a:bodyPr>
+          <a:lstStyle/>
+          <a:p>
+            <a:r>
+              <a:rPr lang="de-DE" dirty="0" err="1"/>
+              <a:t>Intrare</a:t>
+            </a:r>
+            <a:r>
+              <a:rPr lang="de-DE" dirty="0"/>
+              <a:t> in LSTM</a:t>
+            </a:r>
+          </a:p>
+        </p:txBody>
+      </p:sp>
+      <p:sp>
+        <p:nvSpPr>
+          <p:cNvPr id="29" name="TextBox 28">
+            <a:extLst>
+              <a:ext uri="{FF2B5EF4-FFF2-40B4-BE49-F238E27FC236}">
+                <a16:creationId xmlns:a16="http://schemas.microsoft.com/office/drawing/2014/main" id="{ADBE507E-A689-0599-BA12-F399B52104E5}"/>
+              </a:ext>
+            </a:extLst>
+          </p:cNvPr>
+          <p:cNvSpPr txBox="1"/>
+          <p:nvPr/>
+        </p:nvSpPr>
+        <p:spPr>
+          <a:xfrm>
+            <a:off x="532435" y="1956122"/>
+            <a:ext cx="2291788" cy="3970318"/>
+          </a:xfrm>
+          <a:prstGeom prst="rect">
+            <a:avLst/>
+          </a:prstGeom>
+          <a:noFill/>
+        </p:spPr>
+        <p:txBody>
+          <a:bodyPr wrap="square" rtlCol="0">
+            <a:spAutoFit/>
+          </a:bodyPr>
+          <a:lstStyle/>
+          <a:p>
+            <a:r>
+              <a:rPr lang="de-DE" dirty="0" err="1"/>
+              <a:t>Pe</a:t>
+            </a:r>
+            <a:r>
+              <a:rPr lang="de-DE" dirty="0"/>
+              <a:t> </a:t>
+            </a:r>
+            <a:r>
+              <a:rPr lang="de-DE" dirty="0" err="1"/>
+              <a:t>rand</a:t>
+            </a:r>
+            <a:r>
+              <a:rPr lang="de-DE" dirty="0"/>
+              <a:t> vom </a:t>
+            </a:r>
+            <a:r>
+              <a:rPr lang="de-DE" dirty="0" err="1"/>
+              <a:t>introduce</a:t>
+            </a:r>
+            <a:r>
+              <a:rPr lang="de-DE" dirty="0"/>
+              <a:t> </a:t>
+            </a:r>
+            <a:r>
+              <a:rPr lang="de-DE" dirty="0" err="1"/>
+              <a:t>valorile</a:t>
+            </a:r>
+            <a:r>
+              <a:rPr lang="de-DE" dirty="0"/>
+              <a:t> </a:t>
+            </a:r>
+            <a:r>
+              <a:rPr lang="de-DE" dirty="0" err="1"/>
+              <a:t>din</a:t>
+            </a:r>
+            <a:r>
+              <a:rPr lang="de-DE" dirty="0"/>
+              <a:t> </a:t>
+            </a:r>
+            <a:r>
+              <a:rPr lang="de-DE" dirty="0" err="1"/>
+              <a:t>vectorul</a:t>
+            </a:r>
+            <a:r>
+              <a:rPr lang="de-DE" dirty="0"/>
+              <a:t> de </a:t>
+            </a:r>
+            <a:r>
+              <a:rPr lang="de-DE" dirty="0" err="1"/>
+              <a:t>intrare</a:t>
+            </a:r>
+            <a:r>
+              <a:rPr lang="de-DE" dirty="0"/>
+              <a:t> de la </a:t>
+            </a:r>
+            <a:r>
+              <a:rPr lang="de-DE" dirty="0" err="1"/>
+              <a:t>stanga</a:t>
+            </a:r>
+            <a:r>
+              <a:rPr lang="de-DE" dirty="0"/>
+              <a:t> la </a:t>
+            </a:r>
+            <a:r>
+              <a:rPr lang="de-DE" dirty="0" err="1"/>
+              <a:t>dreapta</a:t>
+            </a:r>
+            <a:r>
+              <a:rPr lang="de-DE" dirty="0"/>
+              <a:t> (in </a:t>
+            </a:r>
+            <a:r>
+              <a:rPr lang="de-DE" dirty="0" err="1"/>
+              <a:t>ordinea</a:t>
+            </a:r>
+            <a:r>
+              <a:rPr lang="de-DE" dirty="0"/>
+              <a:t> </a:t>
+            </a:r>
+            <a:r>
+              <a:rPr lang="de-DE" dirty="0" err="1"/>
+              <a:t>crescatoare</a:t>
+            </a:r>
+            <a:r>
+              <a:rPr lang="de-DE" dirty="0"/>
+              <a:t> a </a:t>
+            </a:r>
+            <a:r>
+              <a:rPr lang="de-DE" dirty="0" err="1"/>
+              <a:t>timpului</a:t>
+            </a:r>
+            <a:r>
+              <a:rPr lang="de-DE" dirty="0"/>
+              <a:t>) in </a:t>
+            </a:r>
+            <a:r>
+              <a:rPr lang="de-DE" dirty="0" err="1"/>
+              <a:t>reteaua</a:t>
+            </a:r>
+            <a:r>
+              <a:rPr lang="de-DE" dirty="0"/>
+              <a:t> LSTM. </a:t>
+            </a:r>
+            <a:r>
+              <a:rPr lang="de-DE" dirty="0" err="1"/>
+              <a:t>Pentru</a:t>
+            </a:r>
+            <a:r>
+              <a:rPr lang="de-DE" dirty="0"/>
+              <a:t> </a:t>
+            </a:r>
+            <a:r>
+              <a:rPr lang="de-DE" dirty="0" err="1"/>
+              <a:t>fiecare</a:t>
+            </a:r>
+            <a:r>
+              <a:rPr lang="de-DE" dirty="0"/>
+              <a:t> vom </a:t>
+            </a:r>
+            <a:r>
+              <a:rPr lang="de-DE" dirty="0" err="1"/>
+              <a:t>obtine</a:t>
+            </a:r>
+            <a:r>
+              <a:rPr lang="de-DE" dirty="0"/>
+              <a:t> o </a:t>
+            </a:r>
+            <a:r>
+              <a:rPr lang="de-DE" dirty="0" err="1"/>
+              <a:t>valoare</a:t>
+            </a:r>
+            <a:r>
+              <a:rPr lang="de-DE" dirty="0"/>
+              <a:t> de </a:t>
+            </a:r>
+            <a:r>
+              <a:rPr lang="de-DE" dirty="0" err="1"/>
+              <a:t>iesire</a:t>
+            </a:r>
+            <a:r>
+              <a:rPr lang="de-DE" dirty="0"/>
+              <a:t> in out, dar </a:t>
+            </a:r>
+            <a:r>
+              <a:rPr lang="de-DE" dirty="0" err="1"/>
+              <a:t>doar</a:t>
+            </a:r>
+            <a:r>
+              <a:rPr lang="de-DE" dirty="0"/>
+              <a:t> </a:t>
+            </a:r>
+            <a:r>
+              <a:rPr lang="de-DE" dirty="0" err="1"/>
+              <a:t>ultima</a:t>
+            </a:r>
+            <a:r>
+              <a:rPr lang="de-DE" dirty="0"/>
+              <a:t> e </a:t>
+            </a:r>
+            <a:r>
+              <a:rPr lang="de-DE" dirty="0" err="1"/>
+              <a:t>estimarea</a:t>
+            </a:r>
+            <a:r>
+              <a:rPr lang="de-DE" dirty="0"/>
+              <a:t> care ne </a:t>
+            </a:r>
+            <a:r>
+              <a:rPr lang="de-DE" dirty="0" err="1"/>
+              <a:t>trebuie</a:t>
+            </a:r>
+            <a:r>
+              <a:rPr lang="de-DE" dirty="0"/>
+              <a:t> si o vom </a:t>
+            </a:r>
+            <a:r>
+              <a:rPr lang="de-DE" dirty="0" err="1"/>
+              <a:t>folosi</a:t>
+            </a:r>
+            <a:r>
+              <a:rPr lang="de-DE" dirty="0"/>
+              <a:t>. </a:t>
+            </a:r>
+          </a:p>
+        </p:txBody>
+      </p:sp>
+    </p:spTree>
+    <p:extLst>
+      <p:ext uri="{BB962C8B-B14F-4D97-AF65-F5344CB8AC3E}">
+        <p14:creationId xmlns:p14="http://schemas.microsoft.com/office/powerpoint/2010/main" val="717662175"/>
+      </p:ext>
+    </p:extLst>
+  </p:cSld>
+  <p:clrMapOvr>
+    <a:masterClrMapping/>
+  </p:clrMapOvr>
+</p:sld>
+</file>
+
+<file path=ppt/slides/slide9.xml><?xml version="1.0" encoding="utf-8"?>
+<p:sld xmlns:a="http://schemas.openxmlformats.org/drawingml/2006/main" xmlns:r="http://schemas.openxmlformats.org/officeDocument/2006/relationships" xmlns:p="http://schemas.openxmlformats.org/presentationml/2006/main">
+  <p:cSld>
+    <p:spTree>
+      <p:nvGrpSpPr>
+        <p:cNvPr id="1" name=""/>
+        <p:cNvGrpSpPr/>
+        <p:nvPr/>
+      </p:nvGrpSpPr>
+      <p:grpSpPr>
+        <a:xfrm>
+          <a:off x="0" y="0"/>
+          <a:ext cx="0" cy="0"/>
+          <a:chOff x="0" y="0"/>
+          <a:chExt cx="0" cy="0"/>
+        </a:xfrm>
+      </p:grpSpPr>
+      <p:sp>
+        <p:nvSpPr>
+          <p:cNvPr id="2" name="Title 1">
+            <a:extLst>
+              <a:ext uri="{FF2B5EF4-FFF2-40B4-BE49-F238E27FC236}">
+                <a16:creationId xmlns:a16="http://schemas.microsoft.com/office/drawing/2014/main" id="{5087C3A2-3371-C0AD-4C59-8834AAF4DDF4}"/>
+              </a:ext>
+            </a:extLst>
+          </p:cNvPr>
+          <p:cNvSpPr>
+            <a:spLocks noGrp="1"/>
+          </p:cNvSpPr>
+          <p:nvPr>
+            <p:ph type="title"/>
+          </p:nvPr>
+        </p:nvSpPr>
+        <p:spPr/>
+        <p:txBody>
+          <a:bodyPr/>
+          <a:lstStyle/>
+          <a:p>
+            <a:r>
+              <a:rPr lang="de-DE" dirty="0" err="1"/>
+              <a:t>Antrenament</a:t>
+            </a:r>
+            <a:endParaRPr lang="de-DE" dirty="0"/>
           </a:p>
         </p:txBody>
       </p:sp>
@@ -5524,7 +10315,7 @@
           <p:cNvPr id="3" name="Content Placeholder 2">
             <a:extLst>
               <a:ext uri="{FF2B5EF4-FFF2-40B4-BE49-F238E27FC236}">
-                <a16:creationId xmlns:a16="http://schemas.microsoft.com/office/drawing/2014/main" id="{D001EB7C-2EF8-CBAE-8D1A-2502B6BC069B}"/>
+                <a16:creationId xmlns:a16="http://schemas.microsoft.com/office/drawing/2014/main" id="{6C7B0F2F-EBBF-69D7-7A98-4B8870078F33}"/>
               </a:ext>
             </a:extLst>
           </p:cNvPr>
@@ -5540,291 +10331,14 @@
           <a:bodyPr/>
           <a:lstStyle/>
           <a:p>
-            <a:pPr>
-              <a:buNone/>
-            </a:pPr>
-            <a:r>
-              <a:rPr lang="en-GB" dirty="0"/>
-              <a:t>LSTM </a:t>
-            </a:r>
-            <a:r>
-              <a:rPr lang="en-GB" dirty="0" err="1"/>
-              <a:t>este</a:t>
-            </a:r>
-            <a:r>
-              <a:rPr lang="en-GB" dirty="0"/>
-              <a:t> ideal </a:t>
-            </a:r>
-            <a:r>
-              <a:rPr lang="en-GB" dirty="0" err="1"/>
-              <a:t>pentru</a:t>
-            </a:r>
-            <a:r>
-              <a:rPr lang="en-GB" dirty="0"/>
-              <a:t> </a:t>
-            </a:r>
-            <a:r>
-              <a:rPr lang="en-GB" dirty="0" err="1"/>
-              <a:t>analiza</a:t>
-            </a:r>
-            <a:r>
-              <a:rPr lang="en-GB" dirty="0"/>
-              <a:t> </a:t>
-            </a:r>
-            <a:r>
-              <a:rPr lang="en-GB" dirty="0" err="1"/>
-              <a:t>și</a:t>
-            </a:r>
-            <a:r>
-              <a:rPr lang="en-GB" dirty="0"/>
-              <a:t> </a:t>
-            </a:r>
-            <a:r>
-              <a:rPr lang="en-GB" dirty="0" err="1"/>
-              <a:t>prognoza</a:t>
-            </a:r>
-            <a:r>
-              <a:rPr lang="en-GB" dirty="0"/>
-              <a:t> </a:t>
-            </a:r>
-            <a:r>
-              <a:rPr lang="en-GB" dirty="0" err="1"/>
-              <a:t>seriilor</a:t>
-            </a:r>
-            <a:r>
-              <a:rPr lang="en-GB" dirty="0"/>
-              <a:t> de </a:t>
-            </a:r>
-            <a:r>
-              <a:rPr lang="en-GB" dirty="0" err="1"/>
-              <a:t>timp</a:t>
-            </a:r>
-            <a:r>
-              <a:rPr lang="en-GB" dirty="0"/>
-              <a:t>, </a:t>
-            </a:r>
-            <a:r>
-              <a:rPr lang="en-GB" dirty="0" err="1"/>
-              <a:t>deoarece</a:t>
-            </a:r>
-            <a:r>
-              <a:rPr lang="en-GB" dirty="0"/>
-              <a:t> </a:t>
-            </a:r>
-            <a:r>
-              <a:rPr lang="en-GB" dirty="0" err="1"/>
-              <a:t>poate</a:t>
-            </a:r>
-            <a:r>
-              <a:rPr lang="en-GB" dirty="0"/>
-              <a:t> </a:t>
-            </a:r>
-            <a:r>
-              <a:rPr lang="en-GB" dirty="0" err="1"/>
-              <a:t>învăța</a:t>
-            </a:r>
-            <a:r>
-              <a:rPr lang="en-GB" dirty="0"/>
-              <a:t> </a:t>
-            </a:r>
-            <a:r>
-              <a:rPr lang="en-GB" dirty="0" err="1"/>
-              <a:t>tipare</a:t>
-            </a:r>
-            <a:r>
-              <a:rPr lang="en-GB" dirty="0"/>
-              <a:t> </a:t>
-            </a:r>
-            <a:r>
-              <a:rPr lang="en-GB" dirty="0" err="1"/>
-              <a:t>complexe</a:t>
-            </a:r>
-            <a:r>
-              <a:rPr lang="en-GB" dirty="0"/>
-              <a:t> </a:t>
-            </a:r>
-            <a:r>
-              <a:rPr lang="en-GB" dirty="0" err="1"/>
-              <a:t>și</a:t>
-            </a:r>
-            <a:r>
-              <a:rPr lang="en-GB" dirty="0"/>
-              <a:t> </a:t>
-            </a:r>
-            <a:r>
-              <a:rPr lang="en-GB" dirty="0" err="1"/>
-              <a:t>dependențe</a:t>
-            </a:r>
-            <a:r>
-              <a:rPr lang="en-GB" dirty="0"/>
-              <a:t> </a:t>
-            </a:r>
-            <a:r>
-              <a:rPr lang="en-GB" dirty="0" err="1"/>
-              <a:t>temporale</a:t>
-            </a:r>
-            <a:r>
-              <a:rPr lang="en-GB" dirty="0"/>
-              <a:t>. </a:t>
-            </a:r>
-            <a:r>
-              <a:rPr lang="en-GB" dirty="0" err="1"/>
-              <a:t>Exemple</a:t>
-            </a:r>
-            <a:r>
-              <a:rPr lang="en-GB" dirty="0"/>
-              <a:t> de </a:t>
-            </a:r>
-            <a:r>
-              <a:rPr lang="en-GB" dirty="0" err="1"/>
-              <a:t>aplicații</a:t>
-            </a:r>
-            <a:r>
-              <a:rPr lang="en-GB" dirty="0"/>
-              <a:t> </a:t>
-            </a:r>
-            <a:r>
-              <a:rPr lang="en-GB" dirty="0" err="1"/>
-              <a:t>includ</a:t>
-            </a:r>
-            <a:r>
-              <a:rPr lang="en-GB" dirty="0"/>
-              <a:t>:</a:t>
-            </a:r>
-          </a:p>
-          <a:p>
-            <a:pPr>
-              <a:buFont typeface="Arial" panose="020B0604020202020204" pitchFamily="34" charset="0"/>
-              <a:buChar char="•"/>
-            </a:pPr>
-            <a:r>
-              <a:rPr lang="en-GB" dirty="0" err="1"/>
-              <a:t>Prognoza</a:t>
-            </a:r>
-            <a:r>
-              <a:rPr lang="en-GB" dirty="0"/>
-              <a:t> </a:t>
-            </a:r>
-            <a:r>
-              <a:rPr lang="en-GB" dirty="0" err="1"/>
-              <a:t>prețurilor</a:t>
-            </a:r>
-            <a:r>
-              <a:rPr lang="en-GB" dirty="0"/>
-              <a:t> </a:t>
-            </a:r>
-            <a:r>
-              <a:rPr lang="en-GB" dirty="0" err="1"/>
-              <a:t>acțiunilor</a:t>
-            </a:r>
-            <a:r>
-              <a:rPr lang="en-GB" dirty="0"/>
-              <a:t>.</a:t>
-            </a:r>
-          </a:p>
-          <a:p>
-            <a:pPr>
-              <a:buFont typeface="Arial" panose="020B0604020202020204" pitchFamily="34" charset="0"/>
-              <a:buChar char="•"/>
-            </a:pPr>
-            <a:r>
-              <a:rPr lang="en-GB" dirty="0" err="1"/>
-              <a:t>Predicția</a:t>
-            </a:r>
-            <a:r>
-              <a:rPr lang="en-GB" dirty="0"/>
-              <a:t> </a:t>
-            </a:r>
-            <a:r>
-              <a:rPr lang="en-GB" dirty="0" err="1"/>
-              <a:t>cererii</a:t>
-            </a:r>
-            <a:r>
-              <a:rPr lang="en-GB" dirty="0"/>
-              <a:t> de </a:t>
-            </a:r>
-            <a:r>
-              <a:rPr lang="en-GB" dirty="0" err="1"/>
-              <a:t>energie</a:t>
-            </a:r>
-            <a:r>
-              <a:rPr lang="en-GB" dirty="0"/>
-              <a:t>.</a:t>
-            </a:r>
-          </a:p>
-          <a:p>
-            <a:pPr>
-              <a:buFont typeface="Arial" panose="020B0604020202020204" pitchFamily="34" charset="0"/>
-              <a:buChar char="•"/>
-            </a:pPr>
-            <a:r>
-              <a:rPr lang="en-GB" dirty="0"/>
-              <a:t>Analiza </a:t>
-            </a:r>
-            <a:r>
-              <a:rPr lang="en-GB" dirty="0" err="1"/>
-              <a:t>datelor</a:t>
-            </a:r>
-            <a:r>
-              <a:rPr lang="en-GB" dirty="0"/>
-              <a:t> </a:t>
-            </a:r>
-            <a:r>
-              <a:rPr lang="en-GB" dirty="0" err="1"/>
-              <a:t>meteorologice</a:t>
-            </a:r>
-            <a:r>
-              <a:rPr lang="en-GB" dirty="0"/>
-              <a:t>.</a:t>
-            </a:r>
-          </a:p>
-          <a:p>
-            <a:pPr>
-              <a:buFont typeface="Arial" panose="020B0604020202020204" pitchFamily="34" charset="0"/>
-              <a:buChar char="•"/>
-            </a:pPr>
-            <a:r>
-              <a:rPr lang="en-GB" dirty="0" err="1"/>
-              <a:t>Recunoașterea</a:t>
-            </a:r>
-            <a:r>
-              <a:rPr lang="en-GB" dirty="0"/>
-              <a:t> </a:t>
-            </a:r>
-            <a:r>
-              <a:rPr lang="en-GB" dirty="0" err="1"/>
-              <a:t>vorbirii</a:t>
-            </a:r>
-            <a:r>
-              <a:rPr lang="en-GB" dirty="0"/>
-              <a:t> </a:t>
-            </a:r>
-            <a:r>
-              <a:rPr lang="en-GB" dirty="0" err="1"/>
-              <a:t>sau</a:t>
-            </a:r>
-            <a:r>
-              <a:rPr lang="en-GB" dirty="0"/>
-              <a:t> a </a:t>
-            </a:r>
-            <a:r>
-              <a:rPr lang="en-GB" dirty="0" err="1"/>
-              <a:t>textului</a:t>
-            </a:r>
-            <a:r>
-              <a:rPr lang="en-GB" dirty="0"/>
-              <a:t>.</a:t>
-            </a:r>
-          </a:p>
-          <a:p>
-            <a:endParaRPr lang="en-DE" dirty="0"/>
+            <a:endParaRPr lang="de-DE"/>
           </a:p>
         </p:txBody>
       </p:sp>
     </p:spTree>
     <p:extLst>
       <p:ext uri="{BB962C8B-B14F-4D97-AF65-F5344CB8AC3E}">
-        <p14:creationId xmlns:p14="http://schemas.microsoft.com/office/powerpoint/2010/main" val="2965795359"/>
+        <p14:creationId xmlns:p14="http://schemas.microsoft.com/office/powerpoint/2010/main" val="1768360142"/>
       </p:ext>
     </p:extLst>
   </p:cSld>

--- a/Doc/Prezicere pret actiuni.pptx
+++ b/Doc/Prezicere pret actiuni.pptx
@@ -270,7 +270,7 @@
           <a:p>
             <a:fld id="{D26A27A1-E3F0-46DF-91D7-3DE2967E6C8E}" type="datetimeFigureOut">
               <a:rPr lang="de-DE" smtClean="0"/>
-              <a:t>25.06.2025</a:t>
+              <a:t>28.06.2025</a:t>
             </a:fld>
             <a:endParaRPr lang="de-DE"/>
           </a:p>
@@ -470,7 +470,7 @@
           <a:p>
             <a:fld id="{D26A27A1-E3F0-46DF-91D7-3DE2967E6C8E}" type="datetimeFigureOut">
               <a:rPr lang="de-DE" smtClean="0"/>
-              <a:t>25.06.2025</a:t>
+              <a:t>28.06.2025</a:t>
             </a:fld>
             <a:endParaRPr lang="de-DE"/>
           </a:p>
@@ -680,7 +680,7 @@
           <a:p>
             <a:fld id="{D26A27A1-E3F0-46DF-91D7-3DE2967E6C8E}" type="datetimeFigureOut">
               <a:rPr lang="de-DE" smtClean="0"/>
-              <a:t>25.06.2025</a:t>
+              <a:t>28.06.2025</a:t>
             </a:fld>
             <a:endParaRPr lang="de-DE"/>
           </a:p>
@@ -880,7 +880,7 @@
           <a:p>
             <a:fld id="{D26A27A1-E3F0-46DF-91D7-3DE2967E6C8E}" type="datetimeFigureOut">
               <a:rPr lang="de-DE" smtClean="0"/>
-              <a:t>25.06.2025</a:t>
+              <a:t>28.06.2025</a:t>
             </a:fld>
             <a:endParaRPr lang="de-DE"/>
           </a:p>
@@ -1156,7 +1156,7 @@
           <a:p>
             <a:fld id="{D26A27A1-E3F0-46DF-91D7-3DE2967E6C8E}" type="datetimeFigureOut">
               <a:rPr lang="de-DE" smtClean="0"/>
-              <a:t>25.06.2025</a:t>
+              <a:t>28.06.2025</a:t>
             </a:fld>
             <a:endParaRPr lang="de-DE"/>
           </a:p>
@@ -1424,7 +1424,7 @@
           <a:p>
             <a:fld id="{D26A27A1-E3F0-46DF-91D7-3DE2967E6C8E}" type="datetimeFigureOut">
               <a:rPr lang="de-DE" smtClean="0"/>
-              <a:t>25.06.2025</a:t>
+              <a:t>28.06.2025</a:t>
             </a:fld>
             <a:endParaRPr lang="de-DE"/>
           </a:p>
@@ -1839,7 +1839,7 @@
           <a:p>
             <a:fld id="{D26A27A1-E3F0-46DF-91D7-3DE2967E6C8E}" type="datetimeFigureOut">
               <a:rPr lang="de-DE" smtClean="0"/>
-              <a:t>25.06.2025</a:t>
+              <a:t>28.06.2025</a:t>
             </a:fld>
             <a:endParaRPr lang="de-DE"/>
           </a:p>
@@ -1981,7 +1981,7 @@
           <a:p>
             <a:fld id="{D26A27A1-E3F0-46DF-91D7-3DE2967E6C8E}" type="datetimeFigureOut">
               <a:rPr lang="de-DE" smtClean="0"/>
-              <a:t>25.06.2025</a:t>
+              <a:t>28.06.2025</a:t>
             </a:fld>
             <a:endParaRPr lang="de-DE"/>
           </a:p>
@@ -2094,7 +2094,7 @@
           <a:p>
             <a:fld id="{D26A27A1-E3F0-46DF-91D7-3DE2967E6C8E}" type="datetimeFigureOut">
               <a:rPr lang="de-DE" smtClean="0"/>
-              <a:t>25.06.2025</a:t>
+              <a:t>28.06.2025</a:t>
             </a:fld>
             <a:endParaRPr lang="de-DE"/>
           </a:p>
@@ -2407,7 +2407,7 @@
           <a:p>
             <a:fld id="{D26A27A1-E3F0-46DF-91D7-3DE2967E6C8E}" type="datetimeFigureOut">
               <a:rPr lang="de-DE" smtClean="0"/>
-              <a:t>25.06.2025</a:t>
+              <a:t>28.06.2025</a:t>
             </a:fld>
             <a:endParaRPr lang="de-DE"/>
           </a:p>
@@ -2696,7 +2696,7 @@
           <a:p>
             <a:fld id="{D26A27A1-E3F0-46DF-91D7-3DE2967E6C8E}" type="datetimeFigureOut">
               <a:rPr lang="de-DE" smtClean="0"/>
-              <a:t>25.06.2025</a:t>
+              <a:t>28.06.2025</a:t>
             </a:fld>
             <a:endParaRPr lang="de-DE"/>
           </a:p>
@@ -2939,7 +2939,7 @@
           <a:p>
             <a:fld id="{D26A27A1-E3F0-46DF-91D7-3DE2967E6C8E}" type="datetimeFigureOut">
               <a:rPr lang="de-DE" smtClean="0"/>
-              <a:t>25.06.2025</a:t>
+              <a:t>28.06.2025</a:t>
             </a:fld>
             <a:endParaRPr lang="de-DE"/>
           </a:p>
@@ -3736,7 +3736,7 @@
             <p:ph idx="1"/>
             <p:extLst>
               <p:ext uri="{D42A27DB-BD31-4B8C-83A1-F6EECF244321}">
-                <p14:modId xmlns:p14="http://schemas.microsoft.com/office/powerpoint/2010/main" val="3920004605"/>
+                <p14:modId xmlns:p14="http://schemas.microsoft.com/office/powerpoint/2010/main" val="3071713986"/>
               </p:ext>
             </p:extLst>
           </p:nvPr>
@@ -3899,39 +3899,6 @@
                     <a:p>
                       <a:r>
                         <a:rPr lang="de-DE" dirty="0"/>
-                        <a:t>27.06</a:t>
-                      </a:r>
-                    </a:p>
-                  </a:txBody>
-                  <a:tcPr/>
-                </a:tc>
-                <a:tc hMerge="1">
-                  <a:txBody>
-                    <a:bodyPr/>
-                    <a:lstStyle/>
-                    <a:p>
-                      <a:endParaRPr lang="de-DE"/>
-                    </a:p>
-                  </a:txBody>
-                  <a:tcPr/>
-                </a:tc>
-                <a:tc hMerge="1">
-                  <a:txBody>
-                    <a:bodyPr/>
-                    <a:lstStyle/>
-                    <a:p>
-                      <a:endParaRPr lang="de-DE"/>
-                    </a:p>
-                  </a:txBody>
-                  <a:tcPr/>
-                </a:tc>
-                <a:tc gridSpan="3">
-                  <a:txBody>
-                    <a:bodyPr/>
-                    <a:lstStyle/>
-                    <a:p>
-                      <a:r>
-                        <a:rPr lang="de-DE" dirty="0"/>
                         <a:t>28.06</a:t>
                       </a:r>
                     </a:p>
@@ -3967,6 +3934,40 @@
                         <a:rPr lang="de-DE" dirty="0"/>
                         <a:t>29.06</a:t>
                       </a:r>
+                    </a:p>
+                  </a:txBody>
+                  <a:tcPr/>
+                </a:tc>
+                <a:tc hMerge="1">
+                  <a:txBody>
+                    <a:bodyPr/>
+                    <a:lstStyle/>
+                    <a:p>
+                      <a:endParaRPr lang="de-DE"/>
+                    </a:p>
+                  </a:txBody>
+                  <a:tcPr/>
+                </a:tc>
+                <a:tc hMerge="1">
+                  <a:txBody>
+                    <a:bodyPr/>
+                    <a:lstStyle/>
+                    <a:p>
+                      <a:endParaRPr lang="de-DE"/>
+                    </a:p>
+                  </a:txBody>
+                  <a:tcPr/>
+                </a:tc>
+                <a:tc gridSpan="3">
+                  <a:txBody>
+                    <a:bodyPr/>
+                    <a:lstStyle/>
+                    <a:p>
+                      <a:r>
+                        <a:rPr lang="de-DE"/>
+                        <a:t>30.06</a:t>
+                      </a:r>
+                      <a:endParaRPr lang="de-DE" dirty="0"/>
                     </a:p>
                   </a:txBody>
                   <a:tcPr/>
@@ -4467,6 +4468,10 @@
                     <a:bodyPr/>
                     <a:lstStyle/>
                     <a:p>
+                      <a:r>
+                        <a:rPr lang="en-GB" dirty="0"/>
+                        <a:t>201</a:t>
+                      </a:r>
                       <a:endParaRPr lang="de-DE" dirty="0"/>
                     </a:p>
                   </a:txBody>
@@ -4477,6 +4482,10 @@
                     <a:bodyPr/>
                     <a:lstStyle/>
                     <a:p>
+                      <a:r>
+                        <a:rPr lang="en-GB" dirty="0"/>
+                        <a:t>201,49</a:t>
+                      </a:r>
                       <a:endParaRPr lang="de-DE" dirty="0"/>
                     </a:p>
                   </a:txBody>
@@ -4487,6 +4496,10 @@
                     <a:bodyPr/>
                     <a:lstStyle/>
                     <a:p>
+                      <a:r>
+                        <a:rPr lang="en-GB" dirty="0"/>
+                        <a:t>201</a:t>
+                      </a:r>
                       <a:endParaRPr lang="de-DE" dirty="0"/>
                     </a:p>
                   </a:txBody>
@@ -4497,6 +4510,10 @@
                     <a:bodyPr/>
                     <a:lstStyle/>
                     <a:p>
+                      <a:r>
+                        <a:rPr lang="en-GB" dirty="0"/>
+                        <a:t>201,08</a:t>
+                      </a:r>
                       <a:endParaRPr lang="de-DE" dirty="0"/>
                     </a:p>
                   </a:txBody>

--- a/Doc/Prezicere pret actiuni.pptx
+++ b/Doc/Prezicere pret actiuni.pptx
@@ -3736,14 +3736,14 @@
             <p:ph idx="1"/>
             <p:extLst>
               <p:ext uri="{D42A27DB-BD31-4B8C-83A1-F6EECF244321}">
-                <p14:modId xmlns:p14="http://schemas.microsoft.com/office/powerpoint/2010/main" val="3071713986"/>
+                <p14:modId xmlns:p14="http://schemas.microsoft.com/office/powerpoint/2010/main" val="1186520372"/>
               </p:ext>
             </p:extLst>
           </p:nvPr>
         </p:nvGraphicFramePr>
         <p:xfrm>
-          <a:off x="838200" y="1825625"/>
-          <a:ext cx="10515600" cy="3327400"/>
+          <a:off x="838199" y="1825625"/>
+          <a:ext cx="10655460" cy="2788920"/>
         </p:xfrm>
         <a:graphic>
           <a:graphicData uri="http://schemas.openxmlformats.org/drawingml/2006/table">
@@ -3752,94 +3752,73 @@
                 <a:tableStyleId>{5C22544A-7EE6-4342-B048-85BDC9FD1C3A}</a:tableStyleId>
               </a:tblPr>
               <a:tblGrid>
-                <a:gridCol w="2103120">
+                <a:gridCol w="2663865">
                   <a:extLst>
                     <a:ext uri="{9D8B030D-6E8A-4147-A177-3AD203B41FA5}">
                       <a16:colId xmlns:a16="http://schemas.microsoft.com/office/drawing/2014/main" val="1067463424"/>
                     </a:ext>
                   </a:extLst>
                 </a:gridCol>
-                <a:gridCol w="701040">
+                <a:gridCol w="887955">
                   <a:extLst>
                     <a:ext uri="{9D8B030D-6E8A-4147-A177-3AD203B41FA5}">
                       <a16:colId xmlns:a16="http://schemas.microsoft.com/office/drawing/2014/main" val="3051176165"/>
                     </a:ext>
                   </a:extLst>
                 </a:gridCol>
-                <a:gridCol w="701040">
+                <a:gridCol w="887955">
                   <a:extLst>
                     <a:ext uri="{9D8B030D-6E8A-4147-A177-3AD203B41FA5}">
                       <a16:colId xmlns:a16="http://schemas.microsoft.com/office/drawing/2014/main" val="1001962734"/>
                     </a:ext>
                   </a:extLst>
                 </a:gridCol>
-                <a:gridCol w="701040">
+                <a:gridCol w="887955">
                   <a:extLst>
                     <a:ext uri="{9D8B030D-6E8A-4147-A177-3AD203B41FA5}">
                       <a16:colId xmlns:a16="http://schemas.microsoft.com/office/drawing/2014/main" val="1839574782"/>
                     </a:ext>
                   </a:extLst>
                 </a:gridCol>
-                <a:gridCol w="701040">
+                <a:gridCol w="887955">
                   <a:extLst>
                     <a:ext uri="{9D8B030D-6E8A-4147-A177-3AD203B41FA5}">
                       <a16:colId xmlns:a16="http://schemas.microsoft.com/office/drawing/2014/main" val="3066940040"/>
                     </a:ext>
                   </a:extLst>
                 </a:gridCol>
-                <a:gridCol w="701040">
+                <a:gridCol w="887955">
                   <a:extLst>
                     <a:ext uri="{9D8B030D-6E8A-4147-A177-3AD203B41FA5}">
                       <a16:colId xmlns:a16="http://schemas.microsoft.com/office/drawing/2014/main" val="958864537"/>
                     </a:ext>
                   </a:extLst>
                 </a:gridCol>
-                <a:gridCol w="701040">
+                <a:gridCol w="887955">
                   <a:extLst>
                     <a:ext uri="{9D8B030D-6E8A-4147-A177-3AD203B41FA5}">
                       <a16:colId xmlns:a16="http://schemas.microsoft.com/office/drawing/2014/main" val="3684416533"/>
                     </a:ext>
                   </a:extLst>
                 </a:gridCol>
-                <a:gridCol w="701040">
+                <a:gridCol w="887955">
                   <a:extLst>
                     <a:ext uri="{9D8B030D-6E8A-4147-A177-3AD203B41FA5}">
                       <a16:colId xmlns:a16="http://schemas.microsoft.com/office/drawing/2014/main" val="994361413"/>
                     </a:ext>
                   </a:extLst>
                 </a:gridCol>
-                <a:gridCol w="701040">
+                <a:gridCol w="887955">
                   <a:extLst>
                     <a:ext uri="{9D8B030D-6E8A-4147-A177-3AD203B41FA5}">
                       <a16:colId xmlns:a16="http://schemas.microsoft.com/office/drawing/2014/main" val="3834495102"/>
                     </a:ext>
                   </a:extLst>
                 </a:gridCol>
-                <a:gridCol w="701040">
+                <a:gridCol w="887955">
                   <a:extLst>
                     <a:ext uri="{9D8B030D-6E8A-4147-A177-3AD203B41FA5}">
                       <a16:colId xmlns:a16="http://schemas.microsoft.com/office/drawing/2014/main" val="575836268"/>
-                    </a:ext>
-                  </a:extLst>
-                </a:gridCol>
-                <a:gridCol w="701040">
-                  <a:extLst>
-                    <a:ext uri="{9D8B030D-6E8A-4147-A177-3AD203B41FA5}">
-                      <a16:colId xmlns:a16="http://schemas.microsoft.com/office/drawing/2014/main" val="486046471"/>
-                    </a:ext>
-                  </a:extLst>
-                </a:gridCol>
-                <a:gridCol w="701040">
-                  <a:extLst>
-                    <a:ext uri="{9D8B030D-6E8A-4147-A177-3AD203B41FA5}">
-                      <a16:colId xmlns:a16="http://schemas.microsoft.com/office/drawing/2014/main" val="2857668328"/>
-                    </a:ext>
-                  </a:extLst>
-                </a:gridCol>
-                <a:gridCol w="701040">
-                  <a:extLst>
-                    <a:ext uri="{9D8B030D-6E8A-4147-A177-3AD203B41FA5}">
-                      <a16:colId xmlns:a16="http://schemas.microsoft.com/office/drawing/2014/main" val="1718398325"/>
                     </a:ext>
                   </a:extLst>
                 </a:gridCol>
@@ -3899,7 +3878,7 @@
                     <a:p>
                       <a:r>
                         <a:rPr lang="de-DE" dirty="0"/>
-                        <a:t>28.06</a:t>
+                        <a:t>30.06</a:t>
                       </a:r>
                     </a:p>
                   </a:txBody>
@@ -3932,42 +3911,8 @@
                     <a:p>
                       <a:r>
                         <a:rPr lang="de-DE" dirty="0"/>
-                        <a:t>29.06</a:t>
+                        <a:t>01.07</a:t>
                       </a:r>
-                    </a:p>
-                  </a:txBody>
-                  <a:tcPr/>
-                </a:tc>
-                <a:tc hMerge="1">
-                  <a:txBody>
-                    <a:bodyPr/>
-                    <a:lstStyle/>
-                    <a:p>
-                      <a:endParaRPr lang="de-DE"/>
-                    </a:p>
-                  </a:txBody>
-                  <a:tcPr/>
-                </a:tc>
-                <a:tc hMerge="1">
-                  <a:txBody>
-                    <a:bodyPr/>
-                    <a:lstStyle/>
-                    <a:p>
-                      <a:endParaRPr lang="de-DE"/>
-                    </a:p>
-                  </a:txBody>
-                  <a:tcPr/>
-                </a:tc>
-                <a:tc gridSpan="3">
-                  <a:txBody>
-                    <a:bodyPr/>
-                    <a:lstStyle/>
-                    <a:p>
-                      <a:r>
-                        <a:rPr lang="de-DE"/>
-                        <a:t>30.06</a:t>
-                      </a:r>
-                      <a:endParaRPr lang="de-DE" dirty="0"/>
                     </a:p>
                   </a:txBody>
                   <a:tcPr/>
@@ -4060,7 +4005,7 @@
                     <a:p>
                       <a:pPr marL="0" algn="l" defTabSz="914400" rtl="0" eaLnBrk="1" latinLnBrk="0" hangingPunct="1"/>
                       <a:r>
-                        <a:rPr lang="de-DE" sz="1000" b="1" kern="1200" dirty="0" err="1">
+                        <a:rPr lang="en-GB" sz="1000" b="1" kern="1200" dirty="0">
                           <a:solidFill>
                             <a:schemeClr val="lt1"/>
                           </a:solidFill>
@@ -4068,16 +4013,19 @@
                           <a:ea typeface="+mn-ea"/>
                           <a:cs typeface="+mn-cs"/>
                         </a:rPr>
-                        <a:t>precedent</a:t>
+                        <a:t>2</a:t>
                       </a:r>
-                      <a:endParaRPr lang="de-DE" sz="1000" b="1" kern="1200" dirty="0">
-                        <a:solidFill>
-                          <a:schemeClr val="lt1"/>
-                        </a:solidFill>
-                        <a:latin typeface="+mn-lt"/>
-                        <a:ea typeface="+mn-ea"/>
-                        <a:cs typeface="+mn-cs"/>
-                      </a:endParaRPr>
+                      <a:r>
+                        <a:rPr lang="de-DE" sz="1000" b="1" kern="1200" dirty="0">
+                          <a:solidFill>
+                            <a:schemeClr val="lt1"/>
+                          </a:solidFill>
+                          <a:latin typeface="+mn-lt"/>
+                          <a:ea typeface="+mn-ea"/>
+                          <a:cs typeface="+mn-cs"/>
+                        </a:rPr>
+                        <a:t>5.06</a:t>
+                      </a:r>
                     </a:p>
                   </a:txBody>
                   <a:tcPr>
@@ -4162,7 +4110,7 @@
                     <a:p>
                       <a:pPr marL="0" algn="l" defTabSz="914400" rtl="0" eaLnBrk="1" latinLnBrk="0" hangingPunct="1"/>
                       <a:r>
-                        <a:rPr lang="de-DE" sz="1000" b="1" kern="1200" dirty="0" err="1">
+                        <a:rPr lang="en-GB" sz="1000" b="1" kern="1200" dirty="0">
                           <a:solidFill>
                             <a:schemeClr val="lt1"/>
                           </a:solidFill>
@@ -4170,16 +4118,19 @@
                           <a:ea typeface="+mn-ea"/>
                           <a:cs typeface="+mn-cs"/>
                         </a:rPr>
-                        <a:t>precedent</a:t>
+                        <a:t>2</a:t>
                       </a:r>
-                      <a:endParaRPr lang="de-DE" sz="1000" b="1" kern="1200" dirty="0">
-                        <a:solidFill>
-                          <a:schemeClr val="lt1"/>
-                        </a:solidFill>
-                        <a:latin typeface="+mn-lt"/>
-                        <a:ea typeface="+mn-ea"/>
-                        <a:cs typeface="+mn-cs"/>
-                      </a:endParaRPr>
+                      <a:r>
+                        <a:rPr lang="de-DE" sz="1000" b="1" kern="1200" dirty="0">
+                          <a:solidFill>
+                            <a:schemeClr val="lt1"/>
+                          </a:solidFill>
+                          <a:latin typeface="+mn-lt"/>
+                          <a:ea typeface="+mn-ea"/>
+                          <a:cs typeface="+mn-cs"/>
+                        </a:rPr>
+                        <a:t>7.06</a:t>
+                      </a:r>
                     </a:p>
                   </a:txBody>
                   <a:tcPr>
@@ -4203,7 +4154,7 @@
                           <a:ea typeface="+mn-ea"/>
                           <a:cs typeface="+mn-cs"/>
                         </a:rPr>
-                        <a:t>real</a:t>
+                        <a:t>Real</a:t>
                       </a:r>
                     </a:p>
                   </a:txBody>
@@ -4264,7 +4215,7 @@
                     <a:p>
                       <a:pPr marL="0" algn="l" defTabSz="914400" rtl="0" eaLnBrk="1" latinLnBrk="0" hangingPunct="1"/>
                       <a:r>
-                        <a:rPr lang="de-DE" sz="1000" b="1" kern="1200" dirty="0" err="1">
+                        <a:rPr lang="en-GB" sz="1000" b="1" kern="1200" dirty="0">
                           <a:solidFill>
                             <a:schemeClr val="lt1"/>
                           </a:solidFill>
@@ -4272,30 +4223,8 @@
                           <a:ea typeface="+mn-ea"/>
                           <a:cs typeface="+mn-cs"/>
                         </a:rPr>
-                        <a:t>precedent</a:t>
+                        <a:t>3</a:t>
                       </a:r>
-                      <a:endParaRPr lang="de-DE" sz="1000" b="1" kern="1200" dirty="0">
-                        <a:solidFill>
-                          <a:schemeClr val="lt1"/>
-                        </a:solidFill>
-                        <a:latin typeface="+mn-lt"/>
-                        <a:ea typeface="+mn-ea"/>
-                        <a:cs typeface="+mn-cs"/>
-                      </a:endParaRPr>
-                    </a:p>
-                  </a:txBody>
-                  <a:tcPr>
-                    <a:solidFill>
-                      <a:schemeClr val="accent1"/>
-                    </a:solidFill>
-                  </a:tcPr>
-                </a:tc>
-                <a:tc>
-                  <a:txBody>
-                    <a:bodyPr/>
-                    <a:lstStyle/>
-                    <a:p>
-                      <a:pPr marL="0" algn="l" defTabSz="914400" rtl="0" eaLnBrk="1" latinLnBrk="0" hangingPunct="1"/>
                       <a:r>
                         <a:rPr lang="de-DE" sz="1000" b="1" kern="1200" dirty="0">
                           <a:solidFill>
@@ -4305,85 +4234,8 @@
                           <a:ea typeface="+mn-ea"/>
                           <a:cs typeface="+mn-cs"/>
                         </a:rPr>
-                        <a:t>real</a:t>
+                        <a:t>0.06</a:t>
                       </a:r>
-                    </a:p>
-                  </a:txBody>
-                  <a:tcPr>
-                    <a:solidFill>
-                      <a:schemeClr val="accent1"/>
-                    </a:solidFill>
-                  </a:tcPr>
-                </a:tc>
-                <a:tc>
-                  <a:txBody>
-                    <a:bodyPr/>
-                    <a:lstStyle/>
-                    <a:p>
-                      <a:pPr marL="0" algn="l" defTabSz="914400" rtl="0" eaLnBrk="1" latinLnBrk="0" hangingPunct="1"/>
-                      <a:r>
-                        <a:rPr lang="de-DE" sz="1000" b="1" kern="1200" dirty="0" err="1">
-                          <a:solidFill>
-                            <a:schemeClr val="lt1"/>
-                          </a:solidFill>
-                          <a:latin typeface="+mn-lt"/>
-                          <a:ea typeface="+mn-ea"/>
-                          <a:cs typeface="+mn-cs"/>
-                        </a:rPr>
-                        <a:t>estimat</a:t>
-                      </a:r>
-                      <a:endParaRPr lang="de-DE" sz="1000" b="1" kern="1200" dirty="0">
-                        <a:solidFill>
-                          <a:schemeClr val="lt1"/>
-                        </a:solidFill>
-                        <a:latin typeface="+mn-lt"/>
-                        <a:ea typeface="+mn-ea"/>
-                        <a:cs typeface="+mn-cs"/>
-                      </a:endParaRPr>
-                    </a:p>
-                    <a:p>
-                      <a:pPr marL="0" algn="l" defTabSz="914400" rtl="0" eaLnBrk="1" latinLnBrk="0" hangingPunct="1"/>
-                      <a:endParaRPr lang="de-DE" sz="1000" b="1" kern="1200" dirty="0">
-                        <a:solidFill>
-                          <a:schemeClr val="lt1"/>
-                        </a:solidFill>
-                        <a:latin typeface="+mn-lt"/>
-                        <a:ea typeface="+mn-ea"/>
-                        <a:cs typeface="+mn-cs"/>
-                      </a:endParaRPr>
-                    </a:p>
-                  </a:txBody>
-                  <a:tcPr>
-                    <a:solidFill>
-                      <a:schemeClr val="accent1"/>
-                    </a:solidFill>
-                  </a:tcPr>
-                </a:tc>
-                <a:tc>
-                  <a:txBody>
-                    <a:bodyPr/>
-                    <a:lstStyle/>
-                    <a:p>
-                      <a:pPr marL="0" algn="l" defTabSz="914400" rtl="0" eaLnBrk="1" latinLnBrk="0" hangingPunct="1"/>
-                      <a:r>
-                        <a:rPr lang="de-DE" sz="1000" b="1" kern="1200" dirty="0" err="1">
-                          <a:solidFill>
-                            <a:schemeClr val="lt1"/>
-                          </a:solidFill>
-                          <a:latin typeface="+mn-lt"/>
-                          <a:ea typeface="+mn-ea"/>
-                          <a:cs typeface="+mn-cs"/>
-                        </a:rPr>
-                        <a:t>precedent</a:t>
-                      </a:r>
-                      <a:endParaRPr lang="de-DE" sz="1000" b="1" kern="1200" dirty="0">
-                        <a:solidFill>
-                          <a:schemeClr val="lt1"/>
-                        </a:solidFill>
-                        <a:latin typeface="+mn-lt"/>
-                        <a:ea typeface="+mn-ea"/>
-                        <a:cs typeface="+mn-cs"/>
-                      </a:endParaRPr>
                     </a:p>
                   </a:txBody>
                   <a:tcPr>
@@ -4498,7 +4350,7 @@
                     <a:p>
                       <a:r>
                         <a:rPr lang="en-GB" dirty="0"/>
-                        <a:t>201</a:t>
+                        <a:t>201,08</a:t>
                       </a:r>
                       <a:endParaRPr lang="de-DE" dirty="0"/>
                     </a:p>
@@ -4512,7 +4364,7 @@
                     <a:p>
                       <a:r>
                         <a:rPr lang="en-GB" dirty="0"/>
-                        <a:t>201,08</a:t>
+                        <a:t>205,17</a:t>
                       </a:r>
                       <a:endParaRPr lang="de-DE" dirty="0"/>
                     </a:p>
@@ -4524,6 +4376,10 @@
                     <a:bodyPr/>
                     <a:lstStyle/>
                     <a:p>
+                      <a:r>
+                        <a:rPr lang="en-GB" dirty="0"/>
+                        <a:t>205,59</a:t>
+                      </a:r>
                       <a:endParaRPr lang="de-DE" dirty="0"/>
                     </a:p>
                   </a:txBody>
@@ -4534,6 +4390,10 @@
                     <a:bodyPr/>
                     <a:lstStyle/>
                     <a:p>
+                      <a:r>
+                        <a:rPr lang="en-GB" dirty="0"/>
+                        <a:t>205,17</a:t>
+                      </a:r>
                       <a:endParaRPr lang="de-DE" dirty="0"/>
                     </a:p>
                   </a:txBody>
@@ -4544,36 +4404,10 @@
                     <a:bodyPr/>
                     <a:lstStyle/>
                     <a:p>
-                      <a:endParaRPr lang="de-DE" dirty="0"/>
-                    </a:p>
-                  </a:txBody>
-                  <a:tcPr/>
-                </a:tc>
-                <a:tc>
-                  <a:txBody>
-                    <a:bodyPr/>
-                    <a:lstStyle/>
-                    <a:p>
-                      <a:endParaRPr lang="de-DE" dirty="0"/>
-                    </a:p>
-                  </a:txBody>
-                  <a:tcPr/>
-                </a:tc>
-                <a:tc>
-                  <a:txBody>
-                    <a:bodyPr/>
-                    <a:lstStyle/>
-                    <a:p>
-                      <a:endParaRPr lang="de-DE" dirty="0"/>
-                    </a:p>
-                  </a:txBody>
-                  <a:tcPr/>
-                </a:tc>
-                <a:tc>
-                  <a:txBody>
-                    <a:bodyPr/>
-                    <a:lstStyle/>
-                    <a:p>
+                      <a:r>
+                        <a:rPr lang="en-GB" dirty="0"/>
+                        <a:t>207,82</a:t>
+                      </a:r>
                       <a:endParaRPr lang="de-DE" dirty="0"/>
                     </a:p>
                   </a:txBody>
@@ -4630,6 +4464,10 @@
                     <a:bodyPr/>
                     <a:lstStyle/>
                     <a:p>
+                      <a:r>
+                        <a:rPr lang="en-GB" dirty="0"/>
+                        <a:t>497,45</a:t>
+                      </a:r>
                       <a:endParaRPr lang="de-DE" dirty="0"/>
                     </a:p>
                   </a:txBody>
@@ -4640,6 +4478,10 @@
                     <a:bodyPr/>
                     <a:lstStyle/>
                     <a:p>
+                      <a:r>
+                        <a:rPr lang="en-GB" dirty="0"/>
+                        <a:t>497,90</a:t>
+                      </a:r>
                       <a:endParaRPr lang="de-DE" dirty="0"/>
                     </a:p>
                   </a:txBody>
@@ -4650,16 +4492,10 @@
                     <a:bodyPr/>
                     <a:lstStyle/>
                     <a:p>
-                      <a:endParaRPr lang="de-DE"/>
-                    </a:p>
-                  </a:txBody>
-                  <a:tcPr/>
-                </a:tc>
-                <a:tc>
-                  <a:txBody>
-                    <a:bodyPr/>
-                    <a:lstStyle/>
-                    <a:p>
+                      <a:r>
+                        <a:rPr lang="en-GB" dirty="0"/>
+                        <a:t>495,94</a:t>
+                      </a:r>
                       <a:endParaRPr lang="de-DE" dirty="0"/>
                     </a:p>
                   </a:txBody>
@@ -4670,6 +4506,10 @@
                     <a:bodyPr/>
                     <a:lstStyle/>
                     <a:p>
+                      <a:r>
+                        <a:rPr lang="en-GB" dirty="0"/>
+                        <a:t>497,41</a:t>
+                      </a:r>
                       <a:endParaRPr lang="de-DE" dirty="0"/>
                     </a:p>
                   </a:txBody>
@@ -4680,6 +4520,10 @@
                     <a:bodyPr/>
                     <a:lstStyle/>
                     <a:p>
+                      <a:r>
+                        <a:rPr lang="en-GB" dirty="0"/>
+                        <a:t>499,17</a:t>
+                      </a:r>
                       <a:endParaRPr lang="de-DE" dirty="0"/>
                     </a:p>
                   </a:txBody>
@@ -4690,6 +4534,10 @@
                     <a:bodyPr/>
                     <a:lstStyle/>
                     <a:p>
+                      <a:r>
+                        <a:rPr lang="en-GB" dirty="0"/>
+                        <a:t>497,41</a:t>
+                      </a:r>
                       <a:endParaRPr lang="de-DE" dirty="0"/>
                     </a:p>
                   </a:txBody>
@@ -4700,26 +4548,10 @@
                     <a:bodyPr/>
                     <a:lstStyle/>
                     <a:p>
-                      <a:endParaRPr lang="de-DE" dirty="0"/>
-                    </a:p>
-                  </a:txBody>
-                  <a:tcPr/>
-                </a:tc>
-                <a:tc>
-                  <a:txBody>
-                    <a:bodyPr/>
-                    <a:lstStyle/>
-                    <a:p>
-                      <a:endParaRPr lang="de-DE" dirty="0"/>
-                    </a:p>
-                  </a:txBody>
-                  <a:tcPr/>
-                </a:tc>
-                <a:tc>
-                  <a:txBody>
-                    <a:bodyPr/>
-                    <a:lstStyle/>
-                    <a:p>
+                      <a:r>
+                        <a:rPr lang="en-GB" dirty="0"/>
+                        <a:t>492,05</a:t>
+                      </a:r>
                       <a:endParaRPr lang="de-DE" dirty="0"/>
                     </a:p>
                   </a:txBody>
@@ -4776,6 +4608,10 @@
                     <a:bodyPr/>
                     <a:lstStyle/>
                     <a:p>
+                      <a:r>
+                        <a:rPr lang="en-GB" dirty="0"/>
+                        <a:t>173,54</a:t>
+                      </a:r>
                       <a:endParaRPr lang="de-DE" dirty="0"/>
                     </a:p>
                   </a:txBody>
@@ -4786,6 +4622,10 @@
                     <a:bodyPr/>
                     <a:lstStyle/>
                     <a:p>
+                      <a:r>
+                        <a:rPr lang="en-GB" dirty="0"/>
+                        <a:t>179,02</a:t>
+                      </a:r>
                       <a:endParaRPr lang="de-DE" dirty="0"/>
                     </a:p>
                   </a:txBody>
@@ -4796,16 +4636,10 @@
                     <a:bodyPr/>
                     <a:lstStyle/>
                     <a:p>
-                      <a:endParaRPr lang="de-DE"/>
-                    </a:p>
-                  </a:txBody>
-                  <a:tcPr/>
-                </a:tc>
-                <a:tc>
-                  <a:txBody>
-                    <a:bodyPr/>
-                    <a:lstStyle/>
-                    <a:p>
+                      <a:r>
+                        <a:rPr lang="en-GB" dirty="0"/>
+                        <a:t>178,53</a:t>
+                      </a:r>
                       <a:endParaRPr lang="de-DE" dirty="0"/>
                     </a:p>
                   </a:txBody>
@@ -4816,6 +4650,10 @@
                     <a:bodyPr/>
                     <a:lstStyle/>
                     <a:p>
+                      <a:r>
+                        <a:rPr lang="en-GB" dirty="0"/>
+                        <a:t>176,23</a:t>
+                      </a:r>
                       <a:endParaRPr lang="de-DE" dirty="0"/>
                     </a:p>
                   </a:txBody>
@@ -4826,6 +4664,10 @@
                     <a:bodyPr/>
                     <a:lstStyle/>
                     <a:p>
+                      <a:r>
+                        <a:rPr lang="en-GB" dirty="0"/>
+                        <a:t>177,93</a:t>
+                      </a:r>
                       <a:endParaRPr lang="de-DE" dirty="0"/>
                     </a:p>
                   </a:txBody>
@@ -4836,6 +4678,10 @@
                     <a:bodyPr/>
                     <a:lstStyle/>
                     <a:p>
+                      <a:r>
+                        <a:rPr lang="en-GB" dirty="0"/>
+                        <a:t>176,23</a:t>
+                      </a:r>
                       <a:endParaRPr lang="de-DE" dirty="0"/>
                     </a:p>
                   </a:txBody>
@@ -4846,26 +4692,10 @@
                     <a:bodyPr/>
                     <a:lstStyle/>
                     <a:p>
-                      <a:endParaRPr lang="de-DE" dirty="0"/>
-                    </a:p>
-                  </a:txBody>
-                  <a:tcPr/>
-                </a:tc>
-                <a:tc>
-                  <a:txBody>
-                    <a:bodyPr/>
-                    <a:lstStyle/>
-                    <a:p>
-                      <a:endParaRPr lang="de-DE" dirty="0"/>
-                    </a:p>
-                  </a:txBody>
-                  <a:tcPr/>
-                </a:tc>
-                <a:tc>
-                  <a:txBody>
-                    <a:bodyPr/>
-                    <a:lstStyle/>
-                    <a:p>
+                      <a:r>
+                        <a:rPr lang="en-GB" dirty="0"/>
+                        <a:t>175,84</a:t>
+                      </a:r>
                       <a:endParaRPr lang="de-DE" dirty="0"/>
                     </a:p>
                   </a:txBody>
@@ -4923,6 +4753,10 @@
                     <a:bodyPr/>
                     <a:lstStyle/>
                     <a:p>
+                      <a:r>
+                        <a:rPr lang="en-GB" dirty="0"/>
+                        <a:t>477,54</a:t>
+                      </a:r>
                       <a:endParaRPr lang="de-DE" dirty="0"/>
                     </a:p>
                   </a:txBody>
@@ -4933,6 +4767,10 @@
                     <a:bodyPr/>
                     <a:lstStyle/>
                     <a:p>
+                      <a:r>
+                        <a:rPr lang="en-GB" dirty="0"/>
+                        <a:t>491,45</a:t>
+                      </a:r>
                       <a:endParaRPr lang="de-DE" dirty="0"/>
                     </a:p>
                   </a:txBody>
@@ -4943,16 +4781,10 @@
                     <a:bodyPr/>
                     <a:lstStyle/>
                     <a:p>
-                      <a:endParaRPr lang="de-DE"/>
-                    </a:p>
-                  </a:txBody>
-                  <a:tcPr/>
-                </a:tc>
-                <a:tc>
-                  <a:txBody>
-                    <a:bodyPr/>
-                    <a:lstStyle/>
-                    <a:p>
+                      <a:r>
+                        <a:rPr lang="en-GB" dirty="0"/>
+                        <a:t>491,1</a:t>
+                      </a:r>
                       <a:endParaRPr lang="de-DE" dirty="0"/>
                     </a:p>
                   </a:txBody>
@@ -4963,6 +4795,10 @@
                     <a:bodyPr/>
                     <a:lstStyle/>
                     <a:p>
+                      <a:r>
+                        <a:rPr lang="en-GB" dirty="0"/>
+                        <a:t>490,74</a:t>
+                      </a:r>
                       <a:endParaRPr lang="de-DE" dirty="0"/>
                     </a:p>
                   </a:txBody>
@@ -4973,6 +4809,10 @@
                     <a:bodyPr/>
                     <a:lstStyle/>
                     <a:p>
+                      <a:r>
+                        <a:rPr lang="en-GB" dirty="0"/>
+                        <a:t>491,94</a:t>
+                      </a:r>
                       <a:endParaRPr lang="de-DE" dirty="0"/>
                     </a:p>
                   </a:txBody>
@@ -4983,6 +4823,10 @@
                     <a:bodyPr/>
                     <a:lstStyle/>
                     <a:p>
+                      <a:r>
+                        <a:rPr lang="en-GB" dirty="0"/>
+                        <a:t>490,74</a:t>
+                      </a:r>
                       <a:endParaRPr lang="de-DE" dirty="0"/>
                     </a:p>
                   </a:txBody>
@@ -4993,26 +4837,10 @@
                     <a:bodyPr/>
                     <a:lstStyle/>
                     <a:p>
-                      <a:endParaRPr lang="de-DE" dirty="0"/>
-                    </a:p>
-                  </a:txBody>
-                  <a:tcPr/>
-                </a:tc>
-                <a:tc>
-                  <a:txBody>
-                    <a:bodyPr/>
-                    <a:lstStyle/>
-                    <a:p>
-                      <a:endParaRPr lang="de-DE" dirty="0"/>
-                    </a:p>
-                  </a:txBody>
-                  <a:tcPr/>
-                </a:tc>
-                <a:tc>
-                  <a:txBody>
-                    <a:bodyPr/>
-                    <a:lstStyle/>
-                    <a:p>
+                      <a:r>
+                        <a:rPr lang="en-GB" dirty="0"/>
+                        <a:t>489,37</a:t>
+                      </a:r>
                       <a:endParaRPr lang="de-DE" dirty="0"/>
                     </a:p>
                   </a:txBody>
@@ -7425,12 +7253,16 @@
           </a:p>
           <a:p>
             <a:r>
-              <a:rPr lang="ro-RO" noProof="0" dirty="0" err="1"/>
-              <a:t>Normaluzarea</a:t>
-            </a:r>
-            <a:r>
               <a:rPr lang="ro-RO" noProof="0" dirty="0"/>
-              <a:t> folosita e randamentul logaritmic, </a:t>
+              <a:t>Normal</a:t>
+            </a:r>
+            <a:r>
+              <a:rPr lang="en-GB" noProof="0" dirty="0" err="1"/>
+              <a:t>i</a:t>
+            </a:r>
+            <a:r>
+              <a:rPr lang="ro-RO" noProof="0" dirty="0"/>
+              <a:t>zarea folosita e randamentul logaritmic, </a:t>
             </a:r>
             <a:r>
               <a:rPr lang="ro-RO" noProof="0" dirty="0" err="1"/>
